--- a/Info/School Project/Presentation.pptx
+++ b/Info/School Project/Presentation.pptx
@@ -9,13 +9,15 @@
     <p:sldId id="266" r:id="rId3"/>
     <p:sldId id="268" r:id="rId4"/>
     <p:sldId id="269" r:id="rId5"/>
-    <p:sldId id="270" r:id="rId6"/>
-    <p:sldId id="271" r:id="rId7"/>
-    <p:sldId id="272" r:id="rId8"/>
-    <p:sldId id="273" r:id="rId9"/>
-    <p:sldId id="267" r:id="rId10"/>
-    <p:sldId id="274" r:id="rId11"/>
-    <p:sldId id="275" r:id="rId12"/>
+    <p:sldId id="272" r:id="rId6"/>
+    <p:sldId id="270" r:id="rId7"/>
+    <p:sldId id="276" r:id="rId8"/>
+    <p:sldId id="277" r:id="rId9"/>
+    <p:sldId id="278" r:id="rId10"/>
+    <p:sldId id="271" r:id="rId11"/>
+    <p:sldId id="267" r:id="rId12"/>
+    <p:sldId id="274" r:id="rId13"/>
+    <p:sldId id="275" r:id="rId14"/>
   </p:sldIdLst>
   <p:sldSz cx="12192000" cy="6858000"/>
   <p:notesSz cx="6858000" cy="9144000"/>
@@ -269,7 +271,7 @@
           <a:p>
             <a:fld id="{242890A8-A664-4ECA-A56B-4F9F17F3527D}" type="datetimeFigureOut">
               <a:rPr lang="ru-RU" smtClean="0"/>
-              <a:t>10.12.2023</a:t>
+              <a:t>22.01.2024</a:t>
             </a:fld>
             <a:endParaRPr lang="ru-RU"/>
           </a:p>
@@ -479,7 +481,7 @@
           <a:p>
             <a:fld id="{242890A8-A664-4ECA-A56B-4F9F17F3527D}" type="datetimeFigureOut">
               <a:rPr lang="ru-RU" smtClean="0"/>
-              <a:t>10.12.2023</a:t>
+              <a:t>22.01.2024</a:t>
             </a:fld>
             <a:endParaRPr lang="ru-RU"/>
           </a:p>
@@ -699,7 +701,7 @@
           <a:p>
             <a:fld id="{242890A8-A664-4ECA-A56B-4F9F17F3527D}" type="datetimeFigureOut">
               <a:rPr lang="ru-RU" smtClean="0"/>
-              <a:t>10.12.2023</a:t>
+              <a:t>22.01.2024</a:t>
             </a:fld>
             <a:endParaRPr lang="ru-RU"/>
           </a:p>
@@ -909,7 +911,7 @@
           <a:p>
             <a:fld id="{242890A8-A664-4ECA-A56B-4F9F17F3527D}" type="datetimeFigureOut">
               <a:rPr lang="ru-RU" smtClean="0"/>
-              <a:t>10.12.2023</a:t>
+              <a:t>22.01.2024</a:t>
             </a:fld>
             <a:endParaRPr lang="ru-RU"/>
           </a:p>
@@ -1196,7 +1198,7 @@
           <a:p>
             <a:fld id="{242890A8-A664-4ECA-A56B-4F9F17F3527D}" type="datetimeFigureOut">
               <a:rPr lang="ru-RU" smtClean="0"/>
-              <a:t>10.12.2023</a:t>
+              <a:t>22.01.2024</a:t>
             </a:fld>
             <a:endParaRPr lang="ru-RU"/>
           </a:p>
@@ -1473,7 +1475,7 @@
           <a:p>
             <a:fld id="{242890A8-A664-4ECA-A56B-4F9F17F3527D}" type="datetimeFigureOut">
               <a:rPr lang="ru-RU" smtClean="0"/>
-              <a:t>10.12.2023</a:t>
+              <a:t>22.01.2024</a:t>
             </a:fld>
             <a:endParaRPr lang="ru-RU"/>
           </a:p>
@@ -1897,7 +1899,7 @@
           <a:p>
             <a:fld id="{242890A8-A664-4ECA-A56B-4F9F17F3527D}" type="datetimeFigureOut">
               <a:rPr lang="ru-RU" smtClean="0"/>
-              <a:t>10.12.2023</a:t>
+              <a:t>22.01.2024</a:t>
             </a:fld>
             <a:endParaRPr lang="ru-RU"/>
           </a:p>
@@ -2050,7 +2052,7 @@
           <a:p>
             <a:fld id="{242890A8-A664-4ECA-A56B-4F9F17F3527D}" type="datetimeFigureOut">
               <a:rPr lang="ru-RU" smtClean="0"/>
-              <a:t>10.12.2023</a:t>
+              <a:t>22.01.2024</a:t>
             </a:fld>
             <a:endParaRPr lang="ru-RU"/>
           </a:p>
@@ -2175,7 +2177,7 @@
           <a:p>
             <a:fld id="{242890A8-A664-4ECA-A56B-4F9F17F3527D}" type="datetimeFigureOut">
               <a:rPr lang="ru-RU" smtClean="0"/>
-              <a:t>10.12.2023</a:t>
+              <a:t>22.01.2024</a:t>
             </a:fld>
             <a:endParaRPr lang="ru-RU"/>
           </a:p>
@@ -2498,7 +2500,7 @@
           <a:p>
             <a:fld id="{242890A8-A664-4ECA-A56B-4F9F17F3527D}" type="datetimeFigureOut">
               <a:rPr lang="ru-RU" smtClean="0"/>
-              <a:t>10.12.2023</a:t>
+              <a:t>22.01.2024</a:t>
             </a:fld>
             <a:endParaRPr lang="ru-RU"/>
           </a:p>
@@ -2798,7 +2800,7 @@
           <a:p>
             <a:fld id="{242890A8-A664-4ECA-A56B-4F9F17F3527D}" type="datetimeFigureOut">
               <a:rPr lang="ru-RU" smtClean="0"/>
-              <a:t>10.12.2023</a:t>
+              <a:t>22.01.2024</a:t>
             </a:fld>
             <a:endParaRPr lang="ru-RU"/>
           </a:p>
@@ -3067,7 +3069,7 @@
           <a:p>
             <a:fld id="{242890A8-A664-4ECA-A56B-4F9F17F3527D}" type="datetimeFigureOut">
               <a:rPr lang="ru-RU" smtClean="0"/>
-              <a:t>10.12.2023</a:t>
+              <a:t>22.01.2024</a:t>
             </a:fld>
             <a:endParaRPr lang="ru-RU"/>
           </a:p>
@@ -4164,7 +4166,7 @@
         <p:spPr>
           <a:xfrm>
             <a:off x="780591" y="683366"/>
-            <a:ext cx="5833841" cy="2400657"/>
+            <a:ext cx="4704942" cy="1938992"/>
           </a:xfrm>
           <a:prstGeom prst="rect">
             <a:avLst/>
@@ -4178,7 +4180,7 @@
           <a:lstStyle/>
           <a:p>
             <a:r>
-              <a:rPr lang="ru-RU" sz="5000" b="1" dirty="0">
+              <a:rPr lang="ru-RU" sz="4000" b="1" dirty="0">
                 <a:solidFill>
                   <a:schemeClr val="bg1"/>
                 </a:solidFill>
@@ -4195,7 +4197,7 @@
           </a:p>
           <a:p>
             <a:r>
-              <a:rPr lang="ru-RU" sz="5000" b="1" dirty="0">
+              <a:rPr lang="ru-RU" sz="4000" b="1" dirty="0">
                 <a:solidFill>
                   <a:schemeClr val="bg1"/>
                 </a:solidFill>
@@ -4212,7 +4214,7 @@
           </a:p>
           <a:p>
             <a:r>
-              <a:rPr lang="ru-RU" sz="5000" b="1" dirty="0">
+              <a:rPr lang="ru-RU" sz="4000" b="1" dirty="0">
                 <a:solidFill>
                   <a:schemeClr val="bg1"/>
                 </a:solidFill>
@@ -4243,8 +4245,8 @@
         </p:nvSpPr>
         <p:spPr>
           <a:xfrm>
-            <a:off x="780591" y="3713073"/>
-            <a:ext cx="2536207" cy="492443"/>
+            <a:off x="619760" y="2615326"/>
+            <a:ext cx="6593445" cy="1477328"/>
           </a:xfrm>
           <a:prstGeom prst="rect">
             <a:avLst/>
@@ -4252,13 +4254,13 @@
           <a:noFill/>
         </p:spPr>
         <p:txBody>
-          <a:bodyPr wrap="none" rtlCol="0">
+          <a:bodyPr wrap="square" rtlCol="0">
             <a:spAutoFit/>
           </a:bodyPr>
           <a:lstStyle/>
           <a:p>
             <a:r>
-              <a:rPr lang="ru-RU" sz="2600" dirty="0">
+              <a:rPr lang="ru-RU" sz="3000" dirty="0">
                 <a:solidFill>
                   <a:schemeClr val="bg1"/>
                 </a:solidFill>
@@ -4270,8 +4272,80 @@
                   </a:outerShdw>
                 </a:effectLst>
               </a:rPr>
-              <a:t>по информатике</a:t>
-            </a:r>
+              <a:t>На тему </a:t>
+            </a:r>
+            <a:r>
+              <a:rPr lang="en-US" sz="3000" dirty="0">
+                <a:solidFill>
+                  <a:schemeClr val="bg1"/>
+                </a:solidFill>
+                <a:effectLst>
+                  <a:outerShdw blurRad="38100" dist="38100" dir="2700000" algn="tl">
+                    <a:srgbClr val="000000">
+                      <a:alpha val="43137"/>
+                    </a:srgbClr>
+                  </a:outerShdw>
+                </a:effectLst>
+              </a:rPr>
+              <a:t>“</a:t>
+            </a:r>
+            <a:r>
+              <a:rPr lang="ru-RU" sz="3000" dirty="0">
+                <a:solidFill>
+                  <a:schemeClr val="bg1"/>
+                </a:solidFill>
+                <a:effectLst>
+                  <a:outerShdw blurRad="38100" dist="38100" dir="2700000" algn="tl">
+                    <a:srgbClr val="000000">
+                      <a:alpha val="43137"/>
+                    </a:srgbClr>
+                  </a:outerShdw>
+                </a:effectLst>
+              </a:rPr>
+              <a:t>Разработка мобильного приложения для планирования поездок </a:t>
+            </a:r>
+            <a:r>
+              <a:rPr lang="en-US" sz="3000" b="1" i="1" dirty="0">
+                <a:solidFill>
+                  <a:schemeClr val="bg1"/>
+                </a:solidFill>
+                <a:effectLst>
+                  <a:outerShdw blurRad="38100" dist="38100" dir="2700000" algn="tl">
+                    <a:srgbClr val="000000">
+                      <a:alpha val="43137"/>
+                    </a:srgbClr>
+                  </a:outerShdw>
+                </a:effectLst>
+              </a:rPr>
+              <a:t>Travel Manager</a:t>
+            </a:r>
+            <a:r>
+              <a:rPr lang="en-US" sz="3000" dirty="0">
+                <a:solidFill>
+                  <a:schemeClr val="bg1"/>
+                </a:solidFill>
+                <a:effectLst>
+                  <a:outerShdw blurRad="38100" dist="38100" dir="2700000" algn="tl">
+                    <a:srgbClr val="000000">
+                      <a:alpha val="43137"/>
+                    </a:srgbClr>
+                  </a:outerShdw>
+                </a:effectLst>
+              </a:rPr>
+              <a:t>”</a:t>
+            </a:r>
+            <a:endParaRPr lang="ru-RU" sz="3000" dirty="0">
+              <a:solidFill>
+                <a:schemeClr val="bg1"/>
+              </a:solidFill>
+              <a:effectLst>
+                <a:outerShdw blurRad="38100" dist="38100" dir="2700000" algn="tl">
+                  <a:srgbClr val="000000">
+                    <a:alpha val="43137"/>
+                  </a:srgbClr>
+                </a:outerShdw>
+              </a:effectLst>
+            </a:endParaRPr>
           </a:p>
         </p:txBody>
       </p:sp>
@@ -4532,8 +4606,8 @@
         </p:nvSpPr>
         <p:spPr>
           <a:xfrm>
-            <a:off x="302003" y="134224"/>
-            <a:ext cx="1432443" cy="707886"/>
+            <a:off x="302003" y="249974"/>
+            <a:ext cx="6275179" cy="707886"/>
           </a:xfrm>
           <a:prstGeom prst="rect">
             <a:avLst/>
@@ -4552,7 +4626,7 @@
                   <a:schemeClr val="bg1"/>
                 </a:solidFill>
               </a:rPr>
-              <a:t>Итоги</a:t>
+              <a:t>Преимущества приложения</a:t>
             </a:r>
           </a:p>
         </p:txBody>
@@ -4562,7 +4636,7 @@
           <p:cNvPr id="4" name="TextBox 3">
             <a:extLst>
               <a:ext uri="{FF2B5EF4-FFF2-40B4-BE49-F238E27FC236}">
-                <a16:creationId xmlns:a16="http://schemas.microsoft.com/office/drawing/2014/main" id="{4F5F1BDC-B469-E619-CF18-0B112DFC1938}"/>
+                <a16:creationId xmlns:a16="http://schemas.microsoft.com/office/drawing/2014/main" id="{DC833D4F-B9FD-FEDD-CBF5-4B2A6B210AE4}"/>
               </a:ext>
             </a:extLst>
           </p:cNvPr>
@@ -4571,8 +4645,957 @@
         </p:nvSpPr>
         <p:spPr>
           <a:xfrm>
-            <a:off x="553674" y="1174459"/>
-            <a:ext cx="11242086" cy="646331"/>
+            <a:off x="738232" y="1400962"/>
+            <a:ext cx="6159122" cy="1477328"/>
+          </a:xfrm>
+          <a:prstGeom prst="rect">
+            <a:avLst/>
+          </a:prstGeom>
+          <a:noFill/>
+        </p:spPr>
+        <p:txBody>
+          <a:bodyPr wrap="none" rtlCol="0">
+            <a:spAutoFit/>
+          </a:bodyPr>
+          <a:lstStyle/>
+          <a:p>
+            <a:pPr marL="342900" indent="-342900">
+              <a:buAutoNum type="arabicPeriod"/>
+            </a:pPr>
+            <a:r>
+              <a:rPr lang="ru-RU" dirty="0">
+                <a:solidFill>
+                  <a:schemeClr val="bg1"/>
+                </a:solidFill>
+              </a:rPr>
+              <a:t>Простой и интуитивно понятный дизайн.</a:t>
+            </a:r>
+            <a:endParaRPr lang="en-US" dirty="0">
+              <a:solidFill>
+                <a:schemeClr val="bg1"/>
+              </a:solidFill>
+            </a:endParaRPr>
+          </a:p>
+          <a:p>
+            <a:pPr marL="342900" indent="-342900">
+              <a:buAutoNum type="arabicPeriod"/>
+            </a:pPr>
+            <a:r>
+              <a:rPr lang="ru-RU" dirty="0">
+                <a:solidFill>
+                  <a:schemeClr val="bg1"/>
+                </a:solidFill>
+              </a:rPr>
+              <a:t>Быстрое планирование поездки.</a:t>
+            </a:r>
+            <a:endParaRPr lang="en-US" dirty="0">
+              <a:solidFill>
+                <a:schemeClr val="bg1"/>
+              </a:solidFill>
+            </a:endParaRPr>
+          </a:p>
+          <a:p>
+            <a:pPr marL="342900" indent="-342900">
+              <a:buAutoNum type="arabicPeriod"/>
+            </a:pPr>
+            <a:r>
+              <a:rPr lang="ru-RU" dirty="0">
+                <a:solidFill>
+                  <a:schemeClr val="bg1"/>
+                </a:solidFill>
+              </a:rPr>
+              <a:t>Удобный поиск нужных достопримечательностей и мест.</a:t>
+            </a:r>
+            <a:endParaRPr lang="en-US" dirty="0">
+              <a:solidFill>
+                <a:schemeClr val="bg1"/>
+              </a:solidFill>
+            </a:endParaRPr>
+          </a:p>
+          <a:p>
+            <a:pPr marL="342900" indent="-342900">
+              <a:buAutoNum type="arabicPeriod"/>
+            </a:pPr>
+            <a:r>
+              <a:rPr lang="ru-RU" dirty="0">
+                <a:solidFill>
+                  <a:schemeClr val="bg1"/>
+                </a:solidFill>
+              </a:rPr>
+              <a:t>Отзывы реальных людей о местах.</a:t>
+            </a:r>
+            <a:endParaRPr lang="en-US" dirty="0">
+              <a:solidFill>
+                <a:schemeClr val="bg1"/>
+              </a:solidFill>
+            </a:endParaRPr>
+          </a:p>
+          <a:p>
+            <a:pPr marL="342900" indent="-342900">
+              <a:buAutoNum type="arabicPeriod"/>
+            </a:pPr>
+            <a:r>
+              <a:rPr lang="ru-RU" dirty="0">
+                <a:solidFill>
+                  <a:schemeClr val="bg1"/>
+                </a:solidFill>
+              </a:rPr>
+              <a:t>Удобные напоминания в один клик.</a:t>
+            </a:r>
+          </a:p>
+        </p:txBody>
+      </p:sp>
+      <p:grpSp>
+        <p:nvGrpSpPr>
+          <p:cNvPr id="16" name="Группа 15">
+            <a:extLst>
+              <a:ext uri="{FF2B5EF4-FFF2-40B4-BE49-F238E27FC236}">
+                <a16:creationId xmlns:a16="http://schemas.microsoft.com/office/drawing/2014/main" id="{98C049F7-D631-6FBB-3F58-AE1E9C6199C0}"/>
+              </a:ext>
+            </a:extLst>
+          </p:cNvPr>
+          <p:cNvGrpSpPr/>
+          <p:nvPr/>
+        </p:nvGrpSpPr>
+        <p:grpSpPr>
+          <a:xfrm>
+            <a:off x="4452954" y="3321934"/>
+            <a:ext cx="3286092" cy="3286092"/>
+            <a:chOff x="4452954" y="3321934"/>
+            <a:chExt cx="3286092" cy="3286092"/>
+          </a:xfrm>
+        </p:grpSpPr>
+        <p:sp>
+          <p:nvSpPr>
+            <p:cNvPr id="6" name="Прямоугольник: скругленные углы 5">
+              <a:extLst>
+                <a:ext uri="{FF2B5EF4-FFF2-40B4-BE49-F238E27FC236}">
+                  <a16:creationId xmlns:a16="http://schemas.microsoft.com/office/drawing/2014/main" id="{9FBBF34A-24AA-6A7D-A010-E488A68D5A91}"/>
+                </a:ext>
+              </a:extLst>
+            </p:cNvPr>
+            <p:cNvSpPr/>
+            <p:nvPr/>
+          </p:nvSpPr>
+          <p:spPr>
+            <a:xfrm>
+              <a:off x="4452954" y="3321934"/>
+              <a:ext cx="3286092" cy="3286092"/>
+            </a:xfrm>
+            <a:prstGeom prst="roundRect">
+              <a:avLst/>
+            </a:prstGeom>
+            <a:solidFill>
+              <a:schemeClr val="tx2">
+                <a:lumMod val="75000"/>
+              </a:schemeClr>
+            </a:solidFill>
+            <a:ln>
+              <a:noFill/>
+            </a:ln>
+            <a:effectLst>
+              <a:outerShdw blurRad="190500" dist="228600" dir="2700000" algn="ctr">
+                <a:srgbClr val="000000">
+                  <a:alpha val="30000"/>
+                </a:srgbClr>
+              </a:outerShdw>
+            </a:effectLst>
+            <a:scene3d>
+              <a:camera prst="orthographicFront">
+                <a:rot lat="0" lon="0" rev="0"/>
+              </a:camera>
+              <a:lightRig rig="glow" dir="t">
+                <a:rot lat="0" lon="0" rev="4800000"/>
+              </a:lightRig>
+            </a:scene3d>
+            <a:sp3d prstMaterial="matte">
+              <a:bevelT w="127000" h="63500"/>
+            </a:sp3d>
+          </p:spPr>
+          <p:style>
+            <a:lnRef idx="2">
+              <a:schemeClr val="accent1">
+                <a:shade val="15000"/>
+              </a:schemeClr>
+            </a:lnRef>
+            <a:fillRef idx="1">
+              <a:schemeClr val="accent1"/>
+            </a:fillRef>
+            <a:effectRef idx="0">
+              <a:schemeClr val="accent1"/>
+            </a:effectRef>
+            <a:fontRef idx="minor">
+              <a:schemeClr val="lt1"/>
+            </a:fontRef>
+          </p:style>
+          <p:txBody>
+            <a:bodyPr rtlCol="0" anchor="ctr"/>
+            <a:lstStyle/>
+            <a:p>
+              <a:pPr algn="ctr"/>
+              <a:endParaRPr lang="ru-RU"/>
+            </a:p>
+          </p:txBody>
+        </p:sp>
+        <p:pic>
+          <p:nvPicPr>
+            <p:cNvPr id="5" name="Рисунок 4">
+              <a:extLst>
+                <a:ext uri="{FF2B5EF4-FFF2-40B4-BE49-F238E27FC236}">
+                  <a16:creationId xmlns:a16="http://schemas.microsoft.com/office/drawing/2014/main" id="{A6068622-3079-93BF-89C1-546C7A948538}"/>
+                </a:ext>
+              </a:extLst>
+            </p:cNvPr>
+            <p:cNvPicPr>
+              <a:picLocks noChangeAspect="1"/>
+            </p:cNvPicPr>
+            <p:nvPr/>
+          </p:nvPicPr>
+          <p:blipFill>
+            <a:blip r:embed="rId2">
+              <a:lum bright="70000" contrast="-70000"/>
+            </a:blip>
+            <a:stretch>
+              <a:fillRect/>
+            </a:stretch>
+          </p:blipFill>
+          <p:spPr>
+            <a:xfrm>
+              <a:off x="4788061" y="3657041"/>
+              <a:ext cx="2615878" cy="2615878"/>
+            </a:xfrm>
+            <a:prstGeom prst="rect">
+              <a:avLst/>
+            </a:prstGeom>
+          </p:spPr>
+        </p:pic>
+      </p:grpSp>
+      <p:grpSp>
+        <p:nvGrpSpPr>
+          <p:cNvPr id="7" name="Группа 6">
+            <a:extLst>
+              <a:ext uri="{FF2B5EF4-FFF2-40B4-BE49-F238E27FC236}">
+                <a16:creationId xmlns:a16="http://schemas.microsoft.com/office/drawing/2014/main" id="{4FCAE5B3-48F7-8B22-06AE-3933E8D0C3D0}"/>
+              </a:ext>
+            </a:extLst>
+          </p:cNvPr>
+          <p:cNvGrpSpPr/>
+          <p:nvPr/>
+        </p:nvGrpSpPr>
+        <p:grpSpPr>
+          <a:xfrm>
+            <a:off x="-3391672" y="3657041"/>
+            <a:ext cx="2667000" cy="2667000"/>
+            <a:chOff x="1082040" y="3428048"/>
+            <a:chExt cx="2667000" cy="2667000"/>
+          </a:xfrm>
+        </p:grpSpPr>
+        <p:sp>
+          <p:nvSpPr>
+            <p:cNvPr id="8" name="Прямоугольник: скругленные углы 7">
+              <a:extLst>
+                <a:ext uri="{FF2B5EF4-FFF2-40B4-BE49-F238E27FC236}">
+                  <a16:creationId xmlns:a16="http://schemas.microsoft.com/office/drawing/2014/main" id="{0F300EC4-2BCA-B556-A75B-E8C466FD39F4}"/>
+                </a:ext>
+              </a:extLst>
+            </p:cNvPr>
+            <p:cNvSpPr/>
+            <p:nvPr/>
+          </p:nvSpPr>
+          <p:spPr>
+            <a:xfrm>
+              <a:off x="1082040" y="3428048"/>
+              <a:ext cx="2667000" cy="2667000"/>
+            </a:xfrm>
+            <a:prstGeom prst="roundRect">
+              <a:avLst/>
+            </a:prstGeom>
+            <a:solidFill>
+              <a:schemeClr val="tx2">
+                <a:lumMod val="75000"/>
+              </a:schemeClr>
+            </a:solidFill>
+            <a:ln>
+              <a:noFill/>
+            </a:ln>
+            <a:effectLst/>
+            <a:scene3d>
+              <a:camera prst="orthographicFront">
+                <a:rot lat="0" lon="0" rev="0"/>
+              </a:camera>
+              <a:lightRig rig="glow" dir="t">
+                <a:rot lat="0" lon="0" rev="14100000"/>
+              </a:lightRig>
+            </a:scene3d>
+            <a:sp3d prstMaterial="softEdge">
+              <a:bevelT w="127000" prst="artDeco"/>
+            </a:sp3d>
+          </p:spPr>
+          <p:style>
+            <a:lnRef idx="2">
+              <a:schemeClr val="accent1">
+                <a:shade val="15000"/>
+              </a:schemeClr>
+            </a:lnRef>
+            <a:fillRef idx="1">
+              <a:schemeClr val="accent1"/>
+            </a:fillRef>
+            <a:effectRef idx="0">
+              <a:schemeClr val="accent1"/>
+            </a:effectRef>
+            <a:fontRef idx="minor">
+              <a:schemeClr val="lt1"/>
+            </a:fontRef>
+          </p:style>
+          <p:txBody>
+            <a:bodyPr rtlCol="0" anchor="ctr"/>
+            <a:lstStyle/>
+            <a:p>
+              <a:pPr algn="ctr"/>
+              <a:endParaRPr lang="ru-RU"/>
+            </a:p>
+          </p:txBody>
+        </p:sp>
+        <p:pic>
+          <p:nvPicPr>
+            <p:cNvPr id="9" name="Рисунок 8">
+              <a:extLst>
+                <a:ext uri="{FF2B5EF4-FFF2-40B4-BE49-F238E27FC236}">
+                  <a16:creationId xmlns:a16="http://schemas.microsoft.com/office/drawing/2014/main" id="{8BBF5D92-2D88-B85E-F2CE-D8E6F5A5CB44}"/>
+                </a:ext>
+              </a:extLst>
+            </p:cNvPr>
+            <p:cNvPicPr>
+              <a:picLocks noChangeAspect="1"/>
+            </p:cNvPicPr>
+            <p:nvPr/>
+          </p:nvPicPr>
+          <p:blipFill>
+            <a:blip r:embed="rId3">
+              <a:lum bright="70000" contrast="-70000"/>
+            </a:blip>
+            <a:stretch>
+              <a:fillRect/>
+            </a:stretch>
+          </p:blipFill>
+          <p:spPr>
+            <a:xfrm>
+              <a:off x="1388962" y="3672840"/>
+              <a:ext cx="2121954" cy="2121954"/>
+            </a:xfrm>
+            <a:prstGeom prst="rect">
+              <a:avLst/>
+            </a:prstGeom>
+            <a:noFill/>
+            <a:effectLst>
+              <a:outerShdw blurRad="114300" dist="38100" dir="5400000" sx="105000" sy="105000" algn="t" rotWithShape="0">
+                <a:prstClr val="black">
+                  <a:alpha val="40000"/>
+                </a:prstClr>
+              </a:outerShdw>
+            </a:effectLst>
+          </p:spPr>
+        </p:pic>
+      </p:grpSp>
+      <p:grpSp>
+        <p:nvGrpSpPr>
+          <p:cNvPr id="10" name="Группа 9">
+            <a:extLst>
+              <a:ext uri="{FF2B5EF4-FFF2-40B4-BE49-F238E27FC236}">
+                <a16:creationId xmlns:a16="http://schemas.microsoft.com/office/drawing/2014/main" id="{E0A02BCF-4247-43FF-61D2-D7B1D9994B15}"/>
+              </a:ext>
+            </a:extLst>
+          </p:cNvPr>
+          <p:cNvGrpSpPr/>
+          <p:nvPr/>
+        </p:nvGrpSpPr>
+        <p:grpSpPr>
+          <a:xfrm>
+            <a:off x="4861424" y="7051670"/>
+            <a:ext cx="2667000" cy="2667000"/>
+            <a:chOff x="5196840" y="3428048"/>
+            <a:chExt cx="2667000" cy="2667000"/>
+          </a:xfrm>
+        </p:grpSpPr>
+        <p:sp>
+          <p:nvSpPr>
+            <p:cNvPr id="11" name="Прямоугольник: скругленные углы 10">
+              <a:extLst>
+                <a:ext uri="{FF2B5EF4-FFF2-40B4-BE49-F238E27FC236}">
+                  <a16:creationId xmlns:a16="http://schemas.microsoft.com/office/drawing/2014/main" id="{524DB304-9D7A-CC80-1B53-9329B9D78FDE}"/>
+                </a:ext>
+              </a:extLst>
+            </p:cNvPr>
+            <p:cNvSpPr/>
+            <p:nvPr/>
+          </p:nvSpPr>
+          <p:spPr>
+            <a:xfrm>
+              <a:off x="5196840" y="3428048"/>
+              <a:ext cx="2667000" cy="2667000"/>
+            </a:xfrm>
+            <a:prstGeom prst="roundRect">
+              <a:avLst/>
+            </a:prstGeom>
+            <a:solidFill>
+              <a:schemeClr val="tx2">
+                <a:lumMod val="75000"/>
+              </a:schemeClr>
+            </a:solidFill>
+            <a:ln>
+              <a:noFill/>
+            </a:ln>
+            <a:effectLst/>
+            <a:scene3d>
+              <a:camera prst="orthographicFront">
+                <a:rot lat="0" lon="0" rev="0"/>
+              </a:camera>
+              <a:lightRig rig="glow" dir="t">
+                <a:rot lat="0" lon="0" rev="14100000"/>
+              </a:lightRig>
+            </a:scene3d>
+            <a:sp3d prstMaterial="softEdge">
+              <a:bevelT w="127000" prst="artDeco"/>
+            </a:sp3d>
+          </p:spPr>
+          <p:style>
+            <a:lnRef idx="2">
+              <a:schemeClr val="accent1">
+                <a:shade val="15000"/>
+              </a:schemeClr>
+            </a:lnRef>
+            <a:fillRef idx="1">
+              <a:schemeClr val="accent1"/>
+            </a:fillRef>
+            <a:effectRef idx="0">
+              <a:schemeClr val="accent1"/>
+            </a:effectRef>
+            <a:fontRef idx="minor">
+              <a:schemeClr val="lt1"/>
+            </a:fontRef>
+          </p:style>
+          <p:txBody>
+            <a:bodyPr rtlCol="0" anchor="ctr"/>
+            <a:lstStyle/>
+            <a:p>
+              <a:pPr algn="ctr"/>
+              <a:endParaRPr lang="ru-RU"/>
+            </a:p>
+          </p:txBody>
+        </p:sp>
+        <p:pic>
+          <p:nvPicPr>
+            <p:cNvPr id="12" name="Рисунок 11">
+              <a:extLst>
+                <a:ext uri="{FF2B5EF4-FFF2-40B4-BE49-F238E27FC236}">
+                  <a16:creationId xmlns:a16="http://schemas.microsoft.com/office/drawing/2014/main" id="{878FE195-5A62-E6EC-10F9-32C00222D4B4}"/>
+                </a:ext>
+              </a:extLst>
+            </p:cNvPr>
+            <p:cNvPicPr>
+              <a:picLocks noChangeAspect="1"/>
+            </p:cNvPicPr>
+            <p:nvPr/>
+          </p:nvPicPr>
+          <p:blipFill>
+            <a:blip r:embed="rId4">
+              <a:lum bright="70000" contrast="-70000"/>
+            </a:blip>
+            <a:stretch>
+              <a:fillRect/>
+            </a:stretch>
+          </p:blipFill>
+          <p:spPr>
+            <a:xfrm>
+              <a:off x="5486400" y="3709036"/>
+              <a:ext cx="2125980" cy="2085758"/>
+            </a:xfrm>
+            <a:prstGeom prst="rect">
+              <a:avLst/>
+            </a:prstGeom>
+            <a:noFill/>
+            <a:effectLst>
+              <a:outerShdw blurRad="114300" dist="38100" dir="5400000" sx="105000" sy="105000" algn="t" rotWithShape="0">
+                <a:prstClr val="black">
+                  <a:alpha val="40000"/>
+                </a:prstClr>
+              </a:outerShdw>
+            </a:effectLst>
+          </p:spPr>
+        </p:pic>
+      </p:grpSp>
+      <p:grpSp>
+        <p:nvGrpSpPr>
+          <p:cNvPr id="13" name="Группа 12">
+            <a:extLst>
+              <a:ext uri="{FF2B5EF4-FFF2-40B4-BE49-F238E27FC236}">
+                <a16:creationId xmlns:a16="http://schemas.microsoft.com/office/drawing/2014/main" id="{AAC4E4B9-EFB6-58BA-F8F5-137570C19634}"/>
+              </a:ext>
+            </a:extLst>
+          </p:cNvPr>
+          <p:cNvGrpSpPr/>
+          <p:nvPr/>
+        </p:nvGrpSpPr>
+        <p:grpSpPr>
+          <a:xfrm>
+            <a:off x="12946244" y="3657041"/>
+            <a:ext cx="2667000" cy="2667000"/>
+            <a:chOff x="8884920" y="3434716"/>
+            <a:chExt cx="2667000" cy="2667000"/>
+          </a:xfrm>
+        </p:grpSpPr>
+        <p:sp>
+          <p:nvSpPr>
+            <p:cNvPr id="14" name="Прямоугольник: скругленные углы 13">
+              <a:extLst>
+                <a:ext uri="{FF2B5EF4-FFF2-40B4-BE49-F238E27FC236}">
+                  <a16:creationId xmlns:a16="http://schemas.microsoft.com/office/drawing/2014/main" id="{317079B9-78DA-D2DC-9ECB-5615D9E56930}"/>
+                </a:ext>
+              </a:extLst>
+            </p:cNvPr>
+            <p:cNvSpPr/>
+            <p:nvPr/>
+          </p:nvSpPr>
+          <p:spPr>
+            <a:xfrm>
+              <a:off x="8884920" y="3434716"/>
+              <a:ext cx="2667000" cy="2667000"/>
+            </a:xfrm>
+            <a:prstGeom prst="roundRect">
+              <a:avLst/>
+            </a:prstGeom>
+            <a:solidFill>
+              <a:schemeClr val="tx2">
+                <a:lumMod val="75000"/>
+              </a:schemeClr>
+            </a:solidFill>
+            <a:ln>
+              <a:noFill/>
+            </a:ln>
+            <a:effectLst/>
+            <a:scene3d>
+              <a:camera prst="orthographicFront">
+                <a:rot lat="0" lon="0" rev="0"/>
+              </a:camera>
+              <a:lightRig rig="glow" dir="t">
+                <a:rot lat="0" lon="0" rev="14100000"/>
+              </a:lightRig>
+            </a:scene3d>
+            <a:sp3d prstMaterial="softEdge">
+              <a:bevelT w="127000" prst="artDeco"/>
+            </a:sp3d>
+          </p:spPr>
+          <p:style>
+            <a:lnRef idx="2">
+              <a:schemeClr val="accent1">
+                <a:shade val="15000"/>
+              </a:schemeClr>
+            </a:lnRef>
+            <a:fillRef idx="1">
+              <a:schemeClr val="accent1"/>
+            </a:fillRef>
+            <a:effectRef idx="0">
+              <a:schemeClr val="accent1"/>
+            </a:effectRef>
+            <a:fontRef idx="minor">
+              <a:schemeClr val="lt1"/>
+            </a:fontRef>
+          </p:style>
+          <p:txBody>
+            <a:bodyPr rtlCol="0" anchor="ctr"/>
+            <a:lstStyle/>
+            <a:p>
+              <a:pPr algn="ctr"/>
+              <a:endParaRPr lang="ru-RU"/>
+            </a:p>
+          </p:txBody>
+        </p:sp>
+        <p:pic>
+          <p:nvPicPr>
+            <p:cNvPr id="15" name="Рисунок 14">
+              <a:extLst>
+                <a:ext uri="{FF2B5EF4-FFF2-40B4-BE49-F238E27FC236}">
+                  <a16:creationId xmlns:a16="http://schemas.microsoft.com/office/drawing/2014/main" id="{A6658905-91CF-8A25-7867-ED545FD99597}"/>
+                </a:ext>
+              </a:extLst>
+            </p:cNvPr>
+            <p:cNvPicPr>
+              <a:picLocks noChangeAspect="1"/>
+            </p:cNvPicPr>
+            <p:nvPr/>
+          </p:nvPicPr>
+          <p:blipFill>
+            <a:blip r:embed="rId5">
+              <a:lum bright="70000" contrast="-70000"/>
+            </a:blip>
+            <a:stretch>
+              <a:fillRect/>
+            </a:stretch>
+          </p:blipFill>
+          <p:spPr>
+            <a:xfrm>
+              <a:off x="9262326" y="3672840"/>
+              <a:ext cx="2121954" cy="2121954"/>
+            </a:xfrm>
+            <a:prstGeom prst="rect">
+              <a:avLst/>
+            </a:prstGeom>
+            <a:noFill/>
+            <a:effectLst>
+              <a:outerShdw blurRad="114300" dist="38100" dir="5400000" sx="105000" sy="105000" algn="t" rotWithShape="0">
+                <a:prstClr val="black">
+                  <a:alpha val="40000"/>
+                </a:prstClr>
+              </a:outerShdw>
+            </a:effectLst>
+          </p:spPr>
+        </p:pic>
+      </p:grpSp>
+      <p:grpSp>
+        <p:nvGrpSpPr>
+          <p:cNvPr id="17" name="Группа 16">
+            <a:extLst>
+              <a:ext uri="{FF2B5EF4-FFF2-40B4-BE49-F238E27FC236}">
+                <a16:creationId xmlns:a16="http://schemas.microsoft.com/office/drawing/2014/main" id="{F595BA20-1CB6-FB4B-EE9E-B1D5C7B1368F}"/>
+              </a:ext>
+            </a:extLst>
+          </p:cNvPr>
+          <p:cNvGrpSpPr/>
+          <p:nvPr/>
+        </p:nvGrpSpPr>
+        <p:grpSpPr>
+          <a:xfrm>
+            <a:off x="1622385" y="-5089003"/>
+            <a:ext cx="8947230" cy="4686629"/>
+            <a:chOff x="1574157" y="1921397"/>
+            <a:chExt cx="8947230" cy="4686629"/>
+          </a:xfrm>
+        </p:grpSpPr>
+        <p:sp>
+          <p:nvSpPr>
+            <p:cNvPr id="18" name="Прямоугольник: скругленные углы 17">
+              <a:extLst>
+                <a:ext uri="{FF2B5EF4-FFF2-40B4-BE49-F238E27FC236}">
+                  <a16:creationId xmlns:a16="http://schemas.microsoft.com/office/drawing/2014/main" id="{4E6F5D65-B567-5A1F-EC32-D3229EAF5D21}"/>
+                </a:ext>
+              </a:extLst>
+            </p:cNvPr>
+            <p:cNvSpPr/>
+            <p:nvPr/>
+          </p:nvSpPr>
+          <p:spPr>
+            <a:xfrm>
+              <a:off x="1574157" y="1921397"/>
+              <a:ext cx="8947230" cy="4686629"/>
+            </a:xfrm>
+            <a:prstGeom prst="roundRect">
+              <a:avLst/>
+            </a:prstGeom>
+            <a:solidFill>
+              <a:schemeClr val="tx2">
+                <a:lumMod val="75000"/>
+              </a:schemeClr>
+            </a:solidFill>
+            <a:ln>
+              <a:noFill/>
+            </a:ln>
+            <a:effectLst>
+              <a:outerShdw blurRad="44450" dist="27940" dir="5400000" algn="ctr">
+                <a:srgbClr val="000000">
+                  <a:alpha val="32000"/>
+                </a:srgbClr>
+              </a:outerShdw>
+            </a:effectLst>
+            <a:scene3d>
+              <a:camera prst="orthographicFront">
+                <a:rot lat="0" lon="0" rev="0"/>
+              </a:camera>
+              <a:lightRig rig="balanced" dir="t">
+                <a:rot lat="0" lon="0" rev="8700000"/>
+              </a:lightRig>
+            </a:scene3d>
+            <a:sp3d>
+              <a:bevelT w="190500" h="38100"/>
+            </a:sp3d>
+          </p:spPr>
+          <p:style>
+            <a:lnRef idx="2">
+              <a:schemeClr val="accent1">
+                <a:shade val="15000"/>
+              </a:schemeClr>
+            </a:lnRef>
+            <a:fillRef idx="1">
+              <a:schemeClr val="accent1"/>
+            </a:fillRef>
+            <a:effectRef idx="0">
+              <a:schemeClr val="accent1"/>
+            </a:effectRef>
+            <a:fontRef idx="minor">
+              <a:schemeClr val="lt1"/>
+            </a:fontRef>
+          </p:style>
+          <p:txBody>
+            <a:bodyPr rtlCol="0" anchor="ctr"/>
+            <a:lstStyle/>
+            <a:p>
+              <a:pPr algn="ctr"/>
+              <a:endParaRPr lang="ru-RU"/>
+            </a:p>
+          </p:txBody>
+        </p:sp>
+        <p:pic>
+          <p:nvPicPr>
+            <p:cNvPr id="19" name="Рисунок 18">
+              <a:extLst>
+                <a:ext uri="{FF2B5EF4-FFF2-40B4-BE49-F238E27FC236}">
+                  <a16:creationId xmlns:a16="http://schemas.microsoft.com/office/drawing/2014/main" id="{888C3FB7-F06A-C609-3F4A-1F38E9D918DF}"/>
+                </a:ext>
+              </a:extLst>
+            </p:cNvPr>
+            <p:cNvPicPr>
+              <a:picLocks noChangeAspect="1"/>
+            </p:cNvPicPr>
+            <p:nvPr/>
+          </p:nvPicPr>
+          <p:blipFill>
+            <a:blip r:embed="rId6">
+              <a:extLst>
+                <a:ext uri="{28A0092B-C50C-407E-A947-70E740481C1C}">
+                  <a14:useLocalDpi xmlns:a14="http://schemas.microsoft.com/office/drawing/2010/main" val="0"/>
+                </a:ext>
+              </a:extLst>
+            </a:blip>
+            <a:stretch>
+              <a:fillRect/>
+            </a:stretch>
+          </p:blipFill>
+          <p:spPr>
+            <a:xfrm>
+              <a:off x="2048718" y="2222029"/>
+              <a:ext cx="7998107" cy="4085364"/>
+            </a:xfrm>
+            <a:prstGeom prst="roundRect">
+              <a:avLst>
+                <a:gd name="adj" fmla="val 8594"/>
+              </a:avLst>
+            </a:prstGeom>
+            <a:solidFill>
+              <a:srgbClr val="FFFFFF">
+                <a:shade val="85000"/>
+              </a:srgbClr>
+            </a:solidFill>
+            <a:ln>
+              <a:noFill/>
+            </a:ln>
+            <a:effectLst/>
+          </p:spPr>
+        </p:pic>
+      </p:grpSp>
+    </p:spTree>
+    <p:extLst>
+      <p:ext uri="{BB962C8B-B14F-4D97-AF65-F5344CB8AC3E}">
+        <p14:creationId xmlns:p14="http://schemas.microsoft.com/office/powerpoint/2010/main" val="1850665912"/>
+      </p:ext>
+    </p:extLst>
+  </p:cSld>
+  <p:clrMapOvr>
+    <a:masterClrMapping/>
+  </p:clrMapOvr>
+  <mc:AlternateContent xmlns:mc="http://schemas.openxmlformats.org/markup-compatibility/2006" xmlns:p159="http://schemas.microsoft.com/office/powerpoint/2015/09/main">
+    <mc:Choice Requires="p159">
+      <p:transition xmlns:p14="http://schemas.microsoft.com/office/powerpoint/2010/main" spd="slow" p14:dur="2000">
+        <p159:morph option="byObject"/>
+      </p:transition>
+    </mc:Choice>
+    <mc:Fallback xmlns="">
+      <p:transition spd="slow">
+        <p:fade/>
+      </p:transition>
+    </mc:Fallback>
+  </mc:AlternateContent>
+</p:sld>
+</file>
+
+<file path=ppt/slides/slide11.xml><?xml version="1.0" encoding="utf-8"?>
+<p:sld xmlns:a="http://schemas.openxmlformats.org/drawingml/2006/main" xmlns:r="http://schemas.openxmlformats.org/officeDocument/2006/relationships" xmlns:p="http://schemas.openxmlformats.org/presentationml/2006/main">
+  <p:cSld>
+    <p:spTree>
+      <p:nvGrpSpPr>
+        <p:cNvPr id="1" name=""/>
+        <p:cNvGrpSpPr/>
+        <p:nvPr/>
+      </p:nvGrpSpPr>
+      <p:grpSpPr>
+        <a:xfrm>
+          <a:off x="0" y="0"/>
+          <a:ext cx="0" cy="0"/>
+          <a:chOff x="0" y="0"/>
+          <a:chExt cx="0" cy="0"/>
+        </a:xfrm>
+      </p:grpSpPr>
+      <p:sp>
+        <p:nvSpPr>
+          <p:cNvPr id="6" name="Прямоугольник 5">
+            <a:extLst>
+              <a:ext uri="{FF2B5EF4-FFF2-40B4-BE49-F238E27FC236}">
+                <a16:creationId xmlns:a16="http://schemas.microsoft.com/office/drawing/2014/main" id="{A818E1C8-0C4B-8B46-343F-FB44032E59B5}"/>
+              </a:ext>
+            </a:extLst>
+          </p:cNvPr>
+          <p:cNvSpPr/>
+          <p:nvPr/>
+        </p:nvSpPr>
+        <p:spPr>
+          <a:xfrm>
+            <a:off x="8831202" y="2290311"/>
+            <a:ext cx="2277373" cy="2277373"/>
+          </a:xfrm>
+          <a:prstGeom prst="rect">
+            <a:avLst/>
+          </a:prstGeom>
+          <a:solidFill>
+            <a:schemeClr val="bg1"/>
+          </a:solidFill>
+          <a:ln>
+            <a:solidFill>
+              <a:schemeClr val="tx1"/>
+            </a:solidFill>
+          </a:ln>
+        </p:spPr>
+        <p:style>
+          <a:lnRef idx="2">
+            <a:schemeClr val="accent1">
+              <a:shade val="15000"/>
+            </a:schemeClr>
+          </a:lnRef>
+          <a:fillRef idx="1">
+            <a:schemeClr val="accent1"/>
+          </a:fillRef>
+          <a:effectRef idx="0">
+            <a:schemeClr val="accent1"/>
+          </a:effectRef>
+          <a:fontRef idx="minor">
+            <a:schemeClr val="lt1"/>
+          </a:fontRef>
+        </p:style>
+        <p:txBody>
+          <a:bodyPr rtlCol="0" anchor="ctr"/>
+          <a:lstStyle/>
+          <a:p>
+            <a:pPr algn="ctr"/>
+            <a:r>
+              <a:rPr lang="en-US" dirty="0">
+                <a:solidFill>
+                  <a:schemeClr val="tx1"/>
+                </a:solidFill>
+              </a:rPr>
+              <a:t>QR </a:t>
+            </a:r>
+            <a:r>
+              <a:rPr lang="ru-RU" dirty="0">
+                <a:solidFill>
+                  <a:schemeClr val="tx1"/>
+                </a:solidFill>
+              </a:rPr>
+              <a:t>на скачивание приложения</a:t>
+            </a:r>
+          </a:p>
+        </p:txBody>
+      </p:sp>
+      <p:sp>
+        <p:nvSpPr>
+          <p:cNvPr id="7" name="TextBox 6">
+            <a:extLst>
+              <a:ext uri="{FF2B5EF4-FFF2-40B4-BE49-F238E27FC236}">
+                <a16:creationId xmlns:a16="http://schemas.microsoft.com/office/drawing/2014/main" id="{9D27C50F-E9EC-6B57-43A5-4491AB50AE56}"/>
+              </a:ext>
+            </a:extLst>
+          </p:cNvPr>
+          <p:cNvSpPr txBox="1"/>
+          <p:nvPr/>
+        </p:nvSpPr>
+        <p:spPr>
+          <a:xfrm>
+            <a:off x="302003" y="238399"/>
+            <a:ext cx="1980735" cy="707886"/>
+          </a:xfrm>
+          <a:prstGeom prst="rect">
+            <a:avLst/>
+          </a:prstGeom>
+          <a:noFill/>
+        </p:spPr>
+        <p:txBody>
+          <a:bodyPr wrap="none" rtlCol="0">
+            <a:spAutoFit/>
+          </a:bodyPr>
+          <a:lstStyle/>
+          <a:p>
+            <a:r>
+              <a:rPr lang="ru-RU" sz="4000" dirty="0">
+                <a:solidFill>
+                  <a:schemeClr val="bg1"/>
+                </a:solidFill>
+              </a:rPr>
+              <a:t>Продукт</a:t>
+            </a:r>
+          </a:p>
+        </p:txBody>
+      </p:sp>
+      <p:sp>
+        <p:nvSpPr>
+          <p:cNvPr id="9" name="TextBox 8">
+            <a:extLst>
+              <a:ext uri="{FF2B5EF4-FFF2-40B4-BE49-F238E27FC236}">
+                <a16:creationId xmlns:a16="http://schemas.microsoft.com/office/drawing/2014/main" id="{64404A34-3E84-AEB1-6F1B-1353420D25F9}"/>
+              </a:ext>
+            </a:extLst>
+          </p:cNvPr>
+          <p:cNvSpPr txBox="1"/>
+          <p:nvPr/>
+        </p:nvSpPr>
+        <p:spPr>
+          <a:xfrm>
+            <a:off x="1435902" y="1793633"/>
+            <a:ext cx="1572418" cy="369332"/>
+          </a:xfrm>
+          <a:prstGeom prst="rect">
+            <a:avLst/>
+          </a:prstGeom>
+          <a:noFill/>
+        </p:spPr>
+        <p:txBody>
+          <a:bodyPr wrap="none" rtlCol="0">
+            <a:spAutoFit/>
+          </a:bodyPr>
+          <a:lstStyle/>
+          <a:p>
+            <a:r>
+              <a:rPr lang="ru-RU" dirty="0">
+                <a:solidFill>
+                  <a:schemeClr val="bg1"/>
+                </a:solidFill>
+              </a:rPr>
+              <a:t>Исходный код</a:t>
+            </a:r>
+          </a:p>
+        </p:txBody>
+      </p:sp>
+      <p:sp>
+        <p:nvSpPr>
+          <p:cNvPr id="10" name="TextBox 9">
+            <a:extLst>
+              <a:ext uri="{FF2B5EF4-FFF2-40B4-BE49-F238E27FC236}">
+                <a16:creationId xmlns:a16="http://schemas.microsoft.com/office/drawing/2014/main" id="{5E1FFED7-E9E8-80F5-FAF3-116F9B1A0257}"/>
+              </a:ext>
+            </a:extLst>
+          </p:cNvPr>
+          <p:cNvSpPr txBox="1"/>
+          <p:nvPr/>
+        </p:nvSpPr>
+        <p:spPr>
+          <a:xfrm>
+            <a:off x="5046955" y="1655134"/>
+            <a:ext cx="2102599" cy="646331"/>
           </a:xfrm>
           <a:prstGeom prst="rect">
             <a:avLst/>
@@ -4585,23 +5608,157 @@
           </a:bodyPr>
           <a:lstStyle/>
           <a:p>
+            <a:pPr algn="ctr"/>
             <a:r>
               <a:rPr lang="ru-RU" dirty="0">
                 <a:solidFill>
                   <a:schemeClr val="bg1"/>
                 </a:solidFill>
               </a:rPr>
-              <a:t>Было создано мобильное приложение для планирования поездок. Оно может помочь людям заранее продумать своё путешествие. По моему мнению, оно является очень удобным и полезным. </a:t>
+              <a:t>Телеграмм-канал с новостями</a:t>
             </a:r>
           </a:p>
         </p:txBody>
       </p:sp>
+      <p:sp>
+        <p:nvSpPr>
+          <p:cNvPr id="11" name="TextBox 10">
+            <a:extLst>
+              <a:ext uri="{FF2B5EF4-FFF2-40B4-BE49-F238E27FC236}">
+                <a16:creationId xmlns:a16="http://schemas.microsoft.com/office/drawing/2014/main" id="{0EE4EDA7-219A-7FAF-8305-221973A3B43F}"/>
+              </a:ext>
+            </a:extLst>
+          </p:cNvPr>
+          <p:cNvSpPr txBox="1"/>
+          <p:nvPr/>
+        </p:nvSpPr>
+        <p:spPr>
+          <a:xfrm>
+            <a:off x="8788506" y="1793633"/>
+            <a:ext cx="2362763" cy="369332"/>
+          </a:xfrm>
+          <a:prstGeom prst="rect">
+            <a:avLst/>
+          </a:prstGeom>
+          <a:noFill/>
+        </p:spPr>
+        <p:txBody>
+          <a:bodyPr wrap="none" rtlCol="0">
+            <a:spAutoFit/>
+          </a:bodyPr>
+          <a:lstStyle/>
+          <a:p>
+            <a:r>
+              <a:rPr lang="ru-RU" dirty="0">
+                <a:solidFill>
+                  <a:schemeClr val="bg1"/>
+                </a:solidFill>
+              </a:rPr>
+              <a:t>Ссылка на скачивание</a:t>
+            </a:r>
+          </a:p>
+        </p:txBody>
+      </p:sp>
+      <p:pic>
+        <p:nvPicPr>
+          <p:cNvPr id="1026" name="Picture 2">
+            <a:extLst>
+              <a:ext uri="{FF2B5EF4-FFF2-40B4-BE49-F238E27FC236}">
+                <a16:creationId xmlns:a16="http://schemas.microsoft.com/office/drawing/2014/main" id="{9B0777A3-DE2D-030A-F786-937FC29F2A97}"/>
+              </a:ext>
+            </a:extLst>
+          </p:cNvPr>
+          <p:cNvPicPr>
+            <a:picLocks noChangeAspect="1" noChangeArrowheads="1"/>
+          </p:cNvPicPr>
+          <p:nvPr/>
+        </p:nvPicPr>
+        <p:blipFill>
+          <a:blip r:embed="rId2">
+            <a:extLst>
+              <a:ext uri="{28A0092B-C50C-407E-A947-70E740481C1C}">
+                <a14:useLocalDpi xmlns:a14="http://schemas.microsoft.com/office/drawing/2010/main" val="0"/>
+              </a:ext>
+            </a:extLst>
+          </a:blip>
+          <a:srcRect/>
+          <a:stretch>
+            <a:fillRect/>
+          </a:stretch>
+        </p:blipFill>
+        <p:spPr bwMode="auto">
+          <a:xfrm>
+            <a:off x="1083425" y="2301465"/>
+            <a:ext cx="2277372" cy="2277372"/>
+          </a:xfrm>
+          <a:prstGeom prst="rect">
+            <a:avLst/>
+          </a:prstGeom>
+          <a:noFill/>
+          <a:extLst>
+            <a:ext uri="{909E8E84-426E-40DD-AFC4-6F175D3DCCD1}">
+              <a14:hiddenFill xmlns:a14="http://schemas.microsoft.com/office/drawing/2010/main">
+                <a:solidFill>
+                  <a:srgbClr val="FFFFFF"/>
+                </a:solidFill>
+              </a14:hiddenFill>
+            </a:ext>
+          </a:extLst>
+        </p:spPr>
+      </p:pic>
+      <p:pic>
+        <p:nvPicPr>
+          <p:cNvPr id="1028" name="Picture 4">
+            <a:extLst>
+              <a:ext uri="{FF2B5EF4-FFF2-40B4-BE49-F238E27FC236}">
+                <a16:creationId xmlns:a16="http://schemas.microsoft.com/office/drawing/2014/main" id="{BC5E469B-EF88-D47E-A296-382817ECA637}"/>
+              </a:ext>
+            </a:extLst>
+          </p:cNvPr>
+          <p:cNvPicPr>
+            <a:picLocks noChangeAspect="1" noChangeArrowheads="1"/>
+          </p:cNvPicPr>
+          <p:nvPr/>
+        </p:nvPicPr>
+        <p:blipFill>
+          <a:blip r:embed="rId3">
+            <a:extLst>
+              <a:ext uri="{28A0092B-C50C-407E-A947-70E740481C1C}">
+                <a14:useLocalDpi xmlns:a14="http://schemas.microsoft.com/office/drawing/2010/main" val="0"/>
+              </a:ext>
+            </a:extLst>
+          </a:blip>
+          <a:srcRect/>
+          <a:stretch>
+            <a:fillRect/>
+          </a:stretch>
+        </p:blipFill>
+        <p:spPr bwMode="auto">
+          <a:xfrm>
+            <a:off x="5042445" y="2301465"/>
+            <a:ext cx="2277371" cy="2277371"/>
+          </a:xfrm>
+          <a:prstGeom prst="rect">
+            <a:avLst/>
+          </a:prstGeom>
+          <a:noFill/>
+          <a:extLst>
+            <a:ext uri="{909E8E84-426E-40DD-AFC4-6F175D3DCCD1}">
+              <a14:hiddenFill xmlns:a14="http://schemas.microsoft.com/office/drawing/2010/main">
+                <a:solidFill>
+                  <a:srgbClr val="FFFFFF"/>
+                </a:solidFill>
+              </a14:hiddenFill>
+            </a:ext>
+          </a:extLst>
+        </p:spPr>
+      </p:pic>
       <p:grpSp>
         <p:nvGrpSpPr>
-          <p:cNvPr id="7" name="Группа 6">
-            <a:extLst>
-              <a:ext uri="{FF2B5EF4-FFF2-40B4-BE49-F238E27FC236}">
-                <a16:creationId xmlns:a16="http://schemas.microsoft.com/office/drawing/2014/main" id="{8D4C91BC-1C08-7120-2579-280DAC81B078}"/>
+          <p:cNvPr id="12" name="Группа 11">
+            <a:extLst>
+              <a:ext uri="{FF2B5EF4-FFF2-40B4-BE49-F238E27FC236}">
+                <a16:creationId xmlns:a16="http://schemas.microsoft.com/office/drawing/2014/main" id="{06A983FF-C49A-BB24-11DC-C45946BC537B}"/>
               </a:ext>
             </a:extLst>
           </p:cNvPr>
@@ -4610,7 +5767,7 @@
         </p:nvGrpSpPr>
         <p:grpSpPr>
           <a:xfrm>
-            <a:off x="4157240" y="2338086"/>
+            <a:off x="-5399694" y="1490236"/>
             <a:ext cx="3877519" cy="3877519"/>
             <a:chOff x="4157240" y="2338086"/>
             <a:chExt cx="3877519" cy="3877519"/>
@@ -4618,10 +5775,10 @@
         </p:grpSpPr>
         <p:sp>
           <p:nvSpPr>
-            <p:cNvPr id="6" name="Овал 5">
+            <p:cNvPr id="13" name="Овал 12">
               <a:extLst>
                 <a:ext uri="{FF2B5EF4-FFF2-40B4-BE49-F238E27FC236}">
-                  <a16:creationId xmlns:a16="http://schemas.microsoft.com/office/drawing/2014/main" id="{CD2D88E6-751B-7E8A-2253-677C5CE24A28}"/>
+                  <a16:creationId xmlns:a16="http://schemas.microsoft.com/office/drawing/2014/main" id="{364EC388-DF3F-BBA2-9519-F9BE964E9198}"/>
                 </a:ext>
               </a:extLst>
             </p:cNvPr>
@@ -4690,10 +5847,10 @@
         </p:sp>
         <p:pic>
           <p:nvPicPr>
-            <p:cNvPr id="5" name="Рисунок 4">
+            <p:cNvPr id="14" name="Рисунок 13">
               <a:extLst>
                 <a:ext uri="{FF2B5EF4-FFF2-40B4-BE49-F238E27FC236}">
-                  <a16:creationId xmlns:a16="http://schemas.microsoft.com/office/drawing/2014/main" id="{B51F3CE9-4FCB-9F45-CAF9-342A0DD75806}"/>
+                  <a16:creationId xmlns:a16="http://schemas.microsoft.com/office/drawing/2014/main" id="{0DE725B9-3424-8D42-D8AD-1C1F0B4142F1}"/>
                 </a:ext>
               </a:extLst>
             </p:cNvPr>
@@ -4703,7 +5860,7 @@
             <p:nvPr/>
           </p:nvPicPr>
           <p:blipFill>
-            <a:blip r:embed="rId2">
+            <a:blip r:embed="rId4">
               <a:lum bright="70000" contrast="-70000"/>
             </a:blip>
             <a:stretch>
@@ -4721,6 +5878,126 @@
           </p:spPr>
         </p:pic>
       </p:grpSp>
+    </p:spTree>
+    <p:extLst>
+      <p:ext uri="{BB962C8B-B14F-4D97-AF65-F5344CB8AC3E}">
+        <p14:creationId xmlns:p14="http://schemas.microsoft.com/office/powerpoint/2010/main" val="3529872326"/>
+      </p:ext>
+    </p:extLst>
+  </p:cSld>
+  <p:clrMapOvr>
+    <a:masterClrMapping/>
+  </p:clrMapOvr>
+  <mc:AlternateContent xmlns:mc="http://schemas.openxmlformats.org/markup-compatibility/2006" xmlns:p159="http://schemas.microsoft.com/office/powerpoint/2015/09/main">
+    <mc:Choice Requires="p159">
+      <p:transition xmlns:p14="http://schemas.microsoft.com/office/powerpoint/2010/main" spd="slow" p14:dur="2000">
+        <p159:morph option="byObject"/>
+      </p:transition>
+    </mc:Choice>
+    <mc:Fallback xmlns="">
+      <p:transition spd="slow">
+        <p:fade/>
+      </p:transition>
+    </mc:Fallback>
+  </mc:AlternateContent>
+</p:sld>
+</file>
+
+<file path=ppt/slides/slide12.xml><?xml version="1.0" encoding="utf-8"?>
+<p:sld xmlns:a="http://schemas.openxmlformats.org/drawingml/2006/main" xmlns:r="http://schemas.openxmlformats.org/officeDocument/2006/relationships" xmlns:p="http://schemas.openxmlformats.org/presentationml/2006/main">
+  <p:cSld>
+    <p:spTree>
+      <p:nvGrpSpPr>
+        <p:cNvPr id="1" name=""/>
+        <p:cNvGrpSpPr/>
+        <p:nvPr/>
+      </p:nvGrpSpPr>
+      <p:grpSpPr>
+        <a:xfrm>
+          <a:off x="0" y="0"/>
+          <a:ext cx="0" cy="0"/>
+          <a:chOff x="0" y="0"/>
+          <a:chExt cx="0" cy="0"/>
+        </a:xfrm>
+      </p:grpSpPr>
+      <p:sp>
+        <p:nvSpPr>
+          <p:cNvPr id="3" name="TextBox 2">
+            <a:extLst>
+              <a:ext uri="{FF2B5EF4-FFF2-40B4-BE49-F238E27FC236}">
+                <a16:creationId xmlns:a16="http://schemas.microsoft.com/office/drawing/2014/main" id="{86EE00B9-A570-C4E8-2E30-AA07281C3451}"/>
+              </a:ext>
+            </a:extLst>
+          </p:cNvPr>
+          <p:cNvSpPr txBox="1"/>
+          <p:nvPr/>
+        </p:nvSpPr>
+        <p:spPr>
+          <a:xfrm>
+            <a:off x="302003" y="134224"/>
+            <a:ext cx="1432443" cy="707886"/>
+          </a:xfrm>
+          <a:prstGeom prst="rect">
+            <a:avLst/>
+          </a:prstGeom>
+          <a:noFill/>
+        </p:spPr>
+        <p:txBody>
+          <a:bodyPr wrap="none" rtlCol="0">
+            <a:spAutoFit/>
+          </a:bodyPr>
+          <a:lstStyle/>
+          <a:p>
+            <a:r>
+              <a:rPr lang="ru-RU" sz="4000" dirty="0">
+                <a:solidFill>
+                  <a:schemeClr val="bg1"/>
+                </a:solidFill>
+              </a:rPr>
+              <a:t>Итоги</a:t>
+            </a:r>
+          </a:p>
+        </p:txBody>
+      </p:sp>
+      <p:sp>
+        <p:nvSpPr>
+          <p:cNvPr id="4" name="TextBox 3">
+            <a:extLst>
+              <a:ext uri="{FF2B5EF4-FFF2-40B4-BE49-F238E27FC236}">
+                <a16:creationId xmlns:a16="http://schemas.microsoft.com/office/drawing/2014/main" id="{4F5F1BDC-B469-E619-CF18-0B112DFC1938}"/>
+              </a:ext>
+            </a:extLst>
+          </p:cNvPr>
+          <p:cNvSpPr txBox="1"/>
+          <p:nvPr/>
+        </p:nvSpPr>
+        <p:spPr>
+          <a:xfrm>
+            <a:off x="553674" y="1174459"/>
+            <a:ext cx="11242086" cy="1107996"/>
+          </a:xfrm>
+          <a:prstGeom prst="rect">
+            <a:avLst/>
+          </a:prstGeom>
+          <a:noFill/>
+        </p:spPr>
+        <p:txBody>
+          <a:bodyPr wrap="square" rtlCol="0">
+            <a:spAutoFit/>
+          </a:bodyPr>
+          <a:lstStyle/>
+          <a:p>
+            <a:r>
+              <a:rPr lang="ru-RU" sz="2200" dirty="0">
+                <a:solidFill>
+                  <a:schemeClr val="bg1"/>
+                </a:solidFill>
+              </a:rPr>
+              <a:t>По итогам работы будет создано приложение для планирования поездок. Оно сможет помочь людям заранее продумать своё путешествие, найти реальные места и посмотреть отзывы о них. По моему мнению, оно является очень удобным и полезным. </a:t>
+            </a:r>
+          </a:p>
+        </p:txBody>
+      </p:sp>
     </p:spTree>
     <p:extLst>
       <p:ext uri="{BB962C8B-B14F-4D97-AF65-F5344CB8AC3E}">
@@ -4746,7 +6023,7 @@
 </p:sld>
 </file>
 
-<file path=ppt/slides/slide11.xml><?xml version="1.0" encoding="utf-8"?>
+<file path=ppt/slides/slide13.xml><?xml version="1.0" encoding="utf-8"?>
 <p:sld xmlns:a="http://schemas.openxmlformats.org/drawingml/2006/main" xmlns:r="http://schemas.openxmlformats.org/officeDocument/2006/relationships" xmlns:p="http://schemas.openxmlformats.org/presentationml/2006/main">
   <p:cSld>
     <p:bg>
@@ -4906,13 +6183,13 @@
   <p:clrMapOvr>
     <a:masterClrMapping/>
   </p:clrMapOvr>
-  <mc:AlternateContent xmlns:mc="http://schemas.openxmlformats.org/markup-compatibility/2006">
-    <mc:Choice xmlns:p159="http://schemas.microsoft.com/office/powerpoint/2015/09/main" Requires="p159">
+  <mc:AlternateContent xmlns:mc="http://schemas.openxmlformats.org/markup-compatibility/2006" xmlns:p159="http://schemas.microsoft.com/office/powerpoint/2015/09/main">
+    <mc:Choice Requires="p159">
       <p:transition xmlns:p14="http://schemas.microsoft.com/office/powerpoint/2010/main" spd="slow" p14:dur="2000" advTm="3000">
         <p159:morph option="byObject"/>
       </p:transition>
     </mc:Choice>
-    <mc:Fallback>
+    <mc:Fallback xmlns="">
       <p:transition spd="slow" advTm="3000">
         <p:fade/>
       </p:transition>
@@ -6105,7 +7382,7 @@
         <p:spPr>
           <a:xfrm>
             <a:off x="197581" y="1475313"/>
-            <a:ext cx="11626837" cy="2246769"/>
+            <a:ext cx="11862339" cy="4093428"/>
           </a:xfrm>
           <a:prstGeom prst="rect">
             <a:avLst/>
@@ -6113,7 +7390,7 @@
           <a:noFill/>
         </p:spPr>
         <p:txBody>
-          <a:bodyPr wrap="none" rtlCol="0">
+          <a:bodyPr wrap="square" rtlCol="0">
             <a:spAutoFit/>
           </a:bodyPr>
           <a:lstStyle/>
@@ -6127,7 +7404,68 @@
                   <a:schemeClr val="bg1"/>
                 </a:solidFill>
               </a:rPr>
-              <a:t>Актуальность</a:t>
+              <a:t>Актуальность.</a:t>
+            </a:r>
+            <a:r>
+              <a:rPr lang="en-US" sz="2000" dirty="0">
+                <a:solidFill>
+                  <a:schemeClr val="bg1"/>
+                </a:solidFill>
+              </a:rPr>
+              <a:t> </a:t>
+            </a:r>
+            <a:r>
+              <a:rPr lang="ru-RU" sz="2000" dirty="0">
+                <a:solidFill>
+                  <a:schemeClr val="bg1"/>
+                </a:solidFill>
+              </a:rPr>
+              <a:t>Многие люди планируют только время и место отдыха или путешествия. Из-за этого они иногда сталкиваются с вопросом </a:t>
+            </a:r>
+            <a:r>
+              <a:rPr lang="en-US" sz="2000" dirty="0">
+                <a:solidFill>
+                  <a:schemeClr val="bg1"/>
+                </a:solidFill>
+              </a:rPr>
+              <a:t>“</a:t>
+            </a:r>
+            <a:r>
+              <a:rPr lang="ru-RU" sz="2000" dirty="0">
+                <a:solidFill>
+                  <a:schemeClr val="bg1"/>
+                </a:solidFill>
+              </a:rPr>
+              <a:t>А что дальше? Чем займемся? Как успеть всё, что хотелось?</a:t>
+            </a:r>
+            <a:r>
+              <a:rPr lang="en-US" sz="2000" dirty="0">
+                <a:solidFill>
+                  <a:schemeClr val="bg1"/>
+                </a:solidFill>
+              </a:rPr>
+              <a:t>”</a:t>
+            </a:r>
+            <a:r>
+              <a:rPr lang="ru-RU" sz="2000" dirty="0">
+                <a:solidFill>
+                  <a:schemeClr val="bg1"/>
+                </a:solidFill>
+              </a:rPr>
+              <a:t>. Моё приложение станет незаменимым помощником в такой ситуации.</a:t>
+            </a:r>
+          </a:p>
+          <a:p>
+            <a:pPr marL="342900" indent="-342900">
+              <a:buAutoNum type="arabicPeriod"/>
+            </a:pPr>
+            <a:r>
+              <a:rPr lang="ru-RU" sz="2000" dirty="0">
+                <a:solidFill>
+                  <a:schemeClr val="bg1"/>
+                </a:solidFill>
+              </a:rPr>
+              <a:t>Цель работы</a:t>
             </a:r>
             <a:r>
               <a:rPr lang="en-US" sz="2000" dirty="0">
@@ -6143,63 +7481,8 @@
                   <a:schemeClr val="bg1"/>
                 </a:solidFill>
               </a:rPr>
-              <a:t>многие люди не планируют свои поездки заранее. Мой проект призван это исправить</a:t>
-            </a:r>
-            <a:r>
-              <a:rPr lang="en-US" sz="2000" dirty="0">
-                <a:solidFill>
-                  <a:schemeClr val="bg1"/>
-                </a:solidFill>
-              </a:rPr>
-              <a:t>;</a:t>
-            </a:r>
-            <a:endParaRPr lang="ru-RU" sz="2000" dirty="0">
-              <a:solidFill>
-                <a:schemeClr val="bg1"/>
-              </a:solidFill>
-            </a:endParaRPr>
-          </a:p>
-          <a:p>
-            <a:pPr marL="342900" indent="-342900">
-              <a:buAutoNum type="arabicPeriod"/>
-            </a:pPr>
-            <a:r>
-              <a:rPr lang="ru-RU" sz="2000" dirty="0">
-                <a:solidFill>
-                  <a:schemeClr val="bg1"/>
-                </a:solidFill>
-              </a:rPr>
-              <a:t>Цель работы</a:t>
-            </a:r>
-            <a:r>
-              <a:rPr lang="en-US" sz="2000" dirty="0">
-                <a:solidFill>
-                  <a:schemeClr val="bg1"/>
-                </a:solidFill>
-              </a:rPr>
-              <a:t>: </a:t>
-            </a:r>
-            <a:r>
-              <a:rPr lang="ru-RU" sz="2000" dirty="0">
-                <a:solidFill>
-                  <a:schemeClr val="bg1"/>
-                </a:solidFill>
-              </a:rPr>
-              <a:t>создать мобильное приложение для планирования поездок</a:t>
-            </a:r>
-            <a:r>
-              <a:rPr lang="en-US" sz="2000" dirty="0">
-                <a:solidFill>
-                  <a:schemeClr val="bg1"/>
-                </a:solidFill>
-              </a:rPr>
-              <a:t>;</a:t>
-            </a:r>
-            <a:endParaRPr lang="ru-RU" sz="2000" dirty="0">
-              <a:solidFill>
-                <a:schemeClr val="bg1"/>
-              </a:solidFill>
-            </a:endParaRPr>
+              <a:t>создать мобильное приложение для планирования поездок.</a:t>
+            </a:r>
           </a:p>
           <a:p>
             <a:pPr marL="342900" indent="-342900">
@@ -6233,21 +7516,8 @@
                   <a:schemeClr val="bg1"/>
                 </a:solidFill>
               </a:rPr>
-              <a:t>Изучить, как создаются мобильные приложения</a:t>
-            </a:r>
-            <a:r>
-              <a:rPr lang="en-US" sz="2000" dirty="0">
-                <a:solidFill>
-                  <a:schemeClr val="bg1"/>
-                </a:solidFill>
-              </a:rPr>
-              <a:t>;</a:t>
-            </a:r>
-            <a:endParaRPr lang="ru-RU" sz="2000" dirty="0">
-              <a:solidFill>
-                <a:schemeClr val="bg1"/>
-              </a:solidFill>
-            </a:endParaRPr>
+              <a:t>Изучить, как создаются мобильные приложения.</a:t>
+            </a:r>
           </a:p>
           <a:p>
             <a:pPr marL="742950" lvl="1" indent="-285750">
@@ -6260,15 +7530,7 @@
                   <a:schemeClr val="bg1"/>
                 </a:solidFill>
               </a:rPr>
-              <a:t>Создать макет дизайна приложения, продумать все, что будет нужно пользователю</a:t>
-            </a:r>
-            <a:r>
-              <a:rPr lang="en-US" sz="2000" dirty="0">
-                <a:solidFill>
-                  <a:schemeClr val="bg1"/>
-                </a:solidFill>
-              </a:rPr>
-              <a:t>;</a:t>
+              <a:t>Продумать функционал моего приложения.</a:t>
             </a:r>
           </a:p>
           <a:p>
@@ -6282,16 +7544,13 @@
                   <a:schemeClr val="bg1"/>
                 </a:solidFill>
               </a:rPr>
-              <a:t>Создать приложение, серверную часть для полной работы</a:t>
-            </a:r>
-            <a:r>
-              <a:rPr lang="en-US" sz="2000" dirty="0">
-                <a:solidFill>
-                  <a:schemeClr val="bg1"/>
-                </a:solidFill>
-              </a:rPr>
-              <a:t>;</a:t>
-            </a:r>
+              <a:t>Создать макет дизайна.</a:t>
+            </a:r>
+            <a:endParaRPr lang="en-US" sz="2000" dirty="0">
+              <a:solidFill>
+                <a:schemeClr val="bg1"/>
+              </a:solidFill>
+            </a:endParaRPr>
           </a:p>
           <a:p>
             <a:pPr marL="742950" lvl="1" indent="-285750">
@@ -6304,7 +7563,65 @@
                   <a:schemeClr val="bg1"/>
                 </a:solidFill>
               </a:rPr>
-              <a:t>Выпустить приложение в общий доступ.</a:t>
+              <a:t>Написать программный код для приложения.</a:t>
+            </a:r>
+          </a:p>
+          <a:p>
+            <a:pPr marL="742950" lvl="1" indent="-285750">
+              <a:buFont typeface="Arial" panose="020B0604020202020204" pitchFamily="34" charset="0"/>
+              <a:buChar char="•"/>
+            </a:pPr>
+            <a:r>
+              <a:rPr lang="ru-RU" sz="2000" dirty="0">
+                <a:solidFill>
+                  <a:schemeClr val="bg1"/>
+                </a:solidFill>
+              </a:rPr>
+              <a:t>Написать код для сервера, на котором будут хранится все данные и обрабатываться запросы с приложения.</a:t>
+            </a:r>
+          </a:p>
+          <a:p>
+            <a:pPr marL="742950" lvl="1" indent="-285750">
+              <a:buFont typeface="Arial" panose="020B0604020202020204" pitchFamily="34" charset="0"/>
+              <a:buChar char="•"/>
+            </a:pPr>
+            <a:r>
+              <a:rPr lang="ru-RU" sz="2000" dirty="0">
+                <a:solidFill>
+                  <a:schemeClr val="bg1"/>
+                </a:solidFill>
+              </a:rPr>
+              <a:t>Протестировать продукт.</a:t>
+            </a:r>
+          </a:p>
+          <a:p>
+            <a:pPr marL="742950" lvl="1" indent="-285750">
+              <a:buFont typeface="Arial" panose="020B0604020202020204" pitchFamily="34" charset="0"/>
+              <a:buChar char="•"/>
+            </a:pPr>
+            <a:r>
+              <a:rPr lang="ru-RU" sz="2000" dirty="0">
+                <a:solidFill>
+                  <a:schemeClr val="bg1"/>
+                </a:solidFill>
+              </a:rPr>
+              <a:t>Выпустить приложение для общего доступа в </a:t>
+            </a:r>
+            <a:r>
+              <a:rPr lang="en-US" sz="2000" dirty="0" err="1">
+                <a:solidFill>
+                  <a:schemeClr val="bg1"/>
+                </a:solidFill>
+              </a:rPr>
+              <a:t>PlayMarket</a:t>
+            </a:r>
+            <a:r>
+              <a:rPr lang="ru-RU" sz="2000" dirty="0">
+                <a:solidFill>
+                  <a:schemeClr val="bg1"/>
+                </a:solidFill>
+              </a:rPr>
+              <a:t>.</a:t>
             </a:r>
           </a:p>
         </p:txBody>
@@ -6392,10 +7709,10 @@
       </p:grpSpPr>
       <p:sp>
         <p:nvSpPr>
-          <p:cNvPr id="12" name="Овал 11">
-            <a:extLst>
-              <a:ext uri="{FF2B5EF4-FFF2-40B4-BE49-F238E27FC236}">
-                <a16:creationId xmlns:a16="http://schemas.microsoft.com/office/drawing/2014/main" id="{8CD70D71-895F-8F65-26A2-53A93A03A894}"/>
+          <p:cNvPr id="13" name="Овал 12">
+            <a:extLst>
+              <a:ext uri="{FF2B5EF4-FFF2-40B4-BE49-F238E27FC236}">
+                <a16:creationId xmlns:a16="http://schemas.microsoft.com/office/drawing/2014/main" id="{44C68AEB-A6CF-1D7B-60C2-72E79DB0E84B}"/>
               </a:ext>
             </a:extLst>
           </p:cNvPr>
@@ -6404,8 +7721,8 @@
         </p:nvSpPr>
         <p:spPr>
           <a:xfrm>
-            <a:off x="8842132" y="2125491"/>
-            <a:ext cx="4064825" cy="4064825"/>
+            <a:off x="2785027" y="4105990"/>
+            <a:ext cx="2437062" cy="2437062"/>
           </a:xfrm>
           <a:prstGeom prst="ellipse">
             <a:avLst/>
@@ -6459,16 +7776,16 @@
           <a:lstStyle/>
           <a:p>
             <a:pPr algn="ctr"/>
-            <a:endParaRPr lang="ru-RU" dirty="0"/>
+            <a:endParaRPr lang="ru-RU"/>
           </a:p>
         </p:txBody>
       </p:sp>
       <p:pic>
         <p:nvPicPr>
-          <p:cNvPr id="25" name="Рисунок 24">
-            <a:extLst>
-              <a:ext uri="{FF2B5EF4-FFF2-40B4-BE49-F238E27FC236}">
-                <a16:creationId xmlns:a16="http://schemas.microsoft.com/office/drawing/2014/main" id="{CBE88935-656B-CA7B-61B8-3EAD6FD36B76}"/>
+          <p:cNvPr id="20" name="Рисунок 19">
+            <a:extLst>
+              <a:ext uri="{FF2B5EF4-FFF2-40B4-BE49-F238E27FC236}">
+                <a16:creationId xmlns:a16="http://schemas.microsoft.com/office/drawing/2014/main" id="{922769D0-C0AA-8F96-2501-94716C35A036}"/>
               </a:ext>
             </a:extLst>
           </p:cNvPr>
@@ -6487,8 +7804,8 @@
         </p:blipFill>
         <p:spPr>
           <a:xfrm>
-            <a:off x="10076555" y="2983880"/>
-            <a:ext cx="2127376" cy="2127376"/>
+            <a:off x="3550012" y="4652598"/>
+            <a:ext cx="1133692" cy="1133692"/>
           </a:xfrm>
           <a:prstGeom prst="rect">
             <a:avLst/>
@@ -6510,10 +7827,10 @@
       </p:pic>
       <p:sp>
         <p:nvSpPr>
-          <p:cNvPr id="13" name="Овал 12">
-            <a:extLst>
-              <a:ext uri="{FF2B5EF4-FFF2-40B4-BE49-F238E27FC236}">
-                <a16:creationId xmlns:a16="http://schemas.microsoft.com/office/drawing/2014/main" id="{44C68AEB-A6CF-1D7B-60C2-72E79DB0E84B}"/>
+          <p:cNvPr id="14" name="Овал 13">
+            <a:extLst>
+              <a:ext uri="{FF2B5EF4-FFF2-40B4-BE49-F238E27FC236}">
+                <a16:creationId xmlns:a16="http://schemas.microsoft.com/office/drawing/2014/main" id="{B343E1A9-E3E1-ACBA-15F9-B3ADA1858E45}"/>
               </a:ext>
             </a:extLst>
           </p:cNvPr>
@@ -6522,8 +7839,8 @@
         </p:nvSpPr>
         <p:spPr>
           <a:xfrm>
-            <a:off x="2940471" y="3006431"/>
-            <a:ext cx="3022089" cy="3022089"/>
+            <a:off x="6421121" y="4105990"/>
+            <a:ext cx="2437062" cy="2437062"/>
           </a:xfrm>
           <a:prstGeom prst="ellipse">
             <a:avLst/>
@@ -6583,10 +7900,10 @@
       </p:sp>
       <p:pic>
         <p:nvPicPr>
-          <p:cNvPr id="20" name="Рисунок 19">
-            <a:extLst>
-              <a:ext uri="{FF2B5EF4-FFF2-40B4-BE49-F238E27FC236}">
-                <a16:creationId xmlns:a16="http://schemas.microsoft.com/office/drawing/2014/main" id="{922769D0-C0AA-8F96-2501-94716C35A036}"/>
+          <p:cNvPr id="16" name="Рисунок 15">
+            <a:extLst>
+              <a:ext uri="{FF2B5EF4-FFF2-40B4-BE49-F238E27FC236}">
+                <a16:creationId xmlns:a16="http://schemas.microsoft.com/office/drawing/2014/main" id="{A96AA727-C447-A3DB-DEEE-2C2F05C95BE3}"/>
               </a:ext>
             </a:extLst>
           </p:cNvPr>
@@ -6605,255 +7922,8 @@
         </p:blipFill>
         <p:spPr>
           <a:xfrm>
-            <a:off x="3959456" y="3718443"/>
-            <a:ext cx="1405839" cy="1405839"/>
-          </a:xfrm>
-          <a:prstGeom prst="rect">
-            <a:avLst/>
-          </a:prstGeom>
-          <a:effectLst>
-            <a:outerShdw blurRad="114300" dist="50800" sx="108000" sy="108000" algn="l" rotWithShape="0">
-              <a:prstClr val="black">
-                <a:alpha val="44000"/>
-              </a:prstClr>
-            </a:outerShdw>
-          </a:effectLst>
-          <a:scene3d>
-            <a:camera prst="obliqueTopRight">
-              <a:rot lat="20999999" lon="899990" rev="0"/>
-            </a:camera>
-            <a:lightRig rig="threePt" dir="t"/>
-          </a:scene3d>
-        </p:spPr>
-      </p:pic>
-      <p:sp>
-        <p:nvSpPr>
-          <p:cNvPr id="14" name="Овал 13">
-            <a:extLst>
-              <a:ext uri="{FF2B5EF4-FFF2-40B4-BE49-F238E27FC236}">
-                <a16:creationId xmlns:a16="http://schemas.microsoft.com/office/drawing/2014/main" id="{B343E1A9-E3E1-ACBA-15F9-B3ADA1858E45}"/>
-              </a:ext>
-            </a:extLst>
-          </p:cNvPr>
-          <p:cNvSpPr/>
-          <p:nvPr/>
-        </p:nvSpPr>
-        <p:spPr>
-          <a:xfrm>
-            <a:off x="6096000" y="3759160"/>
-            <a:ext cx="3022089" cy="3022089"/>
-          </a:xfrm>
-          <a:prstGeom prst="ellipse">
-            <a:avLst/>
-          </a:prstGeom>
-          <a:solidFill>
-            <a:schemeClr val="tx2">
-              <a:lumMod val="75000"/>
-            </a:schemeClr>
-          </a:solidFill>
-          <a:ln>
-            <a:noFill/>
-          </a:ln>
-          <a:effectLst>
-            <a:outerShdw blurRad="184150" dist="241300" dir="11520000" sx="110000" sy="110000" algn="ctr">
-              <a:srgbClr val="000000">
-                <a:alpha val="18000"/>
-              </a:srgbClr>
-            </a:outerShdw>
-          </a:effectLst>
-          <a:scene3d>
-            <a:camera prst="perspectiveFront" fov="5100000">
-              <a:rot lat="0" lon="2100000" rev="0"/>
-            </a:camera>
-            <a:lightRig rig="flood" dir="t">
-              <a:rot lat="0" lon="0" rev="13800000"/>
-            </a:lightRig>
-          </a:scene3d>
-          <a:sp3d extrusionH="107950" prstMaterial="plastic">
-            <a:bevelT w="82550" h="63500" prst="divot"/>
-            <a:bevelB/>
-          </a:sp3d>
-        </p:spPr>
-        <p:style>
-          <a:lnRef idx="2">
-            <a:schemeClr val="accent1">
-              <a:shade val="15000"/>
-            </a:schemeClr>
-          </a:lnRef>
-          <a:fillRef idx="1">
-            <a:schemeClr val="accent1"/>
-          </a:fillRef>
-          <a:effectRef idx="0">
-            <a:schemeClr val="accent1"/>
-          </a:effectRef>
-          <a:fontRef idx="minor">
-            <a:schemeClr val="lt1"/>
-          </a:fontRef>
-        </p:style>
-        <p:txBody>
-          <a:bodyPr rtlCol="0" anchor="ctr"/>
-          <a:lstStyle/>
-          <a:p>
-            <a:pPr algn="ctr"/>
-            <a:endParaRPr lang="ru-RU"/>
-          </a:p>
-        </p:txBody>
-      </p:sp>
-      <p:pic>
-        <p:nvPicPr>
-          <p:cNvPr id="16" name="Рисунок 15">
-            <a:extLst>
-              <a:ext uri="{FF2B5EF4-FFF2-40B4-BE49-F238E27FC236}">
-                <a16:creationId xmlns:a16="http://schemas.microsoft.com/office/drawing/2014/main" id="{A96AA727-C447-A3DB-DEEE-2C2F05C95BE3}"/>
-              </a:ext>
-            </a:extLst>
-          </p:cNvPr>
-          <p:cNvPicPr>
-            <a:picLocks noChangeAspect="1"/>
-          </p:cNvPicPr>
-          <p:nvPr/>
-        </p:nvPicPr>
-        <p:blipFill>
-          <a:blip r:embed="rId4">
-            <a:lum bright="70000" contrast="-70000"/>
-          </a:blip>
-          <a:stretch>
-            <a:fillRect/>
-          </a:stretch>
-        </p:blipFill>
-        <p:spPr>
-          <a:xfrm>
-            <a:off x="6958250" y="4446869"/>
-            <a:ext cx="1638417" cy="1638417"/>
-          </a:xfrm>
-          <a:prstGeom prst="rect">
-            <a:avLst/>
-          </a:prstGeom>
-          <a:effectLst>
-            <a:outerShdw blurRad="114300" dist="50800" sx="108000" sy="108000" algn="l" rotWithShape="0">
-              <a:prstClr val="black">
-                <a:alpha val="44000"/>
-              </a:prstClr>
-            </a:outerShdw>
-          </a:effectLst>
-          <a:scene3d>
-            <a:camera prst="obliqueTopRight">
-              <a:rot lat="20999999" lon="899990" rev="0"/>
-            </a:camera>
-            <a:lightRig rig="threePt" dir="t"/>
-          </a:scene3d>
-        </p:spPr>
-      </p:pic>
-      <p:sp>
-        <p:nvSpPr>
-          <p:cNvPr id="11" name="Овал 10">
-            <a:extLst>
-              <a:ext uri="{FF2B5EF4-FFF2-40B4-BE49-F238E27FC236}">
-                <a16:creationId xmlns:a16="http://schemas.microsoft.com/office/drawing/2014/main" id="{3831C07F-8C63-A6EF-E24B-33F728DC85C8}"/>
-              </a:ext>
-            </a:extLst>
-          </p:cNvPr>
-          <p:cNvSpPr/>
-          <p:nvPr/>
-        </p:nvSpPr>
-        <p:spPr>
-          <a:xfrm>
-            <a:off x="-931597" y="3794997"/>
-            <a:ext cx="3703899" cy="3703899"/>
-          </a:xfrm>
-          <a:prstGeom prst="ellipse">
-            <a:avLst/>
-          </a:prstGeom>
-          <a:solidFill>
-            <a:schemeClr val="tx2">
-              <a:lumMod val="75000"/>
-            </a:schemeClr>
-          </a:solidFill>
-          <a:ln>
-            <a:noFill/>
-          </a:ln>
-          <a:effectLst>
-            <a:outerShdw blurRad="184150" dist="241300" dir="11520000" sx="110000" sy="110000" algn="ctr">
-              <a:srgbClr val="000000">
-                <a:alpha val="18000"/>
-              </a:srgbClr>
-            </a:outerShdw>
-          </a:effectLst>
-          <a:scene3d>
-            <a:camera prst="perspectiveFront" fov="5100000">
-              <a:rot lat="0" lon="2100000" rev="0"/>
-            </a:camera>
-            <a:lightRig rig="flood" dir="t">
-              <a:rot lat="0" lon="0" rev="13800000"/>
-            </a:lightRig>
-          </a:scene3d>
-          <a:sp3d extrusionH="107950" prstMaterial="plastic">
-            <a:bevelT w="82550" h="63500" prst="divot"/>
-            <a:bevelB/>
-          </a:sp3d>
-        </p:spPr>
-        <p:style>
-          <a:lnRef idx="2">
-            <a:schemeClr val="accent1">
-              <a:shade val="15000"/>
-            </a:schemeClr>
-          </a:lnRef>
-          <a:fillRef idx="1">
-            <a:schemeClr val="accent1"/>
-          </a:fillRef>
-          <a:effectRef idx="0">
-            <a:schemeClr val="accent1"/>
-          </a:effectRef>
-          <a:fontRef idx="minor">
-            <a:schemeClr val="lt1"/>
-          </a:fontRef>
-        </p:style>
-        <p:txBody>
-          <a:bodyPr rtlCol="0" anchor="ctr"/>
-          <a:lstStyle/>
-          <a:p>
-            <a:pPr algn="ctr"/>
-            <a:endParaRPr lang="ru-RU"/>
-          </a:p>
-        </p:txBody>
-      </p:sp>
-      <p:pic>
-        <p:nvPicPr>
-          <p:cNvPr id="28" name="Рисунок 27">
-            <a:extLst>
-              <a:ext uri="{FF2B5EF4-FFF2-40B4-BE49-F238E27FC236}">
-                <a16:creationId xmlns:a16="http://schemas.microsoft.com/office/drawing/2014/main" id="{6D6060B5-FA2C-604A-93BC-31A3A7786834}"/>
-              </a:ext>
-            </a:extLst>
-          </p:cNvPr>
-          <p:cNvPicPr>
-            <a:picLocks noChangeAspect="1"/>
-          </p:cNvPicPr>
-          <p:nvPr/>
-        </p:nvPicPr>
-        <p:blipFill>
-          <a:blip r:embed="rId5">
-            <a:lum bright="70000" contrast="-70000"/>
-            <a:extLst>
-              <a:ext uri="{BEBA8EAE-BF5A-486C-A8C5-ECC9F3942E4B}">
-                <a14:imgProps xmlns:a14="http://schemas.microsoft.com/office/drawing/2010/main">
-                  <a14:imgLayer r:embed="rId6">
-                    <a14:imgEffect>
-                      <a14:colorTemperature colorTemp="1500"/>
-                    </a14:imgEffect>
-                  </a14:imgLayer>
-                </a14:imgProps>
-              </a:ext>
-            </a:extLst>
-          </a:blip>
-          <a:stretch>
-            <a:fillRect/>
-          </a:stretch>
-        </p:blipFill>
-        <p:spPr>
-          <a:xfrm>
-            <a:off x="69158" y="4639075"/>
-            <a:ext cx="1951579" cy="1951579"/>
+            <a:off x="7110651" y="4652598"/>
+            <a:ext cx="1321246" cy="1321246"/>
           </a:xfrm>
           <a:prstGeom prst="rect">
             <a:avLst/>
@@ -7291,8 +8361,8 @@
         </p:nvSpPr>
         <p:spPr>
           <a:xfrm>
-            <a:off x="638355" y="1457864"/>
-            <a:ext cx="11197087" cy="923330"/>
+            <a:off x="497456" y="1186673"/>
+            <a:ext cx="11197087" cy="2585323"/>
           </a:xfrm>
           <a:prstGeom prst="rect">
             <a:avLst/>
@@ -7311,6 +8381,23 @@
                   <a:schemeClr val="bg1"/>
                 </a:solidFill>
               </a:rPr>
+              <a:t>Мобильное приложение – это программное обеспечение, предназначенное для работы на смартфонах, планшетах и других мобильных устройствах и решающее нужные пользователю задачи. Чтобы создать такое приложение, нужно написать программный код.</a:t>
+            </a:r>
+          </a:p>
+          <a:p>
+            <a:endParaRPr lang="ru-RU" dirty="0">
+              <a:solidFill>
+                <a:schemeClr val="bg1"/>
+              </a:solidFill>
+            </a:endParaRPr>
+          </a:p>
+          <a:p>
+            <a:r>
+              <a:rPr lang="ru-RU" dirty="0">
+                <a:solidFill>
+                  <a:schemeClr val="bg1"/>
+                </a:solidFill>
+              </a:rPr>
               <a:t>Процесс написания кода для приложения называется версткой. Обычно верстка проходит на языках </a:t>
             </a:r>
             <a:r>
@@ -7391,7 +8478,7 @@
                   <a:schemeClr val="bg1"/>
                 </a:solidFill>
               </a:rPr>
-              <a:t>Для моего приложения я выбрал более удобный и новый инструмент – </a:t>
+              <a:t>Проанализировав эти инструменты, для своего приложения я решил выбрать более удобный и современный инструмент –  комплект средств разработки </a:t>
             </a:r>
             <a:r>
               <a:rPr lang="en-US" dirty="0">
@@ -7399,7 +8486,7 @@
                   <a:schemeClr val="bg1"/>
                 </a:solidFill>
               </a:rPr>
-              <a:t>Flutter, </a:t>
+              <a:t>Flutter</a:t>
             </a:r>
             <a:r>
               <a:rPr lang="ru-RU" dirty="0">
@@ -7407,8 +8494,53 @@
                   <a:schemeClr val="bg1"/>
                 </a:solidFill>
               </a:rPr>
-              <a:t>с помощью которого можно создавать приложения сразу для всех платформ.</a:t>
-            </a:r>
+              <a:t>.</a:t>
+            </a:r>
+            <a:r>
+              <a:rPr lang="en-US" dirty="0">
+                <a:solidFill>
+                  <a:schemeClr val="bg1"/>
+                </a:solidFill>
+              </a:rPr>
+              <a:t> </a:t>
+            </a:r>
+            <a:r>
+              <a:rPr lang="ru-RU" dirty="0">
+                <a:solidFill>
+                  <a:schemeClr val="bg1"/>
+                </a:solidFill>
+              </a:rPr>
+              <a:t>С помощью него можно создавать приложения сразу для всех платформ. Код для приложений на </a:t>
+            </a:r>
+            <a:r>
+              <a:rPr lang="en-US" dirty="0">
+                <a:solidFill>
+                  <a:schemeClr val="bg1"/>
+                </a:solidFill>
+              </a:rPr>
+              <a:t>Flutter</a:t>
+            </a:r>
+            <a:r>
+              <a:rPr lang="ru-RU" dirty="0">
+                <a:solidFill>
+                  <a:schemeClr val="bg1"/>
+                </a:solidFill>
+              </a:rPr>
+              <a:t> пишется на языке программирования </a:t>
+            </a:r>
+            <a:r>
+              <a:rPr lang="en-US" dirty="0">
+                <a:solidFill>
+                  <a:schemeClr val="bg1"/>
+                </a:solidFill>
+              </a:rPr>
+              <a:t>Dart.</a:t>
+            </a:r>
+            <a:endParaRPr lang="ru-RU" dirty="0">
+              <a:solidFill>
+                <a:schemeClr val="bg1"/>
+              </a:solidFill>
+            </a:endParaRPr>
           </a:p>
         </p:txBody>
       </p:sp>
@@ -7515,7 +8647,7 @@
             <p:nvPr/>
           </p:nvPicPr>
           <p:blipFill>
-            <a:blip r:embed="rId7">
+            <a:blip r:embed="rId4">
               <a:lum bright="70000" contrast="-70000"/>
             </a:blip>
             <a:stretch>
@@ -7554,7 +8686,7 @@
             <p:nvPr/>
           </p:nvPicPr>
           <p:blipFill>
-            <a:blip r:embed="rId8">
+            <a:blip r:embed="rId5">
               <a:lum bright="70000" contrast="-70000"/>
             </a:blip>
             <a:stretch>
@@ -7593,7 +8725,7 @@
             <p:nvPr/>
           </p:nvPicPr>
           <p:blipFill>
-            <a:blip r:embed="rId9">
+            <a:blip r:embed="rId6">
               <a:lum bright="70000" contrast="-70000"/>
             </a:blip>
             <a:stretch>
@@ -7674,8 +8806,8 @@
         </p:nvGrpSpPr>
         <p:grpSpPr>
           <a:xfrm>
-            <a:off x="1478575" y="3174057"/>
-            <a:ext cx="9234850" cy="2974581"/>
+            <a:off x="3056324" y="4228165"/>
+            <a:ext cx="6079352" cy="1958183"/>
             <a:chOff x="1478575" y="3174057"/>
             <a:chExt cx="9234850" cy="2974581"/>
           </a:xfrm>
@@ -7928,8 +9060,8 @@
         </p:nvSpPr>
         <p:spPr>
           <a:xfrm>
-            <a:off x="638355" y="1457864"/>
-            <a:ext cx="11197087" cy="646331"/>
+            <a:off x="629763" y="1294530"/>
+            <a:ext cx="11197087" cy="1754326"/>
           </a:xfrm>
           <a:prstGeom prst="rect">
             <a:avLst/>
@@ -7948,7 +9080,7 @@
                   <a:schemeClr val="bg1"/>
                 </a:solidFill>
               </a:rPr>
-              <a:t>Серверная часть написана на языке </a:t>
+              <a:t>Серверная часть нужна для хранения, обработки информации и передачи её приложению. Обычно, сервера работают по протоколу </a:t>
             </a:r>
             <a:r>
               <a:rPr lang="en-US" dirty="0">
@@ -7956,7 +9088,7 @@
                   <a:schemeClr val="bg1"/>
                 </a:solidFill>
               </a:rPr>
-              <a:t>Go. </a:t>
+              <a:t>HTTP</a:t>
             </a:r>
             <a:r>
               <a:rPr lang="ru-RU" dirty="0">
@@ -7964,7 +9096,7 @@
                   <a:schemeClr val="bg1"/>
                 </a:solidFill>
               </a:rPr>
-              <a:t>Он был выбран из-за простоты использования вместе с </a:t>
+              <a:t>. Это набор правил, по которым </a:t>
             </a:r>
             <a:r>
               <a:rPr lang="en-US" dirty="0">
@@ -7972,7 +9104,7 @@
                   <a:schemeClr val="bg1"/>
                 </a:solidFill>
               </a:rPr>
-              <a:t>Flutter</a:t>
+              <a:t>“</a:t>
             </a:r>
             <a:r>
               <a:rPr lang="ru-RU" dirty="0">
@@ -7980,8 +9112,70 @@
                   <a:schemeClr val="bg1"/>
                 </a:solidFill>
               </a:rPr>
-              <a:t>, своего быстродействия и безопасности. </a:t>
-            </a:r>
+              <a:t>общаются</a:t>
+            </a:r>
+            <a:r>
+              <a:rPr lang="en-US" dirty="0">
+                <a:solidFill>
+                  <a:schemeClr val="bg1"/>
+                </a:solidFill>
+              </a:rPr>
+              <a:t>”</a:t>
+            </a:r>
+            <a:r>
+              <a:rPr lang="ru-RU" dirty="0">
+                <a:solidFill>
+                  <a:schemeClr val="bg1"/>
+                </a:solidFill>
+              </a:rPr>
+              <a:t> сервер и приложение. Он позволяет передавать тестовые данные через интернет.</a:t>
+            </a:r>
+          </a:p>
+          <a:p>
+            <a:endParaRPr lang="ru-RU" dirty="0">
+              <a:solidFill>
+                <a:schemeClr val="bg1"/>
+              </a:solidFill>
+            </a:endParaRPr>
+          </a:p>
+          <a:p>
+            <a:r>
+              <a:rPr lang="ru-RU" dirty="0">
+                <a:solidFill>
+                  <a:schemeClr val="bg1"/>
+                </a:solidFill>
+              </a:rPr>
+              <a:t>Для создания своего сервера я выбрал язык </a:t>
+            </a:r>
+            <a:r>
+              <a:rPr lang="en-US" dirty="0">
+                <a:solidFill>
+                  <a:schemeClr val="bg1"/>
+                </a:solidFill>
+              </a:rPr>
+              <a:t>Go</a:t>
+            </a:r>
+            <a:r>
+              <a:rPr lang="ru-RU" dirty="0">
+                <a:solidFill>
+                  <a:schemeClr val="bg1"/>
+                </a:solidFill>
+              </a:rPr>
+              <a:t>. Он является безопасным, быстрым, а также без проблем используется вместе с </a:t>
+            </a:r>
+            <a:r>
+              <a:rPr lang="en-US" dirty="0">
+                <a:solidFill>
+                  <a:schemeClr val="bg1"/>
+                </a:solidFill>
+              </a:rPr>
+              <a:t>Flutter.</a:t>
+            </a:r>
+            <a:endParaRPr lang="ru-RU" dirty="0">
+              <a:solidFill>
+                <a:schemeClr val="bg1"/>
+              </a:solidFill>
+            </a:endParaRPr>
           </a:p>
         </p:txBody>
       </p:sp>
@@ -8906,7 +10100,7 @@
         <p:spPr>
           <a:xfrm>
             <a:off x="302003" y="249974"/>
-            <a:ext cx="5745932" cy="707886"/>
+            <a:ext cx="1805302" cy="707886"/>
           </a:xfrm>
           <a:prstGeom prst="rect">
             <a:avLst/>
@@ -8925,17 +10119,17 @@
                   <a:schemeClr val="bg1"/>
                 </a:solidFill>
               </a:rPr>
-              <a:t>Функционал приложения</a:t>
+              <a:t>Дизайн</a:t>
             </a:r>
           </a:p>
         </p:txBody>
       </p:sp>
       <p:sp>
         <p:nvSpPr>
-          <p:cNvPr id="2" name="TextBox 1">
-            <a:extLst>
-              <a:ext uri="{FF2B5EF4-FFF2-40B4-BE49-F238E27FC236}">
-                <a16:creationId xmlns:a16="http://schemas.microsoft.com/office/drawing/2014/main" id="{9136B9B2-E9BA-DDBC-B19A-FB2619EEAD4C}"/>
+          <p:cNvPr id="4" name="TextBox 3">
+            <a:extLst>
+              <a:ext uri="{FF2B5EF4-FFF2-40B4-BE49-F238E27FC236}">
+                <a16:creationId xmlns:a16="http://schemas.microsoft.com/office/drawing/2014/main" id="{DC833D4F-B9FD-FEDD-CBF5-4B2A6B210AE4}"/>
               </a:ext>
             </a:extLst>
           </p:cNvPr>
@@ -8944,8 +10138,367 @@
         </p:nvSpPr>
         <p:spPr>
           <a:xfrm>
-            <a:off x="738232" y="1400962"/>
-            <a:ext cx="8482771" cy="1477328"/>
+            <a:off x="433431" y="1115737"/>
+            <a:ext cx="11325137" cy="646331"/>
+          </a:xfrm>
+          <a:prstGeom prst="rect">
+            <a:avLst/>
+          </a:prstGeom>
+          <a:noFill/>
+        </p:spPr>
+        <p:txBody>
+          <a:bodyPr wrap="square" rtlCol="0">
+            <a:spAutoFit/>
+          </a:bodyPr>
+          <a:lstStyle/>
+          <a:p>
+            <a:r>
+              <a:rPr lang="ru-RU" dirty="0">
+                <a:solidFill>
+                  <a:schemeClr val="bg1"/>
+                </a:solidFill>
+              </a:rPr>
+              <a:t>Для того, чтобы интерфейс в продукте проекта был красивым и понятным для пользователя, нужно разработать макет дизайна. Это было сделано с помощью приложения </a:t>
+            </a:r>
+            <a:r>
+              <a:rPr lang="en-US" dirty="0">
+                <a:solidFill>
+                  <a:schemeClr val="bg1"/>
+                </a:solidFill>
+              </a:rPr>
+              <a:t>Figma.</a:t>
+            </a:r>
+            <a:endParaRPr lang="ru-RU" dirty="0">
+              <a:solidFill>
+                <a:schemeClr val="bg1"/>
+              </a:solidFill>
+            </a:endParaRPr>
+          </a:p>
+        </p:txBody>
+      </p:sp>
+      <p:grpSp>
+        <p:nvGrpSpPr>
+          <p:cNvPr id="8" name="Группа 7">
+            <a:extLst>
+              <a:ext uri="{FF2B5EF4-FFF2-40B4-BE49-F238E27FC236}">
+                <a16:creationId xmlns:a16="http://schemas.microsoft.com/office/drawing/2014/main" id="{DA4B0AEA-636D-7F98-2FB5-2135C9F016C0}"/>
+              </a:ext>
+            </a:extLst>
+          </p:cNvPr>
+          <p:cNvGrpSpPr/>
+          <p:nvPr/>
+        </p:nvGrpSpPr>
+        <p:grpSpPr>
+          <a:xfrm>
+            <a:off x="1574157" y="1921397"/>
+            <a:ext cx="8947230" cy="4686629"/>
+            <a:chOff x="1574157" y="1921397"/>
+            <a:chExt cx="8947230" cy="4686629"/>
+          </a:xfrm>
+        </p:grpSpPr>
+        <p:sp>
+          <p:nvSpPr>
+            <p:cNvPr id="7" name="Прямоугольник: скругленные углы 6">
+              <a:extLst>
+                <a:ext uri="{FF2B5EF4-FFF2-40B4-BE49-F238E27FC236}">
+                  <a16:creationId xmlns:a16="http://schemas.microsoft.com/office/drawing/2014/main" id="{E9933E88-695F-690A-ADFF-C1A1FE433965}"/>
+                </a:ext>
+              </a:extLst>
+            </p:cNvPr>
+            <p:cNvSpPr/>
+            <p:nvPr/>
+          </p:nvSpPr>
+          <p:spPr>
+            <a:xfrm>
+              <a:off x="1574157" y="1921397"/>
+              <a:ext cx="8947230" cy="4686629"/>
+            </a:xfrm>
+            <a:prstGeom prst="roundRect">
+              <a:avLst/>
+            </a:prstGeom>
+            <a:solidFill>
+              <a:schemeClr val="tx2">
+                <a:lumMod val="75000"/>
+              </a:schemeClr>
+            </a:solidFill>
+            <a:ln>
+              <a:noFill/>
+            </a:ln>
+            <a:effectLst>
+              <a:outerShdw blurRad="44450" dist="27940" dir="5400000" algn="ctr">
+                <a:srgbClr val="000000">
+                  <a:alpha val="32000"/>
+                </a:srgbClr>
+              </a:outerShdw>
+            </a:effectLst>
+            <a:scene3d>
+              <a:camera prst="orthographicFront">
+                <a:rot lat="0" lon="0" rev="0"/>
+              </a:camera>
+              <a:lightRig rig="balanced" dir="t">
+                <a:rot lat="0" lon="0" rev="8700000"/>
+              </a:lightRig>
+            </a:scene3d>
+            <a:sp3d>
+              <a:bevelT w="190500" h="38100"/>
+            </a:sp3d>
+          </p:spPr>
+          <p:style>
+            <a:lnRef idx="2">
+              <a:schemeClr val="accent1">
+                <a:shade val="15000"/>
+              </a:schemeClr>
+            </a:lnRef>
+            <a:fillRef idx="1">
+              <a:schemeClr val="accent1"/>
+            </a:fillRef>
+            <a:effectRef idx="0">
+              <a:schemeClr val="accent1"/>
+            </a:effectRef>
+            <a:fontRef idx="minor">
+              <a:schemeClr val="lt1"/>
+            </a:fontRef>
+          </p:style>
+          <p:txBody>
+            <a:bodyPr rtlCol="0" anchor="ctr"/>
+            <a:lstStyle/>
+            <a:p>
+              <a:pPr algn="ctr"/>
+              <a:endParaRPr lang="ru-RU"/>
+            </a:p>
+          </p:txBody>
+        </p:sp>
+        <p:pic>
+          <p:nvPicPr>
+            <p:cNvPr id="6" name="Рисунок 5">
+              <a:extLst>
+                <a:ext uri="{FF2B5EF4-FFF2-40B4-BE49-F238E27FC236}">
+                  <a16:creationId xmlns:a16="http://schemas.microsoft.com/office/drawing/2014/main" id="{CAB789F4-FE2D-088B-5A72-B98034930C77}"/>
+                </a:ext>
+              </a:extLst>
+            </p:cNvPr>
+            <p:cNvPicPr>
+              <a:picLocks noChangeAspect="1"/>
+            </p:cNvPicPr>
+            <p:nvPr/>
+          </p:nvPicPr>
+          <p:blipFill>
+            <a:blip r:embed="rId2">
+              <a:extLst>
+                <a:ext uri="{28A0092B-C50C-407E-A947-70E740481C1C}">
+                  <a14:useLocalDpi xmlns:a14="http://schemas.microsoft.com/office/drawing/2010/main" val="0"/>
+                </a:ext>
+              </a:extLst>
+            </a:blip>
+            <a:stretch>
+              <a:fillRect/>
+            </a:stretch>
+          </p:blipFill>
+          <p:spPr>
+            <a:xfrm>
+              <a:off x="2048718" y="2222029"/>
+              <a:ext cx="7998107" cy="4085364"/>
+            </a:xfrm>
+            <a:prstGeom prst="roundRect">
+              <a:avLst>
+                <a:gd name="adj" fmla="val 8594"/>
+              </a:avLst>
+            </a:prstGeom>
+            <a:solidFill>
+              <a:srgbClr val="FFFFFF">
+                <a:shade val="85000"/>
+              </a:srgbClr>
+            </a:solidFill>
+            <a:ln>
+              <a:noFill/>
+            </a:ln>
+            <a:effectLst/>
+          </p:spPr>
+        </p:pic>
+      </p:grpSp>
+      <p:grpSp>
+        <p:nvGrpSpPr>
+          <p:cNvPr id="9" name="Группа 8">
+            <a:extLst>
+              <a:ext uri="{FF2B5EF4-FFF2-40B4-BE49-F238E27FC236}">
+                <a16:creationId xmlns:a16="http://schemas.microsoft.com/office/drawing/2014/main" id="{E4FB0485-44C7-5DAD-DE1B-C21FA12B7FF4}"/>
+              </a:ext>
+            </a:extLst>
+          </p:cNvPr>
+          <p:cNvGrpSpPr/>
+          <p:nvPr/>
+        </p:nvGrpSpPr>
+        <p:grpSpPr>
+          <a:xfrm>
+            <a:off x="4452953" y="7659472"/>
+            <a:ext cx="3286092" cy="3286092"/>
+            <a:chOff x="4452954" y="3321934"/>
+            <a:chExt cx="3286092" cy="3286092"/>
+          </a:xfrm>
+        </p:grpSpPr>
+        <p:sp>
+          <p:nvSpPr>
+            <p:cNvPr id="10" name="Прямоугольник: скругленные углы 9">
+              <a:extLst>
+                <a:ext uri="{FF2B5EF4-FFF2-40B4-BE49-F238E27FC236}">
+                  <a16:creationId xmlns:a16="http://schemas.microsoft.com/office/drawing/2014/main" id="{BEBEE100-1787-E128-8AD9-FF50F4F70CC8}"/>
+                </a:ext>
+              </a:extLst>
+            </p:cNvPr>
+            <p:cNvSpPr/>
+            <p:nvPr/>
+          </p:nvSpPr>
+          <p:spPr>
+            <a:xfrm>
+              <a:off x="4452954" y="3321934"/>
+              <a:ext cx="3286092" cy="3286092"/>
+            </a:xfrm>
+            <a:prstGeom prst="roundRect">
+              <a:avLst/>
+            </a:prstGeom>
+            <a:solidFill>
+              <a:schemeClr val="tx2">
+                <a:lumMod val="75000"/>
+              </a:schemeClr>
+            </a:solidFill>
+            <a:ln>
+              <a:noFill/>
+            </a:ln>
+            <a:effectLst>
+              <a:outerShdw blurRad="190500" dist="228600" dir="2700000" algn="ctr">
+                <a:srgbClr val="000000">
+                  <a:alpha val="30000"/>
+                </a:srgbClr>
+              </a:outerShdw>
+            </a:effectLst>
+            <a:scene3d>
+              <a:camera prst="orthographicFront">
+                <a:rot lat="0" lon="0" rev="0"/>
+              </a:camera>
+              <a:lightRig rig="glow" dir="t">
+                <a:rot lat="0" lon="0" rev="4800000"/>
+              </a:lightRig>
+            </a:scene3d>
+            <a:sp3d prstMaterial="matte">
+              <a:bevelT w="127000" h="63500"/>
+            </a:sp3d>
+          </p:spPr>
+          <p:style>
+            <a:lnRef idx="2">
+              <a:schemeClr val="accent1">
+                <a:shade val="15000"/>
+              </a:schemeClr>
+            </a:lnRef>
+            <a:fillRef idx="1">
+              <a:schemeClr val="accent1"/>
+            </a:fillRef>
+            <a:effectRef idx="0">
+              <a:schemeClr val="accent1"/>
+            </a:effectRef>
+            <a:fontRef idx="minor">
+              <a:schemeClr val="lt1"/>
+            </a:fontRef>
+          </p:style>
+          <p:txBody>
+            <a:bodyPr rtlCol="0" anchor="ctr"/>
+            <a:lstStyle/>
+            <a:p>
+              <a:pPr algn="ctr"/>
+              <a:endParaRPr lang="ru-RU"/>
+            </a:p>
+          </p:txBody>
+        </p:sp>
+        <p:pic>
+          <p:nvPicPr>
+            <p:cNvPr id="11" name="Рисунок 10">
+              <a:extLst>
+                <a:ext uri="{FF2B5EF4-FFF2-40B4-BE49-F238E27FC236}">
+                  <a16:creationId xmlns:a16="http://schemas.microsoft.com/office/drawing/2014/main" id="{E2B45CCE-00E5-6D0D-4706-3C18ADB0C821}"/>
+                </a:ext>
+              </a:extLst>
+            </p:cNvPr>
+            <p:cNvPicPr>
+              <a:picLocks noChangeAspect="1"/>
+            </p:cNvPicPr>
+            <p:nvPr/>
+          </p:nvPicPr>
+          <p:blipFill>
+            <a:blip r:embed="rId3">
+              <a:lum bright="70000" contrast="-70000"/>
+            </a:blip>
+            <a:stretch>
+              <a:fillRect/>
+            </a:stretch>
+          </p:blipFill>
+          <p:spPr>
+            <a:xfrm>
+              <a:off x="4788061" y="3657041"/>
+              <a:ext cx="2615878" cy="2615878"/>
+            </a:xfrm>
+            <a:prstGeom prst="rect">
+              <a:avLst/>
+            </a:prstGeom>
+          </p:spPr>
+        </p:pic>
+      </p:grpSp>
+    </p:spTree>
+    <p:extLst>
+      <p:ext uri="{BB962C8B-B14F-4D97-AF65-F5344CB8AC3E}">
+        <p14:creationId xmlns:p14="http://schemas.microsoft.com/office/powerpoint/2010/main" val="3255880975"/>
+      </p:ext>
+    </p:extLst>
+  </p:cSld>
+  <p:clrMapOvr>
+    <a:masterClrMapping/>
+  </p:clrMapOvr>
+  <mc:AlternateContent xmlns:mc="http://schemas.openxmlformats.org/markup-compatibility/2006" xmlns:p159="http://schemas.microsoft.com/office/powerpoint/2015/09/main">
+    <mc:Choice Requires="p159">
+      <p:transition xmlns:p14="http://schemas.microsoft.com/office/powerpoint/2010/main" spd="slow" p14:dur="2000">
+        <p159:morph option="byObject"/>
+      </p:transition>
+    </mc:Choice>
+    <mc:Fallback xmlns="">
+      <p:transition spd="slow">
+        <p:fade/>
+      </p:transition>
+    </mc:Fallback>
+  </mc:AlternateContent>
+</p:sld>
+</file>
+
+<file path=ppt/slides/slide6.xml><?xml version="1.0" encoding="utf-8"?>
+<p:sld xmlns:a="http://schemas.openxmlformats.org/drawingml/2006/main" xmlns:r="http://schemas.openxmlformats.org/officeDocument/2006/relationships" xmlns:p="http://schemas.openxmlformats.org/presentationml/2006/main">
+  <p:cSld>
+    <p:spTree>
+      <p:nvGrpSpPr>
+        <p:cNvPr id="1" name=""/>
+        <p:cNvGrpSpPr/>
+        <p:nvPr/>
+      </p:nvGrpSpPr>
+      <p:grpSpPr>
+        <a:xfrm>
+          <a:off x="0" y="0"/>
+          <a:ext cx="0" cy="0"/>
+          <a:chOff x="0" y="0"/>
+          <a:chExt cx="0" cy="0"/>
+        </a:xfrm>
+      </p:grpSpPr>
+      <p:sp>
+        <p:nvSpPr>
+          <p:cNvPr id="3" name="TextBox 2">
+            <a:extLst>
+              <a:ext uri="{FF2B5EF4-FFF2-40B4-BE49-F238E27FC236}">
+                <a16:creationId xmlns:a16="http://schemas.microsoft.com/office/drawing/2014/main" id="{86EE00B9-A570-C4E8-2E30-AA07281C3451}"/>
+              </a:ext>
+            </a:extLst>
+          </p:cNvPr>
+          <p:cNvSpPr txBox="1"/>
+          <p:nvPr/>
+        </p:nvSpPr>
+        <p:spPr>
+          <a:xfrm>
+            <a:off x="302003" y="249974"/>
+            <a:ext cx="9546524" cy="707886"/>
           </a:xfrm>
           <a:prstGeom prst="rect">
             <a:avLst/>
@@ -8958,7 +10511,60 @@
           </a:bodyPr>
           <a:lstStyle/>
           <a:p>
+            <a:r>
+              <a:rPr lang="ru-RU" sz="4000" dirty="0">
+                <a:solidFill>
+                  <a:schemeClr val="bg1"/>
+                </a:solidFill>
+              </a:rPr>
+              <a:t>Функционал приложения </a:t>
+            </a:r>
+            <a:r>
+              <a:rPr lang="en-US" sz="4000" dirty="0">
+                <a:solidFill>
+                  <a:schemeClr val="bg1"/>
+                </a:solidFill>
+              </a:rPr>
+              <a:t>“Travel Manager”</a:t>
+            </a:r>
+            <a:endParaRPr lang="ru-RU" sz="4000" dirty="0">
+              <a:solidFill>
+                <a:schemeClr val="bg1"/>
+              </a:solidFill>
+            </a:endParaRPr>
+          </a:p>
+        </p:txBody>
+      </p:sp>
+      <p:sp>
+        <p:nvSpPr>
+          <p:cNvPr id="2" name="TextBox 1">
+            <a:extLst>
+              <a:ext uri="{FF2B5EF4-FFF2-40B4-BE49-F238E27FC236}">
+                <a16:creationId xmlns:a16="http://schemas.microsoft.com/office/drawing/2014/main" id="{9136B9B2-E9BA-DDBC-B19A-FB2619EEAD4C}"/>
+              </a:ext>
+            </a:extLst>
+          </p:cNvPr>
+          <p:cNvSpPr txBox="1"/>
+          <p:nvPr/>
+        </p:nvSpPr>
+        <p:spPr>
+          <a:xfrm>
+            <a:off x="738233" y="1400962"/>
+            <a:ext cx="11270888" cy="2308324"/>
+          </a:xfrm>
+          <a:prstGeom prst="rect">
+            <a:avLst/>
+          </a:prstGeom>
+          <a:noFill/>
+        </p:spPr>
+        <p:txBody>
+          <a:bodyPr wrap="square" rtlCol="0">
+            <a:spAutoFit/>
+          </a:bodyPr>
+          <a:lstStyle/>
+          <a:p>
             <a:pPr marL="342900" indent="-342900">
+              <a:buFontTx/>
               <a:buAutoNum type="arabicPeriod"/>
             </a:pPr>
             <a:r>
@@ -8967,63 +10573,23 @@
                   <a:schemeClr val="bg1"/>
                 </a:solidFill>
               </a:rPr>
-              <a:t>Создание, редактирование плана поездки</a:t>
-            </a:r>
-            <a:r>
-              <a:rPr lang="en-US" dirty="0">
-                <a:solidFill>
-                  <a:schemeClr val="bg1"/>
-                </a:solidFill>
-              </a:rPr>
-              <a:t>;</a:t>
-            </a:r>
-          </a:p>
-          <a:p>
-            <a:pPr marL="342900" indent="-342900">
-              <a:buAutoNum type="arabicPeriod"/>
-            </a:pPr>
-            <a:r>
+              <a:t>Создание поездки. </a:t>
+            </a:r>
+            <a:br>
               <a:rPr lang="ru-RU" dirty="0">
                 <a:solidFill>
                   <a:schemeClr val="bg1"/>
                 </a:solidFill>
               </a:rPr>
-              <a:t>Создание напоминания о поездке в определенное время</a:t>
-            </a:r>
-            <a:r>
-              <a:rPr lang="en-US" dirty="0">
-                <a:solidFill>
-                  <a:schemeClr val="bg1"/>
-                </a:solidFill>
-              </a:rPr>
-              <a:t>;</a:t>
-            </a:r>
-          </a:p>
-          <a:p>
-            <a:pPr marL="342900" indent="-342900">
-              <a:buAutoNum type="arabicPeriod"/>
-            </a:pPr>
+            </a:br>
             <a:r>
               <a:rPr lang="ru-RU" dirty="0">
                 <a:solidFill>
                   <a:schemeClr val="bg1"/>
                 </a:solidFill>
               </a:rPr>
-              <a:t>Выбор активностей (мест, где вы хотите побывать)</a:t>
-            </a:r>
-            <a:r>
-              <a:rPr lang="en-US" dirty="0">
-                <a:solidFill>
-                  <a:schemeClr val="bg1"/>
-                </a:solidFill>
-              </a:rPr>
-              <a:t>;</a:t>
-            </a:r>
-            <a:endParaRPr lang="ru-RU" dirty="0">
-              <a:solidFill>
-                <a:schemeClr val="bg1"/>
-              </a:solidFill>
-            </a:endParaRPr>
+              <a:t>Здесь можно запланировать место, дату, количество людей. </a:t>
+            </a:r>
           </a:p>
           <a:p>
             <a:pPr marL="342900" indent="-342900">
@@ -9035,29 +10601,68 @@
                   <a:schemeClr val="bg1"/>
                 </a:solidFill>
               </a:rPr>
-              <a:t>Составление списка расходов</a:t>
-            </a:r>
-            <a:r>
-              <a:rPr lang="en-US" dirty="0">
-                <a:solidFill>
-                  <a:schemeClr val="bg1"/>
-                </a:solidFill>
-              </a:rPr>
-              <a:t>;</a:t>
-            </a:r>
-          </a:p>
-          <a:p>
-            <a:pPr marL="342900" indent="-342900">
-              <a:buAutoNum type="arabicPeriod"/>
-            </a:pPr>
-            <a:r>
+              <a:t>Создание плана активностей. </a:t>
+            </a:r>
+            <a:br>
               <a:rPr lang="ru-RU" dirty="0">
                 <a:solidFill>
                   <a:schemeClr val="bg1"/>
                 </a:solidFill>
               </a:rPr>
-              <a:t>Сбор отзывов о разных местах, где вы уже побывали, для других пользователей.</a:t>
-            </a:r>
+            </a:br>
+            <a:r>
+              <a:rPr lang="ru-RU" dirty="0">
+                <a:solidFill>
+                  <a:schemeClr val="bg1"/>
+                </a:solidFill>
+              </a:rPr>
+              <a:t>Активность – это место, где вы хотите побывать. Например, аквапарк или кафе. Здесь можно найти любое нужное место и добавить его в свой план.</a:t>
+            </a:r>
+          </a:p>
+          <a:p>
+            <a:pPr marL="342900" indent="-342900">
+              <a:buAutoNum type="arabicPeriod"/>
+            </a:pPr>
+            <a:r>
+              <a:rPr lang="ru-RU" dirty="0">
+                <a:solidFill>
+                  <a:schemeClr val="bg1"/>
+                </a:solidFill>
+              </a:rPr>
+              <a:t>Запланировать дату и время посещения этого места.</a:t>
+            </a:r>
+          </a:p>
+          <a:p>
+            <a:pPr marL="342900" indent="-342900">
+              <a:buAutoNum type="arabicPeriod"/>
+            </a:pPr>
+            <a:r>
+              <a:rPr lang="ru-RU" dirty="0">
+                <a:solidFill>
+                  <a:schemeClr val="bg1"/>
+                </a:solidFill>
+              </a:rPr>
+              <a:t>Возможность просмотра фото и отзывов о каком-либо месте, а также возможность оставить свой отзыв.</a:t>
+            </a:r>
+          </a:p>
+          <a:p>
+            <a:pPr marL="342900" indent="-342900">
+              <a:buFontTx/>
+              <a:buAutoNum type="arabicPeriod"/>
+            </a:pPr>
+            <a:r>
+              <a:rPr lang="ru-RU" dirty="0">
+                <a:solidFill>
+                  <a:schemeClr val="bg1"/>
+                </a:solidFill>
+              </a:rPr>
+              <a:t>Внесение расходов для дальнейшего анализа.</a:t>
+            </a:r>
+            <a:endParaRPr lang="en-US" dirty="0">
+              <a:solidFill>
+                <a:schemeClr val="bg1"/>
+              </a:solidFill>
+            </a:endParaRPr>
           </a:p>
         </p:txBody>
       </p:sp>
@@ -9075,8 +10680,8 @@
         </p:nvGrpSpPr>
         <p:grpSpPr>
           <a:xfrm>
-            <a:off x="639308" y="3434716"/>
-            <a:ext cx="2667000" cy="2667000"/>
+            <a:off x="1035548" y="4482374"/>
+            <a:ext cx="1949328" cy="1949328"/>
             <a:chOff x="1082040" y="3428048"/>
             <a:chExt cx="2667000" cy="2667000"/>
           </a:xfrm>
@@ -9202,8 +10807,8 @@
         </p:nvGrpSpPr>
         <p:grpSpPr>
           <a:xfrm>
-            <a:off x="4762500" y="3434716"/>
-            <a:ext cx="2667000" cy="2667000"/>
+            <a:off x="5158740" y="4482374"/>
+            <a:ext cx="1949328" cy="1949328"/>
             <a:chOff x="5196840" y="3428048"/>
             <a:chExt cx="2667000" cy="2667000"/>
           </a:xfrm>
@@ -9329,8 +10934,8 @@
         </p:nvGrpSpPr>
         <p:grpSpPr>
           <a:xfrm>
-            <a:off x="8884920" y="3434716"/>
-            <a:ext cx="2667000" cy="2667000"/>
+            <a:off x="9281160" y="4482374"/>
+            <a:ext cx="1949328" cy="1949328"/>
             <a:chOff x="8884920" y="3434716"/>
             <a:chExt cx="2667000" cy="2667000"/>
           </a:xfrm>
@@ -9807,7 +11412,7 @@
 </p:sld>
 </file>
 
-<file path=ppt/slides/slide6.xml><?xml version="1.0" encoding="utf-8"?>
+<file path=ppt/slides/slide7.xml><?xml version="1.0" encoding="utf-8"?>
 <p:sld xmlns:a="http://schemas.openxmlformats.org/drawingml/2006/main" xmlns:r="http://schemas.openxmlformats.org/officeDocument/2006/relationships" xmlns:p="http://schemas.openxmlformats.org/presentationml/2006/main">
   <p:cSld>
     <p:spTree>
@@ -9839,7 +11444,7 @@
         <p:spPr>
           <a:xfrm>
             <a:off x="302003" y="249974"/>
-            <a:ext cx="6275179" cy="707886"/>
+            <a:ext cx="6736075" cy="523220"/>
           </a:xfrm>
           <a:prstGeom prst="rect">
             <a:avLst/>
@@ -9853,148 +11458,35 @@
           <a:lstStyle/>
           <a:p>
             <a:r>
-              <a:rPr lang="ru-RU" sz="4000" dirty="0">
+              <a:rPr lang="ru-RU" sz="2800" dirty="0">
                 <a:solidFill>
                   <a:schemeClr val="bg1"/>
                 </a:solidFill>
               </a:rPr>
-              <a:t>Преимущества приложения</a:t>
-            </a:r>
-          </a:p>
-        </p:txBody>
-      </p:sp>
-      <p:sp>
-        <p:nvSpPr>
-          <p:cNvPr id="4" name="TextBox 3">
-            <a:extLst>
-              <a:ext uri="{FF2B5EF4-FFF2-40B4-BE49-F238E27FC236}">
-                <a16:creationId xmlns:a16="http://schemas.microsoft.com/office/drawing/2014/main" id="{DC833D4F-B9FD-FEDD-CBF5-4B2A6B210AE4}"/>
-              </a:ext>
-            </a:extLst>
-          </p:cNvPr>
-          <p:cNvSpPr txBox="1"/>
-          <p:nvPr/>
-        </p:nvSpPr>
-        <p:spPr>
-          <a:xfrm>
-            <a:off x="738232" y="1400962"/>
-            <a:ext cx="6159122" cy="1477328"/>
-          </a:xfrm>
-          <a:prstGeom prst="rect">
-            <a:avLst/>
-          </a:prstGeom>
-          <a:noFill/>
-        </p:spPr>
-        <p:txBody>
-          <a:bodyPr wrap="none" rtlCol="0">
-            <a:spAutoFit/>
-          </a:bodyPr>
-          <a:lstStyle/>
-          <a:p>
-            <a:pPr marL="342900" indent="-342900">
-              <a:buAutoNum type="arabicPeriod"/>
-            </a:pPr>
-            <a:r>
-              <a:rPr lang="ru-RU" dirty="0">
+              <a:t>Функционал приложения </a:t>
+            </a:r>
+            <a:r>
+              <a:rPr lang="en-US" sz="2800" dirty="0">
                 <a:solidFill>
                   <a:schemeClr val="bg1"/>
                 </a:solidFill>
               </a:rPr>
-              <a:t>Простой и интуитивно понятный дизайн</a:t>
-            </a:r>
-            <a:r>
-              <a:rPr lang="en-US" dirty="0">
-                <a:solidFill>
-                  <a:schemeClr val="bg1"/>
-                </a:solidFill>
-              </a:rPr>
-              <a:t>;</a:t>
-            </a:r>
-          </a:p>
-          <a:p>
-            <a:pPr marL="342900" indent="-342900">
-              <a:buAutoNum type="arabicPeriod"/>
-            </a:pPr>
-            <a:r>
-              <a:rPr lang="ru-RU" dirty="0">
-                <a:solidFill>
-                  <a:schemeClr val="bg1"/>
-                </a:solidFill>
-              </a:rPr>
-              <a:t>Многофункциональность приложения</a:t>
-            </a:r>
-            <a:r>
-              <a:rPr lang="en-US" dirty="0">
-                <a:solidFill>
-                  <a:schemeClr val="bg1"/>
-                </a:solidFill>
-              </a:rPr>
-              <a:t>;</a:t>
-            </a:r>
-          </a:p>
-          <a:p>
-            <a:pPr marL="342900" indent="-342900">
-              <a:buAutoNum type="arabicPeriod"/>
-            </a:pPr>
-            <a:r>
-              <a:rPr lang="ru-RU" dirty="0">
-                <a:solidFill>
-                  <a:schemeClr val="bg1"/>
-                </a:solidFill>
-              </a:rPr>
-              <a:t>Удобный поиск нужных достопримечательностей и мест</a:t>
-            </a:r>
-            <a:r>
-              <a:rPr lang="en-US" dirty="0">
-                <a:solidFill>
-                  <a:schemeClr val="bg1"/>
-                </a:solidFill>
-              </a:rPr>
-              <a:t>;</a:t>
-            </a:r>
-          </a:p>
-          <a:p>
-            <a:pPr marL="342900" indent="-342900">
-              <a:buAutoNum type="arabicPeriod"/>
-            </a:pPr>
-            <a:r>
-              <a:rPr lang="ru-RU" dirty="0">
-                <a:solidFill>
-                  <a:schemeClr val="bg1"/>
-                </a:solidFill>
-              </a:rPr>
-              <a:t>Отзывы реальных людей о местах</a:t>
-            </a:r>
-            <a:r>
-              <a:rPr lang="en-US" dirty="0">
-                <a:solidFill>
-                  <a:schemeClr val="bg1"/>
-                </a:solidFill>
-              </a:rPr>
-              <a:t>;</a:t>
-            </a:r>
-          </a:p>
-          <a:p>
-            <a:pPr marL="342900" indent="-342900">
-              <a:buAutoNum type="arabicPeriod"/>
-            </a:pPr>
-            <a:r>
-              <a:rPr lang="ru-RU" dirty="0">
-                <a:solidFill>
-                  <a:schemeClr val="bg1"/>
-                </a:solidFill>
-              </a:rPr>
-              <a:t>Удобные напоминания в один клик.</a:t>
-            </a:r>
+              <a:t>“Travel Manager”</a:t>
+            </a:r>
+            <a:endParaRPr lang="ru-RU" sz="2800" dirty="0">
+              <a:solidFill>
+                <a:schemeClr val="bg1"/>
+              </a:solidFill>
+            </a:endParaRPr>
           </a:p>
         </p:txBody>
       </p:sp>
       <p:grpSp>
         <p:nvGrpSpPr>
-          <p:cNvPr id="16" name="Группа 15">
-            <a:extLst>
-              <a:ext uri="{FF2B5EF4-FFF2-40B4-BE49-F238E27FC236}">
-                <a16:creationId xmlns:a16="http://schemas.microsoft.com/office/drawing/2014/main" id="{98C049F7-D631-6FBB-3F58-AE1E9C6199C0}"/>
+          <p:cNvPr id="25" name="Группа 24">
+            <a:extLst>
+              <a:ext uri="{FF2B5EF4-FFF2-40B4-BE49-F238E27FC236}">
+                <a16:creationId xmlns:a16="http://schemas.microsoft.com/office/drawing/2014/main" id="{0E71DB48-39AF-C40B-AF2B-EE1C71608C91}"/>
               </a:ext>
             </a:extLst>
           </p:cNvPr>
@@ -10003,7 +11495,222 @@
         </p:nvGrpSpPr>
         <p:grpSpPr>
           <a:xfrm>
-            <a:off x="4452954" y="3321934"/>
+            <a:off x="1497625" y="7441257"/>
+            <a:ext cx="9234850" cy="2974581"/>
+            <a:chOff x="1478575" y="3174057"/>
+            <a:chExt cx="9234850" cy="2974581"/>
+          </a:xfrm>
+          <a:effectLst>
+            <a:outerShdw blurRad="368300" dist="215900" dir="5400000" sx="104000" sy="104000" algn="t" rotWithShape="0">
+              <a:prstClr val="black">
+                <a:alpha val="40000"/>
+              </a:prstClr>
+            </a:outerShdw>
+          </a:effectLst>
+          <a:scene3d>
+            <a:camera prst="orthographicFront">
+              <a:rot lat="21598856" lon="1134" rev="21573848"/>
+            </a:camera>
+            <a:lightRig rig="threePt" dir="t"/>
+          </a:scene3d>
+        </p:grpSpPr>
+        <p:sp>
+          <p:nvSpPr>
+            <p:cNvPr id="26" name="Прямоугольник 25">
+              <a:extLst>
+                <a:ext uri="{FF2B5EF4-FFF2-40B4-BE49-F238E27FC236}">
+                  <a16:creationId xmlns:a16="http://schemas.microsoft.com/office/drawing/2014/main" id="{9E1F6160-7792-1705-53AD-82DE9A65DD57}"/>
+                </a:ext>
+              </a:extLst>
+            </p:cNvPr>
+            <p:cNvSpPr/>
+            <p:nvPr/>
+          </p:nvSpPr>
+          <p:spPr>
+            <a:xfrm>
+              <a:off x="1478575" y="3194142"/>
+              <a:ext cx="9234850" cy="2951890"/>
+            </a:xfrm>
+            <a:prstGeom prst="rect">
+              <a:avLst/>
+            </a:prstGeom>
+            <a:solidFill>
+              <a:schemeClr val="tx2">
+                <a:lumMod val="75000"/>
+              </a:schemeClr>
+            </a:solidFill>
+            <a:ln>
+              <a:noFill/>
+            </a:ln>
+            <a:effectLst>
+              <a:outerShdw blurRad="50800" dist="38100" dir="5400000" algn="t" rotWithShape="0">
+                <a:prstClr val="black">
+                  <a:alpha val="40000"/>
+                </a:prstClr>
+              </a:outerShdw>
+            </a:effectLst>
+            <a:sp3d>
+              <a:bevelT w="165100" prst="coolSlant"/>
+            </a:sp3d>
+          </p:spPr>
+          <p:style>
+            <a:lnRef idx="2">
+              <a:schemeClr val="accent1">
+                <a:shade val="15000"/>
+              </a:schemeClr>
+            </a:lnRef>
+            <a:fillRef idx="1">
+              <a:schemeClr val="accent1"/>
+            </a:fillRef>
+            <a:effectRef idx="0">
+              <a:schemeClr val="accent1"/>
+            </a:effectRef>
+            <a:fontRef idx="minor">
+              <a:schemeClr val="lt1"/>
+            </a:fontRef>
+          </p:style>
+          <p:txBody>
+            <a:bodyPr rtlCol="0" anchor="ctr"/>
+            <a:lstStyle/>
+            <a:p>
+              <a:pPr algn="ctr"/>
+              <a:endParaRPr lang="ru-RU" dirty="0"/>
+            </a:p>
+          </p:txBody>
+        </p:sp>
+        <p:pic>
+          <p:nvPicPr>
+            <p:cNvPr id="27" name="Рисунок 26">
+              <a:extLst>
+                <a:ext uri="{FF2B5EF4-FFF2-40B4-BE49-F238E27FC236}">
+                  <a16:creationId xmlns:a16="http://schemas.microsoft.com/office/drawing/2014/main" id="{8CA455D2-0CDA-4C23-34A4-703049C6399A}"/>
+                </a:ext>
+              </a:extLst>
+            </p:cNvPr>
+            <p:cNvPicPr>
+              <a:picLocks noChangeAspect="1"/>
+            </p:cNvPicPr>
+            <p:nvPr/>
+          </p:nvPicPr>
+          <p:blipFill>
+            <a:blip r:embed="rId2">
+              <a:lum bright="70000" contrast="-70000"/>
+            </a:blip>
+            <a:stretch>
+              <a:fillRect/>
+            </a:stretch>
+          </p:blipFill>
+          <p:spPr>
+            <a:xfrm>
+              <a:off x="1478575" y="3174057"/>
+              <a:ext cx="2974581" cy="2974581"/>
+            </a:xfrm>
+            <a:prstGeom prst="rect">
+              <a:avLst/>
+            </a:prstGeom>
+            <a:effectLst>
+              <a:outerShdw blurRad="114300" dist="127000" sx="103000" sy="103000" algn="l" rotWithShape="0">
+                <a:prstClr val="black">
+                  <a:alpha val="28000"/>
+                </a:prstClr>
+              </a:outerShdw>
+            </a:effectLst>
+          </p:spPr>
+        </p:pic>
+        <p:pic>
+          <p:nvPicPr>
+            <p:cNvPr id="28" name="Рисунок 27">
+              <a:extLst>
+                <a:ext uri="{FF2B5EF4-FFF2-40B4-BE49-F238E27FC236}">
+                  <a16:creationId xmlns:a16="http://schemas.microsoft.com/office/drawing/2014/main" id="{B80C8718-C4B7-0362-EE68-A9E8F231ABCC}"/>
+                </a:ext>
+              </a:extLst>
+            </p:cNvPr>
+            <p:cNvPicPr>
+              <a:picLocks noChangeAspect="1"/>
+            </p:cNvPicPr>
+            <p:nvPr/>
+          </p:nvPicPr>
+          <p:blipFill>
+            <a:blip r:embed="rId3">
+              <a:lum bright="70000" contrast="-70000"/>
+            </a:blip>
+            <a:stretch>
+              <a:fillRect/>
+            </a:stretch>
+          </p:blipFill>
+          <p:spPr>
+            <a:xfrm>
+              <a:off x="4850633" y="3400590"/>
+              <a:ext cx="2450706" cy="2450706"/>
+            </a:xfrm>
+            <a:prstGeom prst="rect">
+              <a:avLst/>
+            </a:prstGeom>
+            <a:effectLst>
+              <a:outerShdw blurRad="114300" dist="127000" sx="103000" sy="103000" algn="l" rotWithShape="0">
+                <a:prstClr val="black">
+                  <a:alpha val="28000"/>
+                </a:prstClr>
+              </a:outerShdw>
+            </a:effectLst>
+          </p:spPr>
+        </p:pic>
+        <p:pic>
+          <p:nvPicPr>
+            <p:cNvPr id="29" name="Рисунок 28">
+              <a:extLst>
+                <a:ext uri="{FF2B5EF4-FFF2-40B4-BE49-F238E27FC236}">
+                  <a16:creationId xmlns:a16="http://schemas.microsoft.com/office/drawing/2014/main" id="{DAD039B8-311F-1722-799A-888021AF8874}"/>
+                </a:ext>
+              </a:extLst>
+            </p:cNvPr>
+            <p:cNvPicPr>
+              <a:picLocks noChangeAspect="1"/>
+            </p:cNvPicPr>
+            <p:nvPr/>
+          </p:nvPicPr>
+          <p:blipFill>
+            <a:blip r:embed="rId4">
+              <a:lum bright="70000" contrast="-70000"/>
+            </a:blip>
+            <a:stretch>
+              <a:fillRect/>
+            </a:stretch>
+          </p:blipFill>
+          <p:spPr>
+            <a:xfrm>
+              <a:off x="8165484" y="3599355"/>
+              <a:ext cx="2123984" cy="2123985"/>
+            </a:xfrm>
+            <a:prstGeom prst="rect">
+              <a:avLst/>
+            </a:prstGeom>
+            <a:effectLst>
+              <a:outerShdw blurRad="114300" dist="127000" sx="103000" sy="103000" algn="l" rotWithShape="0">
+                <a:prstClr val="black">
+                  <a:alpha val="28000"/>
+                </a:prstClr>
+              </a:outerShdw>
+            </a:effectLst>
+          </p:spPr>
+        </p:pic>
+      </p:grpSp>
+      <p:grpSp>
+        <p:nvGrpSpPr>
+          <p:cNvPr id="30" name="Группа 29">
+            <a:extLst>
+              <a:ext uri="{FF2B5EF4-FFF2-40B4-BE49-F238E27FC236}">
+                <a16:creationId xmlns:a16="http://schemas.microsoft.com/office/drawing/2014/main" id="{1F21F487-3063-6262-2C8A-068462308CD8}"/>
+              </a:ext>
+            </a:extLst>
+          </p:cNvPr>
+          <p:cNvGrpSpPr/>
+          <p:nvPr/>
+        </p:nvGrpSpPr>
+        <p:grpSpPr>
+          <a:xfrm>
+            <a:off x="4451990" y="-3969975"/>
             <a:ext cx="3286092" cy="3286092"/>
             <a:chOff x="4452954" y="3321934"/>
             <a:chExt cx="3286092" cy="3286092"/>
@@ -10011,10 +11718,10 @@
         </p:grpSpPr>
         <p:sp>
           <p:nvSpPr>
-            <p:cNvPr id="6" name="Прямоугольник: скругленные углы 5">
+            <p:cNvPr id="31" name="Прямоугольник: скругленные углы 30">
               <a:extLst>
                 <a:ext uri="{FF2B5EF4-FFF2-40B4-BE49-F238E27FC236}">
-                  <a16:creationId xmlns:a16="http://schemas.microsoft.com/office/drawing/2014/main" id="{9FBBF34A-24AA-6A7D-A010-E488A68D5A91}"/>
+                  <a16:creationId xmlns:a16="http://schemas.microsoft.com/office/drawing/2014/main" id="{C9F5E6B3-947E-DD1D-8579-4AFE4BF95B52}"/>
                 </a:ext>
               </a:extLst>
             </p:cNvPr>
@@ -10083,383 +11790,10 @@
         </p:sp>
         <p:pic>
           <p:nvPicPr>
-            <p:cNvPr id="5" name="Рисунок 4">
+            <p:cNvPr id="32" name="Рисунок 31">
               <a:extLst>
                 <a:ext uri="{FF2B5EF4-FFF2-40B4-BE49-F238E27FC236}">
-                  <a16:creationId xmlns:a16="http://schemas.microsoft.com/office/drawing/2014/main" id="{A6068622-3079-93BF-89C1-546C7A948538}"/>
-                </a:ext>
-              </a:extLst>
-            </p:cNvPr>
-            <p:cNvPicPr>
-              <a:picLocks noChangeAspect="1"/>
-            </p:cNvPicPr>
-            <p:nvPr/>
-          </p:nvPicPr>
-          <p:blipFill>
-            <a:blip r:embed="rId2">
-              <a:lum bright="70000" contrast="-70000"/>
-            </a:blip>
-            <a:stretch>
-              <a:fillRect/>
-            </a:stretch>
-          </p:blipFill>
-          <p:spPr>
-            <a:xfrm>
-              <a:off x="4788061" y="3657041"/>
-              <a:ext cx="2615878" cy="2615878"/>
-            </a:xfrm>
-            <a:prstGeom prst="rect">
-              <a:avLst/>
-            </a:prstGeom>
-          </p:spPr>
-        </p:pic>
-      </p:grpSp>
-      <p:grpSp>
-        <p:nvGrpSpPr>
-          <p:cNvPr id="7" name="Группа 6">
-            <a:extLst>
-              <a:ext uri="{FF2B5EF4-FFF2-40B4-BE49-F238E27FC236}">
-                <a16:creationId xmlns:a16="http://schemas.microsoft.com/office/drawing/2014/main" id="{4FCAE5B3-48F7-8B22-06AE-3933E8D0C3D0}"/>
-              </a:ext>
-            </a:extLst>
-          </p:cNvPr>
-          <p:cNvGrpSpPr/>
-          <p:nvPr/>
-        </p:nvGrpSpPr>
-        <p:grpSpPr>
-          <a:xfrm>
-            <a:off x="-3391672" y="3657041"/>
-            <a:ext cx="2667000" cy="2667000"/>
-            <a:chOff x="1082040" y="3428048"/>
-            <a:chExt cx="2667000" cy="2667000"/>
-          </a:xfrm>
-        </p:grpSpPr>
-        <p:sp>
-          <p:nvSpPr>
-            <p:cNvPr id="8" name="Прямоугольник: скругленные углы 7">
-              <a:extLst>
-                <a:ext uri="{FF2B5EF4-FFF2-40B4-BE49-F238E27FC236}">
-                  <a16:creationId xmlns:a16="http://schemas.microsoft.com/office/drawing/2014/main" id="{0F300EC4-2BCA-B556-A75B-E8C466FD39F4}"/>
-                </a:ext>
-              </a:extLst>
-            </p:cNvPr>
-            <p:cNvSpPr/>
-            <p:nvPr/>
-          </p:nvSpPr>
-          <p:spPr>
-            <a:xfrm>
-              <a:off x="1082040" y="3428048"/>
-              <a:ext cx="2667000" cy="2667000"/>
-            </a:xfrm>
-            <a:prstGeom prst="roundRect">
-              <a:avLst/>
-            </a:prstGeom>
-            <a:solidFill>
-              <a:schemeClr val="tx2">
-                <a:lumMod val="75000"/>
-              </a:schemeClr>
-            </a:solidFill>
-            <a:ln>
-              <a:noFill/>
-            </a:ln>
-            <a:effectLst/>
-            <a:scene3d>
-              <a:camera prst="orthographicFront">
-                <a:rot lat="0" lon="0" rev="0"/>
-              </a:camera>
-              <a:lightRig rig="glow" dir="t">
-                <a:rot lat="0" lon="0" rev="14100000"/>
-              </a:lightRig>
-            </a:scene3d>
-            <a:sp3d prstMaterial="softEdge">
-              <a:bevelT w="127000" prst="artDeco"/>
-            </a:sp3d>
-          </p:spPr>
-          <p:style>
-            <a:lnRef idx="2">
-              <a:schemeClr val="accent1">
-                <a:shade val="15000"/>
-              </a:schemeClr>
-            </a:lnRef>
-            <a:fillRef idx="1">
-              <a:schemeClr val="accent1"/>
-            </a:fillRef>
-            <a:effectRef idx="0">
-              <a:schemeClr val="accent1"/>
-            </a:effectRef>
-            <a:fontRef idx="minor">
-              <a:schemeClr val="lt1"/>
-            </a:fontRef>
-          </p:style>
-          <p:txBody>
-            <a:bodyPr rtlCol="0" anchor="ctr"/>
-            <a:lstStyle/>
-            <a:p>
-              <a:pPr algn="ctr"/>
-              <a:endParaRPr lang="ru-RU"/>
-            </a:p>
-          </p:txBody>
-        </p:sp>
-        <p:pic>
-          <p:nvPicPr>
-            <p:cNvPr id="9" name="Рисунок 8">
-              <a:extLst>
-                <a:ext uri="{FF2B5EF4-FFF2-40B4-BE49-F238E27FC236}">
-                  <a16:creationId xmlns:a16="http://schemas.microsoft.com/office/drawing/2014/main" id="{8BBF5D92-2D88-B85E-F2CE-D8E6F5A5CB44}"/>
-                </a:ext>
-              </a:extLst>
-            </p:cNvPr>
-            <p:cNvPicPr>
-              <a:picLocks noChangeAspect="1"/>
-            </p:cNvPicPr>
-            <p:nvPr/>
-          </p:nvPicPr>
-          <p:blipFill>
-            <a:blip r:embed="rId3">
-              <a:lum bright="70000" contrast="-70000"/>
-            </a:blip>
-            <a:stretch>
-              <a:fillRect/>
-            </a:stretch>
-          </p:blipFill>
-          <p:spPr>
-            <a:xfrm>
-              <a:off x="1388962" y="3672840"/>
-              <a:ext cx="2121954" cy="2121954"/>
-            </a:xfrm>
-            <a:prstGeom prst="rect">
-              <a:avLst/>
-            </a:prstGeom>
-            <a:noFill/>
-            <a:effectLst>
-              <a:outerShdw blurRad="114300" dist="38100" dir="5400000" sx="105000" sy="105000" algn="t" rotWithShape="0">
-                <a:prstClr val="black">
-                  <a:alpha val="40000"/>
-                </a:prstClr>
-              </a:outerShdw>
-            </a:effectLst>
-          </p:spPr>
-        </p:pic>
-      </p:grpSp>
-      <p:grpSp>
-        <p:nvGrpSpPr>
-          <p:cNvPr id="10" name="Группа 9">
-            <a:extLst>
-              <a:ext uri="{FF2B5EF4-FFF2-40B4-BE49-F238E27FC236}">
-                <a16:creationId xmlns:a16="http://schemas.microsoft.com/office/drawing/2014/main" id="{E0A02BCF-4247-43FF-61D2-D7B1D9994B15}"/>
-              </a:ext>
-            </a:extLst>
-          </p:cNvPr>
-          <p:cNvGrpSpPr/>
-          <p:nvPr/>
-        </p:nvGrpSpPr>
-        <p:grpSpPr>
-          <a:xfrm>
-            <a:off x="4861424" y="7051670"/>
-            <a:ext cx="2667000" cy="2667000"/>
-            <a:chOff x="5196840" y="3428048"/>
-            <a:chExt cx="2667000" cy="2667000"/>
-          </a:xfrm>
-        </p:grpSpPr>
-        <p:sp>
-          <p:nvSpPr>
-            <p:cNvPr id="11" name="Прямоугольник: скругленные углы 10">
-              <a:extLst>
-                <a:ext uri="{FF2B5EF4-FFF2-40B4-BE49-F238E27FC236}">
-                  <a16:creationId xmlns:a16="http://schemas.microsoft.com/office/drawing/2014/main" id="{524DB304-9D7A-CC80-1B53-9329B9D78FDE}"/>
-                </a:ext>
-              </a:extLst>
-            </p:cNvPr>
-            <p:cNvSpPr/>
-            <p:nvPr/>
-          </p:nvSpPr>
-          <p:spPr>
-            <a:xfrm>
-              <a:off x="5196840" y="3428048"/>
-              <a:ext cx="2667000" cy="2667000"/>
-            </a:xfrm>
-            <a:prstGeom prst="roundRect">
-              <a:avLst/>
-            </a:prstGeom>
-            <a:solidFill>
-              <a:schemeClr val="tx2">
-                <a:lumMod val="75000"/>
-              </a:schemeClr>
-            </a:solidFill>
-            <a:ln>
-              <a:noFill/>
-            </a:ln>
-            <a:effectLst/>
-            <a:scene3d>
-              <a:camera prst="orthographicFront">
-                <a:rot lat="0" lon="0" rev="0"/>
-              </a:camera>
-              <a:lightRig rig="glow" dir="t">
-                <a:rot lat="0" lon="0" rev="14100000"/>
-              </a:lightRig>
-            </a:scene3d>
-            <a:sp3d prstMaterial="softEdge">
-              <a:bevelT w="127000" prst="artDeco"/>
-            </a:sp3d>
-          </p:spPr>
-          <p:style>
-            <a:lnRef idx="2">
-              <a:schemeClr val="accent1">
-                <a:shade val="15000"/>
-              </a:schemeClr>
-            </a:lnRef>
-            <a:fillRef idx="1">
-              <a:schemeClr val="accent1"/>
-            </a:fillRef>
-            <a:effectRef idx="0">
-              <a:schemeClr val="accent1"/>
-            </a:effectRef>
-            <a:fontRef idx="minor">
-              <a:schemeClr val="lt1"/>
-            </a:fontRef>
-          </p:style>
-          <p:txBody>
-            <a:bodyPr rtlCol="0" anchor="ctr"/>
-            <a:lstStyle/>
-            <a:p>
-              <a:pPr algn="ctr"/>
-              <a:endParaRPr lang="ru-RU"/>
-            </a:p>
-          </p:txBody>
-        </p:sp>
-        <p:pic>
-          <p:nvPicPr>
-            <p:cNvPr id="12" name="Рисунок 11">
-              <a:extLst>
-                <a:ext uri="{FF2B5EF4-FFF2-40B4-BE49-F238E27FC236}">
-                  <a16:creationId xmlns:a16="http://schemas.microsoft.com/office/drawing/2014/main" id="{878FE195-5A62-E6EC-10F9-32C00222D4B4}"/>
-                </a:ext>
-              </a:extLst>
-            </p:cNvPr>
-            <p:cNvPicPr>
-              <a:picLocks noChangeAspect="1"/>
-            </p:cNvPicPr>
-            <p:nvPr/>
-          </p:nvPicPr>
-          <p:blipFill>
-            <a:blip r:embed="rId4">
-              <a:lum bright="70000" contrast="-70000"/>
-            </a:blip>
-            <a:stretch>
-              <a:fillRect/>
-            </a:stretch>
-          </p:blipFill>
-          <p:spPr>
-            <a:xfrm>
-              <a:off x="5486400" y="3709036"/>
-              <a:ext cx="2125980" cy="2085758"/>
-            </a:xfrm>
-            <a:prstGeom prst="rect">
-              <a:avLst/>
-            </a:prstGeom>
-            <a:noFill/>
-            <a:effectLst>
-              <a:outerShdw blurRad="114300" dist="38100" dir="5400000" sx="105000" sy="105000" algn="t" rotWithShape="0">
-                <a:prstClr val="black">
-                  <a:alpha val="40000"/>
-                </a:prstClr>
-              </a:outerShdw>
-            </a:effectLst>
-          </p:spPr>
-        </p:pic>
-      </p:grpSp>
-      <p:grpSp>
-        <p:nvGrpSpPr>
-          <p:cNvPr id="13" name="Группа 12">
-            <a:extLst>
-              <a:ext uri="{FF2B5EF4-FFF2-40B4-BE49-F238E27FC236}">
-                <a16:creationId xmlns:a16="http://schemas.microsoft.com/office/drawing/2014/main" id="{AAC4E4B9-EFB6-58BA-F8F5-137570C19634}"/>
-              </a:ext>
-            </a:extLst>
-          </p:cNvPr>
-          <p:cNvGrpSpPr/>
-          <p:nvPr/>
-        </p:nvGrpSpPr>
-        <p:grpSpPr>
-          <a:xfrm>
-            <a:off x="12946244" y="3657041"/>
-            <a:ext cx="2667000" cy="2667000"/>
-            <a:chOff x="8884920" y="3434716"/>
-            <a:chExt cx="2667000" cy="2667000"/>
-          </a:xfrm>
-        </p:grpSpPr>
-        <p:sp>
-          <p:nvSpPr>
-            <p:cNvPr id="14" name="Прямоугольник: скругленные углы 13">
-              <a:extLst>
-                <a:ext uri="{FF2B5EF4-FFF2-40B4-BE49-F238E27FC236}">
-                  <a16:creationId xmlns:a16="http://schemas.microsoft.com/office/drawing/2014/main" id="{317079B9-78DA-D2DC-9ECB-5615D9E56930}"/>
-                </a:ext>
-              </a:extLst>
-            </p:cNvPr>
-            <p:cNvSpPr/>
-            <p:nvPr/>
-          </p:nvSpPr>
-          <p:spPr>
-            <a:xfrm>
-              <a:off x="8884920" y="3434716"/>
-              <a:ext cx="2667000" cy="2667000"/>
-            </a:xfrm>
-            <a:prstGeom prst="roundRect">
-              <a:avLst/>
-            </a:prstGeom>
-            <a:solidFill>
-              <a:schemeClr val="tx2">
-                <a:lumMod val="75000"/>
-              </a:schemeClr>
-            </a:solidFill>
-            <a:ln>
-              <a:noFill/>
-            </a:ln>
-            <a:effectLst/>
-            <a:scene3d>
-              <a:camera prst="orthographicFront">
-                <a:rot lat="0" lon="0" rev="0"/>
-              </a:camera>
-              <a:lightRig rig="glow" dir="t">
-                <a:rot lat="0" lon="0" rev="14100000"/>
-              </a:lightRig>
-            </a:scene3d>
-            <a:sp3d prstMaterial="softEdge">
-              <a:bevelT w="127000" prst="artDeco"/>
-            </a:sp3d>
-          </p:spPr>
-          <p:style>
-            <a:lnRef idx="2">
-              <a:schemeClr val="accent1">
-                <a:shade val="15000"/>
-              </a:schemeClr>
-            </a:lnRef>
-            <a:fillRef idx="1">
-              <a:schemeClr val="accent1"/>
-            </a:fillRef>
-            <a:effectRef idx="0">
-              <a:schemeClr val="accent1"/>
-            </a:effectRef>
-            <a:fontRef idx="minor">
-              <a:schemeClr val="lt1"/>
-            </a:fontRef>
-          </p:style>
-          <p:txBody>
-            <a:bodyPr rtlCol="0" anchor="ctr"/>
-            <a:lstStyle/>
-            <a:p>
-              <a:pPr algn="ctr"/>
-              <a:endParaRPr lang="ru-RU"/>
-            </a:p>
-          </p:txBody>
-        </p:sp>
-        <p:pic>
-          <p:nvPicPr>
-            <p:cNvPr id="15" name="Рисунок 14">
-              <a:extLst>
-                <a:ext uri="{FF2B5EF4-FFF2-40B4-BE49-F238E27FC236}">
-                  <a16:creationId xmlns:a16="http://schemas.microsoft.com/office/drawing/2014/main" id="{A6658905-91CF-8A25-7867-ED545FD99597}"/>
+                  <a16:creationId xmlns:a16="http://schemas.microsoft.com/office/drawing/2014/main" id="{05F4B2C2-154B-6ECE-165D-2B2598AADF42}"/>
                 </a:ext>
               </a:extLst>
             </p:cNvPr>
@@ -10478,211 +11812,21 @@
           </p:blipFill>
           <p:spPr>
             <a:xfrm>
-              <a:off x="9262326" y="3672840"/>
-              <a:ext cx="2121954" cy="2121954"/>
+              <a:off x="4788061" y="3657041"/>
+              <a:ext cx="2615878" cy="2615878"/>
             </a:xfrm>
             <a:prstGeom prst="rect">
               <a:avLst/>
             </a:prstGeom>
-            <a:noFill/>
-            <a:effectLst>
-              <a:outerShdw blurRad="114300" dist="38100" dir="5400000" sx="105000" sy="105000" algn="t" rotWithShape="0">
-                <a:prstClr val="black">
-                  <a:alpha val="40000"/>
-                </a:prstClr>
-              </a:outerShdw>
-            </a:effectLst>
           </p:spPr>
         </p:pic>
       </p:grpSp>
-      <p:grpSp>
-        <p:nvGrpSpPr>
-          <p:cNvPr id="17" name="Группа 16">
-            <a:extLst>
-              <a:ext uri="{FF2B5EF4-FFF2-40B4-BE49-F238E27FC236}">
-                <a16:creationId xmlns:a16="http://schemas.microsoft.com/office/drawing/2014/main" id="{F595BA20-1CB6-FB4B-EE9E-B1D5C7B1368F}"/>
-              </a:ext>
-            </a:extLst>
-          </p:cNvPr>
-          <p:cNvGrpSpPr/>
-          <p:nvPr/>
-        </p:nvGrpSpPr>
-        <p:grpSpPr>
-          <a:xfrm>
-            <a:off x="1622385" y="-5089003"/>
-            <a:ext cx="8947230" cy="4686629"/>
-            <a:chOff x="1574157" y="1921397"/>
-            <a:chExt cx="8947230" cy="4686629"/>
-          </a:xfrm>
-        </p:grpSpPr>
-        <p:sp>
-          <p:nvSpPr>
-            <p:cNvPr id="18" name="Прямоугольник: скругленные углы 17">
-              <a:extLst>
-                <a:ext uri="{FF2B5EF4-FFF2-40B4-BE49-F238E27FC236}">
-                  <a16:creationId xmlns:a16="http://schemas.microsoft.com/office/drawing/2014/main" id="{4E6F5D65-B567-5A1F-EC32-D3229EAF5D21}"/>
-                </a:ext>
-              </a:extLst>
-            </p:cNvPr>
-            <p:cNvSpPr/>
-            <p:nvPr/>
-          </p:nvSpPr>
-          <p:spPr>
-            <a:xfrm>
-              <a:off x="1574157" y="1921397"/>
-              <a:ext cx="8947230" cy="4686629"/>
-            </a:xfrm>
-            <a:prstGeom prst="roundRect">
-              <a:avLst/>
-            </a:prstGeom>
-            <a:solidFill>
-              <a:schemeClr val="tx2">
-                <a:lumMod val="75000"/>
-              </a:schemeClr>
-            </a:solidFill>
-            <a:ln>
-              <a:noFill/>
-            </a:ln>
-            <a:effectLst>
-              <a:outerShdw blurRad="44450" dist="27940" dir="5400000" algn="ctr">
-                <a:srgbClr val="000000">
-                  <a:alpha val="32000"/>
-                </a:srgbClr>
-              </a:outerShdw>
-            </a:effectLst>
-            <a:scene3d>
-              <a:camera prst="orthographicFront">
-                <a:rot lat="0" lon="0" rev="0"/>
-              </a:camera>
-              <a:lightRig rig="balanced" dir="t">
-                <a:rot lat="0" lon="0" rev="8700000"/>
-              </a:lightRig>
-            </a:scene3d>
-            <a:sp3d>
-              <a:bevelT w="190500" h="38100"/>
-            </a:sp3d>
-          </p:spPr>
-          <p:style>
-            <a:lnRef idx="2">
-              <a:schemeClr val="accent1">
-                <a:shade val="15000"/>
-              </a:schemeClr>
-            </a:lnRef>
-            <a:fillRef idx="1">
-              <a:schemeClr val="accent1"/>
-            </a:fillRef>
-            <a:effectRef idx="0">
-              <a:schemeClr val="accent1"/>
-            </a:effectRef>
-            <a:fontRef idx="minor">
-              <a:schemeClr val="lt1"/>
-            </a:fontRef>
-          </p:style>
-          <p:txBody>
-            <a:bodyPr rtlCol="0" anchor="ctr"/>
-            <a:lstStyle/>
-            <a:p>
-              <a:pPr algn="ctr"/>
-              <a:endParaRPr lang="ru-RU"/>
-            </a:p>
-          </p:txBody>
-        </p:sp>
-        <p:pic>
-          <p:nvPicPr>
-            <p:cNvPr id="19" name="Рисунок 18">
-              <a:extLst>
-                <a:ext uri="{FF2B5EF4-FFF2-40B4-BE49-F238E27FC236}">
-                  <a16:creationId xmlns:a16="http://schemas.microsoft.com/office/drawing/2014/main" id="{888C3FB7-F06A-C609-3F4A-1F38E9D918DF}"/>
-                </a:ext>
-              </a:extLst>
-            </p:cNvPr>
-            <p:cNvPicPr>
-              <a:picLocks noChangeAspect="1"/>
-            </p:cNvPicPr>
-            <p:nvPr/>
-          </p:nvPicPr>
-          <p:blipFill>
-            <a:blip r:embed="rId6">
-              <a:extLst>
-                <a:ext uri="{28A0092B-C50C-407E-A947-70E740481C1C}">
-                  <a14:useLocalDpi xmlns:a14="http://schemas.microsoft.com/office/drawing/2010/main" val="0"/>
-                </a:ext>
-              </a:extLst>
-            </a:blip>
-            <a:stretch>
-              <a:fillRect/>
-            </a:stretch>
-          </p:blipFill>
-          <p:spPr>
-            <a:xfrm>
-              <a:off x="2048718" y="2222029"/>
-              <a:ext cx="7998107" cy="4085364"/>
-            </a:xfrm>
-            <a:prstGeom prst="roundRect">
-              <a:avLst>
-                <a:gd name="adj" fmla="val 8594"/>
-              </a:avLst>
-            </a:prstGeom>
-            <a:solidFill>
-              <a:srgbClr val="FFFFFF">
-                <a:shade val="85000"/>
-              </a:srgbClr>
-            </a:solidFill>
-            <a:ln>
-              <a:noFill/>
-            </a:ln>
-            <a:effectLst/>
-          </p:spPr>
-        </p:pic>
-      </p:grpSp>
-    </p:spTree>
-    <p:extLst>
-      <p:ext uri="{BB962C8B-B14F-4D97-AF65-F5344CB8AC3E}">
-        <p14:creationId xmlns:p14="http://schemas.microsoft.com/office/powerpoint/2010/main" val="1850665912"/>
-      </p:ext>
-    </p:extLst>
-  </p:cSld>
-  <p:clrMapOvr>
-    <a:masterClrMapping/>
-  </p:clrMapOvr>
-  <mc:AlternateContent xmlns:mc="http://schemas.openxmlformats.org/markup-compatibility/2006" xmlns:p159="http://schemas.microsoft.com/office/powerpoint/2015/09/main">
-    <mc:Choice Requires="p159">
-      <p:transition xmlns:p14="http://schemas.microsoft.com/office/powerpoint/2010/main" spd="slow" p14:dur="2000">
-        <p159:morph option="byObject"/>
-      </p:transition>
-    </mc:Choice>
-    <mc:Fallback xmlns="">
-      <p:transition spd="slow">
-        <p:fade/>
-      </p:transition>
-    </mc:Fallback>
-  </mc:AlternateContent>
-</p:sld>
-</file>
-
-<file path=ppt/slides/slide7.xml><?xml version="1.0" encoding="utf-8"?>
-<p:sld xmlns:a="http://schemas.openxmlformats.org/drawingml/2006/main" xmlns:r="http://schemas.openxmlformats.org/officeDocument/2006/relationships" xmlns:p="http://schemas.openxmlformats.org/presentationml/2006/main">
-  <p:cSld>
-    <p:spTree>
-      <p:nvGrpSpPr>
-        <p:cNvPr id="1" name=""/>
-        <p:cNvGrpSpPr/>
-        <p:nvPr/>
-      </p:nvGrpSpPr>
-      <p:grpSpPr>
-        <a:xfrm>
-          <a:off x="0" y="0"/>
-          <a:ext cx="0" cy="0"/>
-          <a:chOff x="0" y="0"/>
-          <a:chExt cx="0" cy="0"/>
-        </a:xfrm>
-      </p:grpSpPr>
       <p:sp>
         <p:nvSpPr>
-          <p:cNvPr id="3" name="TextBox 2">
-            <a:extLst>
-              <a:ext uri="{FF2B5EF4-FFF2-40B4-BE49-F238E27FC236}">
-                <a16:creationId xmlns:a16="http://schemas.microsoft.com/office/drawing/2014/main" id="{86EE00B9-A570-C4E8-2E30-AA07281C3451}"/>
+          <p:cNvPr id="4" name="TextBox 3">
+            <a:extLst>
+              <a:ext uri="{FF2B5EF4-FFF2-40B4-BE49-F238E27FC236}">
+                <a16:creationId xmlns:a16="http://schemas.microsoft.com/office/drawing/2014/main" id="{669E491D-49DC-8A60-0359-00D5001C95F5}"/>
               </a:ext>
             </a:extLst>
           </p:cNvPr>
@@ -10691,8 +11835,8 @@
         </p:nvSpPr>
         <p:spPr>
           <a:xfrm>
-            <a:off x="302003" y="249974"/>
-            <a:ext cx="1805302" cy="707886"/>
+            <a:off x="302003" y="793279"/>
+            <a:ext cx="6775445" cy="553998"/>
           </a:xfrm>
           <a:prstGeom prst="rect">
             <a:avLst/>
@@ -10706,337 +11850,147 @@
           <a:lstStyle/>
           <a:p>
             <a:r>
-              <a:rPr lang="ru-RU" sz="4000" dirty="0">
+              <a:rPr lang="ru-RU" sz="3000" dirty="0">
                 <a:solidFill>
                   <a:schemeClr val="bg1"/>
                 </a:solidFill>
               </a:rPr>
-              <a:t>Дизайн</a:t>
-            </a:r>
+              <a:t>Вход в приложение и создание поездки</a:t>
+            </a:r>
+            <a:endParaRPr lang="ru-RU" sz="3000" dirty="0"/>
           </a:p>
         </p:txBody>
       </p:sp>
-      <p:sp>
-        <p:nvSpPr>
-          <p:cNvPr id="4" name="TextBox 3">
-            <a:extLst>
-              <a:ext uri="{FF2B5EF4-FFF2-40B4-BE49-F238E27FC236}">
-                <a16:creationId xmlns:a16="http://schemas.microsoft.com/office/drawing/2014/main" id="{DC833D4F-B9FD-FEDD-CBF5-4B2A6B210AE4}"/>
-              </a:ext>
-            </a:extLst>
-          </p:cNvPr>
-          <p:cNvSpPr txBox="1"/>
+      <p:pic>
+        <p:nvPicPr>
+          <p:cNvPr id="10" name="Рисунок 9">
+            <a:extLst>
+              <a:ext uri="{FF2B5EF4-FFF2-40B4-BE49-F238E27FC236}">
+                <a16:creationId xmlns:a16="http://schemas.microsoft.com/office/drawing/2014/main" id="{2A33601D-EEDB-DD41-F745-843E3F4A254C}"/>
+              </a:ext>
+            </a:extLst>
+          </p:cNvPr>
+          <p:cNvPicPr>
+            <a:picLocks noChangeAspect="1"/>
+          </p:cNvPicPr>
           <p:nvPr/>
-        </p:nvSpPr>
+        </p:nvPicPr>
+        <p:blipFill>
+          <a:blip r:embed="rId6">
+            <a:extLst>
+              <a:ext uri="{28A0092B-C50C-407E-A947-70E740481C1C}">
+                <a14:useLocalDpi xmlns:a14="http://schemas.microsoft.com/office/drawing/2010/main" val="0"/>
+              </a:ext>
+            </a:extLst>
+          </a:blip>
+          <a:stretch>
+            <a:fillRect/>
+          </a:stretch>
+        </p:blipFill>
         <p:spPr>
           <a:xfrm>
-            <a:off x="433431" y="1115737"/>
-            <a:ext cx="11325137" cy="646331"/>
+            <a:off x="302003" y="2032000"/>
+            <a:ext cx="2500690" cy="4445671"/>
           </a:xfrm>
           <a:prstGeom prst="rect">
             <a:avLst/>
           </a:prstGeom>
-          <a:noFill/>
         </p:spPr>
-        <p:txBody>
-          <a:bodyPr wrap="square" rtlCol="0">
-            <a:spAutoFit/>
-          </a:bodyPr>
-          <a:lstStyle/>
-          <a:p>
-            <a:r>
-              <a:rPr lang="ru-RU" dirty="0">
-                <a:solidFill>
-                  <a:schemeClr val="bg1"/>
-                </a:solidFill>
-              </a:rPr>
-              <a:t>Для того, чтобы интерфейс в продукте проекта был красивым и понятным для пользователя, нужно разработать макет дизайна. Это было сделано с помощью приложения </a:t>
-            </a:r>
-            <a:r>
-              <a:rPr lang="en-US" dirty="0">
-                <a:solidFill>
-                  <a:schemeClr val="bg1"/>
-                </a:solidFill>
-              </a:rPr>
-              <a:t>Figma.</a:t>
-            </a:r>
-            <a:endParaRPr lang="ru-RU" dirty="0">
-              <a:solidFill>
-                <a:schemeClr val="bg1"/>
-              </a:solidFill>
-            </a:endParaRPr>
-          </a:p>
-        </p:txBody>
-      </p:sp>
-      <p:grpSp>
-        <p:nvGrpSpPr>
-          <p:cNvPr id="8" name="Группа 7">
-            <a:extLst>
-              <a:ext uri="{FF2B5EF4-FFF2-40B4-BE49-F238E27FC236}">
-                <a16:creationId xmlns:a16="http://schemas.microsoft.com/office/drawing/2014/main" id="{DA4B0AEA-636D-7F98-2FB5-2135C9F016C0}"/>
-              </a:ext>
-            </a:extLst>
-          </p:cNvPr>
-          <p:cNvGrpSpPr/>
+      </p:pic>
+      <p:pic>
+        <p:nvPicPr>
+          <p:cNvPr id="19" name="Рисунок 18">
+            <a:extLst>
+              <a:ext uri="{FF2B5EF4-FFF2-40B4-BE49-F238E27FC236}">
+                <a16:creationId xmlns:a16="http://schemas.microsoft.com/office/drawing/2014/main" id="{2D7BD025-5D90-0108-A115-C8D3E72D0D53}"/>
+              </a:ext>
+            </a:extLst>
+          </p:cNvPr>
+          <p:cNvPicPr>
+            <a:picLocks noChangeAspect="1"/>
+          </p:cNvPicPr>
           <p:nvPr/>
-        </p:nvGrpSpPr>
-        <p:grpSpPr>
+        </p:nvPicPr>
+        <p:blipFill>
+          <a:blip r:embed="rId7"/>
+          <a:stretch>
+            <a:fillRect/>
+          </a:stretch>
+        </p:blipFill>
+        <p:spPr>
           <a:xfrm>
-            <a:off x="1574157" y="1921397"/>
-            <a:ext cx="8947230" cy="4686629"/>
-            <a:chOff x="1574157" y="1921397"/>
-            <a:chExt cx="8947230" cy="4686629"/>
+            <a:off x="3375047" y="2032000"/>
+            <a:ext cx="2500690" cy="4445671"/>
           </a:xfrm>
-        </p:grpSpPr>
-        <p:sp>
-          <p:nvSpPr>
-            <p:cNvPr id="7" name="Прямоугольник: скругленные углы 6">
-              <a:extLst>
-                <a:ext uri="{FF2B5EF4-FFF2-40B4-BE49-F238E27FC236}">
-                  <a16:creationId xmlns:a16="http://schemas.microsoft.com/office/drawing/2014/main" id="{E9933E88-695F-690A-ADFF-C1A1FE433965}"/>
-                </a:ext>
-              </a:extLst>
-            </p:cNvPr>
-            <p:cNvSpPr/>
-            <p:nvPr/>
-          </p:nvSpPr>
-          <p:spPr>
-            <a:xfrm>
-              <a:off x="1574157" y="1921397"/>
-              <a:ext cx="8947230" cy="4686629"/>
-            </a:xfrm>
-            <a:prstGeom prst="roundRect">
-              <a:avLst/>
-            </a:prstGeom>
-            <a:solidFill>
-              <a:schemeClr val="tx2">
-                <a:lumMod val="75000"/>
-              </a:schemeClr>
-            </a:solidFill>
-            <a:ln>
-              <a:noFill/>
-            </a:ln>
-            <a:effectLst>
-              <a:outerShdw blurRad="44450" dist="27940" dir="5400000" algn="ctr">
-                <a:srgbClr val="000000">
-                  <a:alpha val="32000"/>
-                </a:srgbClr>
-              </a:outerShdw>
-            </a:effectLst>
-            <a:scene3d>
-              <a:camera prst="orthographicFront">
-                <a:rot lat="0" lon="0" rev="0"/>
-              </a:camera>
-              <a:lightRig rig="balanced" dir="t">
-                <a:rot lat="0" lon="0" rev="8700000"/>
-              </a:lightRig>
-            </a:scene3d>
-            <a:sp3d>
-              <a:bevelT w="190500" h="38100"/>
-            </a:sp3d>
-          </p:spPr>
-          <p:style>
-            <a:lnRef idx="2">
-              <a:schemeClr val="accent1">
-                <a:shade val="15000"/>
-              </a:schemeClr>
-            </a:lnRef>
-            <a:fillRef idx="1">
-              <a:schemeClr val="accent1"/>
-            </a:fillRef>
-            <a:effectRef idx="0">
-              <a:schemeClr val="accent1"/>
-            </a:effectRef>
-            <a:fontRef idx="minor">
-              <a:schemeClr val="lt1"/>
-            </a:fontRef>
-          </p:style>
-          <p:txBody>
-            <a:bodyPr rtlCol="0" anchor="ctr"/>
-            <a:lstStyle/>
-            <a:p>
-              <a:pPr algn="ctr"/>
-              <a:endParaRPr lang="ru-RU"/>
-            </a:p>
-          </p:txBody>
-        </p:sp>
-        <p:pic>
-          <p:nvPicPr>
-            <p:cNvPr id="6" name="Рисунок 5">
-              <a:extLst>
-                <a:ext uri="{FF2B5EF4-FFF2-40B4-BE49-F238E27FC236}">
-                  <a16:creationId xmlns:a16="http://schemas.microsoft.com/office/drawing/2014/main" id="{CAB789F4-FE2D-088B-5A72-B98034930C77}"/>
-                </a:ext>
-              </a:extLst>
-            </p:cNvPr>
-            <p:cNvPicPr>
-              <a:picLocks noChangeAspect="1"/>
-            </p:cNvPicPr>
-            <p:nvPr/>
-          </p:nvPicPr>
-          <p:blipFill>
-            <a:blip r:embed="rId2">
-              <a:extLst>
-                <a:ext uri="{28A0092B-C50C-407E-A947-70E740481C1C}">
-                  <a14:useLocalDpi xmlns:a14="http://schemas.microsoft.com/office/drawing/2010/main" val="0"/>
-                </a:ext>
-              </a:extLst>
-            </a:blip>
-            <a:stretch>
-              <a:fillRect/>
-            </a:stretch>
-          </p:blipFill>
-          <p:spPr>
-            <a:xfrm>
-              <a:off x="2048718" y="2222029"/>
-              <a:ext cx="7998107" cy="4085364"/>
-            </a:xfrm>
-            <a:prstGeom prst="roundRect">
-              <a:avLst>
-                <a:gd name="adj" fmla="val 8594"/>
-              </a:avLst>
-            </a:prstGeom>
-            <a:solidFill>
-              <a:srgbClr val="FFFFFF">
-                <a:shade val="85000"/>
-              </a:srgbClr>
-            </a:solidFill>
-            <a:ln>
-              <a:noFill/>
-            </a:ln>
-            <a:effectLst/>
-          </p:spPr>
-        </p:pic>
-      </p:grpSp>
-      <p:grpSp>
-        <p:nvGrpSpPr>
-          <p:cNvPr id="9" name="Группа 8">
-            <a:extLst>
-              <a:ext uri="{FF2B5EF4-FFF2-40B4-BE49-F238E27FC236}">
-                <a16:creationId xmlns:a16="http://schemas.microsoft.com/office/drawing/2014/main" id="{E4FB0485-44C7-5DAD-DE1B-C21FA12B7FF4}"/>
-              </a:ext>
-            </a:extLst>
-          </p:cNvPr>
-          <p:cNvGrpSpPr/>
+          <a:prstGeom prst="rect">
+            <a:avLst/>
+          </a:prstGeom>
+        </p:spPr>
+      </p:pic>
+      <p:pic>
+        <p:nvPicPr>
+          <p:cNvPr id="33" name="Рисунок 32">
+            <a:extLst>
+              <a:ext uri="{FF2B5EF4-FFF2-40B4-BE49-F238E27FC236}">
+                <a16:creationId xmlns:a16="http://schemas.microsoft.com/office/drawing/2014/main" id="{92446543-2EFD-D7FE-2253-45D79EB26958}"/>
+              </a:ext>
+            </a:extLst>
+          </p:cNvPr>
+          <p:cNvPicPr>
+            <a:picLocks noChangeAspect="1"/>
+          </p:cNvPicPr>
           <p:nvPr/>
-        </p:nvGrpSpPr>
-        <p:grpSpPr>
+        </p:nvPicPr>
+        <p:blipFill>
+          <a:blip r:embed="rId8"/>
+          <a:stretch>
+            <a:fillRect/>
+          </a:stretch>
+        </p:blipFill>
+        <p:spPr>
           <a:xfrm>
-            <a:off x="4452953" y="7659472"/>
-            <a:ext cx="3286092" cy="3286092"/>
-            <a:chOff x="4452954" y="3321934"/>
-            <a:chExt cx="3286092" cy="3286092"/>
+            <a:off x="6273213" y="2032000"/>
+            <a:ext cx="2500689" cy="4445671"/>
           </a:xfrm>
-        </p:grpSpPr>
-        <p:sp>
-          <p:nvSpPr>
-            <p:cNvPr id="10" name="Прямоугольник: скругленные углы 9">
-              <a:extLst>
-                <a:ext uri="{FF2B5EF4-FFF2-40B4-BE49-F238E27FC236}">
-                  <a16:creationId xmlns:a16="http://schemas.microsoft.com/office/drawing/2014/main" id="{BEBEE100-1787-E128-8AD9-FF50F4F70CC8}"/>
-                </a:ext>
-              </a:extLst>
-            </p:cNvPr>
-            <p:cNvSpPr/>
-            <p:nvPr/>
-          </p:nvSpPr>
-          <p:spPr>
-            <a:xfrm>
-              <a:off x="4452954" y="3321934"/>
-              <a:ext cx="3286092" cy="3286092"/>
-            </a:xfrm>
-            <a:prstGeom prst="roundRect">
-              <a:avLst/>
-            </a:prstGeom>
-            <a:solidFill>
-              <a:schemeClr val="tx2">
-                <a:lumMod val="75000"/>
-              </a:schemeClr>
-            </a:solidFill>
-            <a:ln>
-              <a:noFill/>
-            </a:ln>
-            <a:effectLst>
-              <a:outerShdw blurRad="190500" dist="228600" dir="2700000" algn="ctr">
-                <a:srgbClr val="000000">
-                  <a:alpha val="30000"/>
-                </a:srgbClr>
-              </a:outerShdw>
-            </a:effectLst>
-            <a:scene3d>
-              <a:camera prst="orthographicFront">
-                <a:rot lat="0" lon="0" rev="0"/>
-              </a:camera>
-              <a:lightRig rig="glow" dir="t">
-                <a:rot lat="0" lon="0" rev="4800000"/>
-              </a:lightRig>
-            </a:scene3d>
-            <a:sp3d prstMaterial="matte">
-              <a:bevelT w="127000" h="63500"/>
-            </a:sp3d>
-          </p:spPr>
-          <p:style>
-            <a:lnRef idx="2">
-              <a:schemeClr val="accent1">
-                <a:shade val="15000"/>
-              </a:schemeClr>
-            </a:lnRef>
-            <a:fillRef idx="1">
-              <a:schemeClr val="accent1"/>
-            </a:fillRef>
-            <a:effectRef idx="0">
-              <a:schemeClr val="accent1"/>
-            </a:effectRef>
-            <a:fontRef idx="minor">
-              <a:schemeClr val="lt1"/>
-            </a:fontRef>
-          </p:style>
-          <p:txBody>
-            <a:bodyPr rtlCol="0" anchor="ctr"/>
-            <a:lstStyle/>
-            <a:p>
-              <a:pPr algn="ctr"/>
-              <a:endParaRPr lang="ru-RU"/>
-            </a:p>
-          </p:txBody>
-        </p:sp>
-        <p:pic>
-          <p:nvPicPr>
-            <p:cNvPr id="11" name="Рисунок 10">
-              <a:extLst>
-                <a:ext uri="{FF2B5EF4-FFF2-40B4-BE49-F238E27FC236}">
-                  <a16:creationId xmlns:a16="http://schemas.microsoft.com/office/drawing/2014/main" id="{E2B45CCE-00E5-6D0D-4706-3C18ADB0C821}"/>
-                </a:ext>
-              </a:extLst>
-            </p:cNvPr>
-            <p:cNvPicPr>
-              <a:picLocks noChangeAspect="1"/>
-            </p:cNvPicPr>
-            <p:nvPr/>
-          </p:nvPicPr>
-          <p:blipFill>
-            <a:blip r:embed="rId3">
-              <a:lum bright="70000" contrast="-70000"/>
-            </a:blip>
-            <a:stretch>
-              <a:fillRect/>
-            </a:stretch>
-          </p:blipFill>
-          <p:spPr>
-            <a:xfrm>
-              <a:off x="4788061" y="3657041"/>
-              <a:ext cx="2615878" cy="2615878"/>
-            </a:xfrm>
-            <a:prstGeom prst="rect">
-              <a:avLst/>
-            </a:prstGeom>
-          </p:spPr>
-        </p:pic>
-      </p:grpSp>
+          <a:prstGeom prst="rect">
+            <a:avLst/>
+          </a:prstGeom>
+        </p:spPr>
+      </p:pic>
+      <p:pic>
+        <p:nvPicPr>
+          <p:cNvPr id="35" name="Рисунок 34">
+            <a:extLst>
+              <a:ext uri="{FF2B5EF4-FFF2-40B4-BE49-F238E27FC236}">
+                <a16:creationId xmlns:a16="http://schemas.microsoft.com/office/drawing/2014/main" id="{55D97EB6-D414-5C41-4AF9-DD4BE081C295}"/>
+              </a:ext>
+            </a:extLst>
+          </p:cNvPr>
+          <p:cNvPicPr>
+            <a:picLocks noChangeAspect="1"/>
+          </p:cNvPicPr>
+          <p:nvPr/>
+        </p:nvPicPr>
+        <p:blipFill>
+          <a:blip r:embed="rId9"/>
+          <a:stretch>
+            <a:fillRect/>
+          </a:stretch>
+        </p:blipFill>
+        <p:spPr>
+          <a:xfrm>
+            <a:off x="9258023" y="2032000"/>
+            <a:ext cx="2500688" cy="4445671"/>
+          </a:xfrm>
+          <a:prstGeom prst="rect">
+            <a:avLst/>
+          </a:prstGeom>
+        </p:spPr>
+      </p:pic>
     </p:spTree>
     <p:extLst>
       <p:ext uri="{BB962C8B-B14F-4D97-AF65-F5344CB8AC3E}">
-        <p14:creationId xmlns:p14="http://schemas.microsoft.com/office/powerpoint/2010/main" val="3255880975"/>
+        <p14:creationId xmlns:p14="http://schemas.microsoft.com/office/powerpoint/2010/main" val="2904381291"/>
       </p:ext>
     </p:extLst>
   </p:cSld>
@@ -11090,7 +12044,7 @@
         <p:spPr>
           <a:xfrm>
             <a:off x="302003" y="249974"/>
-            <a:ext cx="1980735" cy="707886"/>
+            <a:ext cx="6736075" cy="523220"/>
           </a:xfrm>
           <a:prstGeom prst="rect">
             <a:avLst/>
@@ -11104,22 +12058,35 @@
           <a:lstStyle/>
           <a:p>
             <a:r>
-              <a:rPr lang="ru-RU" sz="4000" dirty="0">
+              <a:rPr lang="ru-RU" sz="2800" dirty="0">
                 <a:solidFill>
                   <a:schemeClr val="bg1"/>
                 </a:solidFill>
               </a:rPr>
-              <a:t>Продукт</a:t>
-            </a:r>
+              <a:t>Функционал приложения </a:t>
+            </a:r>
+            <a:r>
+              <a:rPr lang="en-US" sz="2800" dirty="0">
+                <a:solidFill>
+                  <a:schemeClr val="bg1"/>
+                </a:solidFill>
+              </a:rPr>
+              <a:t>“Travel Manager”</a:t>
+            </a:r>
+            <a:endParaRPr lang="ru-RU" sz="2800" dirty="0">
+              <a:solidFill>
+                <a:schemeClr val="bg1"/>
+              </a:solidFill>
+            </a:endParaRPr>
           </a:p>
         </p:txBody>
       </p:sp>
       <p:sp>
         <p:nvSpPr>
-          <p:cNvPr id="2" name="TextBox 1">
-            <a:extLst>
-              <a:ext uri="{FF2B5EF4-FFF2-40B4-BE49-F238E27FC236}">
-                <a16:creationId xmlns:a16="http://schemas.microsoft.com/office/drawing/2014/main" id="{6EF39022-E64A-1B5E-B042-E0ACC7593AD5}"/>
+          <p:cNvPr id="4" name="TextBox 3">
+            <a:extLst>
+              <a:ext uri="{FF2B5EF4-FFF2-40B4-BE49-F238E27FC236}">
+                <a16:creationId xmlns:a16="http://schemas.microsoft.com/office/drawing/2014/main" id="{669E491D-49DC-8A60-0359-00D5001C95F5}"/>
               </a:ext>
             </a:extLst>
           </p:cNvPr>
@@ -11128,8 +12095,8 @@
         </p:nvSpPr>
         <p:spPr>
           <a:xfrm>
-            <a:off x="5284591" y="3244334"/>
-            <a:ext cx="1622817" cy="369332"/>
+            <a:off x="302003" y="793279"/>
+            <a:ext cx="3368038" cy="553998"/>
           </a:xfrm>
           <a:prstGeom prst="rect">
             <a:avLst/>
@@ -11143,96 +12110,28 @@
           <a:lstStyle/>
           <a:p>
             <a:r>
-              <a:rPr lang="ru-RU" dirty="0">
+              <a:rPr lang="ru-RU" sz="3000" dirty="0">
                 <a:solidFill>
                   <a:schemeClr val="bg1"/>
                 </a:solidFill>
               </a:rPr>
-              <a:t>Фото продукта</a:t>
-            </a:r>
-          </a:p>
-        </p:txBody>
-      </p:sp>
-      <p:sp>
-        <p:nvSpPr>
-          <p:cNvPr id="4" name="Прямоугольник 3">
-            <a:extLst>
-              <a:ext uri="{FF2B5EF4-FFF2-40B4-BE49-F238E27FC236}">
-                <a16:creationId xmlns:a16="http://schemas.microsoft.com/office/drawing/2014/main" id="{20A12E37-8BE5-736E-170B-24CAD4CC1E51}"/>
-              </a:ext>
-            </a:extLst>
-          </p:cNvPr>
-          <p:cNvSpPr/>
-          <p:nvPr/>
-        </p:nvSpPr>
-        <p:spPr>
-          <a:xfrm>
-            <a:off x="8715594" y="7258551"/>
-            <a:ext cx="2277373" cy="2277373"/>
-          </a:xfrm>
-          <a:prstGeom prst="rect">
-            <a:avLst/>
-          </a:prstGeom>
-          <a:solidFill>
-            <a:schemeClr val="bg1"/>
-          </a:solidFill>
-          <a:ln>
-            <a:solidFill>
-              <a:schemeClr val="tx1"/>
-            </a:solidFill>
-          </a:ln>
-        </p:spPr>
-        <p:style>
-          <a:lnRef idx="2">
-            <a:schemeClr val="accent1">
-              <a:shade val="15000"/>
-            </a:schemeClr>
-          </a:lnRef>
-          <a:fillRef idx="1">
-            <a:schemeClr val="accent1"/>
-          </a:fillRef>
-          <a:effectRef idx="0">
-            <a:schemeClr val="accent1"/>
-          </a:effectRef>
-          <a:fontRef idx="minor">
-            <a:schemeClr val="lt1"/>
-          </a:fontRef>
-        </p:style>
-        <p:txBody>
-          <a:bodyPr rtlCol="0" anchor="ctr"/>
-          <a:lstStyle/>
-          <a:p>
-            <a:pPr algn="ctr"/>
-            <a:r>
-              <a:rPr lang="en-US" dirty="0">
-                <a:solidFill>
-                  <a:schemeClr val="tx1"/>
-                </a:solidFill>
-              </a:rPr>
-              <a:t>QR </a:t>
-            </a:r>
-            <a:r>
-              <a:rPr lang="ru-RU" dirty="0">
-                <a:solidFill>
-                  <a:schemeClr val="tx1"/>
-                </a:solidFill>
-              </a:rPr>
-              <a:t>на скачивание приложения</a:t>
-            </a:r>
+              <a:t>Выбор активностей</a:t>
+            </a:r>
+            <a:endParaRPr lang="ru-RU" sz="3000" dirty="0"/>
           </a:p>
         </p:txBody>
       </p:sp>
       <p:pic>
         <p:nvPicPr>
-          <p:cNvPr id="5" name="Picture 2">
-            <a:extLst>
-              <a:ext uri="{FF2B5EF4-FFF2-40B4-BE49-F238E27FC236}">
-                <a16:creationId xmlns:a16="http://schemas.microsoft.com/office/drawing/2014/main" id="{BA02F40E-7DAE-3C7C-2C6D-725C2F6FCBC0}"/>
+          <p:cNvPr id="7" name="Рисунок 6">
+            <a:extLst>
+              <a:ext uri="{FF2B5EF4-FFF2-40B4-BE49-F238E27FC236}">
+                <a16:creationId xmlns:a16="http://schemas.microsoft.com/office/drawing/2014/main" id="{8ADFD55A-67BE-7D5E-1A53-41CD6A714E9B}"/>
               </a:ext>
             </a:extLst>
           </p:cNvPr>
           <p:cNvPicPr>
-            <a:picLocks noChangeAspect="1" noChangeArrowheads="1"/>
+            <a:picLocks noChangeAspect="1"/>
           </p:cNvPicPr>
           <p:nvPr/>
         </p:nvPicPr>
@@ -11244,42 +12143,31 @@
               </a:ext>
             </a:extLst>
           </a:blip>
-          <a:srcRect/>
           <a:stretch>
             <a:fillRect/>
           </a:stretch>
         </p:blipFill>
-        <p:spPr bwMode="auto">
+        <p:spPr>
           <a:xfrm>
-            <a:off x="967817" y="7263709"/>
-            <a:ext cx="2277372" cy="2277372"/>
+            <a:off x="3058161" y="1513840"/>
+            <a:ext cx="2714625" cy="4826000"/>
           </a:xfrm>
           <a:prstGeom prst="rect">
             <a:avLst/>
           </a:prstGeom>
-          <a:noFill/>
-          <a:extLst>
-            <a:ext uri="{909E8E84-426E-40DD-AFC4-6F175D3DCCD1}">
-              <a14:hiddenFill xmlns:a14="http://schemas.microsoft.com/office/drawing/2010/main">
-                <a:solidFill>
-                  <a:srgbClr val="FFFFFF"/>
-                </a:solidFill>
-              </a14:hiddenFill>
-            </a:ext>
-          </a:extLst>
         </p:spPr>
       </p:pic>
       <p:pic>
         <p:nvPicPr>
-          <p:cNvPr id="6" name="Picture 4">
-            <a:extLst>
-              <a:ext uri="{FF2B5EF4-FFF2-40B4-BE49-F238E27FC236}">
-                <a16:creationId xmlns:a16="http://schemas.microsoft.com/office/drawing/2014/main" id="{823CB098-B99C-ED58-4FBD-15A80947D27A}"/>
+          <p:cNvPr id="9" name="Рисунок 8">
+            <a:extLst>
+              <a:ext uri="{FF2B5EF4-FFF2-40B4-BE49-F238E27FC236}">
+                <a16:creationId xmlns:a16="http://schemas.microsoft.com/office/drawing/2014/main" id="{7189A745-4522-5F2D-9AA2-44937AC36669}"/>
               </a:ext>
             </a:extLst>
           </p:cNvPr>
           <p:cNvPicPr>
-            <a:picLocks noChangeAspect="1" noChangeArrowheads="1"/>
+            <a:picLocks noChangeAspect="1"/>
           </p:cNvPicPr>
           <p:nvPr/>
         </p:nvPicPr>
@@ -11291,175 +12179,24 @@
               </a:ext>
             </a:extLst>
           </a:blip>
-          <a:srcRect/>
           <a:stretch>
             <a:fillRect/>
           </a:stretch>
         </p:blipFill>
-        <p:spPr bwMode="auto">
+        <p:spPr>
           <a:xfrm>
-            <a:off x="4841703" y="7258551"/>
-            <a:ext cx="2277371" cy="2277371"/>
+            <a:off x="6096000" y="1513840"/>
+            <a:ext cx="2714625" cy="4826000"/>
           </a:xfrm>
           <a:prstGeom prst="rect">
             <a:avLst/>
           </a:prstGeom>
-          <a:noFill/>
-          <a:extLst>
-            <a:ext uri="{909E8E84-426E-40DD-AFC4-6F175D3DCCD1}">
-              <a14:hiddenFill xmlns:a14="http://schemas.microsoft.com/office/drawing/2010/main">
-                <a:solidFill>
-                  <a:srgbClr val="FFFFFF"/>
-                </a:solidFill>
-              </a14:hiddenFill>
-            </a:ext>
-          </a:extLst>
         </p:spPr>
       </p:pic>
-      <p:grpSp>
-        <p:nvGrpSpPr>
-          <p:cNvPr id="7" name="Группа 6">
-            <a:extLst>
-              <a:ext uri="{FF2B5EF4-FFF2-40B4-BE49-F238E27FC236}">
-                <a16:creationId xmlns:a16="http://schemas.microsoft.com/office/drawing/2014/main" id="{3DB09EE1-ED1B-2699-AB1C-22317E5100C0}"/>
-              </a:ext>
-            </a:extLst>
-          </p:cNvPr>
-          <p:cNvGrpSpPr/>
-          <p:nvPr/>
-        </p:nvGrpSpPr>
-        <p:grpSpPr>
-          <a:xfrm>
-            <a:off x="1622384" y="-5246265"/>
-            <a:ext cx="8947230" cy="4686629"/>
-            <a:chOff x="1574157" y="1921397"/>
-            <a:chExt cx="8947230" cy="4686629"/>
-          </a:xfrm>
-        </p:grpSpPr>
-        <p:sp>
-          <p:nvSpPr>
-            <p:cNvPr id="8" name="Прямоугольник: скругленные углы 7">
-              <a:extLst>
-                <a:ext uri="{FF2B5EF4-FFF2-40B4-BE49-F238E27FC236}">
-                  <a16:creationId xmlns:a16="http://schemas.microsoft.com/office/drawing/2014/main" id="{06FF2F20-8692-DD16-3C7A-E71240872095}"/>
-                </a:ext>
-              </a:extLst>
-            </p:cNvPr>
-            <p:cNvSpPr/>
-            <p:nvPr/>
-          </p:nvSpPr>
-          <p:spPr>
-            <a:xfrm>
-              <a:off x="1574157" y="1921397"/>
-              <a:ext cx="8947230" cy="4686629"/>
-            </a:xfrm>
-            <a:prstGeom prst="roundRect">
-              <a:avLst/>
-            </a:prstGeom>
-            <a:solidFill>
-              <a:schemeClr val="tx2">
-                <a:lumMod val="75000"/>
-              </a:schemeClr>
-            </a:solidFill>
-            <a:ln>
-              <a:noFill/>
-            </a:ln>
-            <a:effectLst>
-              <a:outerShdw blurRad="44450" dist="27940" dir="5400000" algn="ctr">
-                <a:srgbClr val="000000">
-                  <a:alpha val="32000"/>
-                </a:srgbClr>
-              </a:outerShdw>
-            </a:effectLst>
-            <a:scene3d>
-              <a:camera prst="orthographicFront">
-                <a:rot lat="0" lon="0" rev="0"/>
-              </a:camera>
-              <a:lightRig rig="balanced" dir="t">
-                <a:rot lat="0" lon="0" rev="8700000"/>
-              </a:lightRig>
-            </a:scene3d>
-            <a:sp3d>
-              <a:bevelT w="190500" h="38100"/>
-            </a:sp3d>
-          </p:spPr>
-          <p:style>
-            <a:lnRef idx="2">
-              <a:schemeClr val="accent1">
-                <a:shade val="15000"/>
-              </a:schemeClr>
-            </a:lnRef>
-            <a:fillRef idx="1">
-              <a:schemeClr val="accent1"/>
-            </a:fillRef>
-            <a:effectRef idx="0">
-              <a:schemeClr val="accent1"/>
-            </a:effectRef>
-            <a:fontRef idx="minor">
-              <a:schemeClr val="lt1"/>
-            </a:fontRef>
-          </p:style>
-          <p:txBody>
-            <a:bodyPr rtlCol="0" anchor="ctr"/>
-            <a:lstStyle/>
-            <a:p>
-              <a:pPr algn="ctr"/>
-              <a:endParaRPr lang="ru-RU"/>
-            </a:p>
-          </p:txBody>
-        </p:sp>
-        <p:pic>
-          <p:nvPicPr>
-            <p:cNvPr id="9" name="Рисунок 8">
-              <a:extLst>
-                <a:ext uri="{FF2B5EF4-FFF2-40B4-BE49-F238E27FC236}">
-                  <a16:creationId xmlns:a16="http://schemas.microsoft.com/office/drawing/2014/main" id="{94B3DB1D-2140-3CD1-A01E-6E49D8E0AD32}"/>
-                </a:ext>
-              </a:extLst>
-            </p:cNvPr>
-            <p:cNvPicPr>
-              <a:picLocks noChangeAspect="1"/>
-            </p:cNvPicPr>
-            <p:nvPr/>
-          </p:nvPicPr>
-          <p:blipFill>
-            <a:blip r:embed="rId4">
-              <a:extLst>
-                <a:ext uri="{28A0092B-C50C-407E-A947-70E740481C1C}">
-                  <a14:useLocalDpi xmlns:a14="http://schemas.microsoft.com/office/drawing/2010/main" val="0"/>
-                </a:ext>
-              </a:extLst>
-            </a:blip>
-            <a:stretch>
-              <a:fillRect/>
-            </a:stretch>
-          </p:blipFill>
-          <p:spPr>
-            <a:xfrm>
-              <a:off x="2048718" y="2222029"/>
-              <a:ext cx="7998107" cy="4085364"/>
-            </a:xfrm>
-            <a:prstGeom prst="roundRect">
-              <a:avLst>
-                <a:gd name="adj" fmla="val 8594"/>
-              </a:avLst>
-            </a:prstGeom>
-            <a:solidFill>
-              <a:srgbClr val="FFFFFF">
-                <a:shade val="85000"/>
-              </a:srgbClr>
-            </a:solidFill>
-            <a:ln>
-              <a:noFill/>
-            </a:ln>
-            <a:effectLst/>
-          </p:spPr>
-        </p:pic>
-      </p:grpSp>
     </p:spTree>
     <p:extLst>
       <p:ext uri="{BB962C8B-B14F-4D97-AF65-F5344CB8AC3E}">
-        <p14:creationId xmlns:p14="http://schemas.microsoft.com/office/powerpoint/2010/main" val="1921116838"/>
+        <p14:creationId xmlns:p14="http://schemas.microsoft.com/office/powerpoint/2010/main" val="2547634922"/>
       </p:ext>
     </p:extLst>
   </p:cSld>
@@ -11500,79 +12237,10 @@
       </p:grpSpPr>
       <p:sp>
         <p:nvSpPr>
-          <p:cNvPr id="6" name="Прямоугольник 5">
-            <a:extLst>
-              <a:ext uri="{FF2B5EF4-FFF2-40B4-BE49-F238E27FC236}">
-                <a16:creationId xmlns:a16="http://schemas.microsoft.com/office/drawing/2014/main" id="{A818E1C8-0C4B-8B46-343F-FB44032E59B5}"/>
-              </a:ext>
-            </a:extLst>
-          </p:cNvPr>
-          <p:cNvSpPr/>
-          <p:nvPr/>
-        </p:nvSpPr>
-        <p:spPr>
-          <a:xfrm>
-            <a:off x="8831202" y="2290311"/>
-            <a:ext cx="2277373" cy="2277373"/>
-          </a:xfrm>
-          <a:prstGeom prst="rect">
-            <a:avLst/>
-          </a:prstGeom>
-          <a:solidFill>
-            <a:schemeClr val="bg1"/>
-          </a:solidFill>
-          <a:ln>
-            <a:solidFill>
-              <a:schemeClr val="tx1"/>
-            </a:solidFill>
-          </a:ln>
-        </p:spPr>
-        <p:style>
-          <a:lnRef idx="2">
-            <a:schemeClr val="accent1">
-              <a:shade val="15000"/>
-            </a:schemeClr>
-          </a:lnRef>
-          <a:fillRef idx="1">
-            <a:schemeClr val="accent1"/>
-          </a:fillRef>
-          <a:effectRef idx="0">
-            <a:schemeClr val="accent1"/>
-          </a:effectRef>
-          <a:fontRef idx="minor">
-            <a:schemeClr val="lt1"/>
-          </a:fontRef>
-        </p:style>
-        <p:txBody>
-          <a:bodyPr rtlCol="0" anchor="ctr"/>
-          <a:lstStyle/>
-          <a:p>
-            <a:pPr algn="ctr"/>
-            <a:r>
-              <a:rPr lang="en-US" dirty="0">
-                <a:solidFill>
-                  <a:schemeClr val="tx1"/>
-                </a:solidFill>
-              </a:rPr>
-              <a:t>QR </a:t>
-            </a:r>
-            <a:r>
-              <a:rPr lang="ru-RU" dirty="0">
-                <a:solidFill>
-                  <a:schemeClr val="tx1"/>
-                </a:solidFill>
-              </a:rPr>
-              <a:t>на скачивание приложения</a:t>
-            </a:r>
-          </a:p>
-        </p:txBody>
-      </p:sp>
-      <p:sp>
-        <p:nvSpPr>
-          <p:cNvPr id="7" name="TextBox 6">
-            <a:extLst>
-              <a:ext uri="{FF2B5EF4-FFF2-40B4-BE49-F238E27FC236}">
-                <a16:creationId xmlns:a16="http://schemas.microsoft.com/office/drawing/2014/main" id="{9D27C50F-E9EC-6B57-43A5-4491AB50AE56}"/>
+          <p:cNvPr id="3" name="TextBox 2">
+            <a:extLst>
+              <a:ext uri="{FF2B5EF4-FFF2-40B4-BE49-F238E27FC236}">
+                <a16:creationId xmlns:a16="http://schemas.microsoft.com/office/drawing/2014/main" id="{86EE00B9-A570-C4E8-2E30-AA07281C3451}"/>
               </a:ext>
             </a:extLst>
           </p:cNvPr>
@@ -11581,8 +12249,8 @@
         </p:nvSpPr>
         <p:spPr>
           <a:xfrm>
-            <a:off x="302003" y="238399"/>
-            <a:ext cx="1980735" cy="707886"/>
+            <a:off x="302003" y="249974"/>
+            <a:ext cx="6736075" cy="523220"/>
           </a:xfrm>
           <a:prstGeom prst="rect">
             <a:avLst/>
@@ -11596,22 +12264,35 @@
           <a:lstStyle/>
           <a:p>
             <a:r>
-              <a:rPr lang="ru-RU" sz="4000" dirty="0">
+              <a:rPr lang="ru-RU" sz="2800" dirty="0">
                 <a:solidFill>
                   <a:schemeClr val="bg1"/>
                 </a:solidFill>
               </a:rPr>
-              <a:t>Продукт</a:t>
-            </a:r>
+              <a:t>Функционал приложения </a:t>
+            </a:r>
+            <a:r>
+              <a:rPr lang="en-US" sz="2800" dirty="0">
+                <a:solidFill>
+                  <a:schemeClr val="bg1"/>
+                </a:solidFill>
+              </a:rPr>
+              <a:t>“Travel Manager”</a:t>
+            </a:r>
+            <a:endParaRPr lang="ru-RU" sz="2800" dirty="0">
+              <a:solidFill>
+                <a:schemeClr val="bg1"/>
+              </a:solidFill>
+            </a:endParaRPr>
           </a:p>
         </p:txBody>
       </p:sp>
       <p:sp>
         <p:nvSpPr>
-          <p:cNvPr id="9" name="TextBox 8">
-            <a:extLst>
-              <a:ext uri="{FF2B5EF4-FFF2-40B4-BE49-F238E27FC236}">
-                <a16:creationId xmlns:a16="http://schemas.microsoft.com/office/drawing/2014/main" id="{64404A34-3E84-AEB1-6F1B-1353420D25F9}"/>
+          <p:cNvPr id="4" name="TextBox 3">
+            <a:extLst>
+              <a:ext uri="{FF2B5EF4-FFF2-40B4-BE49-F238E27FC236}">
+                <a16:creationId xmlns:a16="http://schemas.microsoft.com/office/drawing/2014/main" id="{669E491D-49DC-8A60-0359-00D5001C95F5}"/>
               </a:ext>
             </a:extLst>
           </p:cNvPr>
@@ -11620,8 +12301,8 @@
         </p:nvSpPr>
         <p:spPr>
           <a:xfrm>
-            <a:off x="1435902" y="1793633"/>
-            <a:ext cx="1572418" cy="369332"/>
+            <a:off x="302003" y="793279"/>
+            <a:ext cx="10071475" cy="553998"/>
           </a:xfrm>
           <a:prstGeom prst="rect">
             <a:avLst/>
@@ -11635,106 +12316,28 @@
           <a:lstStyle/>
           <a:p>
             <a:r>
-              <a:rPr lang="ru-RU" dirty="0">
+              <a:rPr lang="ru-RU" sz="3000" dirty="0">
                 <a:solidFill>
                   <a:schemeClr val="bg1"/>
                 </a:solidFill>
               </a:rPr>
-              <a:t>Исходный код</a:t>
-            </a:r>
-          </a:p>
-        </p:txBody>
-      </p:sp>
-      <p:sp>
-        <p:nvSpPr>
-          <p:cNvPr id="10" name="TextBox 9">
-            <a:extLst>
-              <a:ext uri="{FF2B5EF4-FFF2-40B4-BE49-F238E27FC236}">
-                <a16:creationId xmlns:a16="http://schemas.microsoft.com/office/drawing/2014/main" id="{5E1FFED7-E9E8-80F5-FAF3-116F9B1A0257}"/>
-              </a:ext>
-            </a:extLst>
-          </p:cNvPr>
-          <p:cNvSpPr txBox="1"/>
-          <p:nvPr/>
-        </p:nvSpPr>
-        <p:spPr>
-          <a:xfrm>
-            <a:off x="5046955" y="1655134"/>
-            <a:ext cx="2102599" cy="646331"/>
-          </a:xfrm>
-          <a:prstGeom prst="rect">
-            <a:avLst/>
-          </a:prstGeom>
-          <a:noFill/>
-        </p:spPr>
-        <p:txBody>
-          <a:bodyPr wrap="square" rtlCol="0">
-            <a:spAutoFit/>
-          </a:bodyPr>
-          <a:lstStyle/>
-          <a:p>
-            <a:pPr algn="ctr"/>
-            <a:r>
-              <a:rPr lang="ru-RU" dirty="0">
-                <a:solidFill>
-                  <a:schemeClr val="bg1"/>
-                </a:solidFill>
-              </a:rPr>
-              <a:t>Телеграмм-канал с новостями</a:t>
-            </a:r>
-          </a:p>
-        </p:txBody>
-      </p:sp>
-      <p:sp>
-        <p:nvSpPr>
-          <p:cNvPr id="11" name="TextBox 10">
-            <a:extLst>
-              <a:ext uri="{FF2B5EF4-FFF2-40B4-BE49-F238E27FC236}">
-                <a16:creationId xmlns:a16="http://schemas.microsoft.com/office/drawing/2014/main" id="{0EE4EDA7-219A-7FAF-8305-221973A3B43F}"/>
-              </a:ext>
-            </a:extLst>
-          </p:cNvPr>
-          <p:cNvSpPr txBox="1"/>
-          <p:nvPr/>
-        </p:nvSpPr>
-        <p:spPr>
-          <a:xfrm>
-            <a:off x="8788506" y="1793633"/>
-            <a:ext cx="2362763" cy="369332"/>
-          </a:xfrm>
-          <a:prstGeom prst="rect">
-            <a:avLst/>
-          </a:prstGeom>
-          <a:noFill/>
-        </p:spPr>
-        <p:txBody>
-          <a:bodyPr wrap="none" rtlCol="0">
-            <a:spAutoFit/>
-          </a:bodyPr>
-          <a:lstStyle/>
-          <a:p>
-            <a:r>
-              <a:rPr lang="ru-RU" dirty="0">
-                <a:solidFill>
-                  <a:schemeClr val="bg1"/>
-                </a:solidFill>
-              </a:rPr>
-              <a:t>Ссылка на скачивание</a:t>
-            </a:r>
+              <a:t>Просмотр и редактирование поездки, добавление расходов</a:t>
+            </a:r>
+            <a:endParaRPr lang="ru-RU" sz="3000" dirty="0"/>
           </a:p>
         </p:txBody>
       </p:sp>
       <p:pic>
         <p:nvPicPr>
-          <p:cNvPr id="1026" name="Picture 2">
-            <a:extLst>
-              <a:ext uri="{FF2B5EF4-FFF2-40B4-BE49-F238E27FC236}">
-                <a16:creationId xmlns:a16="http://schemas.microsoft.com/office/drawing/2014/main" id="{9B0777A3-DE2D-030A-F786-937FC29F2A97}"/>
+          <p:cNvPr id="8" name="Рисунок 7">
+            <a:extLst>
+              <a:ext uri="{FF2B5EF4-FFF2-40B4-BE49-F238E27FC236}">
+                <a16:creationId xmlns:a16="http://schemas.microsoft.com/office/drawing/2014/main" id="{ACAF5115-4848-5ED7-1997-A3065C0138B4}"/>
               </a:ext>
             </a:extLst>
           </p:cNvPr>
           <p:cNvPicPr>
-            <a:picLocks noChangeAspect="1" noChangeArrowheads="1"/>
+            <a:picLocks noChangeAspect="1"/>
           </p:cNvPicPr>
           <p:nvPr/>
         </p:nvPicPr>
@@ -11746,42 +12349,31 @@
               </a:ext>
             </a:extLst>
           </a:blip>
-          <a:srcRect/>
           <a:stretch>
             <a:fillRect/>
           </a:stretch>
         </p:blipFill>
-        <p:spPr bwMode="auto">
+        <p:spPr>
           <a:xfrm>
-            <a:off x="1083425" y="2301465"/>
-            <a:ext cx="2277372" cy="2277372"/>
+            <a:off x="4744402" y="1676400"/>
+            <a:ext cx="2703195" cy="4805680"/>
           </a:xfrm>
           <a:prstGeom prst="rect">
             <a:avLst/>
           </a:prstGeom>
-          <a:noFill/>
-          <a:extLst>
-            <a:ext uri="{909E8E84-426E-40DD-AFC4-6F175D3DCCD1}">
-              <a14:hiddenFill xmlns:a14="http://schemas.microsoft.com/office/drawing/2010/main">
-                <a:solidFill>
-                  <a:srgbClr val="FFFFFF"/>
-                </a:solidFill>
-              </a14:hiddenFill>
-            </a:ext>
-          </a:extLst>
         </p:spPr>
       </p:pic>
       <p:pic>
         <p:nvPicPr>
-          <p:cNvPr id="1028" name="Picture 4">
-            <a:extLst>
-              <a:ext uri="{FF2B5EF4-FFF2-40B4-BE49-F238E27FC236}">
-                <a16:creationId xmlns:a16="http://schemas.microsoft.com/office/drawing/2014/main" id="{BC5E469B-EF88-D47E-A296-382817ECA637}"/>
+          <p:cNvPr id="11" name="Рисунок 10">
+            <a:extLst>
+              <a:ext uri="{FF2B5EF4-FFF2-40B4-BE49-F238E27FC236}">
+                <a16:creationId xmlns:a16="http://schemas.microsoft.com/office/drawing/2014/main" id="{1BF7E53D-86C0-D650-A2DC-6563053ACAC7}"/>
               </a:ext>
             </a:extLst>
           </p:cNvPr>
           <p:cNvPicPr>
-            <a:picLocks noChangeAspect="1" noChangeArrowheads="1"/>
+            <a:picLocks noChangeAspect="1"/>
           </p:cNvPicPr>
           <p:nvPr/>
         </p:nvPicPr>
@@ -11793,160 +12385,60 @@
               </a:ext>
             </a:extLst>
           </a:blip>
-          <a:srcRect/>
           <a:stretch>
             <a:fillRect/>
           </a:stretch>
         </p:blipFill>
-        <p:spPr bwMode="auto">
+        <p:spPr>
           <a:xfrm>
-            <a:off x="5042445" y="2301465"/>
-            <a:ext cx="2277371" cy="2277371"/>
+            <a:off x="7792029" y="1676398"/>
+            <a:ext cx="2703196" cy="4805682"/>
           </a:xfrm>
           <a:prstGeom prst="rect">
             <a:avLst/>
           </a:prstGeom>
-          <a:noFill/>
-          <a:extLst>
-            <a:ext uri="{909E8E84-426E-40DD-AFC4-6F175D3DCCD1}">
-              <a14:hiddenFill xmlns:a14="http://schemas.microsoft.com/office/drawing/2010/main">
-                <a:solidFill>
-                  <a:srgbClr val="FFFFFF"/>
-                </a:solidFill>
-              </a14:hiddenFill>
-            </a:ext>
-          </a:extLst>
         </p:spPr>
       </p:pic>
-      <p:grpSp>
-        <p:nvGrpSpPr>
-          <p:cNvPr id="12" name="Группа 11">
-            <a:extLst>
-              <a:ext uri="{FF2B5EF4-FFF2-40B4-BE49-F238E27FC236}">
-                <a16:creationId xmlns:a16="http://schemas.microsoft.com/office/drawing/2014/main" id="{06A983FF-C49A-BB24-11DC-C45946BC537B}"/>
-              </a:ext>
-            </a:extLst>
-          </p:cNvPr>
-          <p:cNvGrpSpPr/>
+      <p:pic>
+        <p:nvPicPr>
+          <p:cNvPr id="13" name="Рисунок 12">
+            <a:extLst>
+              <a:ext uri="{FF2B5EF4-FFF2-40B4-BE49-F238E27FC236}">
+                <a16:creationId xmlns:a16="http://schemas.microsoft.com/office/drawing/2014/main" id="{40D058F1-D51C-276C-9093-414A3102B2A6}"/>
+              </a:ext>
+            </a:extLst>
+          </p:cNvPr>
+          <p:cNvPicPr>
+            <a:picLocks noChangeAspect="1"/>
+          </p:cNvPicPr>
           <p:nvPr/>
-        </p:nvGrpSpPr>
-        <p:grpSpPr>
+        </p:nvPicPr>
+        <p:blipFill>
+          <a:blip r:embed="rId4">
+            <a:extLst>
+              <a:ext uri="{28A0092B-C50C-407E-A947-70E740481C1C}">
+                <a14:useLocalDpi xmlns:a14="http://schemas.microsoft.com/office/drawing/2010/main" val="0"/>
+              </a:ext>
+            </a:extLst>
+          </a:blip>
+          <a:stretch>
+            <a:fillRect/>
+          </a:stretch>
+        </p:blipFill>
+        <p:spPr>
           <a:xfrm>
-            <a:off x="-5399694" y="1490236"/>
-            <a:ext cx="3877519" cy="3877519"/>
-            <a:chOff x="4157240" y="2338086"/>
-            <a:chExt cx="3877519" cy="3877519"/>
+            <a:off x="1696775" y="1676396"/>
+            <a:ext cx="2703195" cy="4805680"/>
           </a:xfrm>
-        </p:grpSpPr>
-        <p:sp>
-          <p:nvSpPr>
-            <p:cNvPr id="13" name="Овал 12">
-              <a:extLst>
-                <a:ext uri="{FF2B5EF4-FFF2-40B4-BE49-F238E27FC236}">
-                  <a16:creationId xmlns:a16="http://schemas.microsoft.com/office/drawing/2014/main" id="{364EC388-DF3F-BBA2-9519-F9BE964E9198}"/>
-                </a:ext>
-              </a:extLst>
-            </p:cNvPr>
-            <p:cNvSpPr/>
-            <p:nvPr/>
-          </p:nvSpPr>
-          <p:spPr>
-            <a:xfrm>
-              <a:off x="4157240" y="2338086"/>
-              <a:ext cx="3877519" cy="3877519"/>
-            </a:xfrm>
-            <a:prstGeom prst="ellipse">
-              <a:avLst/>
-            </a:prstGeom>
-            <a:solidFill>
-              <a:schemeClr val="tx2">
-                <a:lumMod val="75000"/>
-              </a:schemeClr>
-            </a:solidFill>
-            <a:ln>
-              <a:noFill/>
-            </a:ln>
-            <a:effectLst>
-              <a:outerShdw blurRad="149987" dist="250190" dir="8460000" algn="ctr">
-                <a:srgbClr val="000000">
-                  <a:alpha val="28000"/>
-                </a:srgbClr>
-              </a:outerShdw>
-            </a:effectLst>
-            <a:scene3d>
-              <a:camera prst="orthographicFront">
-                <a:rot lat="0" lon="0" rev="0"/>
-              </a:camera>
-              <a:lightRig rig="contrasting" dir="t">
-                <a:rot lat="0" lon="0" rev="1500000"/>
-              </a:lightRig>
-            </a:scene3d>
-            <a:sp3d prstMaterial="metal">
-              <a:bevelT w="88900" h="88900"/>
-            </a:sp3d>
-          </p:spPr>
-          <p:style>
-            <a:lnRef idx="2">
-              <a:schemeClr val="accent1">
-                <a:shade val="15000"/>
-              </a:schemeClr>
-            </a:lnRef>
-            <a:fillRef idx="1">
-              <a:schemeClr val="accent1"/>
-            </a:fillRef>
-            <a:effectRef idx="0">
-              <a:schemeClr val="accent1"/>
-            </a:effectRef>
-            <a:fontRef idx="minor">
-              <a:schemeClr val="lt1"/>
-            </a:fontRef>
-          </p:style>
-          <p:txBody>
-            <a:bodyPr rtlCol="0" anchor="ctr"/>
-            <a:lstStyle/>
-            <a:p>
-              <a:pPr algn="ctr"/>
-              <a:endParaRPr lang="ru-RU"/>
-            </a:p>
-          </p:txBody>
-        </p:sp>
-        <p:pic>
-          <p:nvPicPr>
-            <p:cNvPr id="14" name="Рисунок 13">
-              <a:extLst>
-                <a:ext uri="{FF2B5EF4-FFF2-40B4-BE49-F238E27FC236}">
-                  <a16:creationId xmlns:a16="http://schemas.microsoft.com/office/drawing/2014/main" id="{0DE725B9-3424-8D42-D8AD-1C1F0B4142F1}"/>
-                </a:ext>
-              </a:extLst>
-            </p:cNvPr>
-            <p:cNvPicPr>
-              <a:picLocks noChangeAspect="1"/>
-            </p:cNvPicPr>
-            <p:nvPr/>
-          </p:nvPicPr>
-          <p:blipFill>
-            <a:blip r:embed="rId4">
-              <a:lum bright="70000" contrast="-70000"/>
-            </a:blip>
-            <a:stretch>
-              <a:fillRect/>
-            </a:stretch>
-          </p:blipFill>
-          <p:spPr>
-            <a:xfrm>
-              <a:off x="4377368" y="2558214"/>
-              <a:ext cx="3437262" cy="3437262"/>
-            </a:xfrm>
-            <a:prstGeom prst="rect">
-              <a:avLst/>
-            </a:prstGeom>
-          </p:spPr>
-        </p:pic>
-      </p:grpSp>
+          <a:prstGeom prst="rect">
+            <a:avLst/>
+          </a:prstGeom>
+        </p:spPr>
+      </p:pic>
     </p:spTree>
     <p:extLst>
       <p:ext uri="{BB962C8B-B14F-4D97-AF65-F5344CB8AC3E}">
-        <p14:creationId xmlns:p14="http://schemas.microsoft.com/office/powerpoint/2010/main" val="3529872326"/>
+        <p14:creationId xmlns:p14="http://schemas.microsoft.com/office/powerpoint/2010/main" val="943992096"/>
       </p:ext>
     </p:extLst>
   </p:cSld>

--- a/Info/School Project/Presentation.pptx
+++ b/Info/School Project/Presentation.pptx
@@ -7,17 +7,15 @@
   <p:sldIdLst>
     <p:sldId id="265" r:id="rId2"/>
     <p:sldId id="266" r:id="rId3"/>
-    <p:sldId id="268" r:id="rId4"/>
-    <p:sldId id="269" r:id="rId5"/>
-    <p:sldId id="272" r:id="rId6"/>
-    <p:sldId id="270" r:id="rId7"/>
-    <p:sldId id="276" r:id="rId8"/>
-    <p:sldId id="277" r:id="rId9"/>
-    <p:sldId id="278" r:id="rId10"/>
-    <p:sldId id="271" r:id="rId11"/>
-    <p:sldId id="267" r:id="rId12"/>
-    <p:sldId id="274" r:id="rId13"/>
-    <p:sldId id="275" r:id="rId14"/>
+    <p:sldId id="270" r:id="rId4"/>
+    <p:sldId id="276" r:id="rId5"/>
+    <p:sldId id="277" r:id="rId6"/>
+    <p:sldId id="278" r:id="rId7"/>
+    <p:sldId id="279" r:id="rId8"/>
+    <p:sldId id="271" r:id="rId9"/>
+    <p:sldId id="267" r:id="rId10"/>
+    <p:sldId id="274" r:id="rId11"/>
+    <p:sldId id="275" r:id="rId12"/>
   </p:sldIdLst>
   <p:sldSz cx="12192000" cy="6858000"/>
   <p:notesSz cx="6858000" cy="9144000"/>
@@ -271,7 +269,7 @@
           <a:p>
             <a:fld id="{242890A8-A664-4ECA-A56B-4F9F17F3527D}" type="datetimeFigureOut">
               <a:rPr lang="ru-RU" smtClean="0"/>
-              <a:t>22.01.2024</a:t>
+              <a:t>26.02.2024</a:t>
             </a:fld>
             <a:endParaRPr lang="ru-RU"/>
           </a:p>
@@ -481,7 +479,7 @@
           <a:p>
             <a:fld id="{242890A8-A664-4ECA-A56B-4F9F17F3527D}" type="datetimeFigureOut">
               <a:rPr lang="ru-RU" smtClean="0"/>
-              <a:t>22.01.2024</a:t>
+              <a:t>26.02.2024</a:t>
             </a:fld>
             <a:endParaRPr lang="ru-RU"/>
           </a:p>
@@ -701,7 +699,7 @@
           <a:p>
             <a:fld id="{242890A8-A664-4ECA-A56B-4F9F17F3527D}" type="datetimeFigureOut">
               <a:rPr lang="ru-RU" smtClean="0"/>
-              <a:t>22.01.2024</a:t>
+              <a:t>26.02.2024</a:t>
             </a:fld>
             <a:endParaRPr lang="ru-RU"/>
           </a:p>
@@ -911,7 +909,7 @@
           <a:p>
             <a:fld id="{242890A8-A664-4ECA-A56B-4F9F17F3527D}" type="datetimeFigureOut">
               <a:rPr lang="ru-RU" smtClean="0"/>
-              <a:t>22.01.2024</a:t>
+              <a:t>26.02.2024</a:t>
             </a:fld>
             <a:endParaRPr lang="ru-RU"/>
           </a:p>
@@ -1198,7 +1196,7 @@
           <a:p>
             <a:fld id="{242890A8-A664-4ECA-A56B-4F9F17F3527D}" type="datetimeFigureOut">
               <a:rPr lang="ru-RU" smtClean="0"/>
-              <a:t>22.01.2024</a:t>
+              <a:t>26.02.2024</a:t>
             </a:fld>
             <a:endParaRPr lang="ru-RU"/>
           </a:p>
@@ -1475,7 +1473,7 @@
           <a:p>
             <a:fld id="{242890A8-A664-4ECA-A56B-4F9F17F3527D}" type="datetimeFigureOut">
               <a:rPr lang="ru-RU" smtClean="0"/>
-              <a:t>22.01.2024</a:t>
+              <a:t>26.02.2024</a:t>
             </a:fld>
             <a:endParaRPr lang="ru-RU"/>
           </a:p>
@@ -1899,7 +1897,7 @@
           <a:p>
             <a:fld id="{242890A8-A664-4ECA-A56B-4F9F17F3527D}" type="datetimeFigureOut">
               <a:rPr lang="ru-RU" smtClean="0"/>
-              <a:t>22.01.2024</a:t>
+              <a:t>26.02.2024</a:t>
             </a:fld>
             <a:endParaRPr lang="ru-RU"/>
           </a:p>
@@ -2052,7 +2050,7 @@
           <a:p>
             <a:fld id="{242890A8-A664-4ECA-A56B-4F9F17F3527D}" type="datetimeFigureOut">
               <a:rPr lang="ru-RU" smtClean="0"/>
-              <a:t>22.01.2024</a:t>
+              <a:t>26.02.2024</a:t>
             </a:fld>
             <a:endParaRPr lang="ru-RU"/>
           </a:p>
@@ -2177,7 +2175,7 @@
           <a:p>
             <a:fld id="{242890A8-A664-4ECA-A56B-4F9F17F3527D}" type="datetimeFigureOut">
               <a:rPr lang="ru-RU" smtClean="0"/>
-              <a:t>22.01.2024</a:t>
+              <a:t>26.02.2024</a:t>
             </a:fld>
             <a:endParaRPr lang="ru-RU"/>
           </a:p>
@@ -2500,7 +2498,7 @@
           <a:p>
             <a:fld id="{242890A8-A664-4ECA-A56B-4F9F17F3527D}" type="datetimeFigureOut">
               <a:rPr lang="ru-RU" smtClean="0"/>
-              <a:t>22.01.2024</a:t>
+              <a:t>26.02.2024</a:t>
             </a:fld>
             <a:endParaRPr lang="ru-RU"/>
           </a:p>
@@ -2800,7 +2798,7 @@
           <a:p>
             <a:fld id="{242890A8-A664-4ECA-A56B-4F9F17F3527D}" type="datetimeFigureOut">
               <a:rPr lang="ru-RU" smtClean="0"/>
-              <a:t>22.01.2024</a:t>
+              <a:t>26.02.2024</a:t>
             </a:fld>
             <a:endParaRPr lang="ru-RU"/>
           </a:p>
@@ -3069,7 +3067,7 @@
           <a:p>
             <a:fld id="{242890A8-A664-4ECA-A56B-4F9F17F3527D}" type="datetimeFigureOut">
               <a:rPr lang="ru-RU" smtClean="0"/>
-              <a:t>22.01.2024</a:t>
+              <a:t>26.02.2024</a:t>
             </a:fld>
             <a:endParaRPr lang="ru-RU"/>
           </a:p>
@@ -4606,8 +4604,8 @@
         </p:nvSpPr>
         <p:spPr>
           <a:xfrm>
-            <a:off x="302003" y="249974"/>
-            <a:ext cx="6275179" cy="707886"/>
+            <a:off x="302003" y="134224"/>
+            <a:ext cx="1432443" cy="707886"/>
           </a:xfrm>
           <a:prstGeom prst="rect">
             <a:avLst/>
@@ -4626,7 +4624,7 @@
                   <a:schemeClr val="bg1"/>
                 </a:solidFill>
               </a:rPr>
-              <a:t>Преимущества приложения</a:t>
+              <a:t>Итоги</a:t>
             </a:r>
           </a:p>
         </p:txBody>
@@ -4636,7 +4634,7 @@
           <p:cNvPr id="4" name="TextBox 3">
             <a:extLst>
               <a:ext uri="{FF2B5EF4-FFF2-40B4-BE49-F238E27FC236}">
-                <a16:creationId xmlns:a16="http://schemas.microsoft.com/office/drawing/2014/main" id="{DC833D4F-B9FD-FEDD-CBF5-4B2A6B210AE4}"/>
+                <a16:creationId xmlns:a16="http://schemas.microsoft.com/office/drawing/2014/main" id="{4F5F1BDC-B469-E619-CF18-0B112DFC1938}"/>
               </a:ext>
             </a:extLst>
           </p:cNvPr>
@@ -4645,8 +4643,8 @@
         </p:nvSpPr>
         <p:spPr>
           <a:xfrm>
-            <a:off x="738232" y="1400962"/>
-            <a:ext cx="6159122" cy="1477328"/>
+            <a:off x="553674" y="1174459"/>
+            <a:ext cx="11242086" cy="1107996"/>
           </a:xfrm>
           <a:prstGeom prst="rect">
             <a:avLst/>
@@ -4654,791 +4652,28 @@
           <a:noFill/>
         </p:spPr>
         <p:txBody>
-          <a:bodyPr wrap="none" rtlCol="0">
+          <a:bodyPr wrap="square" rtlCol="0">
             <a:spAutoFit/>
           </a:bodyPr>
           <a:lstStyle/>
           <a:p>
-            <a:pPr marL="342900" indent="-342900">
-              <a:buAutoNum type="arabicPeriod"/>
-            </a:pPr>
-            <a:r>
-              <a:rPr lang="ru-RU" dirty="0">
+            <a:r>
+              <a:rPr lang="ru-RU" sz="2200" dirty="0">
                 <a:solidFill>
                   <a:schemeClr val="bg1"/>
                 </a:solidFill>
               </a:rPr>
-              <a:t>Простой и интуитивно понятный дизайн.</a:t>
-            </a:r>
-            <a:endParaRPr lang="en-US" dirty="0">
-              <a:solidFill>
-                <a:schemeClr val="bg1"/>
-              </a:solidFill>
-            </a:endParaRPr>
-          </a:p>
-          <a:p>
-            <a:pPr marL="342900" indent="-342900">
-              <a:buAutoNum type="arabicPeriod"/>
-            </a:pPr>
-            <a:r>
-              <a:rPr lang="ru-RU" dirty="0">
-                <a:solidFill>
-                  <a:schemeClr val="bg1"/>
-                </a:solidFill>
-              </a:rPr>
-              <a:t>Быстрое планирование поездки.</a:t>
-            </a:r>
-            <a:endParaRPr lang="en-US" dirty="0">
-              <a:solidFill>
-                <a:schemeClr val="bg1"/>
-              </a:solidFill>
-            </a:endParaRPr>
-          </a:p>
-          <a:p>
-            <a:pPr marL="342900" indent="-342900">
-              <a:buAutoNum type="arabicPeriod"/>
-            </a:pPr>
-            <a:r>
-              <a:rPr lang="ru-RU" dirty="0">
-                <a:solidFill>
-                  <a:schemeClr val="bg1"/>
-                </a:solidFill>
-              </a:rPr>
-              <a:t>Удобный поиск нужных достопримечательностей и мест.</a:t>
-            </a:r>
-            <a:endParaRPr lang="en-US" dirty="0">
-              <a:solidFill>
-                <a:schemeClr val="bg1"/>
-              </a:solidFill>
-            </a:endParaRPr>
-          </a:p>
-          <a:p>
-            <a:pPr marL="342900" indent="-342900">
-              <a:buAutoNum type="arabicPeriod"/>
-            </a:pPr>
-            <a:r>
-              <a:rPr lang="ru-RU" dirty="0">
-                <a:solidFill>
-                  <a:schemeClr val="bg1"/>
-                </a:solidFill>
-              </a:rPr>
-              <a:t>Отзывы реальных людей о местах.</a:t>
-            </a:r>
-            <a:endParaRPr lang="en-US" dirty="0">
-              <a:solidFill>
-                <a:schemeClr val="bg1"/>
-              </a:solidFill>
-            </a:endParaRPr>
-          </a:p>
-          <a:p>
-            <a:pPr marL="342900" indent="-342900">
-              <a:buAutoNum type="arabicPeriod"/>
-            </a:pPr>
-            <a:r>
-              <a:rPr lang="ru-RU" dirty="0">
-                <a:solidFill>
-                  <a:schemeClr val="bg1"/>
-                </a:solidFill>
-              </a:rPr>
-              <a:t>Удобные напоминания в один клик.</a:t>
-            </a:r>
-          </a:p>
-        </p:txBody>
-      </p:sp>
-      <p:grpSp>
-        <p:nvGrpSpPr>
-          <p:cNvPr id="16" name="Группа 15">
-            <a:extLst>
-              <a:ext uri="{FF2B5EF4-FFF2-40B4-BE49-F238E27FC236}">
-                <a16:creationId xmlns:a16="http://schemas.microsoft.com/office/drawing/2014/main" id="{98C049F7-D631-6FBB-3F58-AE1E9C6199C0}"/>
-              </a:ext>
-            </a:extLst>
-          </p:cNvPr>
-          <p:cNvGrpSpPr/>
-          <p:nvPr/>
-        </p:nvGrpSpPr>
-        <p:grpSpPr>
-          <a:xfrm>
-            <a:off x="4452954" y="3321934"/>
-            <a:ext cx="3286092" cy="3286092"/>
-            <a:chOff x="4452954" y="3321934"/>
-            <a:chExt cx="3286092" cy="3286092"/>
-          </a:xfrm>
-        </p:grpSpPr>
-        <p:sp>
-          <p:nvSpPr>
-            <p:cNvPr id="6" name="Прямоугольник: скругленные углы 5">
-              <a:extLst>
-                <a:ext uri="{FF2B5EF4-FFF2-40B4-BE49-F238E27FC236}">
-                  <a16:creationId xmlns:a16="http://schemas.microsoft.com/office/drawing/2014/main" id="{9FBBF34A-24AA-6A7D-A010-E488A68D5A91}"/>
-                </a:ext>
-              </a:extLst>
-            </p:cNvPr>
-            <p:cNvSpPr/>
-            <p:nvPr/>
-          </p:nvSpPr>
-          <p:spPr>
-            <a:xfrm>
-              <a:off x="4452954" y="3321934"/>
-              <a:ext cx="3286092" cy="3286092"/>
-            </a:xfrm>
-            <a:prstGeom prst="roundRect">
-              <a:avLst/>
-            </a:prstGeom>
-            <a:solidFill>
-              <a:schemeClr val="tx2">
-                <a:lumMod val="75000"/>
-              </a:schemeClr>
-            </a:solidFill>
-            <a:ln>
-              <a:noFill/>
-            </a:ln>
-            <a:effectLst>
-              <a:outerShdw blurRad="190500" dist="228600" dir="2700000" algn="ctr">
-                <a:srgbClr val="000000">
-                  <a:alpha val="30000"/>
-                </a:srgbClr>
-              </a:outerShdw>
-            </a:effectLst>
-            <a:scene3d>
-              <a:camera prst="orthographicFront">
-                <a:rot lat="0" lon="0" rev="0"/>
-              </a:camera>
-              <a:lightRig rig="glow" dir="t">
-                <a:rot lat="0" lon="0" rev="4800000"/>
-              </a:lightRig>
-            </a:scene3d>
-            <a:sp3d prstMaterial="matte">
-              <a:bevelT w="127000" h="63500"/>
-            </a:sp3d>
-          </p:spPr>
-          <p:style>
-            <a:lnRef idx="2">
-              <a:schemeClr val="accent1">
-                <a:shade val="15000"/>
-              </a:schemeClr>
-            </a:lnRef>
-            <a:fillRef idx="1">
-              <a:schemeClr val="accent1"/>
-            </a:fillRef>
-            <a:effectRef idx="0">
-              <a:schemeClr val="accent1"/>
-            </a:effectRef>
-            <a:fontRef idx="minor">
-              <a:schemeClr val="lt1"/>
-            </a:fontRef>
-          </p:style>
-          <p:txBody>
-            <a:bodyPr rtlCol="0" anchor="ctr"/>
-            <a:lstStyle/>
-            <a:p>
-              <a:pPr algn="ctr"/>
-              <a:endParaRPr lang="ru-RU"/>
-            </a:p>
-          </p:txBody>
-        </p:sp>
-        <p:pic>
-          <p:nvPicPr>
-            <p:cNvPr id="5" name="Рисунок 4">
-              <a:extLst>
-                <a:ext uri="{FF2B5EF4-FFF2-40B4-BE49-F238E27FC236}">
-                  <a16:creationId xmlns:a16="http://schemas.microsoft.com/office/drawing/2014/main" id="{A6068622-3079-93BF-89C1-546C7A948538}"/>
-                </a:ext>
-              </a:extLst>
-            </p:cNvPr>
-            <p:cNvPicPr>
-              <a:picLocks noChangeAspect="1"/>
-            </p:cNvPicPr>
-            <p:nvPr/>
-          </p:nvPicPr>
-          <p:blipFill>
-            <a:blip r:embed="rId2">
-              <a:lum bright="70000" contrast="-70000"/>
-            </a:blip>
-            <a:stretch>
-              <a:fillRect/>
-            </a:stretch>
-          </p:blipFill>
-          <p:spPr>
-            <a:xfrm>
-              <a:off x="4788061" y="3657041"/>
-              <a:ext cx="2615878" cy="2615878"/>
-            </a:xfrm>
-            <a:prstGeom prst="rect">
-              <a:avLst/>
-            </a:prstGeom>
-          </p:spPr>
-        </p:pic>
-      </p:grpSp>
-      <p:grpSp>
-        <p:nvGrpSpPr>
-          <p:cNvPr id="7" name="Группа 6">
-            <a:extLst>
-              <a:ext uri="{FF2B5EF4-FFF2-40B4-BE49-F238E27FC236}">
-                <a16:creationId xmlns:a16="http://schemas.microsoft.com/office/drawing/2014/main" id="{4FCAE5B3-48F7-8B22-06AE-3933E8D0C3D0}"/>
-              </a:ext>
-            </a:extLst>
-          </p:cNvPr>
-          <p:cNvGrpSpPr/>
-          <p:nvPr/>
-        </p:nvGrpSpPr>
-        <p:grpSpPr>
-          <a:xfrm>
-            <a:off x="-3391672" y="3657041"/>
-            <a:ext cx="2667000" cy="2667000"/>
-            <a:chOff x="1082040" y="3428048"/>
-            <a:chExt cx="2667000" cy="2667000"/>
-          </a:xfrm>
-        </p:grpSpPr>
-        <p:sp>
-          <p:nvSpPr>
-            <p:cNvPr id="8" name="Прямоугольник: скругленные углы 7">
-              <a:extLst>
-                <a:ext uri="{FF2B5EF4-FFF2-40B4-BE49-F238E27FC236}">
-                  <a16:creationId xmlns:a16="http://schemas.microsoft.com/office/drawing/2014/main" id="{0F300EC4-2BCA-B556-A75B-E8C466FD39F4}"/>
-                </a:ext>
-              </a:extLst>
-            </p:cNvPr>
-            <p:cNvSpPr/>
-            <p:nvPr/>
-          </p:nvSpPr>
-          <p:spPr>
-            <a:xfrm>
-              <a:off x="1082040" y="3428048"/>
-              <a:ext cx="2667000" cy="2667000"/>
-            </a:xfrm>
-            <a:prstGeom prst="roundRect">
-              <a:avLst/>
-            </a:prstGeom>
-            <a:solidFill>
-              <a:schemeClr val="tx2">
-                <a:lumMod val="75000"/>
-              </a:schemeClr>
-            </a:solidFill>
-            <a:ln>
-              <a:noFill/>
-            </a:ln>
-            <a:effectLst/>
-            <a:scene3d>
-              <a:camera prst="orthographicFront">
-                <a:rot lat="0" lon="0" rev="0"/>
-              </a:camera>
-              <a:lightRig rig="glow" dir="t">
-                <a:rot lat="0" lon="0" rev="14100000"/>
-              </a:lightRig>
-            </a:scene3d>
-            <a:sp3d prstMaterial="softEdge">
-              <a:bevelT w="127000" prst="artDeco"/>
-            </a:sp3d>
-          </p:spPr>
-          <p:style>
-            <a:lnRef idx="2">
-              <a:schemeClr val="accent1">
-                <a:shade val="15000"/>
-              </a:schemeClr>
-            </a:lnRef>
-            <a:fillRef idx="1">
-              <a:schemeClr val="accent1"/>
-            </a:fillRef>
-            <a:effectRef idx="0">
-              <a:schemeClr val="accent1"/>
-            </a:effectRef>
-            <a:fontRef idx="minor">
-              <a:schemeClr val="lt1"/>
-            </a:fontRef>
-          </p:style>
-          <p:txBody>
-            <a:bodyPr rtlCol="0" anchor="ctr"/>
-            <a:lstStyle/>
-            <a:p>
-              <a:pPr algn="ctr"/>
-              <a:endParaRPr lang="ru-RU"/>
-            </a:p>
-          </p:txBody>
-        </p:sp>
-        <p:pic>
-          <p:nvPicPr>
-            <p:cNvPr id="9" name="Рисунок 8">
-              <a:extLst>
-                <a:ext uri="{FF2B5EF4-FFF2-40B4-BE49-F238E27FC236}">
-                  <a16:creationId xmlns:a16="http://schemas.microsoft.com/office/drawing/2014/main" id="{8BBF5D92-2D88-B85E-F2CE-D8E6F5A5CB44}"/>
-                </a:ext>
-              </a:extLst>
-            </p:cNvPr>
-            <p:cNvPicPr>
-              <a:picLocks noChangeAspect="1"/>
-            </p:cNvPicPr>
-            <p:nvPr/>
-          </p:nvPicPr>
-          <p:blipFill>
-            <a:blip r:embed="rId3">
-              <a:lum bright="70000" contrast="-70000"/>
-            </a:blip>
-            <a:stretch>
-              <a:fillRect/>
-            </a:stretch>
-          </p:blipFill>
-          <p:spPr>
-            <a:xfrm>
-              <a:off x="1388962" y="3672840"/>
-              <a:ext cx="2121954" cy="2121954"/>
-            </a:xfrm>
-            <a:prstGeom prst="rect">
-              <a:avLst/>
-            </a:prstGeom>
-            <a:noFill/>
-            <a:effectLst>
-              <a:outerShdw blurRad="114300" dist="38100" dir="5400000" sx="105000" sy="105000" algn="t" rotWithShape="0">
-                <a:prstClr val="black">
-                  <a:alpha val="40000"/>
-                </a:prstClr>
-              </a:outerShdw>
-            </a:effectLst>
-          </p:spPr>
-        </p:pic>
-      </p:grpSp>
-      <p:grpSp>
-        <p:nvGrpSpPr>
-          <p:cNvPr id="10" name="Группа 9">
-            <a:extLst>
-              <a:ext uri="{FF2B5EF4-FFF2-40B4-BE49-F238E27FC236}">
-                <a16:creationId xmlns:a16="http://schemas.microsoft.com/office/drawing/2014/main" id="{E0A02BCF-4247-43FF-61D2-D7B1D9994B15}"/>
-              </a:ext>
-            </a:extLst>
-          </p:cNvPr>
-          <p:cNvGrpSpPr/>
-          <p:nvPr/>
-        </p:nvGrpSpPr>
-        <p:grpSpPr>
-          <a:xfrm>
-            <a:off x="4861424" y="7051670"/>
-            <a:ext cx="2667000" cy="2667000"/>
-            <a:chOff x="5196840" y="3428048"/>
-            <a:chExt cx="2667000" cy="2667000"/>
-          </a:xfrm>
-        </p:grpSpPr>
-        <p:sp>
-          <p:nvSpPr>
-            <p:cNvPr id="11" name="Прямоугольник: скругленные углы 10">
-              <a:extLst>
-                <a:ext uri="{FF2B5EF4-FFF2-40B4-BE49-F238E27FC236}">
-                  <a16:creationId xmlns:a16="http://schemas.microsoft.com/office/drawing/2014/main" id="{524DB304-9D7A-CC80-1B53-9329B9D78FDE}"/>
-                </a:ext>
-              </a:extLst>
-            </p:cNvPr>
-            <p:cNvSpPr/>
-            <p:nvPr/>
-          </p:nvSpPr>
-          <p:spPr>
-            <a:xfrm>
-              <a:off x="5196840" y="3428048"/>
-              <a:ext cx="2667000" cy="2667000"/>
-            </a:xfrm>
-            <a:prstGeom prst="roundRect">
-              <a:avLst/>
-            </a:prstGeom>
-            <a:solidFill>
-              <a:schemeClr val="tx2">
-                <a:lumMod val="75000"/>
-              </a:schemeClr>
-            </a:solidFill>
-            <a:ln>
-              <a:noFill/>
-            </a:ln>
-            <a:effectLst/>
-            <a:scene3d>
-              <a:camera prst="orthographicFront">
-                <a:rot lat="0" lon="0" rev="0"/>
-              </a:camera>
-              <a:lightRig rig="glow" dir="t">
-                <a:rot lat="0" lon="0" rev="14100000"/>
-              </a:lightRig>
-            </a:scene3d>
-            <a:sp3d prstMaterial="softEdge">
-              <a:bevelT w="127000" prst="artDeco"/>
-            </a:sp3d>
-          </p:spPr>
-          <p:style>
-            <a:lnRef idx="2">
-              <a:schemeClr val="accent1">
-                <a:shade val="15000"/>
-              </a:schemeClr>
-            </a:lnRef>
-            <a:fillRef idx="1">
-              <a:schemeClr val="accent1"/>
-            </a:fillRef>
-            <a:effectRef idx="0">
-              <a:schemeClr val="accent1"/>
-            </a:effectRef>
-            <a:fontRef idx="minor">
-              <a:schemeClr val="lt1"/>
-            </a:fontRef>
-          </p:style>
-          <p:txBody>
-            <a:bodyPr rtlCol="0" anchor="ctr"/>
-            <a:lstStyle/>
-            <a:p>
-              <a:pPr algn="ctr"/>
-              <a:endParaRPr lang="ru-RU"/>
-            </a:p>
-          </p:txBody>
-        </p:sp>
-        <p:pic>
-          <p:nvPicPr>
-            <p:cNvPr id="12" name="Рисунок 11">
-              <a:extLst>
-                <a:ext uri="{FF2B5EF4-FFF2-40B4-BE49-F238E27FC236}">
-                  <a16:creationId xmlns:a16="http://schemas.microsoft.com/office/drawing/2014/main" id="{878FE195-5A62-E6EC-10F9-32C00222D4B4}"/>
-                </a:ext>
-              </a:extLst>
-            </p:cNvPr>
-            <p:cNvPicPr>
-              <a:picLocks noChangeAspect="1"/>
-            </p:cNvPicPr>
-            <p:nvPr/>
-          </p:nvPicPr>
-          <p:blipFill>
-            <a:blip r:embed="rId4">
-              <a:lum bright="70000" contrast="-70000"/>
-            </a:blip>
-            <a:stretch>
-              <a:fillRect/>
-            </a:stretch>
-          </p:blipFill>
-          <p:spPr>
-            <a:xfrm>
-              <a:off x="5486400" y="3709036"/>
-              <a:ext cx="2125980" cy="2085758"/>
-            </a:xfrm>
-            <a:prstGeom prst="rect">
-              <a:avLst/>
-            </a:prstGeom>
-            <a:noFill/>
-            <a:effectLst>
-              <a:outerShdw blurRad="114300" dist="38100" dir="5400000" sx="105000" sy="105000" algn="t" rotWithShape="0">
-                <a:prstClr val="black">
-                  <a:alpha val="40000"/>
-                </a:prstClr>
-              </a:outerShdw>
-            </a:effectLst>
-          </p:spPr>
-        </p:pic>
-      </p:grpSp>
-      <p:grpSp>
-        <p:nvGrpSpPr>
-          <p:cNvPr id="13" name="Группа 12">
-            <a:extLst>
-              <a:ext uri="{FF2B5EF4-FFF2-40B4-BE49-F238E27FC236}">
-                <a16:creationId xmlns:a16="http://schemas.microsoft.com/office/drawing/2014/main" id="{AAC4E4B9-EFB6-58BA-F8F5-137570C19634}"/>
-              </a:ext>
-            </a:extLst>
-          </p:cNvPr>
-          <p:cNvGrpSpPr/>
-          <p:nvPr/>
-        </p:nvGrpSpPr>
-        <p:grpSpPr>
-          <a:xfrm>
-            <a:off x="12946244" y="3657041"/>
-            <a:ext cx="2667000" cy="2667000"/>
-            <a:chOff x="8884920" y="3434716"/>
-            <a:chExt cx="2667000" cy="2667000"/>
-          </a:xfrm>
-        </p:grpSpPr>
-        <p:sp>
-          <p:nvSpPr>
-            <p:cNvPr id="14" name="Прямоугольник: скругленные углы 13">
-              <a:extLst>
-                <a:ext uri="{FF2B5EF4-FFF2-40B4-BE49-F238E27FC236}">
-                  <a16:creationId xmlns:a16="http://schemas.microsoft.com/office/drawing/2014/main" id="{317079B9-78DA-D2DC-9ECB-5615D9E56930}"/>
-                </a:ext>
-              </a:extLst>
-            </p:cNvPr>
-            <p:cNvSpPr/>
-            <p:nvPr/>
-          </p:nvSpPr>
-          <p:spPr>
-            <a:xfrm>
-              <a:off x="8884920" y="3434716"/>
-              <a:ext cx="2667000" cy="2667000"/>
-            </a:xfrm>
-            <a:prstGeom prst="roundRect">
-              <a:avLst/>
-            </a:prstGeom>
-            <a:solidFill>
-              <a:schemeClr val="tx2">
-                <a:lumMod val="75000"/>
-              </a:schemeClr>
-            </a:solidFill>
-            <a:ln>
-              <a:noFill/>
-            </a:ln>
-            <a:effectLst/>
-            <a:scene3d>
-              <a:camera prst="orthographicFront">
-                <a:rot lat="0" lon="0" rev="0"/>
-              </a:camera>
-              <a:lightRig rig="glow" dir="t">
-                <a:rot lat="0" lon="0" rev="14100000"/>
-              </a:lightRig>
-            </a:scene3d>
-            <a:sp3d prstMaterial="softEdge">
-              <a:bevelT w="127000" prst="artDeco"/>
-            </a:sp3d>
-          </p:spPr>
-          <p:style>
-            <a:lnRef idx="2">
-              <a:schemeClr val="accent1">
-                <a:shade val="15000"/>
-              </a:schemeClr>
-            </a:lnRef>
-            <a:fillRef idx="1">
-              <a:schemeClr val="accent1"/>
-            </a:fillRef>
-            <a:effectRef idx="0">
-              <a:schemeClr val="accent1"/>
-            </a:effectRef>
-            <a:fontRef idx="minor">
-              <a:schemeClr val="lt1"/>
-            </a:fontRef>
-          </p:style>
-          <p:txBody>
-            <a:bodyPr rtlCol="0" anchor="ctr"/>
-            <a:lstStyle/>
-            <a:p>
-              <a:pPr algn="ctr"/>
-              <a:endParaRPr lang="ru-RU"/>
-            </a:p>
-          </p:txBody>
-        </p:sp>
-        <p:pic>
-          <p:nvPicPr>
-            <p:cNvPr id="15" name="Рисунок 14">
-              <a:extLst>
-                <a:ext uri="{FF2B5EF4-FFF2-40B4-BE49-F238E27FC236}">
-                  <a16:creationId xmlns:a16="http://schemas.microsoft.com/office/drawing/2014/main" id="{A6658905-91CF-8A25-7867-ED545FD99597}"/>
-                </a:ext>
-              </a:extLst>
-            </p:cNvPr>
-            <p:cNvPicPr>
-              <a:picLocks noChangeAspect="1"/>
-            </p:cNvPicPr>
-            <p:nvPr/>
-          </p:nvPicPr>
-          <p:blipFill>
-            <a:blip r:embed="rId5">
-              <a:lum bright="70000" contrast="-70000"/>
-            </a:blip>
-            <a:stretch>
-              <a:fillRect/>
-            </a:stretch>
-          </p:blipFill>
-          <p:spPr>
-            <a:xfrm>
-              <a:off x="9262326" y="3672840"/>
-              <a:ext cx="2121954" cy="2121954"/>
-            </a:xfrm>
-            <a:prstGeom prst="rect">
-              <a:avLst/>
-            </a:prstGeom>
-            <a:noFill/>
-            <a:effectLst>
-              <a:outerShdw blurRad="114300" dist="38100" dir="5400000" sx="105000" sy="105000" algn="t" rotWithShape="0">
-                <a:prstClr val="black">
-                  <a:alpha val="40000"/>
-                </a:prstClr>
-              </a:outerShdw>
-            </a:effectLst>
-          </p:spPr>
-        </p:pic>
-      </p:grpSp>
-      <p:grpSp>
-        <p:nvGrpSpPr>
-          <p:cNvPr id="17" name="Группа 16">
-            <a:extLst>
-              <a:ext uri="{FF2B5EF4-FFF2-40B4-BE49-F238E27FC236}">
-                <a16:creationId xmlns:a16="http://schemas.microsoft.com/office/drawing/2014/main" id="{F595BA20-1CB6-FB4B-EE9E-B1D5C7B1368F}"/>
-              </a:ext>
-            </a:extLst>
-          </p:cNvPr>
-          <p:cNvGrpSpPr/>
-          <p:nvPr/>
-        </p:nvGrpSpPr>
-        <p:grpSpPr>
-          <a:xfrm>
-            <a:off x="1622385" y="-5089003"/>
-            <a:ext cx="8947230" cy="4686629"/>
-            <a:chOff x="1574157" y="1921397"/>
-            <a:chExt cx="8947230" cy="4686629"/>
-          </a:xfrm>
-        </p:grpSpPr>
-        <p:sp>
-          <p:nvSpPr>
-            <p:cNvPr id="18" name="Прямоугольник: скругленные углы 17">
-              <a:extLst>
-                <a:ext uri="{FF2B5EF4-FFF2-40B4-BE49-F238E27FC236}">
-                  <a16:creationId xmlns:a16="http://schemas.microsoft.com/office/drawing/2014/main" id="{4E6F5D65-B567-5A1F-EC32-D3229EAF5D21}"/>
-                </a:ext>
-              </a:extLst>
-            </p:cNvPr>
-            <p:cNvSpPr/>
-            <p:nvPr/>
-          </p:nvSpPr>
-          <p:spPr>
-            <a:xfrm>
-              <a:off x="1574157" y="1921397"/>
-              <a:ext cx="8947230" cy="4686629"/>
-            </a:xfrm>
-            <a:prstGeom prst="roundRect">
-              <a:avLst/>
-            </a:prstGeom>
-            <a:solidFill>
-              <a:schemeClr val="tx2">
-                <a:lumMod val="75000"/>
-              </a:schemeClr>
-            </a:solidFill>
-            <a:ln>
-              <a:noFill/>
-            </a:ln>
-            <a:effectLst>
-              <a:outerShdw blurRad="44450" dist="27940" dir="5400000" algn="ctr">
-                <a:srgbClr val="000000">
-                  <a:alpha val="32000"/>
-                </a:srgbClr>
-              </a:outerShdw>
-            </a:effectLst>
-            <a:scene3d>
-              <a:camera prst="orthographicFront">
-                <a:rot lat="0" lon="0" rev="0"/>
-              </a:camera>
-              <a:lightRig rig="balanced" dir="t">
-                <a:rot lat="0" lon="0" rev="8700000"/>
-              </a:lightRig>
-            </a:scene3d>
-            <a:sp3d>
-              <a:bevelT w="190500" h="38100"/>
-            </a:sp3d>
-          </p:spPr>
-          <p:style>
-            <a:lnRef idx="2">
-              <a:schemeClr val="accent1">
-                <a:shade val="15000"/>
-              </a:schemeClr>
-            </a:lnRef>
-            <a:fillRef idx="1">
-              <a:schemeClr val="accent1"/>
-            </a:fillRef>
-            <a:effectRef idx="0">
-              <a:schemeClr val="accent1"/>
-            </a:effectRef>
-            <a:fontRef idx="minor">
-              <a:schemeClr val="lt1"/>
-            </a:fontRef>
-          </p:style>
-          <p:txBody>
-            <a:bodyPr rtlCol="0" anchor="ctr"/>
-            <a:lstStyle/>
-            <a:p>
-              <a:pPr algn="ctr"/>
-              <a:endParaRPr lang="ru-RU"/>
-            </a:p>
-          </p:txBody>
-        </p:sp>
-        <p:pic>
-          <p:nvPicPr>
-            <p:cNvPr id="19" name="Рисунок 18">
-              <a:extLst>
-                <a:ext uri="{FF2B5EF4-FFF2-40B4-BE49-F238E27FC236}">
-                  <a16:creationId xmlns:a16="http://schemas.microsoft.com/office/drawing/2014/main" id="{888C3FB7-F06A-C609-3F4A-1F38E9D918DF}"/>
-                </a:ext>
-              </a:extLst>
-            </p:cNvPr>
-            <p:cNvPicPr>
-              <a:picLocks noChangeAspect="1"/>
-            </p:cNvPicPr>
-            <p:nvPr/>
-          </p:nvPicPr>
-          <p:blipFill>
-            <a:blip r:embed="rId6">
-              <a:extLst>
-                <a:ext uri="{28A0092B-C50C-407E-A947-70E740481C1C}">
-                  <a14:useLocalDpi xmlns:a14="http://schemas.microsoft.com/office/drawing/2010/main" val="0"/>
-                </a:ext>
-              </a:extLst>
-            </a:blip>
-            <a:stretch>
-              <a:fillRect/>
-            </a:stretch>
-          </p:blipFill>
-          <p:spPr>
-            <a:xfrm>
-              <a:off x="2048718" y="2222029"/>
-              <a:ext cx="7998107" cy="4085364"/>
-            </a:xfrm>
-            <a:prstGeom prst="roundRect">
-              <a:avLst>
-                <a:gd name="adj" fmla="val 8594"/>
-              </a:avLst>
-            </a:prstGeom>
-            <a:solidFill>
-              <a:srgbClr val="FFFFFF">
-                <a:shade val="85000"/>
-              </a:srgbClr>
-            </a:solidFill>
-            <a:ln>
-              <a:noFill/>
-            </a:ln>
-            <a:effectLst/>
-          </p:spPr>
-        </p:pic>
-      </p:grpSp>
-    </p:spTree>
-    <p:extLst>
-      <p:ext uri="{BB962C8B-B14F-4D97-AF65-F5344CB8AC3E}">
-        <p14:creationId xmlns:p14="http://schemas.microsoft.com/office/powerpoint/2010/main" val="1850665912"/>
-      </p:ext>
-    </p:extLst>
-  </p:cSld>
-  <p:clrMapOvr>
-    <a:masterClrMapping/>
-  </p:clrMapOvr>
-  <mc:AlternateContent xmlns:mc="http://schemas.openxmlformats.org/markup-compatibility/2006" xmlns:p159="http://schemas.microsoft.com/office/powerpoint/2015/09/main">
-    <mc:Choice Requires="p159">
-      <p:transition xmlns:p14="http://schemas.microsoft.com/office/powerpoint/2010/main" spd="slow" p14:dur="2000">
-        <p159:morph option="byObject"/>
-      </p:transition>
-    </mc:Choice>
-    <mc:Fallback xmlns="">
-      <p:transition spd="slow">
-        <p:fade/>
-      </p:transition>
-    </mc:Fallback>
-  </mc:AlternateContent>
-</p:sld>
-</file>
-
-<file path=ppt/slides/slide11.xml><?xml version="1.0" encoding="utf-8"?>
-<p:sld xmlns:a="http://schemas.openxmlformats.org/drawingml/2006/main" xmlns:r="http://schemas.openxmlformats.org/officeDocument/2006/relationships" xmlns:p="http://schemas.openxmlformats.org/presentationml/2006/main">
-  <p:cSld>
-    <p:spTree>
-      <p:nvGrpSpPr>
-        <p:cNvPr id="1" name=""/>
-        <p:cNvGrpSpPr/>
-        <p:nvPr/>
-      </p:nvGrpSpPr>
-      <p:grpSpPr>
-        <a:xfrm>
-          <a:off x="0" y="0"/>
-          <a:ext cx="0" cy="0"/>
-          <a:chOff x="0" y="0"/>
-          <a:chExt cx="0" cy="0"/>
-        </a:xfrm>
-      </p:grpSpPr>
-      <p:sp>
-        <p:nvSpPr>
-          <p:cNvPr id="6" name="Прямоугольник 5">
-            <a:extLst>
-              <a:ext uri="{FF2B5EF4-FFF2-40B4-BE49-F238E27FC236}">
-                <a16:creationId xmlns:a16="http://schemas.microsoft.com/office/drawing/2014/main" id="{A818E1C8-0C4B-8B46-343F-FB44032E59B5}"/>
+              <a:t>По итогам работы создано приложение для планирования поездок. Оно может помочь людям заранее продумать своё путешествие, находить реальные места и посмотреть отзывы о них. По моему мнению, оно является очень удобным и полезным. </a:t>
+            </a:r>
+          </a:p>
+        </p:txBody>
+      </p:sp>
+      <p:sp>
+        <p:nvSpPr>
+          <p:cNvPr id="5" name="Овал 4">
+            <a:extLst>
+              <a:ext uri="{FF2B5EF4-FFF2-40B4-BE49-F238E27FC236}">
+                <a16:creationId xmlns:a16="http://schemas.microsoft.com/office/drawing/2014/main" id="{3C77F125-2F09-C60D-0BAF-2EE0603DBCDE}"/>
               </a:ext>
             </a:extLst>
           </p:cNvPr>
@@ -5447,20 +4682,38 @@
         </p:nvSpPr>
         <p:spPr>
           <a:xfrm>
-            <a:off x="8831202" y="2290311"/>
-            <a:ext cx="2277373" cy="2277373"/>
-          </a:xfrm>
-          <a:prstGeom prst="rect">
+            <a:off x="5003973" y="3429000"/>
+            <a:ext cx="2184054" cy="2184054"/>
+          </a:xfrm>
+          <a:prstGeom prst="ellipse">
             <a:avLst/>
           </a:prstGeom>
           <a:solidFill>
-            <a:schemeClr val="bg1"/>
+            <a:schemeClr val="tx2">
+              <a:lumMod val="75000"/>
+            </a:schemeClr>
           </a:solidFill>
           <a:ln>
-            <a:solidFill>
-              <a:schemeClr val="tx1"/>
-            </a:solidFill>
+            <a:noFill/>
           </a:ln>
+          <a:effectLst>
+            <a:outerShdw blurRad="149987" dist="250190" dir="8460000" algn="ctr">
+              <a:srgbClr val="000000">
+                <a:alpha val="28000"/>
+              </a:srgbClr>
+            </a:outerShdw>
+          </a:effectLst>
+          <a:scene3d>
+            <a:camera prst="orthographicFront">
+              <a:rot lat="0" lon="0" rev="0"/>
+            </a:camera>
+            <a:lightRig rig="contrasting" dir="t">
+              <a:rot lat="0" lon="0" rev="1500000"/>
+            </a:lightRig>
+          </a:scene3d>
+          <a:sp3d prstMaterial="metal">
+            <a:bevelT w="88900" h="88900"/>
+          </a:sp3d>
         </p:spPr>
         <p:style>
           <a:lnRef idx="2">
@@ -5483,188 +4736,16 @@
           <a:lstStyle/>
           <a:p>
             <a:pPr algn="ctr"/>
-            <a:r>
-              <a:rPr lang="en-US" dirty="0">
-                <a:solidFill>
-                  <a:schemeClr val="tx1"/>
-                </a:solidFill>
-              </a:rPr>
-              <a:t>QR </a:t>
-            </a:r>
-            <a:r>
-              <a:rPr lang="ru-RU" dirty="0">
-                <a:solidFill>
-                  <a:schemeClr val="tx1"/>
-                </a:solidFill>
-              </a:rPr>
-              <a:t>на скачивание приложения</a:t>
-            </a:r>
-          </a:p>
-        </p:txBody>
-      </p:sp>
-      <p:sp>
-        <p:nvSpPr>
-          <p:cNvPr id="7" name="TextBox 6">
-            <a:extLst>
-              <a:ext uri="{FF2B5EF4-FFF2-40B4-BE49-F238E27FC236}">
-                <a16:creationId xmlns:a16="http://schemas.microsoft.com/office/drawing/2014/main" id="{9D27C50F-E9EC-6B57-43A5-4491AB50AE56}"/>
-              </a:ext>
-            </a:extLst>
-          </p:cNvPr>
-          <p:cNvSpPr txBox="1"/>
-          <p:nvPr/>
-        </p:nvSpPr>
-        <p:spPr>
-          <a:xfrm>
-            <a:off x="302003" y="238399"/>
-            <a:ext cx="1980735" cy="707886"/>
-          </a:xfrm>
-          <a:prstGeom prst="rect">
-            <a:avLst/>
-          </a:prstGeom>
-          <a:noFill/>
-        </p:spPr>
-        <p:txBody>
-          <a:bodyPr wrap="none" rtlCol="0">
-            <a:spAutoFit/>
-          </a:bodyPr>
-          <a:lstStyle/>
-          <a:p>
-            <a:r>
-              <a:rPr lang="ru-RU" sz="4000" dirty="0">
-                <a:solidFill>
-                  <a:schemeClr val="bg1"/>
-                </a:solidFill>
-              </a:rPr>
-              <a:t>Продукт</a:t>
-            </a:r>
-          </a:p>
-        </p:txBody>
-      </p:sp>
-      <p:sp>
-        <p:nvSpPr>
-          <p:cNvPr id="9" name="TextBox 8">
-            <a:extLst>
-              <a:ext uri="{FF2B5EF4-FFF2-40B4-BE49-F238E27FC236}">
-                <a16:creationId xmlns:a16="http://schemas.microsoft.com/office/drawing/2014/main" id="{64404A34-3E84-AEB1-6F1B-1353420D25F9}"/>
-              </a:ext>
-            </a:extLst>
-          </p:cNvPr>
-          <p:cNvSpPr txBox="1"/>
-          <p:nvPr/>
-        </p:nvSpPr>
-        <p:spPr>
-          <a:xfrm>
-            <a:off x="1435902" y="1793633"/>
-            <a:ext cx="1572418" cy="369332"/>
-          </a:xfrm>
-          <a:prstGeom prst="rect">
-            <a:avLst/>
-          </a:prstGeom>
-          <a:noFill/>
-        </p:spPr>
-        <p:txBody>
-          <a:bodyPr wrap="none" rtlCol="0">
-            <a:spAutoFit/>
-          </a:bodyPr>
-          <a:lstStyle/>
-          <a:p>
-            <a:r>
-              <a:rPr lang="ru-RU" dirty="0">
-                <a:solidFill>
-                  <a:schemeClr val="bg1"/>
-                </a:solidFill>
-              </a:rPr>
-              <a:t>Исходный код</a:t>
-            </a:r>
-          </a:p>
-        </p:txBody>
-      </p:sp>
-      <p:sp>
-        <p:nvSpPr>
-          <p:cNvPr id="10" name="TextBox 9">
-            <a:extLst>
-              <a:ext uri="{FF2B5EF4-FFF2-40B4-BE49-F238E27FC236}">
-                <a16:creationId xmlns:a16="http://schemas.microsoft.com/office/drawing/2014/main" id="{5E1FFED7-E9E8-80F5-FAF3-116F9B1A0257}"/>
-              </a:ext>
-            </a:extLst>
-          </p:cNvPr>
-          <p:cNvSpPr txBox="1"/>
-          <p:nvPr/>
-        </p:nvSpPr>
-        <p:spPr>
-          <a:xfrm>
-            <a:off x="5046955" y="1655134"/>
-            <a:ext cx="2102599" cy="646331"/>
-          </a:xfrm>
-          <a:prstGeom prst="rect">
-            <a:avLst/>
-          </a:prstGeom>
-          <a:noFill/>
-        </p:spPr>
-        <p:txBody>
-          <a:bodyPr wrap="square" rtlCol="0">
-            <a:spAutoFit/>
-          </a:bodyPr>
-          <a:lstStyle/>
-          <a:p>
-            <a:pPr algn="ctr"/>
-            <a:r>
-              <a:rPr lang="ru-RU" dirty="0">
-                <a:solidFill>
-                  <a:schemeClr val="bg1"/>
-                </a:solidFill>
-              </a:rPr>
-              <a:t>Телеграмм-канал с новостями</a:t>
-            </a:r>
-          </a:p>
-        </p:txBody>
-      </p:sp>
-      <p:sp>
-        <p:nvSpPr>
-          <p:cNvPr id="11" name="TextBox 10">
-            <a:extLst>
-              <a:ext uri="{FF2B5EF4-FFF2-40B4-BE49-F238E27FC236}">
-                <a16:creationId xmlns:a16="http://schemas.microsoft.com/office/drawing/2014/main" id="{0EE4EDA7-219A-7FAF-8305-221973A3B43F}"/>
-              </a:ext>
-            </a:extLst>
-          </p:cNvPr>
-          <p:cNvSpPr txBox="1"/>
-          <p:nvPr/>
-        </p:nvSpPr>
-        <p:spPr>
-          <a:xfrm>
-            <a:off x="8788506" y="1793633"/>
-            <a:ext cx="2362763" cy="369332"/>
-          </a:xfrm>
-          <a:prstGeom prst="rect">
-            <a:avLst/>
-          </a:prstGeom>
-          <a:noFill/>
-        </p:spPr>
-        <p:txBody>
-          <a:bodyPr wrap="none" rtlCol="0">
-            <a:spAutoFit/>
-          </a:bodyPr>
-          <a:lstStyle/>
-          <a:p>
-            <a:r>
-              <a:rPr lang="ru-RU" dirty="0">
-                <a:solidFill>
-                  <a:schemeClr val="bg1"/>
-                </a:solidFill>
-              </a:rPr>
-              <a:t>Ссылка на скачивание</a:t>
-            </a:r>
+            <a:endParaRPr lang="ru-RU"/>
           </a:p>
         </p:txBody>
       </p:sp>
       <p:pic>
         <p:nvPicPr>
-          <p:cNvPr id="1026" name="Picture 2">
-            <a:extLst>
-              <a:ext uri="{FF2B5EF4-FFF2-40B4-BE49-F238E27FC236}">
-                <a16:creationId xmlns:a16="http://schemas.microsoft.com/office/drawing/2014/main" id="{9B0777A3-DE2D-030A-F786-937FC29F2A97}"/>
+          <p:cNvPr id="1026" name="Picture 2" descr="смайлы, смеюсь значок">
+            <a:extLst>
+              <a:ext uri="{FF2B5EF4-FFF2-40B4-BE49-F238E27FC236}">
+                <a16:creationId xmlns:a16="http://schemas.microsoft.com/office/drawing/2014/main" id="{2BBFBF88-B2E4-61E4-9C4E-CEFD5ADD9749}"/>
               </a:ext>
             </a:extLst>
           </p:cNvPr>
@@ -5675,6 +4756,7 @@
         </p:nvPicPr>
         <p:blipFill>
           <a:blip r:embed="rId2">
+            <a:lum bright="70000" contrast="-70000"/>
             <a:extLst>
               <a:ext uri="{28A0092B-C50C-407E-A947-70E740481C1C}">
                 <a14:useLocalDpi xmlns:a14="http://schemas.microsoft.com/office/drawing/2010/main" val="0"/>
@@ -5688,8 +4770,8 @@
         </p:blipFill>
         <p:spPr bwMode="auto">
           <a:xfrm>
-            <a:off x="1083425" y="2301465"/>
-            <a:ext cx="2277372" cy="2277372"/>
+            <a:off x="5157764" y="3582791"/>
+            <a:ext cx="1876472" cy="1876472"/>
           </a:xfrm>
           <a:prstGeom prst="rect">
             <a:avLst/>
@@ -5706,298 +4788,6 @@
           </a:extLst>
         </p:spPr>
       </p:pic>
-      <p:pic>
-        <p:nvPicPr>
-          <p:cNvPr id="1028" name="Picture 4">
-            <a:extLst>
-              <a:ext uri="{FF2B5EF4-FFF2-40B4-BE49-F238E27FC236}">
-                <a16:creationId xmlns:a16="http://schemas.microsoft.com/office/drawing/2014/main" id="{BC5E469B-EF88-D47E-A296-382817ECA637}"/>
-              </a:ext>
-            </a:extLst>
-          </p:cNvPr>
-          <p:cNvPicPr>
-            <a:picLocks noChangeAspect="1" noChangeArrowheads="1"/>
-          </p:cNvPicPr>
-          <p:nvPr/>
-        </p:nvPicPr>
-        <p:blipFill>
-          <a:blip r:embed="rId3">
-            <a:extLst>
-              <a:ext uri="{28A0092B-C50C-407E-A947-70E740481C1C}">
-                <a14:useLocalDpi xmlns:a14="http://schemas.microsoft.com/office/drawing/2010/main" val="0"/>
-              </a:ext>
-            </a:extLst>
-          </a:blip>
-          <a:srcRect/>
-          <a:stretch>
-            <a:fillRect/>
-          </a:stretch>
-        </p:blipFill>
-        <p:spPr bwMode="auto">
-          <a:xfrm>
-            <a:off x="5042445" y="2301465"/>
-            <a:ext cx="2277371" cy="2277371"/>
-          </a:xfrm>
-          <a:prstGeom prst="rect">
-            <a:avLst/>
-          </a:prstGeom>
-          <a:noFill/>
-          <a:extLst>
-            <a:ext uri="{909E8E84-426E-40DD-AFC4-6F175D3DCCD1}">
-              <a14:hiddenFill xmlns:a14="http://schemas.microsoft.com/office/drawing/2010/main">
-                <a:solidFill>
-                  <a:srgbClr val="FFFFFF"/>
-                </a:solidFill>
-              </a14:hiddenFill>
-            </a:ext>
-          </a:extLst>
-        </p:spPr>
-      </p:pic>
-      <p:grpSp>
-        <p:nvGrpSpPr>
-          <p:cNvPr id="12" name="Группа 11">
-            <a:extLst>
-              <a:ext uri="{FF2B5EF4-FFF2-40B4-BE49-F238E27FC236}">
-                <a16:creationId xmlns:a16="http://schemas.microsoft.com/office/drawing/2014/main" id="{06A983FF-C49A-BB24-11DC-C45946BC537B}"/>
-              </a:ext>
-            </a:extLst>
-          </p:cNvPr>
-          <p:cNvGrpSpPr/>
-          <p:nvPr/>
-        </p:nvGrpSpPr>
-        <p:grpSpPr>
-          <a:xfrm>
-            <a:off x="-5399694" y="1490236"/>
-            <a:ext cx="3877519" cy="3877519"/>
-            <a:chOff x="4157240" y="2338086"/>
-            <a:chExt cx="3877519" cy="3877519"/>
-          </a:xfrm>
-        </p:grpSpPr>
-        <p:sp>
-          <p:nvSpPr>
-            <p:cNvPr id="13" name="Овал 12">
-              <a:extLst>
-                <a:ext uri="{FF2B5EF4-FFF2-40B4-BE49-F238E27FC236}">
-                  <a16:creationId xmlns:a16="http://schemas.microsoft.com/office/drawing/2014/main" id="{364EC388-DF3F-BBA2-9519-F9BE964E9198}"/>
-                </a:ext>
-              </a:extLst>
-            </p:cNvPr>
-            <p:cNvSpPr/>
-            <p:nvPr/>
-          </p:nvSpPr>
-          <p:spPr>
-            <a:xfrm>
-              <a:off x="4157240" y="2338086"/>
-              <a:ext cx="3877519" cy="3877519"/>
-            </a:xfrm>
-            <a:prstGeom prst="ellipse">
-              <a:avLst/>
-            </a:prstGeom>
-            <a:solidFill>
-              <a:schemeClr val="tx2">
-                <a:lumMod val="75000"/>
-              </a:schemeClr>
-            </a:solidFill>
-            <a:ln>
-              <a:noFill/>
-            </a:ln>
-            <a:effectLst>
-              <a:outerShdw blurRad="149987" dist="250190" dir="8460000" algn="ctr">
-                <a:srgbClr val="000000">
-                  <a:alpha val="28000"/>
-                </a:srgbClr>
-              </a:outerShdw>
-            </a:effectLst>
-            <a:scene3d>
-              <a:camera prst="orthographicFront">
-                <a:rot lat="0" lon="0" rev="0"/>
-              </a:camera>
-              <a:lightRig rig="contrasting" dir="t">
-                <a:rot lat="0" lon="0" rev="1500000"/>
-              </a:lightRig>
-            </a:scene3d>
-            <a:sp3d prstMaterial="metal">
-              <a:bevelT w="88900" h="88900"/>
-            </a:sp3d>
-          </p:spPr>
-          <p:style>
-            <a:lnRef idx="2">
-              <a:schemeClr val="accent1">
-                <a:shade val="15000"/>
-              </a:schemeClr>
-            </a:lnRef>
-            <a:fillRef idx="1">
-              <a:schemeClr val="accent1"/>
-            </a:fillRef>
-            <a:effectRef idx="0">
-              <a:schemeClr val="accent1"/>
-            </a:effectRef>
-            <a:fontRef idx="minor">
-              <a:schemeClr val="lt1"/>
-            </a:fontRef>
-          </p:style>
-          <p:txBody>
-            <a:bodyPr rtlCol="0" anchor="ctr"/>
-            <a:lstStyle/>
-            <a:p>
-              <a:pPr algn="ctr"/>
-              <a:endParaRPr lang="ru-RU"/>
-            </a:p>
-          </p:txBody>
-        </p:sp>
-        <p:pic>
-          <p:nvPicPr>
-            <p:cNvPr id="14" name="Рисунок 13">
-              <a:extLst>
-                <a:ext uri="{FF2B5EF4-FFF2-40B4-BE49-F238E27FC236}">
-                  <a16:creationId xmlns:a16="http://schemas.microsoft.com/office/drawing/2014/main" id="{0DE725B9-3424-8D42-D8AD-1C1F0B4142F1}"/>
-                </a:ext>
-              </a:extLst>
-            </p:cNvPr>
-            <p:cNvPicPr>
-              <a:picLocks noChangeAspect="1"/>
-            </p:cNvPicPr>
-            <p:nvPr/>
-          </p:nvPicPr>
-          <p:blipFill>
-            <a:blip r:embed="rId4">
-              <a:lum bright="70000" contrast="-70000"/>
-            </a:blip>
-            <a:stretch>
-              <a:fillRect/>
-            </a:stretch>
-          </p:blipFill>
-          <p:spPr>
-            <a:xfrm>
-              <a:off x="4377368" y="2558214"/>
-              <a:ext cx="3437262" cy="3437262"/>
-            </a:xfrm>
-            <a:prstGeom prst="rect">
-              <a:avLst/>
-            </a:prstGeom>
-          </p:spPr>
-        </p:pic>
-      </p:grpSp>
-    </p:spTree>
-    <p:extLst>
-      <p:ext uri="{BB962C8B-B14F-4D97-AF65-F5344CB8AC3E}">
-        <p14:creationId xmlns:p14="http://schemas.microsoft.com/office/powerpoint/2010/main" val="3529872326"/>
-      </p:ext>
-    </p:extLst>
-  </p:cSld>
-  <p:clrMapOvr>
-    <a:masterClrMapping/>
-  </p:clrMapOvr>
-  <mc:AlternateContent xmlns:mc="http://schemas.openxmlformats.org/markup-compatibility/2006" xmlns:p159="http://schemas.microsoft.com/office/powerpoint/2015/09/main">
-    <mc:Choice Requires="p159">
-      <p:transition xmlns:p14="http://schemas.microsoft.com/office/powerpoint/2010/main" spd="slow" p14:dur="2000">
-        <p159:morph option="byObject"/>
-      </p:transition>
-    </mc:Choice>
-    <mc:Fallback xmlns="">
-      <p:transition spd="slow">
-        <p:fade/>
-      </p:transition>
-    </mc:Fallback>
-  </mc:AlternateContent>
-</p:sld>
-</file>
-
-<file path=ppt/slides/slide12.xml><?xml version="1.0" encoding="utf-8"?>
-<p:sld xmlns:a="http://schemas.openxmlformats.org/drawingml/2006/main" xmlns:r="http://schemas.openxmlformats.org/officeDocument/2006/relationships" xmlns:p="http://schemas.openxmlformats.org/presentationml/2006/main">
-  <p:cSld>
-    <p:spTree>
-      <p:nvGrpSpPr>
-        <p:cNvPr id="1" name=""/>
-        <p:cNvGrpSpPr/>
-        <p:nvPr/>
-      </p:nvGrpSpPr>
-      <p:grpSpPr>
-        <a:xfrm>
-          <a:off x="0" y="0"/>
-          <a:ext cx="0" cy="0"/>
-          <a:chOff x="0" y="0"/>
-          <a:chExt cx="0" cy="0"/>
-        </a:xfrm>
-      </p:grpSpPr>
-      <p:sp>
-        <p:nvSpPr>
-          <p:cNvPr id="3" name="TextBox 2">
-            <a:extLst>
-              <a:ext uri="{FF2B5EF4-FFF2-40B4-BE49-F238E27FC236}">
-                <a16:creationId xmlns:a16="http://schemas.microsoft.com/office/drawing/2014/main" id="{86EE00B9-A570-C4E8-2E30-AA07281C3451}"/>
-              </a:ext>
-            </a:extLst>
-          </p:cNvPr>
-          <p:cNvSpPr txBox="1"/>
-          <p:nvPr/>
-        </p:nvSpPr>
-        <p:spPr>
-          <a:xfrm>
-            <a:off x="302003" y="134224"/>
-            <a:ext cx="1432443" cy="707886"/>
-          </a:xfrm>
-          <a:prstGeom prst="rect">
-            <a:avLst/>
-          </a:prstGeom>
-          <a:noFill/>
-        </p:spPr>
-        <p:txBody>
-          <a:bodyPr wrap="none" rtlCol="0">
-            <a:spAutoFit/>
-          </a:bodyPr>
-          <a:lstStyle/>
-          <a:p>
-            <a:r>
-              <a:rPr lang="ru-RU" sz="4000" dirty="0">
-                <a:solidFill>
-                  <a:schemeClr val="bg1"/>
-                </a:solidFill>
-              </a:rPr>
-              <a:t>Итоги</a:t>
-            </a:r>
-          </a:p>
-        </p:txBody>
-      </p:sp>
-      <p:sp>
-        <p:nvSpPr>
-          <p:cNvPr id="4" name="TextBox 3">
-            <a:extLst>
-              <a:ext uri="{FF2B5EF4-FFF2-40B4-BE49-F238E27FC236}">
-                <a16:creationId xmlns:a16="http://schemas.microsoft.com/office/drawing/2014/main" id="{4F5F1BDC-B469-E619-CF18-0B112DFC1938}"/>
-              </a:ext>
-            </a:extLst>
-          </p:cNvPr>
-          <p:cNvSpPr txBox="1"/>
-          <p:nvPr/>
-        </p:nvSpPr>
-        <p:spPr>
-          <a:xfrm>
-            <a:off x="553674" y="1174459"/>
-            <a:ext cx="11242086" cy="1107996"/>
-          </a:xfrm>
-          <a:prstGeom prst="rect">
-            <a:avLst/>
-          </a:prstGeom>
-          <a:noFill/>
-        </p:spPr>
-        <p:txBody>
-          <a:bodyPr wrap="square" rtlCol="0">
-            <a:spAutoFit/>
-          </a:bodyPr>
-          <a:lstStyle/>
-          <a:p>
-            <a:r>
-              <a:rPr lang="ru-RU" sz="2200" dirty="0">
-                <a:solidFill>
-                  <a:schemeClr val="bg1"/>
-                </a:solidFill>
-              </a:rPr>
-              <a:t>По итогам работы будет создано приложение для планирования поездок. Оно сможет помочь людям заранее продумать своё путешествие, найти реальные места и посмотреть отзывы о них. По моему мнению, оно является очень удобным и полезным. </a:t>
-            </a:r>
-          </a:p>
-        </p:txBody>
-      </p:sp>
     </p:spTree>
     <p:extLst>
       <p:ext uri="{BB962C8B-B14F-4D97-AF65-F5344CB8AC3E}">
@@ -6023,7 +4813,7 @@
 </p:sld>
 </file>
 
-<file path=ppt/slides/slide13.xml><?xml version="1.0" encoding="utf-8"?>
+<file path=ppt/slides/slide11.xml><?xml version="1.0" encoding="utf-8"?>
 <p:sld xmlns:a="http://schemas.openxmlformats.org/drawingml/2006/main" xmlns:r="http://schemas.openxmlformats.org/officeDocument/2006/relationships" xmlns:p="http://schemas.openxmlformats.org/presentationml/2006/main">
   <p:cSld>
     <p:bg>
@@ -6217,10 +5007,10 @@
       </p:grpSpPr>
       <p:sp>
         <p:nvSpPr>
-          <p:cNvPr id="20" name="Овал 19">
-            <a:extLst>
-              <a:ext uri="{FF2B5EF4-FFF2-40B4-BE49-F238E27FC236}">
-                <a16:creationId xmlns:a16="http://schemas.microsoft.com/office/drawing/2014/main" id="{3C9C9592-36B3-D541-1106-1FD3800EB4C9}"/>
+          <p:cNvPr id="22" name="Овал 21">
+            <a:extLst>
+              <a:ext uri="{FF2B5EF4-FFF2-40B4-BE49-F238E27FC236}">
+                <a16:creationId xmlns:a16="http://schemas.microsoft.com/office/drawing/2014/main" id="{A0A67FD3-7E8A-27A6-7310-4006DD62640C}"/>
               </a:ext>
             </a:extLst>
           </p:cNvPr>
@@ -6229,8 +5019,8 @@
         </p:nvSpPr>
         <p:spPr>
           <a:xfrm>
-            <a:off x="13343794" y="4836122"/>
-            <a:ext cx="4064825" cy="4064825"/>
+            <a:off x="465551" y="7405168"/>
+            <a:ext cx="3022089" cy="3022089"/>
           </a:xfrm>
           <a:prstGeom prst="ellipse">
             <a:avLst/>
@@ -6290,10 +5080,10 @@
       </p:sp>
       <p:pic>
         <p:nvPicPr>
-          <p:cNvPr id="21" name="Рисунок 20">
-            <a:extLst>
-              <a:ext uri="{FF2B5EF4-FFF2-40B4-BE49-F238E27FC236}">
-                <a16:creationId xmlns:a16="http://schemas.microsoft.com/office/drawing/2014/main" id="{07697A51-FED5-9457-24D8-E3DB9691B6D3}"/>
+          <p:cNvPr id="23" name="Рисунок 22">
+            <a:extLst>
+              <a:ext uri="{FF2B5EF4-FFF2-40B4-BE49-F238E27FC236}">
+                <a16:creationId xmlns:a16="http://schemas.microsoft.com/office/drawing/2014/main" id="{9B44E5EB-A10C-D268-BB9F-0781BD4546C3}"/>
               </a:ext>
             </a:extLst>
           </p:cNvPr>
@@ -6312,8 +5102,8 @@
         </p:blipFill>
         <p:spPr>
           <a:xfrm>
-            <a:off x="14578217" y="5694511"/>
-            <a:ext cx="2127376" cy="2127376"/>
+            <a:off x="1484536" y="8117180"/>
+            <a:ext cx="1405839" cy="1405839"/>
           </a:xfrm>
           <a:prstGeom prst="rect">
             <a:avLst/>
@@ -6335,10 +5125,10 @@
       </p:pic>
       <p:sp>
         <p:nvSpPr>
-          <p:cNvPr id="22" name="Овал 21">
-            <a:extLst>
-              <a:ext uri="{FF2B5EF4-FFF2-40B4-BE49-F238E27FC236}">
-                <a16:creationId xmlns:a16="http://schemas.microsoft.com/office/drawing/2014/main" id="{A0A67FD3-7E8A-27A6-7310-4006DD62640C}"/>
+          <p:cNvPr id="24" name="Овал 23">
+            <a:extLst>
+              <a:ext uri="{FF2B5EF4-FFF2-40B4-BE49-F238E27FC236}">
+                <a16:creationId xmlns:a16="http://schemas.microsoft.com/office/drawing/2014/main" id="{B8F9635F-5429-CFC4-CB0B-35105A05640C}"/>
               </a:ext>
             </a:extLst>
           </p:cNvPr>
@@ -6347,7 +5137,7 @@
         </p:nvSpPr>
         <p:spPr>
           <a:xfrm>
-            <a:off x="465551" y="7405168"/>
+            <a:off x="7798715" y="7821887"/>
             <a:ext cx="3022089" cy="3022089"/>
           </a:xfrm>
           <a:prstGeom prst="ellipse">
@@ -6408,10 +5198,10 @@
       </p:sp>
       <p:pic>
         <p:nvPicPr>
-          <p:cNvPr id="23" name="Рисунок 22">
-            <a:extLst>
-              <a:ext uri="{FF2B5EF4-FFF2-40B4-BE49-F238E27FC236}">
-                <a16:creationId xmlns:a16="http://schemas.microsoft.com/office/drawing/2014/main" id="{9B44E5EB-A10C-D268-BB9F-0781BD4546C3}"/>
+          <p:cNvPr id="25" name="Рисунок 24">
+            <a:extLst>
+              <a:ext uri="{FF2B5EF4-FFF2-40B4-BE49-F238E27FC236}">
+                <a16:creationId xmlns:a16="http://schemas.microsoft.com/office/drawing/2014/main" id="{6ADE641E-03CB-0FAE-CFAA-EDA4BAEA3C99}"/>
               </a:ext>
             </a:extLst>
           </p:cNvPr>
@@ -6430,255 +5220,8 @@
         </p:blipFill>
         <p:spPr>
           <a:xfrm>
-            <a:off x="1484536" y="8117180"/>
-            <a:ext cx="1405839" cy="1405839"/>
-          </a:xfrm>
-          <a:prstGeom prst="rect">
-            <a:avLst/>
-          </a:prstGeom>
-          <a:effectLst>
-            <a:outerShdw blurRad="114300" dist="50800" sx="108000" sy="108000" algn="l" rotWithShape="0">
-              <a:prstClr val="black">
-                <a:alpha val="44000"/>
-              </a:prstClr>
-            </a:outerShdw>
-          </a:effectLst>
-          <a:scene3d>
-            <a:camera prst="obliqueTopRight">
-              <a:rot lat="20999999" lon="899990" rev="0"/>
-            </a:camera>
-            <a:lightRig rig="threePt" dir="t"/>
-          </a:scene3d>
-        </p:spPr>
-      </p:pic>
-      <p:sp>
-        <p:nvSpPr>
-          <p:cNvPr id="24" name="Овал 23">
-            <a:extLst>
-              <a:ext uri="{FF2B5EF4-FFF2-40B4-BE49-F238E27FC236}">
-                <a16:creationId xmlns:a16="http://schemas.microsoft.com/office/drawing/2014/main" id="{B8F9635F-5429-CFC4-CB0B-35105A05640C}"/>
-              </a:ext>
-            </a:extLst>
-          </p:cNvPr>
-          <p:cNvSpPr/>
-          <p:nvPr/>
-        </p:nvSpPr>
-        <p:spPr>
-          <a:xfrm>
-            <a:off x="7798715" y="7821887"/>
-            <a:ext cx="3022089" cy="3022089"/>
-          </a:xfrm>
-          <a:prstGeom prst="ellipse">
-            <a:avLst/>
-          </a:prstGeom>
-          <a:solidFill>
-            <a:schemeClr val="tx2">
-              <a:lumMod val="75000"/>
-            </a:schemeClr>
-          </a:solidFill>
-          <a:ln>
-            <a:noFill/>
-          </a:ln>
-          <a:effectLst>
-            <a:outerShdw blurRad="184150" dist="241300" dir="11520000" sx="110000" sy="110000" algn="ctr">
-              <a:srgbClr val="000000">
-                <a:alpha val="18000"/>
-              </a:srgbClr>
-            </a:outerShdw>
-          </a:effectLst>
-          <a:scene3d>
-            <a:camera prst="perspectiveFront" fov="5100000">
-              <a:rot lat="0" lon="2100000" rev="0"/>
-            </a:camera>
-            <a:lightRig rig="flood" dir="t">
-              <a:rot lat="0" lon="0" rev="13800000"/>
-            </a:lightRig>
-          </a:scene3d>
-          <a:sp3d extrusionH="107950" prstMaterial="plastic">
-            <a:bevelT w="82550" h="63500" prst="divot"/>
-            <a:bevelB/>
-          </a:sp3d>
-        </p:spPr>
-        <p:style>
-          <a:lnRef idx="2">
-            <a:schemeClr val="accent1">
-              <a:shade val="15000"/>
-            </a:schemeClr>
-          </a:lnRef>
-          <a:fillRef idx="1">
-            <a:schemeClr val="accent1"/>
-          </a:fillRef>
-          <a:effectRef idx="0">
-            <a:schemeClr val="accent1"/>
-          </a:effectRef>
-          <a:fontRef idx="minor">
-            <a:schemeClr val="lt1"/>
-          </a:fontRef>
-        </p:style>
-        <p:txBody>
-          <a:bodyPr rtlCol="0" anchor="ctr"/>
-          <a:lstStyle/>
-          <a:p>
-            <a:pPr algn="ctr"/>
-            <a:endParaRPr lang="ru-RU"/>
-          </a:p>
-        </p:txBody>
-      </p:sp>
-      <p:pic>
-        <p:nvPicPr>
-          <p:cNvPr id="25" name="Рисунок 24">
-            <a:extLst>
-              <a:ext uri="{FF2B5EF4-FFF2-40B4-BE49-F238E27FC236}">
-                <a16:creationId xmlns:a16="http://schemas.microsoft.com/office/drawing/2014/main" id="{6ADE641E-03CB-0FAE-CFAA-EDA4BAEA3C99}"/>
-              </a:ext>
-            </a:extLst>
-          </p:cNvPr>
-          <p:cNvPicPr>
-            <a:picLocks noChangeAspect="1"/>
-          </p:cNvPicPr>
-          <p:nvPr/>
-        </p:nvPicPr>
-        <p:blipFill>
-          <a:blip r:embed="rId4">
-            <a:lum bright="70000" contrast="-70000"/>
-          </a:blip>
-          <a:stretch>
-            <a:fillRect/>
-          </a:stretch>
-        </p:blipFill>
-        <p:spPr>
-          <a:xfrm>
             <a:off x="8660965" y="8509596"/>
             <a:ext cx="1638417" cy="1638417"/>
-          </a:xfrm>
-          <a:prstGeom prst="rect">
-            <a:avLst/>
-          </a:prstGeom>
-          <a:effectLst>
-            <a:outerShdw blurRad="114300" dist="50800" sx="108000" sy="108000" algn="l" rotWithShape="0">
-              <a:prstClr val="black">
-                <a:alpha val="44000"/>
-              </a:prstClr>
-            </a:outerShdw>
-          </a:effectLst>
-          <a:scene3d>
-            <a:camera prst="obliqueTopRight">
-              <a:rot lat="20999999" lon="899990" rev="0"/>
-            </a:camera>
-            <a:lightRig rig="threePt" dir="t"/>
-          </a:scene3d>
-        </p:spPr>
-      </p:pic>
-      <p:sp>
-        <p:nvSpPr>
-          <p:cNvPr id="26" name="Овал 25">
-            <a:extLst>
-              <a:ext uri="{FF2B5EF4-FFF2-40B4-BE49-F238E27FC236}">
-                <a16:creationId xmlns:a16="http://schemas.microsoft.com/office/drawing/2014/main" id="{D683C489-6FE8-2793-EC64-EECCA467C230}"/>
-              </a:ext>
-            </a:extLst>
-          </p:cNvPr>
-          <p:cNvSpPr/>
-          <p:nvPr/>
-        </p:nvSpPr>
-        <p:spPr>
-          <a:xfrm>
-            <a:off x="-5293542" y="3492684"/>
-            <a:ext cx="3703899" cy="3703899"/>
-          </a:xfrm>
-          <a:prstGeom prst="ellipse">
-            <a:avLst/>
-          </a:prstGeom>
-          <a:solidFill>
-            <a:schemeClr val="tx2">
-              <a:lumMod val="75000"/>
-            </a:schemeClr>
-          </a:solidFill>
-          <a:ln>
-            <a:noFill/>
-          </a:ln>
-          <a:effectLst>
-            <a:outerShdw blurRad="184150" dist="241300" dir="11520000" sx="110000" sy="110000" algn="ctr">
-              <a:srgbClr val="000000">
-                <a:alpha val="18000"/>
-              </a:srgbClr>
-            </a:outerShdw>
-          </a:effectLst>
-          <a:scene3d>
-            <a:camera prst="perspectiveFront" fov="5100000">
-              <a:rot lat="0" lon="2100000" rev="0"/>
-            </a:camera>
-            <a:lightRig rig="flood" dir="t">
-              <a:rot lat="0" lon="0" rev="13800000"/>
-            </a:lightRig>
-          </a:scene3d>
-          <a:sp3d extrusionH="107950" prstMaterial="plastic">
-            <a:bevelT w="82550" h="63500" prst="divot"/>
-            <a:bevelB/>
-          </a:sp3d>
-        </p:spPr>
-        <p:style>
-          <a:lnRef idx="2">
-            <a:schemeClr val="accent1">
-              <a:shade val="15000"/>
-            </a:schemeClr>
-          </a:lnRef>
-          <a:fillRef idx="1">
-            <a:schemeClr val="accent1"/>
-          </a:fillRef>
-          <a:effectRef idx="0">
-            <a:schemeClr val="accent1"/>
-          </a:effectRef>
-          <a:fontRef idx="minor">
-            <a:schemeClr val="lt1"/>
-          </a:fontRef>
-        </p:style>
-        <p:txBody>
-          <a:bodyPr rtlCol="0" anchor="ctr"/>
-          <a:lstStyle/>
-          <a:p>
-            <a:pPr algn="ctr"/>
-            <a:endParaRPr lang="ru-RU"/>
-          </a:p>
-        </p:txBody>
-      </p:sp>
-      <p:pic>
-        <p:nvPicPr>
-          <p:cNvPr id="27" name="Рисунок 26">
-            <a:extLst>
-              <a:ext uri="{FF2B5EF4-FFF2-40B4-BE49-F238E27FC236}">
-                <a16:creationId xmlns:a16="http://schemas.microsoft.com/office/drawing/2014/main" id="{B29CB3EE-5895-5A18-5E9E-4D640F36CC03}"/>
-              </a:ext>
-            </a:extLst>
-          </p:cNvPr>
-          <p:cNvPicPr>
-            <a:picLocks noChangeAspect="1"/>
-          </p:cNvPicPr>
-          <p:nvPr/>
-        </p:nvPicPr>
-        <p:blipFill>
-          <a:blip r:embed="rId5">
-            <a:lum bright="70000" contrast="-70000"/>
-            <a:extLst>
-              <a:ext uri="{BEBA8EAE-BF5A-486C-A8C5-ECC9F3942E4B}">
-                <a14:imgProps xmlns:a14="http://schemas.microsoft.com/office/drawing/2010/main">
-                  <a14:imgLayer r:embed="rId6">
-                    <a14:imgEffect>
-                      <a14:colorTemperature colorTemp="1500"/>
-                    </a14:imgEffect>
-                  </a14:imgLayer>
-                </a14:imgProps>
-              </a:ext>
-            </a:extLst>
-          </a:blip>
-          <a:stretch>
-            <a:fillRect/>
-          </a:stretch>
-        </p:blipFill>
-        <p:spPr>
-          <a:xfrm>
-            <a:off x="-4292787" y="4336762"/>
-            <a:ext cx="1951579" cy="1951579"/>
           </a:xfrm>
           <a:prstGeom prst="rect">
             <a:avLst/>
@@ -7382,7 +5925,7 @@
         <p:spPr>
           <a:xfrm>
             <a:off x="197581" y="1475313"/>
-            <a:ext cx="11862339" cy="4093428"/>
+            <a:ext cx="11862339" cy="4708981"/>
           </a:xfrm>
           <a:prstGeom prst="rect">
             <a:avLst/>
@@ -7459,6 +6002,16 @@
             <a:pPr marL="342900" indent="-342900">
               <a:buAutoNum type="arabicPeriod"/>
             </a:pPr>
+            <a:endParaRPr lang="ru-RU" sz="2000" dirty="0">
+              <a:solidFill>
+                <a:schemeClr val="bg1"/>
+              </a:solidFill>
+            </a:endParaRPr>
+          </a:p>
+          <a:p>
+            <a:pPr marL="342900" indent="-342900">
+              <a:buAutoNum type="arabicPeriod"/>
+            </a:pPr>
             <a:r>
               <a:rPr lang="ru-RU" sz="2000" dirty="0">
                 <a:solidFill>
@@ -7488,6 +6041,16 @@
             <a:pPr marL="342900" indent="-342900">
               <a:buAutoNum type="arabicPeriod"/>
             </a:pPr>
+            <a:endParaRPr lang="ru-RU" sz="2000" dirty="0">
+              <a:solidFill>
+                <a:schemeClr val="bg1"/>
+              </a:solidFill>
+            </a:endParaRPr>
+          </a:p>
+          <a:p>
+            <a:pPr marL="342900" indent="-342900">
+              <a:buAutoNum type="arabicPeriod"/>
+            </a:pPr>
             <a:r>
               <a:rPr lang="ru-RU" sz="2000" dirty="0">
                 <a:solidFill>
@@ -7605,23 +6168,7 @@
                   <a:schemeClr val="bg1"/>
                 </a:solidFill>
               </a:rPr>
-              <a:t>Выпустить приложение для общего доступа в </a:t>
-            </a:r>
-            <a:r>
-              <a:rPr lang="en-US" sz="2000" dirty="0" err="1">
-                <a:solidFill>
-                  <a:schemeClr val="bg1"/>
-                </a:solidFill>
-              </a:rPr>
-              <a:t>PlayMarket</a:t>
-            </a:r>
-            <a:r>
-              <a:rPr lang="ru-RU" sz="2000" dirty="0">
-                <a:solidFill>
-                  <a:schemeClr val="bg1"/>
-                </a:solidFill>
-              </a:rPr>
-              <a:t>.</a:t>
+              <a:t>Выпустить приложение в общий доступ.</a:t>
             </a:r>
           </a:p>
         </p:txBody>
@@ -7641,7 +6188,7 @@
         <p:spPr>
           <a:xfrm>
             <a:off x="302003" y="273124"/>
-            <a:ext cx="6153801" cy="707886"/>
+            <a:ext cx="6116931" cy="707886"/>
           </a:xfrm>
           <a:prstGeom prst="rect">
             <a:avLst/>
@@ -7660,7 +6207,7 @@
                   <a:schemeClr val="bg1"/>
                 </a:solidFill>
               </a:rPr>
-              <a:t>Актуальность, цели, задачи</a:t>
+              <a:t>Актуальность, цель, задачи</a:t>
             </a:r>
           </a:p>
         </p:txBody>
@@ -7709,607 +6256,6 @@
       </p:grpSpPr>
       <p:sp>
         <p:nvSpPr>
-          <p:cNvPr id="13" name="Овал 12">
-            <a:extLst>
-              <a:ext uri="{FF2B5EF4-FFF2-40B4-BE49-F238E27FC236}">
-                <a16:creationId xmlns:a16="http://schemas.microsoft.com/office/drawing/2014/main" id="{44C68AEB-A6CF-1D7B-60C2-72E79DB0E84B}"/>
-              </a:ext>
-            </a:extLst>
-          </p:cNvPr>
-          <p:cNvSpPr/>
-          <p:nvPr/>
-        </p:nvSpPr>
-        <p:spPr>
-          <a:xfrm>
-            <a:off x="2785027" y="4105990"/>
-            <a:ext cx="2437062" cy="2437062"/>
-          </a:xfrm>
-          <a:prstGeom prst="ellipse">
-            <a:avLst/>
-          </a:prstGeom>
-          <a:solidFill>
-            <a:schemeClr val="tx2">
-              <a:lumMod val="75000"/>
-            </a:schemeClr>
-          </a:solidFill>
-          <a:ln>
-            <a:noFill/>
-          </a:ln>
-          <a:effectLst>
-            <a:outerShdw blurRad="184150" dist="241300" dir="11520000" sx="110000" sy="110000" algn="ctr">
-              <a:srgbClr val="000000">
-                <a:alpha val="18000"/>
-              </a:srgbClr>
-            </a:outerShdw>
-          </a:effectLst>
-          <a:scene3d>
-            <a:camera prst="perspectiveFront" fov="5100000">
-              <a:rot lat="0" lon="2100000" rev="0"/>
-            </a:camera>
-            <a:lightRig rig="flood" dir="t">
-              <a:rot lat="0" lon="0" rev="13800000"/>
-            </a:lightRig>
-          </a:scene3d>
-          <a:sp3d extrusionH="107950" prstMaterial="plastic">
-            <a:bevelT w="82550" h="63500" prst="divot"/>
-            <a:bevelB/>
-          </a:sp3d>
-        </p:spPr>
-        <p:style>
-          <a:lnRef idx="2">
-            <a:schemeClr val="accent1">
-              <a:shade val="15000"/>
-            </a:schemeClr>
-          </a:lnRef>
-          <a:fillRef idx="1">
-            <a:schemeClr val="accent1"/>
-          </a:fillRef>
-          <a:effectRef idx="0">
-            <a:schemeClr val="accent1"/>
-          </a:effectRef>
-          <a:fontRef idx="minor">
-            <a:schemeClr val="lt1"/>
-          </a:fontRef>
-        </p:style>
-        <p:txBody>
-          <a:bodyPr rtlCol="0" anchor="ctr"/>
-          <a:lstStyle/>
-          <a:p>
-            <a:pPr algn="ctr"/>
-            <a:endParaRPr lang="ru-RU"/>
-          </a:p>
-        </p:txBody>
-      </p:sp>
-      <p:pic>
-        <p:nvPicPr>
-          <p:cNvPr id="20" name="Рисунок 19">
-            <a:extLst>
-              <a:ext uri="{FF2B5EF4-FFF2-40B4-BE49-F238E27FC236}">
-                <a16:creationId xmlns:a16="http://schemas.microsoft.com/office/drawing/2014/main" id="{922769D0-C0AA-8F96-2501-94716C35A036}"/>
-              </a:ext>
-            </a:extLst>
-          </p:cNvPr>
-          <p:cNvPicPr>
-            <a:picLocks noChangeAspect="1"/>
-          </p:cNvPicPr>
-          <p:nvPr/>
-        </p:nvPicPr>
-        <p:blipFill>
-          <a:blip r:embed="rId2">
-            <a:lum bright="70000" contrast="-70000"/>
-          </a:blip>
-          <a:stretch>
-            <a:fillRect/>
-          </a:stretch>
-        </p:blipFill>
-        <p:spPr>
-          <a:xfrm>
-            <a:off x="3550012" y="4652598"/>
-            <a:ext cx="1133692" cy="1133692"/>
-          </a:xfrm>
-          <a:prstGeom prst="rect">
-            <a:avLst/>
-          </a:prstGeom>
-          <a:effectLst>
-            <a:outerShdw blurRad="114300" dist="50800" sx="108000" sy="108000" algn="l" rotWithShape="0">
-              <a:prstClr val="black">
-                <a:alpha val="44000"/>
-              </a:prstClr>
-            </a:outerShdw>
-          </a:effectLst>
-          <a:scene3d>
-            <a:camera prst="obliqueTopRight">
-              <a:rot lat="20999999" lon="899990" rev="0"/>
-            </a:camera>
-            <a:lightRig rig="threePt" dir="t"/>
-          </a:scene3d>
-        </p:spPr>
-      </p:pic>
-      <p:sp>
-        <p:nvSpPr>
-          <p:cNvPr id="14" name="Овал 13">
-            <a:extLst>
-              <a:ext uri="{FF2B5EF4-FFF2-40B4-BE49-F238E27FC236}">
-                <a16:creationId xmlns:a16="http://schemas.microsoft.com/office/drawing/2014/main" id="{B343E1A9-E3E1-ACBA-15F9-B3ADA1858E45}"/>
-              </a:ext>
-            </a:extLst>
-          </p:cNvPr>
-          <p:cNvSpPr/>
-          <p:nvPr/>
-        </p:nvSpPr>
-        <p:spPr>
-          <a:xfrm>
-            <a:off x="6421121" y="4105990"/>
-            <a:ext cx="2437062" cy="2437062"/>
-          </a:xfrm>
-          <a:prstGeom prst="ellipse">
-            <a:avLst/>
-          </a:prstGeom>
-          <a:solidFill>
-            <a:schemeClr val="tx2">
-              <a:lumMod val="75000"/>
-            </a:schemeClr>
-          </a:solidFill>
-          <a:ln>
-            <a:noFill/>
-          </a:ln>
-          <a:effectLst>
-            <a:outerShdw blurRad="184150" dist="241300" dir="11520000" sx="110000" sy="110000" algn="ctr">
-              <a:srgbClr val="000000">
-                <a:alpha val="18000"/>
-              </a:srgbClr>
-            </a:outerShdw>
-          </a:effectLst>
-          <a:scene3d>
-            <a:camera prst="perspectiveFront" fov="5100000">
-              <a:rot lat="0" lon="2100000" rev="0"/>
-            </a:camera>
-            <a:lightRig rig="flood" dir="t">
-              <a:rot lat="0" lon="0" rev="13800000"/>
-            </a:lightRig>
-          </a:scene3d>
-          <a:sp3d extrusionH="107950" prstMaterial="plastic">
-            <a:bevelT w="82550" h="63500" prst="divot"/>
-            <a:bevelB/>
-          </a:sp3d>
-        </p:spPr>
-        <p:style>
-          <a:lnRef idx="2">
-            <a:schemeClr val="accent1">
-              <a:shade val="15000"/>
-            </a:schemeClr>
-          </a:lnRef>
-          <a:fillRef idx="1">
-            <a:schemeClr val="accent1"/>
-          </a:fillRef>
-          <a:effectRef idx="0">
-            <a:schemeClr val="accent1"/>
-          </a:effectRef>
-          <a:fontRef idx="minor">
-            <a:schemeClr val="lt1"/>
-          </a:fontRef>
-        </p:style>
-        <p:txBody>
-          <a:bodyPr rtlCol="0" anchor="ctr"/>
-          <a:lstStyle/>
-          <a:p>
-            <a:pPr algn="ctr"/>
-            <a:endParaRPr lang="ru-RU"/>
-          </a:p>
-        </p:txBody>
-      </p:sp>
-      <p:pic>
-        <p:nvPicPr>
-          <p:cNvPr id="16" name="Рисунок 15">
-            <a:extLst>
-              <a:ext uri="{FF2B5EF4-FFF2-40B4-BE49-F238E27FC236}">
-                <a16:creationId xmlns:a16="http://schemas.microsoft.com/office/drawing/2014/main" id="{A96AA727-C447-A3DB-DEEE-2C2F05C95BE3}"/>
-              </a:ext>
-            </a:extLst>
-          </p:cNvPr>
-          <p:cNvPicPr>
-            <a:picLocks noChangeAspect="1"/>
-          </p:cNvPicPr>
-          <p:nvPr/>
-        </p:nvPicPr>
-        <p:blipFill>
-          <a:blip r:embed="rId3">
-            <a:lum bright="70000" contrast="-70000"/>
-          </a:blip>
-          <a:stretch>
-            <a:fillRect/>
-          </a:stretch>
-        </p:blipFill>
-        <p:spPr>
-          <a:xfrm>
-            <a:off x="7110651" y="4652598"/>
-            <a:ext cx="1321246" cy="1321246"/>
-          </a:xfrm>
-          <a:prstGeom prst="rect">
-            <a:avLst/>
-          </a:prstGeom>
-          <a:effectLst>
-            <a:outerShdw blurRad="114300" dist="50800" sx="108000" sy="108000" algn="l" rotWithShape="0">
-              <a:prstClr val="black">
-                <a:alpha val="44000"/>
-              </a:prstClr>
-            </a:outerShdw>
-          </a:effectLst>
-          <a:scene3d>
-            <a:camera prst="obliqueTopRight">
-              <a:rot lat="20999999" lon="899990" rev="0"/>
-            </a:camera>
-            <a:lightRig rig="threePt" dir="t"/>
-          </a:scene3d>
-        </p:spPr>
-      </p:pic>
-      <p:sp>
-        <p:nvSpPr>
-          <p:cNvPr id="30" name="Равнобедренный треугольник 29">
-            <a:extLst>
-              <a:ext uri="{FF2B5EF4-FFF2-40B4-BE49-F238E27FC236}">
-                <a16:creationId xmlns:a16="http://schemas.microsoft.com/office/drawing/2014/main" id="{6DCD3D04-DA66-2F06-3D9B-915596AD5F6B}"/>
-              </a:ext>
-            </a:extLst>
-          </p:cNvPr>
-          <p:cNvSpPr/>
-          <p:nvPr/>
-        </p:nvSpPr>
-        <p:spPr>
-          <a:xfrm>
-            <a:off x="-73802" y="7340394"/>
-            <a:ext cx="5221364" cy="3992880"/>
-          </a:xfrm>
-          <a:prstGeom prst="triangle">
-            <a:avLst/>
-          </a:prstGeom>
-          <a:solidFill>
-            <a:schemeClr val="tx2">
-              <a:lumMod val="75000"/>
-            </a:schemeClr>
-          </a:solidFill>
-          <a:ln>
-            <a:noFill/>
-          </a:ln>
-          <a:effectLst>
-            <a:outerShdw blurRad="184150" dist="241300" dir="11520000" sx="110000" sy="110000" algn="ctr">
-              <a:srgbClr val="000000">
-                <a:alpha val="18000"/>
-              </a:srgbClr>
-            </a:outerShdw>
-          </a:effectLst>
-          <a:scene3d>
-            <a:camera prst="perspectiveFront" fov="5100000">
-              <a:rot lat="0" lon="2100000" rev="0"/>
-            </a:camera>
-            <a:lightRig rig="flood" dir="t">
-              <a:rot lat="0" lon="0" rev="13800000"/>
-            </a:lightRig>
-          </a:scene3d>
-          <a:sp3d extrusionH="107950" prstMaterial="plastic">
-            <a:bevelT w="82550" h="63500" prst="divot"/>
-            <a:bevelB/>
-          </a:sp3d>
-        </p:spPr>
-        <p:style>
-          <a:lnRef idx="2">
-            <a:schemeClr val="accent1">
-              <a:shade val="15000"/>
-            </a:schemeClr>
-          </a:lnRef>
-          <a:fillRef idx="1">
-            <a:schemeClr val="accent1"/>
-          </a:fillRef>
-          <a:effectRef idx="0">
-            <a:schemeClr val="accent1"/>
-          </a:effectRef>
-          <a:fontRef idx="minor">
-            <a:schemeClr val="lt1"/>
-          </a:fontRef>
-        </p:style>
-        <p:txBody>
-          <a:bodyPr rtlCol="0" anchor="ctr"/>
-          <a:lstStyle/>
-          <a:p>
-            <a:pPr algn="ctr"/>
-            <a:endParaRPr lang="ru-RU"/>
-          </a:p>
-        </p:txBody>
-      </p:sp>
-      <p:sp>
-        <p:nvSpPr>
-          <p:cNvPr id="31" name="Равнобедренный треугольник 30">
-            <a:extLst>
-              <a:ext uri="{FF2B5EF4-FFF2-40B4-BE49-F238E27FC236}">
-                <a16:creationId xmlns:a16="http://schemas.microsoft.com/office/drawing/2014/main" id="{994A5A12-3602-8453-E3C1-E6A5DB7F78F2}"/>
-              </a:ext>
-            </a:extLst>
-          </p:cNvPr>
-          <p:cNvSpPr/>
-          <p:nvPr/>
-        </p:nvSpPr>
-        <p:spPr>
-          <a:xfrm>
-            <a:off x="6901478" y="7319325"/>
-            <a:ext cx="5221364" cy="3992880"/>
-          </a:xfrm>
-          <a:prstGeom prst="triangle">
-            <a:avLst/>
-          </a:prstGeom>
-          <a:solidFill>
-            <a:schemeClr val="tx2">
-              <a:lumMod val="75000"/>
-            </a:schemeClr>
-          </a:solidFill>
-          <a:ln>
-            <a:noFill/>
-          </a:ln>
-          <a:effectLst>
-            <a:outerShdw blurRad="184150" dist="241300" dir="11520000" sx="110000" sy="110000" algn="ctr">
-              <a:srgbClr val="000000">
-                <a:alpha val="18000"/>
-              </a:srgbClr>
-            </a:outerShdw>
-          </a:effectLst>
-          <a:scene3d>
-            <a:camera prst="perspectiveFront" fov="5100000">
-              <a:rot lat="0" lon="2100000" rev="0"/>
-            </a:camera>
-            <a:lightRig rig="flood" dir="t">
-              <a:rot lat="0" lon="0" rev="13800000"/>
-            </a:lightRig>
-          </a:scene3d>
-          <a:sp3d extrusionH="107950" prstMaterial="plastic">
-            <a:bevelT w="82550" h="63500" prst="divot"/>
-            <a:bevelB/>
-          </a:sp3d>
-        </p:spPr>
-        <p:style>
-          <a:lnRef idx="2">
-            <a:schemeClr val="accent1">
-              <a:shade val="15000"/>
-            </a:schemeClr>
-          </a:lnRef>
-          <a:fillRef idx="1">
-            <a:schemeClr val="accent1"/>
-          </a:fillRef>
-          <a:effectRef idx="0">
-            <a:schemeClr val="accent1"/>
-          </a:effectRef>
-          <a:fontRef idx="minor">
-            <a:schemeClr val="lt1"/>
-          </a:fontRef>
-        </p:style>
-        <p:txBody>
-          <a:bodyPr rtlCol="0" anchor="ctr"/>
-          <a:lstStyle/>
-          <a:p>
-            <a:pPr algn="ctr"/>
-            <a:endParaRPr lang="ru-RU"/>
-          </a:p>
-        </p:txBody>
-      </p:sp>
-      <p:sp>
-        <p:nvSpPr>
-          <p:cNvPr id="32" name="Равнобедренный треугольник 31">
-            <a:extLst>
-              <a:ext uri="{FF2B5EF4-FFF2-40B4-BE49-F238E27FC236}">
-                <a16:creationId xmlns:a16="http://schemas.microsoft.com/office/drawing/2014/main" id="{25EBF10E-98F6-297B-F725-8279770E735E}"/>
-              </a:ext>
-            </a:extLst>
-          </p:cNvPr>
-          <p:cNvSpPr/>
-          <p:nvPr/>
-        </p:nvSpPr>
-        <p:spPr>
-          <a:xfrm rot="10800000">
-            <a:off x="3351878" y="-4459661"/>
-            <a:ext cx="5221364" cy="3992880"/>
-          </a:xfrm>
-          <a:prstGeom prst="triangle">
-            <a:avLst/>
-          </a:prstGeom>
-          <a:solidFill>
-            <a:schemeClr val="tx2">
-              <a:lumMod val="75000"/>
-            </a:schemeClr>
-          </a:solidFill>
-          <a:ln>
-            <a:noFill/>
-          </a:ln>
-          <a:effectLst>
-            <a:outerShdw blurRad="184150" dist="241300" dir="11520000" sx="110000" sy="110000" algn="ctr">
-              <a:srgbClr val="000000">
-                <a:alpha val="18000"/>
-              </a:srgbClr>
-            </a:outerShdw>
-          </a:effectLst>
-          <a:scene3d>
-            <a:camera prst="perspectiveFront" fov="5100000">
-              <a:rot lat="0" lon="2100000" rev="0"/>
-            </a:camera>
-            <a:lightRig rig="flood" dir="t">
-              <a:rot lat="0" lon="0" rev="13800000"/>
-            </a:lightRig>
-          </a:scene3d>
-          <a:sp3d extrusionH="107950" prstMaterial="plastic">
-            <a:bevelT w="82550" h="63500" prst="divot"/>
-            <a:bevelB/>
-          </a:sp3d>
-        </p:spPr>
-        <p:style>
-          <a:lnRef idx="2">
-            <a:schemeClr val="accent1">
-              <a:shade val="15000"/>
-            </a:schemeClr>
-          </a:lnRef>
-          <a:fillRef idx="1">
-            <a:schemeClr val="accent1"/>
-          </a:fillRef>
-          <a:effectRef idx="0">
-            <a:schemeClr val="accent1"/>
-          </a:effectRef>
-          <a:fontRef idx="minor">
-            <a:schemeClr val="lt1"/>
-          </a:fontRef>
-        </p:style>
-        <p:txBody>
-          <a:bodyPr rtlCol="0" anchor="ctr"/>
-          <a:lstStyle/>
-          <a:p>
-            <a:pPr algn="ctr"/>
-            <a:endParaRPr lang="ru-RU"/>
-          </a:p>
-        </p:txBody>
-      </p:sp>
-      <p:sp>
-        <p:nvSpPr>
-          <p:cNvPr id="33" name="Равнобедренный треугольник 32">
-            <a:extLst>
-              <a:ext uri="{FF2B5EF4-FFF2-40B4-BE49-F238E27FC236}">
-                <a16:creationId xmlns:a16="http://schemas.microsoft.com/office/drawing/2014/main" id="{18A1BFDF-B4EB-42A1-EDD7-E804912238AE}"/>
-              </a:ext>
-            </a:extLst>
-          </p:cNvPr>
-          <p:cNvSpPr/>
-          <p:nvPr/>
-        </p:nvSpPr>
-        <p:spPr>
-          <a:xfrm rot="10800000">
-            <a:off x="10235718" y="-4388166"/>
-            <a:ext cx="5221364" cy="3992880"/>
-          </a:xfrm>
-          <a:prstGeom prst="triangle">
-            <a:avLst/>
-          </a:prstGeom>
-          <a:solidFill>
-            <a:schemeClr val="tx2">
-              <a:lumMod val="75000"/>
-            </a:schemeClr>
-          </a:solidFill>
-          <a:ln>
-            <a:noFill/>
-          </a:ln>
-          <a:effectLst>
-            <a:outerShdw blurRad="184150" dist="241300" dir="11520000" sx="110000" sy="110000" algn="ctr">
-              <a:srgbClr val="000000">
-                <a:alpha val="18000"/>
-              </a:srgbClr>
-            </a:outerShdw>
-          </a:effectLst>
-          <a:scene3d>
-            <a:camera prst="perspectiveFront" fov="5100000">
-              <a:rot lat="0" lon="2100000" rev="0"/>
-            </a:camera>
-            <a:lightRig rig="flood" dir="t">
-              <a:rot lat="0" lon="0" rev="13800000"/>
-            </a:lightRig>
-          </a:scene3d>
-          <a:sp3d extrusionH="107950" prstMaterial="plastic">
-            <a:bevelT w="82550" h="63500" prst="divot"/>
-            <a:bevelB/>
-          </a:sp3d>
-        </p:spPr>
-        <p:style>
-          <a:lnRef idx="2">
-            <a:schemeClr val="accent1">
-              <a:shade val="15000"/>
-            </a:schemeClr>
-          </a:lnRef>
-          <a:fillRef idx="1">
-            <a:schemeClr val="accent1"/>
-          </a:fillRef>
-          <a:effectRef idx="0">
-            <a:schemeClr val="accent1"/>
-          </a:effectRef>
-          <a:fontRef idx="minor">
-            <a:schemeClr val="lt1"/>
-          </a:fontRef>
-        </p:style>
-        <p:txBody>
-          <a:bodyPr rtlCol="0" anchor="ctr"/>
-          <a:lstStyle/>
-          <a:p>
-            <a:pPr algn="ctr"/>
-            <a:endParaRPr lang="ru-RU"/>
-          </a:p>
-        </p:txBody>
-      </p:sp>
-      <p:sp>
-        <p:nvSpPr>
-          <p:cNvPr id="34" name="Равнобедренный треугольник 33">
-            <a:extLst>
-              <a:ext uri="{FF2B5EF4-FFF2-40B4-BE49-F238E27FC236}">
-                <a16:creationId xmlns:a16="http://schemas.microsoft.com/office/drawing/2014/main" id="{370C9037-912E-6081-659E-92EB58CD7E51}"/>
-              </a:ext>
-            </a:extLst>
-          </p:cNvPr>
-          <p:cNvSpPr/>
-          <p:nvPr/>
-        </p:nvSpPr>
-        <p:spPr>
-          <a:xfrm rot="10800000">
-            <a:off x="-3531962" y="-4406477"/>
-            <a:ext cx="5221364" cy="3992880"/>
-          </a:xfrm>
-          <a:prstGeom prst="triangle">
-            <a:avLst/>
-          </a:prstGeom>
-          <a:solidFill>
-            <a:schemeClr val="tx2">
-              <a:lumMod val="75000"/>
-            </a:schemeClr>
-          </a:solidFill>
-          <a:ln>
-            <a:noFill/>
-          </a:ln>
-          <a:effectLst>
-            <a:outerShdw blurRad="184150" dist="241300" dir="11520000" sx="110000" sy="110000" algn="ctr">
-              <a:srgbClr val="000000">
-                <a:alpha val="18000"/>
-              </a:srgbClr>
-            </a:outerShdw>
-          </a:effectLst>
-          <a:scene3d>
-            <a:camera prst="perspectiveFront" fov="5100000">
-              <a:rot lat="0" lon="2100000" rev="0"/>
-            </a:camera>
-            <a:lightRig rig="flood" dir="t">
-              <a:rot lat="0" lon="0" rev="13800000"/>
-            </a:lightRig>
-          </a:scene3d>
-          <a:sp3d extrusionH="107950" prstMaterial="plastic">
-            <a:bevelT w="82550" h="63500" prst="divot"/>
-            <a:bevelB/>
-          </a:sp3d>
-        </p:spPr>
-        <p:style>
-          <a:lnRef idx="2">
-            <a:schemeClr val="accent1">
-              <a:shade val="15000"/>
-            </a:schemeClr>
-          </a:lnRef>
-          <a:fillRef idx="1">
-            <a:schemeClr val="accent1"/>
-          </a:fillRef>
-          <a:effectRef idx="0">
-            <a:schemeClr val="accent1"/>
-          </a:effectRef>
-          <a:fontRef idx="minor">
-            <a:schemeClr val="lt1"/>
-          </a:fontRef>
-        </p:style>
-        <p:txBody>
-          <a:bodyPr rtlCol="0" anchor="ctr"/>
-          <a:lstStyle/>
-          <a:p>
-            <a:pPr algn="ctr"/>
-            <a:endParaRPr lang="ru-RU"/>
-          </a:p>
-        </p:txBody>
-      </p:sp>
-      <p:sp>
-        <p:nvSpPr>
           <p:cNvPr id="3" name="TextBox 2">
             <a:extLst>
               <a:ext uri="{FF2B5EF4-FFF2-40B4-BE49-F238E27FC236}">
@@ -8323,7 +6269,7 @@
         <p:spPr>
           <a:xfrm>
             <a:off x="302003" y="249974"/>
-            <a:ext cx="7790338" cy="707886"/>
+            <a:ext cx="5745932" cy="707886"/>
           </a:xfrm>
           <a:prstGeom prst="rect">
             <a:avLst/>
@@ -8342,17 +6288,17 @@
                   <a:schemeClr val="bg1"/>
                 </a:solidFill>
               </a:rPr>
-              <a:t>Создание мобильных приложений</a:t>
-            </a:r>
-          </a:p>
-        </p:txBody>
-      </p:sp>
-      <p:sp>
-        <p:nvSpPr>
-          <p:cNvPr id="4" name="TextBox 3">
-            <a:extLst>
-              <a:ext uri="{FF2B5EF4-FFF2-40B4-BE49-F238E27FC236}">
-                <a16:creationId xmlns:a16="http://schemas.microsoft.com/office/drawing/2014/main" id="{55A0327C-009E-75FA-8BF0-3F89A2051F0A}"/>
+              <a:t>Функционал приложения</a:t>
+            </a:r>
+          </a:p>
+        </p:txBody>
+      </p:sp>
+      <p:sp>
+        <p:nvSpPr>
+          <p:cNvPr id="2" name="TextBox 1">
+            <a:extLst>
+              <a:ext uri="{FF2B5EF4-FFF2-40B4-BE49-F238E27FC236}">
+                <a16:creationId xmlns:a16="http://schemas.microsoft.com/office/drawing/2014/main" id="{9136B9B2-E9BA-DDBC-B19A-FB2619EEAD4C}"/>
               </a:ext>
             </a:extLst>
           </p:cNvPr>
@@ -8361,8 +6307,8 @@
         </p:nvSpPr>
         <p:spPr>
           <a:xfrm>
-            <a:off x="497456" y="1186673"/>
-            <a:ext cx="11197087" cy="2585323"/>
+            <a:off x="738233" y="1400962"/>
+            <a:ext cx="11270888" cy="2862322"/>
           </a:xfrm>
           <a:prstGeom prst="rect">
             <a:avLst/>
@@ -8375,2200 +6321,12 @@
           </a:bodyPr>
           <a:lstStyle/>
           <a:p>
-            <a:r>
-              <a:rPr lang="ru-RU" dirty="0">
-                <a:solidFill>
-                  <a:schemeClr val="bg1"/>
-                </a:solidFill>
-              </a:rPr>
-              <a:t>Мобильное приложение – это программное обеспечение, предназначенное для работы на смартфонах, планшетах и других мобильных устройствах и решающее нужные пользователю задачи. Чтобы создать такое приложение, нужно написать программный код.</a:t>
-            </a:r>
-          </a:p>
-          <a:p>
-            <a:endParaRPr lang="ru-RU" dirty="0">
-              <a:solidFill>
-                <a:schemeClr val="bg1"/>
-              </a:solidFill>
-            </a:endParaRPr>
-          </a:p>
-          <a:p>
-            <a:r>
-              <a:rPr lang="ru-RU" dirty="0">
-                <a:solidFill>
-                  <a:schemeClr val="bg1"/>
-                </a:solidFill>
-              </a:rPr>
-              <a:t>Процесс написания кода для приложения называется версткой. Обычно верстка проходит на языках </a:t>
-            </a:r>
-            <a:r>
-              <a:rPr lang="en-US" dirty="0">
-                <a:solidFill>
-                  <a:schemeClr val="bg1"/>
-                </a:solidFill>
-              </a:rPr>
-              <a:t>Java </a:t>
-            </a:r>
-            <a:r>
-              <a:rPr lang="ru-RU" dirty="0">
-                <a:solidFill>
-                  <a:schemeClr val="bg1"/>
-                </a:solidFill>
-              </a:rPr>
-              <a:t>или </a:t>
-            </a:r>
-            <a:r>
-              <a:rPr lang="en-US" dirty="0">
-                <a:solidFill>
-                  <a:schemeClr val="bg1"/>
-                </a:solidFill>
-              </a:rPr>
-              <a:t>Kotlin</a:t>
-            </a:r>
-            <a:r>
-              <a:rPr lang="ru-RU" dirty="0">
-                <a:solidFill>
-                  <a:schemeClr val="bg1"/>
-                </a:solidFill>
-              </a:rPr>
-              <a:t> для </a:t>
-            </a:r>
-            <a:r>
-              <a:rPr lang="en-US" dirty="0">
-                <a:solidFill>
-                  <a:schemeClr val="bg1"/>
-                </a:solidFill>
-              </a:rPr>
-              <a:t>Android </a:t>
-            </a:r>
-            <a:r>
-              <a:rPr lang="ru-RU" dirty="0">
-                <a:solidFill>
-                  <a:schemeClr val="bg1"/>
-                </a:solidFill>
-              </a:rPr>
-              <a:t>и на языке </a:t>
-            </a:r>
-            <a:r>
-              <a:rPr lang="en-US" dirty="0">
-                <a:solidFill>
-                  <a:schemeClr val="bg1"/>
-                </a:solidFill>
-              </a:rPr>
-              <a:t>Swift </a:t>
-            </a:r>
-            <a:r>
-              <a:rPr lang="ru-RU" dirty="0">
-                <a:solidFill>
-                  <a:schemeClr val="bg1"/>
-                </a:solidFill>
-              </a:rPr>
-              <a:t>для </a:t>
-            </a:r>
-            <a:r>
-              <a:rPr lang="en-US" dirty="0">
-                <a:solidFill>
-                  <a:schemeClr val="bg1"/>
-                </a:solidFill>
-              </a:rPr>
-              <a:t>IOS. </a:t>
-            </a:r>
-            <a:r>
-              <a:rPr lang="ru-RU" dirty="0">
-                <a:solidFill>
-                  <a:schemeClr val="bg1"/>
-                </a:solidFill>
-              </a:rPr>
-              <a:t>Проанализировав эти инструменты, для своего приложения я решил выбрать более удобный и современный инструмент –  комплект средств разработки </a:t>
-            </a:r>
-            <a:r>
-              <a:rPr lang="en-US" dirty="0">
-                <a:solidFill>
-                  <a:schemeClr val="bg1"/>
-                </a:solidFill>
-              </a:rPr>
-              <a:t>Flutter</a:t>
-            </a:r>
-            <a:r>
-              <a:rPr lang="ru-RU" dirty="0">
-                <a:solidFill>
-                  <a:schemeClr val="bg1"/>
-                </a:solidFill>
-              </a:rPr>
-              <a:t>.</a:t>
-            </a:r>
-            <a:r>
-              <a:rPr lang="en-US" dirty="0">
-                <a:solidFill>
-                  <a:schemeClr val="bg1"/>
-                </a:solidFill>
-              </a:rPr>
-              <a:t> </a:t>
-            </a:r>
-            <a:r>
-              <a:rPr lang="ru-RU" dirty="0">
-                <a:solidFill>
-                  <a:schemeClr val="bg1"/>
-                </a:solidFill>
-              </a:rPr>
-              <a:t>С помощью него можно создавать приложения сразу для всех платформ. Код для приложений на </a:t>
-            </a:r>
-            <a:r>
-              <a:rPr lang="en-US" dirty="0">
-                <a:solidFill>
-                  <a:schemeClr val="bg1"/>
-                </a:solidFill>
-              </a:rPr>
-              <a:t>Flutter</a:t>
-            </a:r>
-            <a:r>
-              <a:rPr lang="ru-RU" dirty="0">
-                <a:solidFill>
-                  <a:schemeClr val="bg1"/>
-                </a:solidFill>
-              </a:rPr>
-              <a:t> пишется на языке программирования </a:t>
-            </a:r>
-            <a:r>
-              <a:rPr lang="en-US" dirty="0">
-                <a:solidFill>
-                  <a:schemeClr val="bg1"/>
-                </a:solidFill>
-              </a:rPr>
-              <a:t>Dart.</a:t>
-            </a:r>
-            <a:endParaRPr lang="ru-RU" dirty="0">
-              <a:solidFill>
-                <a:schemeClr val="bg1"/>
-              </a:solidFill>
-            </a:endParaRPr>
-          </a:p>
-        </p:txBody>
-      </p:sp>
-      <p:grpSp>
-        <p:nvGrpSpPr>
-          <p:cNvPr id="8" name="Группа 7">
-            <a:extLst>
-              <a:ext uri="{FF2B5EF4-FFF2-40B4-BE49-F238E27FC236}">
-                <a16:creationId xmlns:a16="http://schemas.microsoft.com/office/drawing/2014/main" id="{21A930B7-F771-943D-B529-335D808E2306}"/>
-              </a:ext>
-            </a:extLst>
-          </p:cNvPr>
-          <p:cNvGrpSpPr/>
-          <p:nvPr/>
-        </p:nvGrpSpPr>
-        <p:grpSpPr>
-          <a:xfrm>
-            <a:off x="1619473" y="7157529"/>
-            <a:ext cx="9234850" cy="2974581"/>
-            <a:chOff x="1478575" y="3174057"/>
-            <a:chExt cx="9234850" cy="2974581"/>
-          </a:xfrm>
-        </p:grpSpPr>
-        <p:sp>
-          <p:nvSpPr>
-            <p:cNvPr id="9" name="Прямоугольник 8">
-              <a:extLst>
-                <a:ext uri="{FF2B5EF4-FFF2-40B4-BE49-F238E27FC236}">
-                  <a16:creationId xmlns:a16="http://schemas.microsoft.com/office/drawing/2014/main" id="{8AE43982-1958-764D-2DE0-4BCA341285B3}"/>
-                </a:ext>
-              </a:extLst>
-            </p:cNvPr>
-            <p:cNvSpPr/>
-            <p:nvPr/>
-          </p:nvSpPr>
-          <p:spPr>
-            <a:xfrm>
-              <a:off x="1478575" y="3194142"/>
-              <a:ext cx="9234850" cy="2951890"/>
-            </a:xfrm>
-            <a:prstGeom prst="rect">
-              <a:avLst/>
-            </a:prstGeom>
-            <a:solidFill>
-              <a:schemeClr val="tx2">
-                <a:lumMod val="75000"/>
-              </a:schemeClr>
-            </a:solidFill>
-            <a:ln>
-              <a:noFill/>
-            </a:ln>
-            <a:effectLst>
-              <a:outerShdw blurRad="50800" dist="38100" dir="5400000" algn="t" rotWithShape="0">
-                <a:prstClr val="black">
-                  <a:alpha val="40000"/>
-                </a:prstClr>
-              </a:outerShdw>
-            </a:effectLst>
-            <a:scene3d>
-              <a:camera prst="orthographicFront"/>
-              <a:lightRig rig="threePt" dir="t"/>
-            </a:scene3d>
-            <a:sp3d>
-              <a:bevelT w="165100" prst="coolSlant"/>
-            </a:sp3d>
-          </p:spPr>
-          <p:style>
-            <a:lnRef idx="2">
-              <a:schemeClr val="accent1">
-                <a:shade val="15000"/>
-              </a:schemeClr>
-            </a:lnRef>
-            <a:fillRef idx="1">
-              <a:schemeClr val="accent1"/>
-            </a:fillRef>
-            <a:effectRef idx="0">
-              <a:schemeClr val="accent1"/>
-            </a:effectRef>
-            <a:fontRef idx="minor">
-              <a:schemeClr val="lt1"/>
-            </a:fontRef>
-          </p:style>
-          <p:txBody>
-            <a:bodyPr rtlCol="0" anchor="ctr"/>
-            <a:lstStyle/>
-            <a:p>
-              <a:pPr algn="ctr"/>
-              <a:endParaRPr lang="ru-RU"/>
-            </a:p>
-          </p:txBody>
-        </p:sp>
-        <p:pic>
-          <p:nvPicPr>
-            <p:cNvPr id="10" name="Рисунок 9">
-              <a:extLst>
-                <a:ext uri="{FF2B5EF4-FFF2-40B4-BE49-F238E27FC236}">
-                  <a16:creationId xmlns:a16="http://schemas.microsoft.com/office/drawing/2014/main" id="{D33D7F24-8442-0572-FC09-4F47290EAAC8}"/>
-                </a:ext>
-              </a:extLst>
-            </p:cNvPr>
-            <p:cNvPicPr>
-              <a:picLocks noChangeAspect="1"/>
-            </p:cNvPicPr>
-            <p:nvPr/>
-          </p:nvPicPr>
-          <p:blipFill>
-            <a:blip r:embed="rId4">
-              <a:lum bright="70000" contrast="-70000"/>
-            </a:blip>
-            <a:stretch>
-              <a:fillRect/>
-            </a:stretch>
-          </p:blipFill>
-          <p:spPr>
-            <a:xfrm>
-              <a:off x="1478575" y="3174057"/>
-              <a:ext cx="2974581" cy="2974581"/>
-            </a:xfrm>
-            <a:prstGeom prst="rect">
-              <a:avLst/>
-            </a:prstGeom>
-            <a:effectLst>
-              <a:outerShdw blurRad="114300" dist="127000" sx="103000" sy="103000" algn="l" rotWithShape="0">
-                <a:prstClr val="black">
-                  <a:alpha val="28000"/>
-                </a:prstClr>
-              </a:outerShdw>
-            </a:effectLst>
-          </p:spPr>
-        </p:pic>
-        <p:pic>
-          <p:nvPicPr>
-            <p:cNvPr id="15" name="Рисунок 14">
-              <a:extLst>
-                <a:ext uri="{FF2B5EF4-FFF2-40B4-BE49-F238E27FC236}">
-                  <a16:creationId xmlns:a16="http://schemas.microsoft.com/office/drawing/2014/main" id="{99678C3D-3040-2DE7-2BC3-FC9F31F341B6}"/>
-                </a:ext>
-              </a:extLst>
-            </p:cNvPr>
-            <p:cNvPicPr>
-              <a:picLocks noChangeAspect="1"/>
-            </p:cNvPicPr>
-            <p:nvPr/>
-          </p:nvPicPr>
-          <p:blipFill>
-            <a:blip r:embed="rId5">
-              <a:lum bright="70000" contrast="-70000"/>
-            </a:blip>
-            <a:stretch>
-              <a:fillRect/>
-            </a:stretch>
-          </p:blipFill>
-          <p:spPr>
-            <a:xfrm>
-              <a:off x="4850633" y="3400590"/>
-              <a:ext cx="2450706" cy="2450706"/>
-            </a:xfrm>
-            <a:prstGeom prst="rect">
-              <a:avLst/>
-            </a:prstGeom>
-            <a:effectLst>
-              <a:outerShdw blurRad="114300" dist="127000" sx="103000" sy="103000" algn="l" rotWithShape="0">
-                <a:prstClr val="black">
-                  <a:alpha val="28000"/>
-                </a:prstClr>
-              </a:outerShdw>
-            </a:effectLst>
-          </p:spPr>
-        </p:pic>
-        <p:pic>
-          <p:nvPicPr>
-            <p:cNvPr id="17" name="Рисунок 16">
-              <a:extLst>
-                <a:ext uri="{FF2B5EF4-FFF2-40B4-BE49-F238E27FC236}">
-                  <a16:creationId xmlns:a16="http://schemas.microsoft.com/office/drawing/2014/main" id="{8555400C-714E-A11A-B06F-B52700A798C8}"/>
-                </a:ext>
-              </a:extLst>
-            </p:cNvPr>
-            <p:cNvPicPr>
-              <a:picLocks noChangeAspect="1"/>
-            </p:cNvPicPr>
-            <p:nvPr/>
-          </p:nvPicPr>
-          <p:blipFill>
-            <a:blip r:embed="rId6">
-              <a:lum bright="70000" contrast="-70000"/>
-            </a:blip>
-            <a:stretch>
-              <a:fillRect/>
-            </a:stretch>
-          </p:blipFill>
-          <p:spPr>
-            <a:xfrm>
-              <a:off x="8165484" y="3599355"/>
-              <a:ext cx="2123984" cy="2123985"/>
-            </a:xfrm>
-            <a:prstGeom prst="rect">
-              <a:avLst/>
-            </a:prstGeom>
-            <a:effectLst>
-              <a:outerShdw blurRad="114300" dist="127000" sx="103000" sy="103000" algn="l" rotWithShape="0">
-                <a:prstClr val="black">
-                  <a:alpha val="28000"/>
-                </a:prstClr>
-              </a:outerShdw>
-            </a:effectLst>
-          </p:spPr>
-        </p:pic>
-      </p:grpSp>
-    </p:spTree>
-    <p:extLst>
-      <p:ext uri="{BB962C8B-B14F-4D97-AF65-F5344CB8AC3E}">
-        <p14:creationId xmlns:p14="http://schemas.microsoft.com/office/powerpoint/2010/main" val="1832340082"/>
-      </p:ext>
-    </p:extLst>
-  </p:cSld>
-  <p:clrMapOvr>
-    <a:masterClrMapping/>
-  </p:clrMapOvr>
-  <mc:AlternateContent xmlns:mc="http://schemas.openxmlformats.org/markup-compatibility/2006" xmlns:p159="http://schemas.microsoft.com/office/powerpoint/2015/09/main">
-    <mc:Choice Requires="p159">
-      <p:transition xmlns:p14="http://schemas.microsoft.com/office/powerpoint/2010/main" spd="slow" p14:dur="2000">
-        <p159:morph option="byObject"/>
-      </p:transition>
-    </mc:Choice>
-    <mc:Fallback xmlns="">
-      <p:transition spd="slow">
-        <p:fade/>
-      </p:transition>
-    </mc:Fallback>
-  </mc:AlternateContent>
-</p:sld>
-</file>
-
-<file path=ppt/slides/slide4.xml><?xml version="1.0" encoding="utf-8"?>
-<p:sld xmlns:a="http://schemas.openxmlformats.org/drawingml/2006/main" xmlns:r="http://schemas.openxmlformats.org/officeDocument/2006/relationships" xmlns:p="http://schemas.openxmlformats.org/presentationml/2006/main">
-  <p:cSld>
-    <p:spTree>
-      <p:nvGrpSpPr>
-        <p:cNvPr id="1" name=""/>
-        <p:cNvGrpSpPr/>
-        <p:nvPr/>
-      </p:nvGrpSpPr>
-      <p:grpSpPr>
-        <a:xfrm>
-          <a:off x="0" y="0"/>
-          <a:ext cx="0" cy="0"/>
-          <a:chOff x="0" y="0"/>
-          <a:chExt cx="0" cy="0"/>
-        </a:xfrm>
-      </p:grpSpPr>
-      <p:grpSp>
-        <p:nvGrpSpPr>
-          <p:cNvPr id="4" name="Группа 3">
-            <a:extLst>
-              <a:ext uri="{FF2B5EF4-FFF2-40B4-BE49-F238E27FC236}">
-                <a16:creationId xmlns:a16="http://schemas.microsoft.com/office/drawing/2014/main" id="{9835574D-1D48-AC68-7109-81FF5CDE6493}"/>
-              </a:ext>
-            </a:extLst>
-          </p:cNvPr>
-          <p:cNvGrpSpPr/>
-          <p:nvPr/>
-        </p:nvGrpSpPr>
-        <p:grpSpPr>
-          <a:xfrm>
-            <a:off x="3056324" y="4228165"/>
-            <a:ext cx="6079352" cy="1958183"/>
-            <a:chOff x="1478575" y="3174057"/>
-            <a:chExt cx="9234850" cy="2974581"/>
-          </a:xfrm>
-          <a:effectLst>
-            <a:outerShdw blurRad="368300" dist="215900" dir="5400000" sx="104000" sy="104000" algn="t" rotWithShape="0">
-              <a:prstClr val="black">
-                <a:alpha val="40000"/>
-              </a:prstClr>
-            </a:outerShdw>
-          </a:effectLst>
-          <a:scene3d>
-            <a:camera prst="orthographicFront">
-              <a:rot lat="21598856" lon="1134" rev="21573848"/>
-            </a:camera>
-            <a:lightRig rig="threePt" dir="t"/>
-          </a:scene3d>
-        </p:grpSpPr>
-        <p:sp>
-          <p:nvSpPr>
-            <p:cNvPr id="44" name="Прямоугольник 43">
-              <a:extLst>
-                <a:ext uri="{FF2B5EF4-FFF2-40B4-BE49-F238E27FC236}">
-                  <a16:creationId xmlns:a16="http://schemas.microsoft.com/office/drawing/2014/main" id="{8C14E1B1-32A2-5D66-8542-D43ADEA35484}"/>
-                </a:ext>
-              </a:extLst>
-            </p:cNvPr>
-            <p:cNvSpPr/>
-            <p:nvPr/>
-          </p:nvSpPr>
-          <p:spPr>
-            <a:xfrm>
-              <a:off x="1478575" y="3194142"/>
-              <a:ext cx="9234850" cy="2951890"/>
-            </a:xfrm>
-            <a:prstGeom prst="rect">
-              <a:avLst/>
-            </a:prstGeom>
-            <a:solidFill>
-              <a:schemeClr val="tx2">
-                <a:lumMod val="75000"/>
-              </a:schemeClr>
-            </a:solidFill>
-            <a:ln>
-              <a:noFill/>
-            </a:ln>
-            <a:effectLst>
-              <a:outerShdw blurRad="50800" dist="38100" dir="5400000" algn="t" rotWithShape="0">
-                <a:prstClr val="black">
-                  <a:alpha val="40000"/>
-                </a:prstClr>
-              </a:outerShdw>
-            </a:effectLst>
-            <a:sp3d>
-              <a:bevelT w="165100" prst="coolSlant"/>
-            </a:sp3d>
-          </p:spPr>
-          <p:style>
-            <a:lnRef idx="2">
-              <a:schemeClr val="accent1">
-                <a:shade val="15000"/>
-              </a:schemeClr>
-            </a:lnRef>
-            <a:fillRef idx="1">
-              <a:schemeClr val="accent1"/>
-            </a:fillRef>
-            <a:effectRef idx="0">
-              <a:schemeClr val="accent1"/>
-            </a:effectRef>
-            <a:fontRef idx="minor">
-              <a:schemeClr val="lt1"/>
-            </a:fontRef>
-          </p:style>
-          <p:txBody>
-            <a:bodyPr rtlCol="0" anchor="ctr"/>
-            <a:lstStyle/>
-            <a:p>
-              <a:pPr algn="ctr"/>
-              <a:endParaRPr lang="ru-RU" dirty="0"/>
-            </a:p>
-          </p:txBody>
-        </p:sp>
-        <p:pic>
-          <p:nvPicPr>
-            <p:cNvPr id="37" name="Рисунок 36">
-              <a:extLst>
-                <a:ext uri="{FF2B5EF4-FFF2-40B4-BE49-F238E27FC236}">
-                  <a16:creationId xmlns:a16="http://schemas.microsoft.com/office/drawing/2014/main" id="{F3A4F3AA-044A-5921-4B85-D1F4AC79EEEC}"/>
-                </a:ext>
-              </a:extLst>
-            </p:cNvPr>
-            <p:cNvPicPr>
-              <a:picLocks noChangeAspect="1"/>
-            </p:cNvPicPr>
-            <p:nvPr/>
-          </p:nvPicPr>
-          <p:blipFill>
-            <a:blip r:embed="rId2">
-              <a:lum bright="70000" contrast="-70000"/>
-            </a:blip>
-            <a:stretch>
-              <a:fillRect/>
-            </a:stretch>
-          </p:blipFill>
-          <p:spPr>
-            <a:xfrm>
-              <a:off x="1478575" y="3174057"/>
-              <a:ext cx="2974581" cy="2974581"/>
-            </a:xfrm>
-            <a:prstGeom prst="rect">
-              <a:avLst/>
-            </a:prstGeom>
-            <a:effectLst>
-              <a:outerShdw blurRad="114300" dist="127000" sx="103000" sy="103000" algn="l" rotWithShape="0">
-                <a:prstClr val="black">
-                  <a:alpha val="28000"/>
-                </a:prstClr>
-              </a:outerShdw>
-            </a:effectLst>
-          </p:spPr>
-        </p:pic>
-        <p:pic>
-          <p:nvPicPr>
-            <p:cNvPr id="39" name="Рисунок 38">
-              <a:extLst>
-                <a:ext uri="{FF2B5EF4-FFF2-40B4-BE49-F238E27FC236}">
-                  <a16:creationId xmlns:a16="http://schemas.microsoft.com/office/drawing/2014/main" id="{5A146D7A-E1ED-5E20-66F7-228903B3DEEF}"/>
-                </a:ext>
-              </a:extLst>
-            </p:cNvPr>
-            <p:cNvPicPr>
-              <a:picLocks noChangeAspect="1"/>
-            </p:cNvPicPr>
-            <p:nvPr/>
-          </p:nvPicPr>
-          <p:blipFill>
-            <a:blip r:embed="rId3">
-              <a:lum bright="70000" contrast="-70000"/>
-            </a:blip>
-            <a:stretch>
-              <a:fillRect/>
-            </a:stretch>
-          </p:blipFill>
-          <p:spPr>
-            <a:xfrm>
-              <a:off x="4850633" y="3400590"/>
-              <a:ext cx="2450706" cy="2450706"/>
-            </a:xfrm>
-            <a:prstGeom prst="rect">
-              <a:avLst/>
-            </a:prstGeom>
-            <a:effectLst>
-              <a:outerShdw blurRad="114300" dist="127000" sx="103000" sy="103000" algn="l" rotWithShape="0">
-                <a:prstClr val="black">
-                  <a:alpha val="28000"/>
-                </a:prstClr>
-              </a:outerShdw>
-            </a:effectLst>
-          </p:spPr>
-        </p:pic>
-        <p:pic>
-          <p:nvPicPr>
-            <p:cNvPr id="41" name="Рисунок 40">
-              <a:extLst>
-                <a:ext uri="{FF2B5EF4-FFF2-40B4-BE49-F238E27FC236}">
-                  <a16:creationId xmlns:a16="http://schemas.microsoft.com/office/drawing/2014/main" id="{30EB04BF-637D-4BAB-B973-3DAAD0969AEA}"/>
-                </a:ext>
-              </a:extLst>
-            </p:cNvPr>
-            <p:cNvPicPr>
-              <a:picLocks noChangeAspect="1"/>
-            </p:cNvPicPr>
-            <p:nvPr/>
-          </p:nvPicPr>
-          <p:blipFill>
-            <a:blip r:embed="rId4">
-              <a:lum bright="70000" contrast="-70000"/>
-            </a:blip>
-            <a:stretch>
-              <a:fillRect/>
-            </a:stretch>
-          </p:blipFill>
-          <p:spPr>
-            <a:xfrm>
-              <a:off x="8165484" y="3599355"/>
-              <a:ext cx="2123984" cy="2123985"/>
-            </a:xfrm>
-            <a:prstGeom prst="rect">
-              <a:avLst/>
-            </a:prstGeom>
-            <a:effectLst>
-              <a:outerShdw blurRad="114300" dist="127000" sx="103000" sy="103000" algn="l" rotWithShape="0">
-                <a:prstClr val="black">
-                  <a:alpha val="28000"/>
-                </a:prstClr>
-              </a:outerShdw>
-            </a:effectLst>
-          </p:spPr>
-        </p:pic>
-      </p:grpSp>
-      <p:sp>
-        <p:nvSpPr>
-          <p:cNvPr id="3" name="TextBox 2">
-            <a:extLst>
-              <a:ext uri="{FF2B5EF4-FFF2-40B4-BE49-F238E27FC236}">
-                <a16:creationId xmlns:a16="http://schemas.microsoft.com/office/drawing/2014/main" id="{86EE00B9-A570-C4E8-2E30-AA07281C3451}"/>
-              </a:ext>
-            </a:extLst>
-          </p:cNvPr>
-          <p:cNvSpPr txBox="1"/>
-          <p:nvPr/>
-        </p:nvSpPr>
-        <p:spPr>
-          <a:xfrm>
-            <a:off x="302003" y="249974"/>
-            <a:ext cx="3772186" cy="707886"/>
-          </a:xfrm>
-          <a:prstGeom prst="rect">
-            <a:avLst/>
-          </a:prstGeom>
-          <a:noFill/>
-        </p:spPr>
-        <p:txBody>
-          <a:bodyPr wrap="none" rtlCol="0">
-            <a:spAutoFit/>
-          </a:bodyPr>
-          <a:lstStyle/>
-          <a:p>
-            <a:r>
-              <a:rPr lang="ru-RU" sz="4000" dirty="0">
-                <a:solidFill>
-                  <a:schemeClr val="bg1"/>
-                </a:solidFill>
-              </a:rPr>
-              <a:t>Серверная часть</a:t>
-            </a:r>
-          </a:p>
-        </p:txBody>
-      </p:sp>
-      <p:sp>
-        <p:nvSpPr>
-          <p:cNvPr id="6" name="TextBox 5">
-            <a:extLst>
-              <a:ext uri="{FF2B5EF4-FFF2-40B4-BE49-F238E27FC236}">
-                <a16:creationId xmlns:a16="http://schemas.microsoft.com/office/drawing/2014/main" id="{B249E054-19F5-35C1-0AD0-B921AFFBF9C9}"/>
-              </a:ext>
-            </a:extLst>
-          </p:cNvPr>
-          <p:cNvSpPr txBox="1"/>
-          <p:nvPr/>
-        </p:nvSpPr>
-        <p:spPr>
-          <a:xfrm>
-            <a:off x="629763" y="1294530"/>
-            <a:ext cx="11197087" cy="1754326"/>
-          </a:xfrm>
-          <a:prstGeom prst="rect">
-            <a:avLst/>
-          </a:prstGeom>
-          <a:noFill/>
-        </p:spPr>
-        <p:txBody>
-          <a:bodyPr wrap="square" rtlCol="0">
-            <a:spAutoFit/>
-          </a:bodyPr>
-          <a:lstStyle/>
-          <a:p>
-            <a:r>
-              <a:rPr lang="ru-RU" dirty="0">
-                <a:solidFill>
-                  <a:schemeClr val="bg1"/>
-                </a:solidFill>
-              </a:rPr>
-              <a:t>Серверная часть нужна для хранения, обработки информации и передачи её приложению. Обычно, сервера работают по протоколу </a:t>
-            </a:r>
-            <a:r>
-              <a:rPr lang="en-US" dirty="0">
-                <a:solidFill>
-                  <a:schemeClr val="bg1"/>
-                </a:solidFill>
-              </a:rPr>
-              <a:t>HTTP</a:t>
-            </a:r>
-            <a:r>
-              <a:rPr lang="ru-RU" dirty="0">
-                <a:solidFill>
-                  <a:schemeClr val="bg1"/>
-                </a:solidFill>
-              </a:rPr>
-              <a:t>. Это набор правил, по которым </a:t>
-            </a:r>
-            <a:r>
-              <a:rPr lang="en-US" dirty="0">
-                <a:solidFill>
-                  <a:schemeClr val="bg1"/>
-                </a:solidFill>
-              </a:rPr>
-              <a:t>“</a:t>
-            </a:r>
-            <a:r>
-              <a:rPr lang="ru-RU" dirty="0">
-                <a:solidFill>
-                  <a:schemeClr val="bg1"/>
-                </a:solidFill>
-              </a:rPr>
-              <a:t>общаются</a:t>
-            </a:r>
-            <a:r>
-              <a:rPr lang="en-US" dirty="0">
-                <a:solidFill>
-                  <a:schemeClr val="bg1"/>
-                </a:solidFill>
-              </a:rPr>
-              <a:t>”</a:t>
-            </a:r>
-            <a:r>
-              <a:rPr lang="ru-RU" dirty="0">
-                <a:solidFill>
-                  <a:schemeClr val="bg1"/>
-                </a:solidFill>
-              </a:rPr>
-              <a:t> сервер и приложение. Он позволяет передавать тестовые данные через интернет.</a:t>
-            </a:r>
-          </a:p>
-          <a:p>
-            <a:endParaRPr lang="ru-RU" dirty="0">
-              <a:solidFill>
-                <a:schemeClr val="bg1"/>
-              </a:solidFill>
-            </a:endParaRPr>
-          </a:p>
-          <a:p>
-            <a:r>
-              <a:rPr lang="ru-RU" dirty="0">
-                <a:solidFill>
-                  <a:schemeClr val="bg1"/>
-                </a:solidFill>
-              </a:rPr>
-              <a:t>Для создания своего сервера я выбрал язык </a:t>
-            </a:r>
-            <a:r>
-              <a:rPr lang="en-US" dirty="0">
-                <a:solidFill>
-                  <a:schemeClr val="bg1"/>
-                </a:solidFill>
-              </a:rPr>
-              <a:t>Go</a:t>
-            </a:r>
-            <a:r>
-              <a:rPr lang="ru-RU" dirty="0">
-                <a:solidFill>
-                  <a:schemeClr val="bg1"/>
-                </a:solidFill>
-              </a:rPr>
-              <a:t>. Он является безопасным, быстрым, а также без проблем используется вместе с </a:t>
-            </a:r>
-            <a:r>
-              <a:rPr lang="en-US" dirty="0">
-                <a:solidFill>
-                  <a:schemeClr val="bg1"/>
-                </a:solidFill>
-              </a:rPr>
-              <a:t>Flutter.</a:t>
-            </a:r>
-            <a:endParaRPr lang="ru-RU" dirty="0">
-              <a:solidFill>
-                <a:schemeClr val="bg1"/>
-              </a:solidFill>
-            </a:endParaRPr>
-          </a:p>
-        </p:txBody>
-      </p:sp>
-      <p:sp>
-        <p:nvSpPr>
-          <p:cNvPr id="7" name="Овал 6">
-            <a:extLst>
-              <a:ext uri="{FF2B5EF4-FFF2-40B4-BE49-F238E27FC236}">
-                <a16:creationId xmlns:a16="http://schemas.microsoft.com/office/drawing/2014/main" id="{3FC7C609-1DB1-F54A-0847-2CE812A2FA9D}"/>
-              </a:ext>
-            </a:extLst>
-          </p:cNvPr>
-          <p:cNvSpPr/>
-          <p:nvPr/>
-        </p:nvSpPr>
-        <p:spPr>
-          <a:xfrm>
-            <a:off x="12021431" y="7370395"/>
-            <a:ext cx="4064825" cy="4064825"/>
-          </a:xfrm>
-          <a:prstGeom prst="ellipse">
-            <a:avLst/>
-          </a:prstGeom>
-          <a:solidFill>
-            <a:schemeClr val="tx2">
-              <a:lumMod val="75000"/>
-            </a:schemeClr>
-          </a:solidFill>
-          <a:ln>
-            <a:noFill/>
-          </a:ln>
-          <a:effectLst>
-            <a:outerShdw blurRad="184150" dist="241300" dir="11520000" sx="110000" sy="110000" algn="ctr">
-              <a:srgbClr val="000000">
-                <a:alpha val="18000"/>
-              </a:srgbClr>
-            </a:outerShdw>
-          </a:effectLst>
-          <a:scene3d>
-            <a:camera prst="perspectiveFront" fov="5100000">
-              <a:rot lat="0" lon="2100000" rev="0"/>
-            </a:camera>
-            <a:lightRig rig="flood" dir="t">
-              <a:rot lat="0" lon="0" rev="13800000"/>
-            </a:lightRig>
-          </a:scene3d>
-          <a:sp3d extrusionH="107950" prstMaterial="plastic">
-            <a:bevelT w="82550" h="63500" prst="divot"/>
-            <a:bevelB/>
-          </a:sp3d>
-        </p:spPr>
-        <p:style>
-          <a:lnRef idx="2">
-            <a:schemeClr val="accent1">
-              <a:shade val="15000"/>
-            </a:schemeClr>
-          </a:lnRef>
-          <a:fillRef idx="1">
-            <a:schemeClr val="accent1"/>
-          </a:fillRef>
-          <a:effectRef idx="0">
-            <a:schemeClr val="accent1"/>
-          </a:effectRef>
-          <a:fontRef idx="minor">
-            <a:schemeClr val="lt1"/>
-          </a:fontRef>
-        </p:style>
-        <p:txBody>
-          <a:bodyPr rtlCol="0" anchor="ctr"/>
-          <a:lstStyle/>
-          <a:p>
-            <a:pPr algn="ctr"/>
-            <a:endParaRPr lang="ru-RU"/>
-          </a:p>
-        </p:txBody>
-      </p:sp>
-      <p:pic>
-        <p:nvPicPr>
-          <p:cNvPr id="8" name="Рисунок 7">
-            <a:extLst>
-              <a:ext uri="{FF2B5EF4-FFF2-40B4-BE49-F238E27FC236}">
-                <a16:creationId xmlns:a16="http://schemas.microsoft.com/office/drawing/2014/main" id="{4FAEB708-CC6F-CD85-2A27-1DAAB19E5404}"/>
-              </a:ext>
-            </a:extLst>
-          </p:cNvPr>
-          <p:cNvPicPr>
-            <a:picLocks noChangeAspect="1"/>
-          </p:cNvPicPr>
-          <p:nvPr/>
-        </p:nvPicPr>
-        <p:blipFill>
-          <a:blip r:embed="rId5">
-            <a:lum bright="70000" contrast="-70000"/>
-          </a:blip>
-          <a:stretch>
-            <a:fillRect/>
-          </a:stretch>
-        </p:blipFill>
-        <p:spPr>
-          <a:xfrm>
-            <a:off x="13255854" y="8228784"/>
-            <a:ext cx="2127376" cy="2127376"/>
-          </a:xfrm>
-          <a:prstGeom prst="rect">
-            <a:avLst/>
-          </a:prstGeom>
-          <a:effectLst>
-            <a:outerShdw blurRad="114300" dist="50800" sx="108000" sy="108000" algn="l" rotWithShape="0">
-              <a:prstClr val="black">
-                <a:alpha val="44000"/>
-              </a:prstClr>
-            </a:outerShdw>
-          </a:effectLst>
-          <a:scene3d>
-            <a:camera prst="obliqueTopRight">
-              <a:rot lat="20999999" lon="899990" rev="0"/>
-            </a:camera>
-            <a:lightRig rig="threePt" dir="t"/>
-          </a:scene3d>
-        </p:spPr>
-      </p:pic>
-      <p:sp>
-        <p:nvSpPr>
-          <p:cNvPr id="9" name="Овал 8">
-            <a:extLst>
-              <a:ext uri="{FF2B5EF4-FFF2-40B4-BE49-F238E27FC236}">
-                <a16:creationId xmlns:a16="http://schemas.microsoft.com/office/drawing/2014/main" id="{CBEB1AD5-E959-B769-96BA-B0EAF8A0E30C}"/>
-              </a:ext>
-            </a:extLst>
-          </p:cNvPr>
-          <p:cNvSpPr/>
-          <p:nvPr/>
-        </p:nvSpPr>
-        <p:spPr>
-          <a:xfrm>
-            <a:off x="1176182" y="7712074"/>
-            <a:ext cx="3022089" cy="3022089"/>
-          </a:xfrm>
-          <a:prstGeom prst="ellipse">
-            <a:avLst/>
-          </a:prstGeom>
-          <a:solidFill>
-            <a:schemeClr val="tx2">
-              <a:lumMod val="75000"/>
-            </a:schemeClr>
-          </a:solidFill>
-          <a:ln>
-            <a:noFill/>
-          </a:ln>
-          <a:effectLst>
-            <a:outerShdw blurRad="184150" dist="241300" dir="11520000" sx="110000" sy="110000" algn="ctr">
-              <a:srgbClr val="000000">
-                <a:alpha val="18000"/>
-              </a:srgbClr>
-            </a:outerShdw>
-          </a:effectLst>
-          <a:scene3d>
-            <a:camera prst="perspectiveFront" fov="5100000">
-              <a:rot lat="0" lon="2100000" rev="0"/>
-            </a:camera>
-            <a:lightRig rig="flood" dir="t">
-              <a:rot lat="0" lon="0" rev="13800000"/>
-            </a:lightRig>
-          </a:scene3d>
-          <a:sp3d extrusionH="107950" prstMaterial="plastic">
-            <a:bevelT w="82550" h="63500" prst="divot"/>
-            <a:bevelB/>
-          </a:sp3d>
-        </p:spPr>
-        <p:style>
-          <a:lnRef idx="2">
-            <a:schemeClr val="accent1">
-              <a:shade val="15000"/>
-            </a:schemeClr>
-          </a:lnRef>
-          <a:fillRef idx="1">
-            <a:schemeClr val="accent1"/>
-          </a:fillRef>
-          <a:effectRef idx="0">
-            <a:schemeClr val="accent1"/>
-          </a:effectRef>
-          <a:fontRef idx="minor">
-            <a:schemeClr val="lt1"/>
-          </a:fontRef>
-        </p:style>
-        <p:txBody>
-          <a:bodyPr rtlCol="0" anchor="ctr"/>
-          <a:lstStyle/>
-          <a:p>
-            <a:pPr algn="ctr"/>
-            <a:endParaRPr lang="ru-RU"/>
-          </a:p>
-        </p:txBody>
-      </p:sp>
-      <p:pic>
-        <p:nvPicPr>
-          <p:cNvPr id="11" name="Рисунок 10">
-            <a:extLst>
-              <a:ext uri="{FF2B5EF4-FFF2-40B4-BE49-F238E27FC236}">
-                <a16:creationId xmlns:a16="http://schemas.microsoft.com/office/drawing/2014/main" id="{9B974234-8CD1-F9B0-36F7-C1B011E8CB59}"/>
-              </a:ext>
-            </a:extLst>
-          </p:cNvPr>
-          <p:cNvPicPr>
-            <a:picLocks noChangeAspect="1"/>
-          </p:cNvPicPr>
-          <p:nvPr/>
-        </p:nvPicPr>
-        <p:blipFill>
-          <a:blip r:embed="rId6">
-            <a:lum bright="70000" contrast="-70000"/>
-          </a:blip>
-          <a:stretch>
-            <a:fillRect/>
-          </a:stretch>
-        </p:blipFill>
-        <p:spPr>
-          <a:xfrm>
-            <a:off x="2195167" y="8424086"/>
-            <a:ext cx="1405839" cy="1405839"/>
-          </a:xfrm>
-          <a:prstGeom prst="rect">
-            <a:avLst/>
-          </a:prstGeom>
-          <a:effectLst>
-            <a:outerShdw blurRad="114300" dist="50800" sx="108000" sy="108000" algn="l" rotWithShape="0">
-              <a:prstClr val="black">
-                <a:alpha val="44000"/>
-              </a:prstClr>
-            </a:outerShdw>
-          </a:effectLst>
-          <a:scene3d>
-            <a:camera prst="obliqueTopRight">
-              <a:rot lat="20999999" lon="899990" rev="0"/>
-            </a:camera>
-            <a:lightRig rig="threePt" dir="t"/>
-          </a:scene3d>
-        </p:spPr>
-      </p:pic>
-      <p:sp>
-        <p:nvSpPr>
-          <p:cNvPr id="12" name="Овал 11">
-            <a:extLst>
-              <a:ext uri="{FF2B5EF4-FFF2-40B4-BE49-F238E27FC236}">
-                <a16:creationId xmlns:a16="http://schemas.microsoft.com/office/drawing/2014/main" id="{88672908-441D-0573-2DF7-CB81362C2813}"/>
-              </a:ext>
-            </a:extLst>
-          </p:cNvPr>
-          <p:cNvSpPr/>
-          <p:nvPr/>
-        </p:nvSpPr>
-        <p:spPr>
-          <a:xfrm>
-            <a:off x="6140440" y="9855784"/>
-            <a:ext cx="3022089" cy="3022089"/>
-          </a:xfrm>
-          <a:prstGeom prst="ellipse">
-            <a:avLst/>
-          </a:prstGeom>
-          <a:solidFill>
-            <a:schemeClr val="tx2">
-              <a:lumMod val="75000"/>
-            </a:schemeClr>
-          </a:solidFill>
-          <a:ln>
-            <a:noFill/>
-          </a:ln>
-          <a:effectLst>
-            <a:outerShdw blurRad="184150" dist="241300" dir="11520000" sx="110000" sy="110000" algn="ctr">
-              <a:srgbClr val="000000">
-                <a:alpha val="18000"/>
-              </a:srgbClr>
-            </a:outerShdw>
-          </a:effectLst>
-          <a:scene3d>
-            <a:camera prst="perspectiveFront" fov="5100000">
-              <a:rot lat="0" lon="2100000" rev="0"/>
-            </a:camera>
-            <a:lightRig rig="flood" dir="t">
-              <a:rot lat="0" lon="0" rev="13800000"/>
-            </a:lightRig>
-          </a:scene3d>
-          <a:sp3d extrusionH="107950" prstMaterial="plastic">
-            <a:bevelT w="82550" h="63500" prst="divot"/>
-            <a:bevelB/>
-          </a:sp3d>
-        </p:spPr>
-        <p:style>
-          <a:lnRef idx="2">
-            <a:schemeClr val="accent1">
-              <a:shade val="15000"/>
-            </a:schemeClr>
-          </a:lnRef>
-          <a:fillRef idx="1">
-            <a:schemeClr val="accent1"/>
-          </a:fillRef>
-          <a:effectRef idx="0">
-            <a:schemeClr val="accent1"/>
-          </a:effectRef>
-          <a:fontRef idx="minor">
-            <a:schemeClr val="lt1"/>
-          </a:fontRef>
-        </p:style>
-        <p:txBody>
-          <a:bodyPr rtlCol="0" anchor="ctr"/>
-          <a:lstStyle/>
-          <a:p>
-            <a:pPr algn="ctr"/>
-            <a:endParaRPr lang="ru-RU"/>
-          </a:p>
-        </p:txBody>
-      </p:sp>
-      <p:pic>
-        <p:nvPicPr>
-          <p:cNvPr id="13" name="Рисунок 12">
-            <a:extLst>
-              <a:ext uri="{FF2B5EF4-FFF2-40B4-BE49-F238E27FC236}">
-                <a16:creationId xmlns:a16="http://schemas.microsoft.com/office/drawing/2014/main" id="{6A01D5B0-BEA7-0757-A07A-1FA7DCFD62CC}"/>
-              </a:ext>
-            </a:extLst>
-          </p:cNvPr>
-          <p:cNvPicPr>
-            <a:picLocks noChangeAspect="1"/>
-          </p:cNvPicPr>
-          <p:nvPr/>
-        </p:nvPicPr>
-        <p:blipFill>
-          <a:blip r:embed="rId7">
-            <a:lum bright="70000" contrast="-70000"/>
-          </a:blip>
-          <a:stretch>
-            <a:fillRect/>
-          </a:stretch>
-        </p:blipFill>
-        <p:spPr>
-          <a:xfrm>
-            <a:off x="7002690" y="10543493"/>
-            <a:ext cx="1638417" cy="1638417"/>
-          </a:xfrm>
-          <a:prstGeom prst="rect">
-            <a:avLst/>
-          </a:prstGeom>
-          <a:effectLst>
-            <a:outerShdw blurRad="114300" dist="50800" sx="108000" sy="108000" algn="l" rotWithShape="0">
-              <a:prstClr val="black">
-                <a:alpha val="44000"/>
-              </a:prstClr>
-            </a:outerShdw>
-          </a:effectLst>
-          <a:scene3d>
-            <a:camera prst="obliqueTopRight">
-              <a:rot lat="20999999" lon="899990" rev="0"/>
-            </a:camera>
-            <a:lightRig rig="threePt" dir="t"/>
-          </a:scene3d>
-        </p:spPr>
-      </p:pic>
-      <p:sp>
-        <p:nvSpPr>
-          <p:cNvPr id="14" name="Овал 13">
-            <a:extLst>
-              <a:ext uri="{FF2B5EF4-FFF2-40B4-BE49-F238E27FC236}">
-                <a16:creationId xmlns:a16="http://schemas.microsoft.com/office/drawing/2014/main" id="{F9BDFE01-5A2F-A5EB-6156-D6DBC600CD94}"/>
-              </a:ext>
-            </a:extLst>
-          </p:cNvPr>
-          <p:cNvSpPr/>
-          <p:nvPr/>
-        </p:nvSpPr>
-        <p:spPr>
-          <a:xfrm>
-            <a:off x="-5747437" y="5165664"/>
-            <a:ext cx="3703899" cy="3703899"/>
-          </a:xfrm>
-          <a:prstGeom prst="ellipse">
-            <a:avLst/>
-          </a:prstGeom>
-          <a:solidFill>
-            <a:schemeClr val="tx2">
-              <a:lumMod val="75000"/>
-            </a:schemeClr>
-          </a:solidFill>
-          <a:ln>
-            <a:noFill/>
-          </a:ln>
-          <a:effectLst>
-            <a:outerShdw blurRad="184150" dist="241300" dir="11520000" sx="110000" sy="110000" algn="ctr">
-              <a:srgbClr val="000000">
-                <a:alpha val="18000"/>
-              </a:srgbClr>
-            </a:outerShdw>
-          </a:effectLst>
-          <a:scene3d>
-            <a:camera prst="perspectiveFront" fov="5100000">
-              <a:rot lat="0" lon="2100000" rev="0"/>
-            </a:camera>
-            <a:lightRig rig="flood" dir="t">
-              <a:rot lat="0" lon="0" rev="13800000"/>
-            </a:lightRig>
-          </a:scene3d>
-          <a:sp3d extrusionH="107950" prstMaterial="plastic">
-            <a:bevelT w="82550" h="63500" prst="divot"/>
-            <a:bevelB/>
-          </a:sp3d>
-        </p:spPr>
-        <p:style>
-          <a:lnRef idx="2">
-            <a:schemeClr val="accent1">
-              <a:shade val="15000"/>
-            </a:schemeClr>
-          </a:lnRef>
-          <a:fillRef idx="1">
-            <a:schemeClr val="accent1"/>
-          </a:fillRef>
-          <a:effectRef idx="0">
-            <a:schemeClr val="accent1"/>
-          </a:effectRef>
-          <a:fontRef idx="minor">
-            <a:schemeClr val="lt1"/>
-          </a:fontRef>
-        </p:style>
-        <p:txBody>
-          <a:bodyPr rtlCol="0" anchor="ctr"/>
-          <a:lstStyle/>
-          <a:p>
-            <a:pPr algn="ctr"/>
-            <a:endParaRPr lang="ru-RU"/>
-          </a:p>
-        </p:txBody>
-      </p:sp>
-      <p:pic>
-        <p:nvPicPr>
-          <p:cNvPr id="15" name="Рисунок 14">
-            <a:extLst>
-              <a:ext uri="{FF2B5EF4-FFF2-40B4-BE49-F238E27FC236}">
-                <a16:creationId xmlns:a16="http://schemas.microsoft.com/office/drawing/2014/main" id="{B39766FD-7307-0B57-24BD-C58CF190B89E}"/>
-              </a:ext>
-            </a:extLst>
-          </p:cNvPr>
-          <p:cNvPicPr>
-            <a:picLocks noChangeAspect="1"/>
-          </p:cNvPicPr>
-          <p:nvPr/>
-        </p:nvPicPr>
-        <p:blipFill>
-          <a:blip r:embed="rId8">
-            <a:lum bright="70000" contrast="-70000"/>
-            <a:extLst>
-              <a:ext uri="{BEBA8EAE-BF5A-486C-A8C5-ECC9F3942E4B}">
-                <a14:imgProps xmlns:a14="http://schemas.microsoft.com/office/drawing/2010/main">
-                  <a14:imgLayer r:embed="rId9">
-                    <a14:imgEffect>
-                      <a14:colorTemperature colorTemp="1500"/>
-                    </a14:imgEffect>
-                  </a14:imgLayer>
-                </a14:imgProps>
-              </a:ext>
-            </a:extLst>
-          </a:blip>
-          <a:stretch>
-            <a:fillRect/>
-          </a:stretch>
-        </p:blipFill>
-        <p:spPr>
-          <a:xfrm>
-            <a:off x="-4746682" y="6009742"/>
-            <a:ext cx="1951579" cy="1951579"/>
-          </a:xfrm>
-          <a:prstGeom prst="rect">
-            <a:avLst/>
-          </a:prstGeom>
-          <a:effectLst>
-            <a:outerShdw blurRad="114300" dist="50800" sx="108000" sy="108000" algn="l" rotWithShape="0">
-              <a:prstClr val="black">
-                <a:alpha val="44000"/>
-              </a:prstClr>
-            </a:outerShdw>
-          </a:effectLst>
-          <a:scene3d>
-            <a:camera prst="obliqueTopRight">
-              <a:rot lat="20999999" lon="899990" rev="0"/>
-            </a:camera>
-            <a:lightRig rig="threePt" dir="t"/>
-          </a:scene3d>
-        </p:spPr>
-      </p:pic>
-      <p:grpSp>
-        <p:nvGrpSpPr>
-          <p:cNvPr id="5" name="Группа 4">
-            <a:extLst>
-              <a:ext uri="{FF2B5EF4-FFF2-40B4-BE49-F238E27FC236}">
-                <a16:creationId xmlns:a16="http://schemas.microsoft.com/office/drawing/2014/main" id="{2B111E3A-3D53-AB82-C742-F90BBEDE61A4}"/>
-              </a:ext>
-            </a:extLst>
-          </p:cNvPr>
-          <p:cNvGrpSpPr/>
-          <p:nvPr/>
-        </p:nvGrpSpPr>
-        <p:grpSpPr>
-          <a:xfrm>
-            <a:off x="-3455763" y="3429000"/>
-            <a:ext cx="2667000" cy="2667000"/>
-            <a:chOff x="1082040" y="3428048"/>
-            <a:chExt cx="2667000" cy="2667000"/>
-          </a:xfrm>
-        </p:grpSpPr>
-        <p:sp>
-          <p:nvSpPr>
-            <p:cNvPr id="10" name="Прямоугольник: скругленные углы 9">
-              <a:extLst>
-                <a:ext uri="{FF2B5EF4-FFF2-40B4-BE49-F238E27FC236}">
-                  <a16:creationId xmlns:a16="http://schemas.microsoft.com/office/drawing/2014/main" id="{3719D39E-528D-9C37-3842-F07B30F0231E}"/>
-                </a:ext>
-              </a:extLst>
-            </p:cNvPr>
-            <p:cNvSpPr/>
-            <p:nvPr/>
-          </p:nvSpPr>
-          <p:spPr>
-            <a:xfrm>
-              <a:off x="1082040" y="3428048"/>
-              <a:ext cx="2667000" cy="2667000"/>
-            </a:xfrm>
-            <a:prstGeom prst="roundRect">
-              <a:avLst/>
-            </a:prstGeom>
-            <a:solidFill>
-              <a:schemeClr val="tx2">
-                <a:lumMod val="75000"/>
-              </a:schemeClr>
-            </a:solidFill>
-            <a:ln>
-              <a:noFill/>
-            </a:ln>
-            <a:effectLst/>
-            <a:scene3d>
-              <a:camera prst="orthographicFront">
-                <a:rot lat="0" lon="0" rev="0"/>
-              </a:camera>
-              <a:lightRig rig="glow" dir="t">
-                <a:rot lat="0" lon="0" rev="14100000"/>
-              </a:lightRig>
-            </a:scene3d>
-            <a:sp3d prstMaterial="softEdge">
-              <a:bevelT w="127000" prst="artDeco"/>
-            </a:sp3d>
-          </p:spPr>
-          <p:style>
-            <a:lnRef idx="2">
-              <a:schemeClr val="accent1">
-                <a:shade val="15000"/>
-              </a:schemeClr>
-            </a:lnRef>
-            <a:fillRef idx="1">
-              <a:schemeClr val="accent1"/>
-            </a:fillRef>
-            <a:effectRef idx="0">
-              <a:schemeClr val="accent1"/>
-            </a:effectRef>
-            <a:fontRef idx="minor">
-              <a:schemeClr val="lt1"/>
-            </a:fontRef>
-          </p:style>
-          <p:txBody>
-            <a:bodyPr rtlCol="0" anchor="ctr"/>
-            <a:lstStyle/>
-            <a:p>
-              <a:pPr algn="ctr"/>
-              <a:endParaRPr lang="ru-RU"/>
-            </a:p>
-          </p:txBody>
-        </p:sp>
-        <p:pic>
-          <p:nvPicPr>
-            <p:cNvPr id="16" name="Рисунок 15">
-              <a:extLst>
-                <a:ext uri="{FF2B5EF4-FFF2-40B4-BE49-F238E27FC236}">
-                  <a16:creationId xmlns:a16="http://schemas.microsoft.com/office/drawing/2014/main" id="{AD18A93E-3CD9-D07D-7CB5-79B04249B5C9}"/>
-                </a:ext>
-              </a:extLst>
-            </p:cNvPr>
-            <p:cNvPicPr>
-              <a:picLocks noChangeAspect="1"/>
-            </p:cNvPicPr>
-            <p:nvPr/>
-          </p:nvPicPr>
-          <p:blipFill>
-            <a:blip r:embed="rId10">
-              <a:lum bright="70000" contrast="-70000"/>
-            </a:blip>
-            <a:stretch>
-              <a:fillRect/>
-            </a:stretch>
-          </p:blipFill>
-          <p:spPr>
-            <a:xfrm>
-              <a:off x="1388962" y="3672840"/>
-              <a:ext cx="2121954" cy="2121954"/>
-            </a:xfrm>
-            <a:prstGeom prst="rect">
-              <a:avLst/>
-            </a:prstGeom>
-            <a:noFill/>
-            <a:effectLst>
-              <a:outerShdw blurRad="114300" dist="38100" dir="5400000" sx="105000" sy="105000" algn="t" rotWithShape="0">
-                <a:prstClr val="black">
-                  <a:alpha val="40000"/>
-                </a:prstClr>
-              </a:outerShdw>
-            </a:effectLst>
-          </p:spPr>
-        </p:pic>
-      </p:grpSp>
-      <p:grpSp>
-        <p:nvGrpSpPr>
-          <p:cNvPr id="17" name="Группа 16">
-            <a:extLst>
-              <a:ext uri="{FF2B5EF4-FFF2-40B4-BE49-F238E27FC236}">
-                <a16:creationId xmlns:a16="http://schemas.microsoft.com/office/drawing/2014/main" id="{3FA1C144-2CFB-52BB-2421-94D6117514D5}"/>
-              </a:ext>
-            </a:extLst>
-          </p:cNvPr>
-          <p:cNvGrpSpPr/>
-          <p:nvPr/>
-        </p:nvGrpSpPr>
-        <p:grpSpPr>
-          <a:xfrm>
-            <a:off x="4875757" y="7090586"/>
-            <a:ext cx="2667000" cy="2667000"/>
-            <a:chOff x="5196840" y="3428048"/>
-            <a:chExt cx="2667000" cy="2667000"/>
-          </a:xfrm>
-        </p:grpSpPr>
-        <p:sp>
-          <p:nvSpPr>
-            <p:cNvPr id="18" name="Прямоугольник: скругленные углы 17">
-              <a:extLst>
-                <a:ext uri="{FF2B5EF4-FFF2-40B4-BE49-F238E27FC236}">
-                  <a16:creationId xmlns:a16="http://schemas.microsoft.com/office/drawing/2014/main" id="{B72FFEAC-1002-D75B-5F96-C1D160E6281F}"/>
-                </a:ext>
-              </a:extLst>
-            </p:cNvPr>
-            <p:cNvSpPr/>
-            <p:nvPr/>
-          </p:nvSpPr>
-          <p:spPr>
-            <a:xfrm>
-              <a:off x="5196840" y="3428048"/>
-              <a:ext cx="2667000" cy="2667000"/>
-            </a:xfrm>
-            <a:prstGeom prst="roundRect">
-              <a:avLst/>
-            </a:prstGeom>
-            <a:solidFill>
-              <a:schemeClr val="tx2">
-                <a:lumMod val="75000"/>
-              </a:schemeClr>
-            </a:solidFill>
-            <a:ln>
-              <a:noFill/>
-            </a:ln>
-            <a:effectLst/>
-            <a:scene3d>
-              <a:camera prst="orthographicFront">
-                <a:rot lat="0" lon="0" rev="0"/>
-              </a:camera>
-              <a:lightRig rig="glow" dir="t">
-                <a:rot lat="0" lon="0" rev="14100000"/>
-              </a:lightRig>
-            </a:scene3d>
-            <a:sp3d prstMaterial="softEdge">
-              <a:bevelT w="127000" prst="artDeco"/>
-            </a:sp3d>
-          </p:spPr>
-          <p:style>
-            <a:lnRef idx="2">
-              <a:schemeClr val="accent1">
-                <a:shade val="15000"/>
-              </a:schemeClr>
-            </a:lnRef>
-            <a:fillRef idx="1">
-              <a:schemeClr val="accent1"/>
-            </a:fillRef>
-            <a:effectRef idx="0">
-              <a:schemeClr val="accent1"/>
-            </a:effectRef>
-            <a:fontRef idx="minor">
-              <a:schemeClr val="lt1"/>
-            </a:fontRef>
-          </p:style>
-          <p:txBody>
-            <a:bodyPr rtlCol="0" anchor="ctr"/>
-            <a:lstStyle/>
-            <a:p>
-              <a:pPr algn="ctr"/>
-              <a:endParaRPr lang="ru-RU"/>
-            </a:p>
-          </p:txBody>
-        </p:sp>
-        <p:pic>
-          <p:nvPicPr>
-            <p:cNvPr id="19" name="Рисунок 18">
-              <a:extLst>
-                <a:ext uri="{FF2B5EF4-FFF2-40B4-BE49-F238E27FC236}">
-                  <a16:creationId xmlns:a16="http://schemas.microsoft.com/office/drawing/2014/main" id="{D214BB13-65DF-D135-43A1-9B21F6E331D2}"/>
-                </a:ext>
-              </a:extLst>
-            </p:cNvPr>
-            <p:cNvPicPr>
-              <a:picLocks noChangeAspect="1"/>
-            </p:cNvPicPr>
-            <p:nvPr/>
-          </p:nvPicPr>
-          <p:blipFill>
-            <a:blip r:embed="rId11">
-              <a:lum bright="70000" contrast="-70000"/>
-            </a:blip>
-            <a:stretch>
-              <a:fillRect/>
-            </a:stretch>
-          </p:blipFill>
-          <p:spPr>
-            <a:xfrm>
-              <a:off x="5486400" y="3709036"/>
-              <a:ext cx="2125980" cy="2085758"/>
-            </a:xfrm>
-            <a:prstGeom prst="rect">
-              <a:avLst/>
-            </a:prstGeom>
-            <a:noFill/>
-            <a:effectLst>
-              <a:outerShdw blurRad="114300" dist="38100" dir="5400000" sx="105000" sy="105000" algn="t" rotWithShape="0">
-                <a:prstClr val="black">
-                  <a:alpha val="40000"/>
-                </a:prstClr>
-              </a:outerShdw>
-            </a:effectLst>
-          </p:spPr>
-        </p:pic>
-      </p:grpSp>
-      <p:grpSp>
-        <p:nvGrpSpPr>
-          <p:cNvPr id="20" name="Группа 19">
-            <a:extLst>
-              <a:ext uri="{FF2B5EF4-FFF2-40B4-BE49-F238E27FC236}">
-                <a16:creationId xmlns:a16="http://schemas.microsoft.com/office/drawing/2014/main" id="{C566DF28-4317-7DAB-5A4C-72CFEBCA7A27}"/>
-              </a:ext>
-            </a:extLst>
-          </p:cNvPr>
-          <p:cNvGrpSpPr/>
-          <p:nvPr/>
-        </p:nvGrpSpPr>
-        <p:grpSpPr>
-          <a:xfrm>
-            <a:off x="12902038" y="3429000"/>
-            <a:ext cx="2667000" cy="2667000"/>
-            <a:chOff x="8884920" y="3434716"/>
-            <a:chExt cx="2667000" cy="2667000"/>
-          </a:xfrm>
-        </p:grpSpPr>
-        <p:sp>
-          <p:nvSpPr>
-            <p:cNvPr id="21" name="Прямоугольник: скругленные углы 20">
-              <a:extLst>
-                <a:ext uri="{FF2B5EF4-FFF2-40B4-BE49-F238E27FC236}">
-                  <a16:creationId xmlns:a16="http://schemas.microsoft.com/office/drawing/2014/main" id="{6B6A5EEC-63D1-3D7F-8325-84219BFCF2E6}"/>
-                </a:ext>
-              </a:extLst>
-            </p:cNvPr>
-            <p:cNvSpPr/>
-            <p:nvPr/>
-          </p:nvSpPr>
-          <p:spPr>
-            <a:xfrm>
-              <a:off x="8884920" y="3434716"/>
-              <a:ext cx="2667000" cy="2667000"/>
-            </a:xfrm>
-            <a:prstGeom prst="roundRect">
-              <a:avLst/>
-            </a:prstGeom>
-            <a:solidFill>
-              <a:schemeClr val="tx2">
-                <a:lumMod val="75000"/>
-              </a:schemeClr>
-            </a:solidFill>
-            <a:ln>
-              <a:noFill/>
-            </a:ln>
-            <a:effectLst/>
-            <a:scene3d>
-              <a:camera prst="orthographicFront">
-                <a:rot lat="0" lon="0" rev="0"/>
-              </a:camera>
-              <a:lightRig rig="glow" dir="t">
-                <a:rot lat="0" lon="0" rev="14100000"/>
-              </a:lightRig>
-            </a:scene3d>
-            <a:sp3d prstMaterial="softEdge">
-              <a:bevelT w="127000" prst="artDeco"/>
-            </a:sp3d>
-          </p:spPr>
-          <p:style>
-            <a:lnRef idx="2">
-              <a:schemeClr val="accent1">
-                <a:shade val="15000"/>
-              </a:schemeClr>
-            </a:lnRef>
-            <a:fillRef idx="1">
-              <a:schemeClr val="accent1"/>
-            </a:fillRef>
-            <a:effectRef idx="0">
-              <a:schemeClr val="accent1"/>
-            </a:effectRef>
-            <a:fontRef idx="minor">
-              <a:schemeClr val="lt1"/>
-            </a:fontRef>
-          </p:style>
-          <p:txBody>
-            <a:bodyPr rtlCol="0" anchor="ctr"/>
-            <a:lstStyle/>
-            <a:p>
-              <a:pPr algn="ctr"/>
-              <a:endParaRPr lang="ru-RU"/>
-            </a:p>
-          </p:txBody>
-        </p:sp>
-        <p:pic>
-          <p:nvPicPr>
-            <p:cNvPr id="22" name="Рисунок 21">
-              <a:extLst>
-                <a:ext uri="{FF2B5EF4-FFF2-40B4-BE49-F238E27FC236}">
-                  <a16:creationId xmlns:a16="http://schemas.microsoft.com/office/drawing/2014/main" id="{0124215E-766F-A991-4834-1C6AA397A72E}"/>
-                </a:ext>
-              </a:extLst>
-            </p:cNvPr>
-            <p:cNvPicPr>
-              <a:picLocks noChangeAspect="1"/>
-            </p:cNvPicPr>
-            <p:nvPr/>
-          </p:nvPicPr>
-          <p:blipFill>
-            <a:blip r:embed="rId12">
-              <a:lum bright="70000" contrast="-70000"/>
-            </a:blip>
-            <a:stretch>
-              <a:fillRect/>
-            </a:stretch>
-          </p:blipFill>
-          <p:spPr>
-            <a:xfrm>
-              <a:off x="9262326" y="3672840"/>
-              <a:ext cx="2121954" cy="2121954"/>
-            </a:xfrm>
-            <a:prstGeom prst="rect">
-              <a:avLst/>
-            </a:prstGeom>
-            <a:noFill/>
-            <a:effectLst>
-              <a:outerShdw blurRad="114300" dist="38100" dir="5400000" sx="105000" sy="105000" algn="t" rotWithShape="0">
-                <a:prstClr val="black">
-                  <a:alpha val="40000"/>
-                </a:prstClr>
-              </a:outerShdw>
-            </a:effectLst>
-          </p:spPr>
-        </p:pic>
-      </p:grpSp>
-    </p:spTree>
-    <p:extLst>
-      <p:ext uri="{BB962C8B-B14F-4D97-AF65-F5344CB8AC3E}">
-        <p14:creationId xmlns:p14="http://schemas.microsoft.com/office/powerpoint/2010/main" val="4262391692"/>
-      </p:ext>
-    </p:extLst>
-  </p:cSld>
-  <p:clrMapOvr>
-    <a:masterClrMapping/>
-  </p:clrMapOvr>
-  <mc:AlternateContent xmlns:mc="http://schemas.openxmlformats.org/markup-compatibility/2006" xmlns:p159="http://schemas.microsoft.com/office/powerpoint/2015/09/main">
-    <mc:Choice Requires="p159">
-      <p:transition xmlns:p14="http://schemas.microsoft.com/office/powerpoint/2010/main" spd="slow" p14:dur="2000">
-        <p159:morph option="byObject"/>
-      </p:transition>
-    </mc:Choice>
-    <mc:Fallback xmlns="">
-      <p:transition spd="slow">
-        <p:fade/>
-      </p:transition>
-    </mc:Fallback>
-  </mc:AlternateContent>
-</p:sld>
-</file>
-
-<file path=ppt/slides/slide5.xml><?xml version="1.0" encoding="utf-8"?>
-<p:sld xmlns:a="http://schemas.openxmlformats.org/drawingml/2006/main" xmlns:r="http://schemas.openxmlformats.org/officeDocument/2006/relationships" xmlns:p="http://schemas.openxmlformats.org/presentationml/2006/main">
-  <p:cSld>
-    <p:spTree>
-      <p:nvGrpSpPr>
-        <p:cNvPr id="1" name=""/>
-        <p:cNvGrpSpPr/>
-        <p:nvPr/>
-      </p:nvGrpSpPr>
-      <p:grpSpPr>
-        <a:xfrm>
-          <a:off x="0" y="0"/>
-          <a:ext cx="0" cy="0"/>
-          <a:chOff x="0" y="0"/>
-          <a:chExt cx="0" cy="0"/>
-        </a:xfrm>
-      </p:grpSpPr>
-      <p:sp>
-        <p:nvSpPr>
-          <p:cNvPr id="3" name="TextBox 2">
-            <a:extLst>
-              <a:ext uri="{FF2B5EF4-FFF2-40B4-BE49-F238E27FC236}">
-                <a16:creationId xmlns:a16="http://schemas.microsoft.com/office/drawing/2014/main" id="{86EE00B9-A570-C4E8-2E30-AA07281C3451}"/>
-              </a:ext>
-            </a:extLst>
-          </p:cNvPr>
-          <p:cNvSpPr txBox="1"/>
-          <p:nvPr/>
-        </p:nvSpPr>
-        <p:spPr>
-          <a:xfrm>
-            <a:off x="302003" y="249974"/>
-            <a:ext cx="1805302" cy="707886"/>
-          </a:xfrm>
-          <a:prstGeom prst="rect">
-            <a:avLst/>
-          </a:prstGeom>
-          <a:noFill/>
-        </p:spPr>
-        <p:txBody>
-          <a:bodyPr wrap="none" rtlCol="0">
-            <a:spAutoFit/>
-          </a:bodyPr>
-          <a:lstStyle/>
-          <a:p>
-            <a:r>
-              <a:rPr lang="ru-RU" sz="4000" dirty="0">
-                <a:solidFill>
-                  <a:schemeClr val="bg1"/>
-                </a:solidFill>
-              </a:rPr>
-              <a:t>Дизайн</a:t>
-            </a:r>
-          </a:p>
-        </p:txBody>
-      </p:sp>
-      <p:sp>
-        <p:nvSpPr>
-          <p:cNvPr id="4" name="TextBox 3">
-            <a:extLst>
-              <a:ext uri="{FF2B5EF4-FFF2-40B4-BE49-F238E27FC236}">
-                <a16:creationId xmlns:a16="http://schemas.microsoft.com/office/drawing/2014/main" id="{DC833D4F-B9FD-FEDD-CBF5-4B2A6B210AE4}"/>
-              </a:ext>
-            </a:extLst>
-          </p:cNvPr>
-          <p:cNvSpPr txBox="1"/>
-          <p:nvPr/>
-        </p:nvSpPr>
-        <p:spPr>
-          <a:xfrm>
-            <a:off x="433431" y="1115737"/>
-            <a:ext cx="11325137" cy="646331"/>
-          </a:xfrm>
-          <a:prstGeom prst="rect">
-            <a:avLst/>
-          </a:prstGeom>
-          <a:noFill/>
-        </p:spPr>
-        <p:txBody>
-          <a:bodyPr wrap="square" rtlCol="0">
-            <a:spAutoFit/>
-          </a:bodyPr>
-          <a:lstStyle/>
-          <a:p>
-            <a:r>
-              <a:rPr lang="ru-RU" dirty="0">
-                <a:solidFill>
-                  <a:schemeClr val="bg1"/>
-                </a:solidFill>
-              </a:rPr>
-              <a:t>Для того, чтобы интерфейс в продукте проекта был красивым и понятным для пользователя, нужно разработать макет дизайна. Это было сделано с помощью приложения </a:t>
-            </a:r>
-            <a:r>
-              <a:rPr lang="en-US" dirty="0">
-                <a:solidFill>
-                  <a:schemeClr val="bg1"/>
-                </a:solidFill>
-              </a:rPr>
-              <a:t>Figma.</a:t>
-            </a:r>
-            <a:endParaRPr lang="ru-RU" dirty="0">
-              <a:solidFill>
-                <a:schemeClr val="bg1"/>
-              </a:solidFill>
-            </a:endParaRPr>
-          </a:p>
-        </p:txBody>
-      </p:sp>
-      <p:grpSp>
-        <p:nvGrpSpPr>
-          <p:cNvPr id="8" name="Группа 7">
-            <a:extLst>
-              <a:ext uri="{FF2B5EF4-FFF2-40B4-BE49-F238E27FC236}">
-                <a16:creationId xmlns:a16="http://schemas.microsoft.com/office/drawing/2014/main" id="{DA4B0AEA-636D-7F98-2FB5-2135C9F016C0}"/>
-              </a:ext>
-            </a:extLst>
-          </p:cNvPr>
-          <p:cNvGrpSpPr/>
-          <p:nvPr/>
-        </p:nvGrpSpPr>
-        <p:grpSpPr>
-          <a:xfrm>
-            <a:off x="1574157" y="1921397"/>
-            <a:ext cx="8947230" cy="4686629"/>
-            <a:chOff x="1574157" y="1921397"/>
-            <a:chExt cx="8947230" cy="4686629"/>
-          </a:xfrm>
-        </p:grpSpPr>
-        <p:sp>
-          <p:nvSpPr>
-            <p:cNvPr id="7" name="Прямоугольник: скругленные углы 6">
-              <a:extLst>
-                <a:ext uri="{FF2B5EF4-FFF2-40B4-BE49-F238E27FC236}">
-                  <a16:creationId xmlns:a16="http://schemas.microsoft.com/office/drawing/2014/main" id="{E9933E88-695F-690A-ADFF-C1A1FE433965}"/>
-                </a:ext>
-              </a:extLst>
-            </p:cNvPr>
-            <p:cNvSpPr/>
-            <p:nvPr/>
-          </p:nvSpPr>
-          <p:spPr>
-            <a:xfrm>
-              <a:off x="1574157" y="1921397"/>
-              <a:ext cx="8947230" cy="4686629"/>
-            </a:xfrm>
-            <a:prstGeom prst="roundRect">
-              <a:avLst/>
-            </a:prstGeom>
-            <a:solidFill>
-              <a:schemeClr val="tx2">
-                <a:lumMod val="75000"/>
-              </a:schemeClr>
-            </a:solidFill>
-            <a:ln>
-              <a:noFill/>
-            </a:ln>
-            <a:effectLst>
-              <a:outerShdw blurRad="44450" dist="27940" dir="5400000" algn="ctr">
-                <a:srgbClr val="000000">
-                  <a:alpha val="32000"/>
-                </a:srgbClr>
-              </a:outerShdw>
-            </a:effectLst>
-            <a:scene3d>
-              <a:camera prst="orthographicFront">
-                <a:rot lat="0" lon="0" rev="0"/>
-              </a:camera>
-              <a:lightRig rig="balanced" dir="t">
-                <a:rot lat="0" lon="0" rev="8700000"/>
-              </a:lightRig>
-            </a:scene3d>
-            <a:sp3d>
-              <a:bevelT w="190500" h="38100"/>
-            </a:sp3d>
-          </p:spPr>
-          <p:style>
-            <a:lnRef idx="2">
-              <a:schemeClr val="accent1">
-                <a:shade val="15000"/>
-              </a:schemeClr>
-            </a:lnRef>
-            <a:fillRef idx="1">
-              <a:schemeClr val="accent1"/>
-            </a:fillRef>
-            <a:effectRef idx="0">
-              <a:schemeClr val="accent1"/>
-            </a:effectRef>
-            <a:fontRef idx="minor">
-              <a:schemeClr val="lt1"/>
-            </a:fontRef>
-          </p:style>
-          <p:txBody>
-            <a:bodyPr rtlCol="0" anchor="ctr"/>
-            <a:lstStyle/>
-            <a:p>
-              <a:pPr algn="ctr"/>
-              <a:endParaRPr lang="ru-RU"/>
-            </a:p>
-          </p:txBody>
-        </p:sp>
-        <p:pic>
-          <p:nvPicPr>
-            <p:cNvPr id="6" name="Рисунок 5">
-              <a:extLst>
-                <a:ext uri="{FF2B5EF4-FFF2-40B4-BE49-F238E27FC236}">
-                  <a16:creationId xmlns:a16="http://schemas.microsoft.com/office/drawing/2014/main" id="{CAB789F4-FE2D-088B-5A72-B98034930C77}"/>
-                </a:ext>
-              </a:extLst>
-            </p:cNvPr>
-            <p:cNvPicPr>
-              <a:picLocks noChangeAspect="1"/>
-            </p:cNvPicPr>
-            <p:nvPr/>
-          </p:nvPicPr>
-          <p:blipFill>
-            <a:blip r:embed="rId2">
-              <a:extLst>
-                <a:ext uri="{28A0092B-C50C-407E-A947-70E740481C1C}">
-                  <a14:useLocalDpi xmlns:a14="http://schemas.microsoft.com/office/drawing/2010/main" val="0"/>
-                </a:ext>
-              </a:extLst>
-            </a:blip>
-            <a:stretch>
-              <a:fillRect/>
-            </a:stretch>
-          </p:blipFill>
-          <p:spPr>
-            <a:xfrm>
-              <a:off x="2048718" y="2222029"/>
-              <a:ext cx="7998107" cy="4085364"/>
-            </a:xfrm>
-            <a:prstGeom prst="roundRect">
-              <a:avLst>
-                <a:gd name="adj" fmla="val 8594"/>
-              </a:avLst>
-            </a:prstGeom>
-            <a:solidFill>
-              <a:srgbClr val="FFFFFF">
-                <a:shade val="85000"/>
-              </a:srgbClr>
-            </a:solidFill>
-            <a:ln>
-              <a:noFill/>
-            </a:ln>
-            <a:effectLst/>
-          </p:spPr>
-        </p:pic>
-      </p:grpSp>
-      <p:grpSp>
-        <p:nvGrpSpPr>
-          <p:cNvPr id="9" name="Группа 8">
-            <a:extLst>
-              <a:ext uri="{FF2B5EF4-FFF2-40B4-BE49-F238E27FC236}">
-                <a16:creationId xmlns:a16="http://schemas.microsoft.com/office/drawing/2014/main" id="{E4FB0485-44C7-5DAD-DE1B-C21FA12B7FF4}"/>
-              </a:ext>
-            </a:extLst>
-          </p:cNvPr>
-          <p:cNvGrpSpPr/>
-          <p:nvPr/>
-        </p:nvGrpSpPr>
-        <p:grpSpPr>
-          <a:xfrm>
-            <a:off x="4452953" y="7659472"/>
-            <a:ext cx="3286092" cy="3286092"/>
-            <a:chOff x="4452954" y="3321934"/>
-            <a:chExt cx="3286092" cy="3286092"/>
-          </a:xfrm>
-        </p:grpSpPr>
-        <p:sp>
-          <p:nvSpPr>
-            <p:cNvPr id="10" name="Прямоугольник: скругленные углы 9">
-              <a:extLst>
-                <a:ext uri="{FF2B5EF4-FFF2-40B4-BE49-F238E27FC236}">
-                  <a16:creationId xmlns:a16="http://schemas.microsoft.com/office/drawing/2014/main" id="{BEBEE100-1787-E128-8AD9-FF50F4F70CC8}"/>
-                </a:ext>
-              </a:extLst>
-            </p:cNvPr>
-            <p:cNvSpPr/>
-            <p:nvPr/>
-          </p:nvSpPr>
-          <p:spPr>
-            <a:xfrm>
-              <a:off x="4452954" y="3321934"/>
-              <a:ext cx="3286092" cy="3286092"/>
-            </a:xfrm>
-            <a:prstGeom prst="roundRect">
-              <a:avLst/>
-            </a:prstGeom>
-            <a:solidFill>
-              <a:schemeClr val="tx2">
-                <a:lumMod val="75000"/>
-              </a:schemeClr>
-            </a:solidFill>
-            <a:ln>
-              <a:noFill/>
-            </a:ln>
-            <a:effectLst>
-              <a:outerShdw blurRad="190500" dist="228600" dir="2700000" algn="ctr">
-                <a:srgbClr val="000000">
-                  <a:alpha val="30000"/>
-                </a:srgbClr>
-              </a:outerShdw>
-            </a:effectLst>
-            <a:scene3d>
-              <a:camera prst="orthographicFront">
-                <a:rot lat="0" lon="0" rev="0"/>
-              </a:camera>
-              <a:lightRig rig="glow" dir="t">
-                <a:rot lat="0" lon="0" rev="4800000"/>
-              </a:lightRig>
-            </a:scene3d>
-            <a:sp3d prstMaterial="matte">
-              <a:bevelT w="127000" h="63500"/>
-            </a:sp3d>
-          </p:spPr>
-          <p:style>
-            <a:lnRef idx="2">
-              <a:schemeClr val="accent1">
-                <a:shade val="15000"/>
-              </a:schemeClr>
-            </a:lnRef>
-            <a:fillRef idx="1">
-              <a:schemeClr val="accent1"/>
-            </a:fillRef>
-            <a:effectRef idx="0">
-              <a:schemeClr val="accent1"/>
-            </a:effectRef>
-            <a:fontRef idx="minor">
-              <a:schemeClr val="lt1"/>
-            </a:fontRef>
-          </p:style>
-          <p:txBody>
-            <a:bodyPr rtlCol="0" anchor="ctr"/>
-            <a:lstStyle/>
-            <a:p>
-              <a:pPr algn="ctr"/>
-              <a:endParaRPr lang="ru-RU"/>
-            </a:p>
-          </p:txBody>
-        </p:sp>
-        <p:pic>
-          <p:nvPicPr>
-            <p:cNvPr id="11" name="Рисунок 10">
-              <a:extLst>
-                <a:ext uri="{FF2B5EF4-FFF2-40B4-BE49-F238E27FC236}">
-                  <a16:creationId xmlns:a16="http://schemas.microsoft.com/office/drawing/2014/main" id="{E2B45CCE-00E5-6D0D-4706-3C18ADB0C821}"/>
-                </a:ext>
-              </a:extLst>
-            </p:cNvPr>
-            <p:cNvPicPr>
-              <a:picLocks noChangeAspect="1"/>
-            </p:cNvPicPr>
-            <p:nvPr/>
-          </p:nvPicPr>
-          <p:blipFill>
-            <a:blip r:embed="rId3">
-              <a:lum bright="70000" contrast="-70000"/>
-            </a:blip>
-            <a:stretch>
-              <a:fillRect/>
-            </a:stretch>
-          </p:blipFill>
-          <p:spPr>
-            <a:xfrm>
-              <a:off x="4788061" y="3657041"/>
-              <a:ext cx="2615878" cy="2615878"/>
-            </a:xfrm>
-            <a:prstGeom prst="rect">
-              <a:avLst/>
-            </a:prstGeom>
-          </p:spPr>
-        </p:pic>
-      </p:grpSp>
-    </p:spTree>
-    <p:extLst>
-      <p:ext uri="{BB962C8B-B14F-4D97-AF65-F5344CB8AC3E}">
-        <p14:creationId xmlns:p14="http://schemas.microsoft.com/office/powerpoint/2010/main" val="3255880975"/>
-      </p:ext>
-    </p:extLst>
-  </p:cSld>
-  <p:clrMapOvr>
-    <a:masterClrMapping/>
-  </p:clrMapOvr>
-  <mc:AlternateContent xmlns:mc="http://schemas.openxmlformats.org/markup-compatibility/2006" xmlns:p159="http://schemas.microsoft.com/office/powerpoint/2015/09/main">
-    <mc:Choice Requires="p159">
-      <p:transition xmlns:p14="http://schemas.microsoft.com/office/powerpoint/2010/main" spd="slow" p14:dur="2000">
-        <p159:morph option="byObject"/>
-      </p:transition>
-    </mc:Choice>
-    <mc:Fallback xmlns="">
-      <p:transition spd="slow">
-        <p:fade/>
-      </p:transition>
-    </mc:Fallback>
-  </mc:AlternateContent>
-</p:sld>
-</file>
-
-<file path=ppt/slides/slide6.xml><?xml version="1.0" encoding="utf-8"?>
-<p:sld xmlns:a="http://schemas.openxmlformats.org/drawingml/2006/main" xmlns:r="http://schemas.openxmlformats.org/officeDocument/2006/relationships" xmlns:p="http://schemas.openxmlformats.org/presentationml/2006/main">
-  <p:cSld>
-    <p:spTree>
-      <p:nvGrpSpPr>
-        <p:cNvPr id="1" name=""/>
-        <p:cNvGrpSpPr/>
-        <p:nvPr/>
-      </p:nvGrpSpPr>
-      <p:grpSpPr>
-        <a:xfrm>
-          <a:off x="0" y="0"/>
-          <a:ext cx="0" cy="0"/>
-          <a:chOff x="0" y="0"/>
-          <a:chExt cx="0" cy="0"/>
-        </a:xfrm>
-      </p:grpSpPr>
-      <p:sp>
-        <p:nvSpPr>
-          <p:cNvPr id="3" name="TextBox 2">
-            <a:extLst>
-              <a:ext uri="{FF2B5EF4-FFF2-40B4-BE49-F238E27FC236}">
-                <a16:creationId xmlns:a16="http://schemas.microsoft.com/office/drawing/2014/main" id="{86EE00B9-A570-C4E8-2E30-AA07281C3451}"/>
-              </a:ext>
-            </a:extLst>
-          </p:cNvPr>
-          <p:cNvSpPr txBox="1"/>
-          <p:nvPr/>
-        </p:nvSpPr>
-        <p:spPr>
-          <a:xfrm>
-            <a:off x="302003" y="249974"/>
-            <a:ext cx="9546524" cy="707886"/>
-          </a:xfrm>
-          <a:prstGeom prst="rect">
-            <a:avLst/>
-          </a:prstGeom>
-          <a:noFill/>
-        </p:spPr>
-        <p:txBody>
-          <a:bodyPr wrap="none" rtlCol="0">
-            <a:spAutoFit/>
-          </a:bodyPr>
-          <a:lstStyle/>
-          <a:p>
-            <a:r>
-              <a:rPr lang="ru-RU" sz="4000" dirty="0">
-                <a:solidFill>
-                  <a:schemeClr val="bg1"/>
-                </a:solidFill>
-              </a:rPr>
-              <a:t>Функционал приложения </a:t>
-            </a:r>
-            <a:r>
-              <a:rPr lang="en-US" sz="4000" dirty="0">
-                <a:solidFill>
-                  <a:schemeClr val="bg1"/>
-                </a:solidFill>
-              </a:rPr>
-              <a:t>“Travel Manager”</a:t>
-            </a:r>
-            <a:endParaRPr lang="ru-RU" sz="4000" dirty="0">
-              <a:solidFill>
-                <a:schemeClr val="bg1"/>
-              </a:solidFill>
-            </a:endParaRPr>
-          </a:p>
-        </p:txBody>
-      </p:sp>
-      <p:sp>
-        <p:nvSpPr>
-          <p:cNvPr id="2" name="TextBox 1">
-            <a:extLst>
-              <a:ext uri="{FF2B5EF4-FFF2-40B4-BE49-F238E27FC236}">
-                <a16:creationId xmlns:a16="http://schemas.microsoft.com/office/drawing/2014/main" id="{9136B9B2-E9BA-DDBC-B19A-FB2619EEAD4C}"/>
-              </a:ext>
-            </a:extLst>
-          </p:cNvPr>
-          <p:cNvSpPr txBox="1"/>
-          <p:nvPr/>
-        </p:nvSpPr>
-        <p:spPr>
-          <a:xfrm>
-            <a:off x="738233" y="1400962"/>
-            <a:ext cx="11270888" cy="2308324"/>
-          </a:xfrm>
-          <a:prstGeom prst="rect">
-            <a:avLst/>
-          </a:prstGeom>
-          <a:noFill/>
-        </p:spPr>
-        <p:txBody>
-          <a:bodyPr wrap="square" rtlCol="0">
-            <a:spAutoFit/>
-          </a:bodyPr>
-          <a:lstStyle/>
-          <a:p>
             <a:pPr marL="342900" indent="-342900">
               <a:buFontTx/>
               <a:buAutoNum type="arabicPeriod"/>
             </a:pPr>
             <a:r>
-              <a:rPr lang="ru-RU" dirty="0">
+              <a:rPr lang="ru-RU" sz="2000" dirty="0">
                 <a:solidFill>
                   <a:schemeClr val="bg1"/>
                 </a:solidFill>
@@ -10576,14 +6334,14 @@
               <a:t>Создание поездки. </a:t>
             </a:r>
             <a:br>
-              <a:rPr lang="ru-RU" dirty="0">
+              <a:rPr lang="ru-RU" sz="2000" dirty="0">
                 <a:solidFill>
                   <a:schemeClr val="bg1"/>
                 </a:solidFill>
               </a:rPr>
             </a:br>
             <a:r>
-              <a:rPr lang="ru-RU" dirty="0">
+              <a:rPr lang="ru-RU" sz="2000" dirty="0">
                 <a:solidFill>
                   <a:schemeClr val="bg1"/>
                 </a:solidFill>
@@ -10596,7 +6354,7 @@
               <a:buAutoNum type="arabicPeriod"/>
             </a:pPr>
             <a:r>
-              <a:rPr lang="ru-RU" dirty="0">
+              <a:rPr lang="ru-RU" sz="2000" dirty="0">
                 <a:solidFill>
                   <a:schemeClr val="bg1"/>
                 </a:solidFill>
@@ -10604,14 +6362,14 @@
               <a:t>Создание плана активностей. </a:t>
             </a:r>
             <a:br>
-              <a:rPr lang="ru-RU" dirty="0">
+              <a:rPr lang="ru-RU" sz="2000" dirty="0">
                 <a:solidFill>
                   <a:schemeClr val="bg1"/>
                 </a:solidFill>
               </a:rPr>
             </a:br>
             <a:r>
-              <a:rPr lang="ru-RU" dirty="0">
+              <a:rPr lang="ru-RU" sz="2000" dirty="0">
                 <a:solidFill>
                   <a:schemeClr val="bg1"/>
                 </a:solidFill>
@@ -10624,7 +6382,7 @@
               <a:buAutoNum type="arabicPeriod"/>
             </a:pPr>
             <a:r>
-              <a:rPr lang="ru-RU" dirty="0">
+              <a:rPr lang="ru-RU" sz="2000" dirty="0">
                 <a:solidFill>
                   <a:schemeClr val="bg1"/>
                 </a:solidFill>
@@ -10637,7 +6395,7 @@
               <a:buAutoNum type="arabicPeriod"/>
             </a:pPr>
             <a:r>
-              <a:rPr lang="ru-RU" dirty="0">
+              <a:rPr lang="ru-RU" sz="2000" dirty="0">
                 <a:solidFill>
                   <a:schemeClr val="bg1"/>
                 </a:solidFill>
@@ -10651,14 +6409,14 @@
               <a:buAutoNum type="arabicPeriod"/>
             </a:pPr>
             <a:r>
-              <a:rPr lang="ru-RU" dirty="0">
+              <a:rPr lang="ru-RU" sz="2000" dirty="0">
                 <a:solidFill>
                   <a:schemeClr val="bg1"/>
                 </a:solidFill>
               </a:rPr>
               <a:t>Внесение расходов для дальнейшего анализа.</a:t>
             </a:r>
-            <a:endParaRPr lang="en-US" dirty="0">
+            <a:endParaRPr lang="en-US" sz="2000" dirty="0">
               <a:solidFill>
                 <a:schemeClr val="bg1"/>
               </a:solidFill>
@@ -11047,12 +6805,1153 @@
           </p:spPr>
         </p:pic>
       </p:grpSp>
+    </p:spTree>
+    <p:extLst>
+      <p:ext uri="{BB962C8B-B14F-4D97-AF65-F5344CB8AC3E}">
+        <p14:creationId xmlns:p14="http://schemas.microsoft.com/office/powerpoint/2010/main" val="3478773163"/>
+      </p:ext>
+    </p:extLst>
+  </p:cSld>
+  <p:clrMapOvr>
+    <a:masterClrMapping/>
+  </p:clrMapOvr>
+  <mc:AlternateContent xmlns:mc="http://schemas.openxmlformats.org/markup-compatibility/2006" xmlns:p159="http://schemas.microsoft.com/office/powerpoint/2015/09/main">
+    <mc:Choice Requires="p159">
+      <p:transition xmlns:p14="http://schemas.microsoft.com/office/powerpoint/2010/main" spd="slow" p14:dur="2000">
+        <p159:morph option="byObject"/>
+      </p:transition>
+    </mc:Choice>
+    <mc:Fallback xmlns="">
+      <p:transition spd="slow">
+        <p:fade/>
+      </p:transition>
+    </mc:Fallback>
+  </mc:AlternateContent>
+</p:sld>
+</file>
+
+<file path=ppt/slides/slide4.xml><?xml version="1.0" encoding="utf-8"?>
+<p:sld xmlns:a="http://schemas.openxmlformats.org/drawingml/2006/main" xmlns:r="http://schemas.openxmlformats.org/officeDocument/2006/relationships" xmlns:p="http://schemas.openxmlformats.org/presentationml/2006/main">
+  <p:cSld>
+    <p:spTree>
+      <p:nvGrpSpPr>
+        <p:cNvPr id="1" name=""/>
+        <p:cNvGrpSpPr/>
+        <p:nvPr/>
+      </p:nvGrpSpPr>
+      <p:grpSpPr>
+        <a:xfrm>
+          <a:off x="0" y="0"/>
+          <a:ext cx="0" cy="0"/>
+          <a:chOff x="0" y="0"/>
+          <a:chExt cx="0" cy="0"/>
+        </a:xfrm>
+      </p:grpSpPr>
+      <p:sp>
+        <p:nvSpPr>
+          <p:cNvPr id="3" name="TextBox 2">
+            <a:extLst>
+              <a:ext uri="{FF2B5EF4-FFF2-40B4-BE49-F238E27FC236}">
+                <a16:creationId xmlns:a16="http://schemas.microsoft.com/office/drawing/2014/main" id="{86EE00B9-A570-C4E8-2E30-AA07281C3451}"/>
+              </a:ext>
+            </a:extLst>
+          </p:cNvPr>
+          <p:cNvSpPr txBox="1"/>
+          <p:nvPr/>
+        </p:nvSpPr>
+        <p:spPr>
+          <a:xfrm>
+            <a:off x="302003" y="249974"/>
+            <a:ext cx="4077206" cy="523220"/>
+          </a:xfrm>
+          <a:prstGeom prst="rect">
+            <a:avLst/>
+          </a:prstGeom>
+          <a:noFill/>
+        </p:spPr>
+        <p:txBody>
+          <a:bodyPr wrap="none" rtlCol="0">
+            <a:spAutoFit/>
+          </a:bodyPr>
+          <a:lstStyle/>
+          <a:p>
+            <a:r>
+              <a:rPr lang="ru-RU" sz="2800" dirty="0">
+                <a:solidFill>
+                  <a:schemeClr val="bg1"/>
+                </a:solidFill>
+              </a:rPr>
+              <a:t>Функционал приложения</a:t>
+            </a:r>
+          </a:p>
+        </p:txBody>
+      </p:sp>
+      <p:sp>
+        <p:nvSpPr>
+          <p:cNvPr id="4" name="TextBox 3">
+            <a:extLst>
+              <a:ext uri="{FF2B5EF4-FFF2-40B4-BE49-F238E27FC236}">
+                <a16:creationId xmlns:a16="http://schemas.microsoft.com/office/drawing/2014/main" id="{669E491D-49DC-8A60-0359-00D5001C95F5}"/>
+              </a:ext>
+            </a:extLst>
+          </p:cNvPr>
+          <p:cNvSpPr txBox="1"/>
+          <p:nvPr/>
+        </p:nvSpPr>
+        <p:spPr>
+          <a:xfrm>
+            <a:off x="302003" y="793279"/>
+            <a:ext cx="6775445" cy="553998"/>
+          </a:xfrm>
+          <a:prstGeom prst="rect">
+            <a:avLst/>
+          </a:prstGeom>
+          <a:noFill/>
+        </p:spPr>
+        <p:txBody>
+          <a:bodyPr wrap="none" rtlCol="0">
+            <a:spAutoFit/>
+          </a:bodyPr>
+          <a:lstStyle/>
+          <a:p>
+            <a:r>
+              <a:rPr lang="ru-RU" sz="3000" dirty="0">
+                <a:solidFill>
+                  <a:schemeClr val="bg1"/>
+                </a:solidFill>
+              </a:rPr>
+              <a:t>Вход в приложение и создание поездки</a:t>
+            </a:r>
+            <a:endParaRPr lang="ru-RU" sz="3000" dirty="0"/>
+          </a:p>
+        </p:txBody>
+      </p:sp>
+      <p:pic>
+        <p:nvPicPr>
+          <p:cNvPr id="10" name="Рисунок 9">
+            <a:extLst>
+              <a:ext uri="{FF2B5EF4-FFF2-40B4-BE49-F238E27FC236}">
+                <a16:creationId xmlns:a16="http://schemas.microsoft.com/office/drawing/2014/main" id="{2A33601D-EEDB-DD41-F745-843E3F4A254C}"/>
+              </a:ext>
+            </a:extLst>
+          </p:cNvPr>
+          <p:cNvPicPr>
+            <a:picLocks noChangeAspect="1"/>
+          </p:cNvPicPr>
+          <p:nvPr/>
+        </p:nvPicPr>
+        <p:blipFill>
+          <a:blip r:embed="rId2">
+            <a:extLst>
+              <a:ext uri="{28A0092B-C50C-407E-A947-70E740481C1C}">
+                <a14:useLocalDpi xmlns:a14="http://schemas.microsoft.com/office/drawing/2010/main" val="0"/>
+              </a:ext>
+            </a:extLst>
+          </a:blip>
+          <a:stretch>
+            <a:fillRect/>
+          </a:stretch>
+        </p:blipFill>
+        <p:spPr>
+          <a:xfrm>
+            <a:off x="302003" y="2032000"/>
+            <a:ext cx="2500690" cy="4445671"/>
+          </a:xfrm>
+          <a:prstGeom prst="rect">
+            <a:avLst/>
+          </a:prstGeom>
+        </p:spPr>
+      </p:pic>
+      <p:pic>
+        <p:nvPicPr>
+          <p:cNvPr id="33" name="Рисунок 32">
+            <a:extLst>
+              <a:ext uri="{FF2B5EF4-FFF2-40B4-BE49-F238E27FC236}">
+                <a16:creationId xmlns:a16="http://schemas.microsoft.com/office/drawing/2014/main" id="{92446543-2EFD-D7FE-2253-45D79EB26958}"/>
+              </a:ext>
+            </a:extLst>
+          </p:cNvPr>
+          <p:cNvPicPr>
+            <a:picLocks noChangeAspect="1"/>
+          </p:cNvPicPr>
+          <p:nvPr/>
+        </p:nvPicPr>
+        <p:blipFill>
+          <a:blip r:embed="rId3"/>
+          <a:stretch>
+            <a:fillRect/>
+          </a:stretch>
+        </p:blipFill>
+        <p:spPr>
+          <a:xfrm>
+            <a:off x="6273213" y="2032000"/>
+            <a:ext cx="2500689" cy="4445671"/>
+          </a:xfrm>
+          <a:prstGeom prst="rect">
+            <a:avLst/>
+          </a:prstGeom>
+        </p:spPr>
+      </p:pic>
+      <p:pic>
+        <p:nvPicPr>
+          <p:cNvPr id="35" name="Рисунок 34">
+            <a:extLst>
+              <a:ext uri="{FF2B5EF4-FFF2-40B4-BE49-F238E27FC236}">
+                <a16:creationId xmlns:a16="http://schemas.microsoft.com/office/drawing/2014/main" id="{55D97EB6-D414-5C41-4AF9-DD4BE081C295}"/>
+              </a:ext>
+            </a:extLst>
+          </p:cNvPr>
+          <p:cNvPicPr>
+            <a:picLocks noChangeAspect="1"/>
+          </p:cNvPicPr>
+          <p:nvPr/>
+        </p:nvPicPr>
+        <p:blipFill>
+          <a:blip r:embed="rId4"/>
+          <a:stretch>
+            <a:fillRect/>
+          </a:stretch>
+        </p:blipFill>
+        <p:spPr>
+          <a:xfrm>
+            <a:off x="9258023" y="2032000"/>
+            <a:ext cx="2500688" cy="4445671"/>
+          </a:xfrm>
+          <a:prstGeom prst="rect">
+            <a:avLst/>
+          </a:prstGeom>
+        </p:spPr>
+      </p:pic>
+      <p:pic>
+        <p:nvPicPr>
+          <p:cNvPr id="5" name="Рисунок 4">
+            <a:extLst>
+              <a:ext uri="{FF2B5EF4-FFF2-40B4-BE49-F238E27FC236}">
+                <a16:creationId xmlns:a16="http://schemas.microsoft.com/office/drawing/2014/main" id="{CD19ED87-856B-99FC-EA17-7050E30D35E6}"/>
+              </a:ext>
+            </a:extLst>
+          </p:cNvPr>
+          <p:cNvPicPr>
+            <a:picLocks noChangeAspect="1"/>
+          </p:cNvPicPr>
+          <p:nvPr/>
+        </p:nvPicPr>
+        <p:blipFill>
+          <a:blip r:embed="rId5">
+            <a:extLst>
+              <a:ext uri="{28A0092B-C50C-407E-A947-70E740481C1C}">
+                <a14:useLocalDpi xmlns:a14="http://schemas.microsoft.com/office/drawing/2010/main" val="0"/>
+              </a:ext>
+            </a:extLst>
+          </a:blip>
+          <a:stretch>
+            <a:fillRect/>
+          </a:stretch>
+        </p:blipFill>
+        <p:spPr>
+          <a:xfrm>
+            <a:off x="3286814" y="2032000"/>
+            <a:ext cx="2500689" cy="4445671"/>
+          </a:xfrm>
+          <a:prstGeom prst="rect">
+            <a:avLst/>
+          </a:prstGeom>
+        </p:spPr>
+      </p:pic>
+    </p:spTree>
+    <p:extLst>
+      <p:ext uri="{BB962C8B-B14F-4D97-AF65-F5344CB8AC3E}">
+        <p14:creationId xmlns:p14="http://schemas.microsoft.com/office/powerpoint/2010/main" val="2904381291"/>
+      </p:ext>
+    </p:extLst>
+  </p:cSld>
+  <p:clrMapOvr>
+    <a:masterClrMapping/>
+  </p:clrMapOvr>
+  <mc:AlternateContent xmlns:mc="http://schemas.openxmlformats.org/markup-compatibility/2006" xmlns:p159="http://schemas.microsoft.com/office/powerpoint/2015/09/main">
+    <mc:Choice Requires="p159">
+      <p:transition xmlns:p14="http://schemas.microsoft.com/office/powerpoint/2010/main" spd="slow" p14:dur="2000">
+        <p159:morph option="byObject"/>
+      </p:transition>
+    </mc:Choice>
+    <mc:Fallback xmlns="">
+      <p:transition spd="slow">
+        <p:fade/>
+      </p:transition>
+    </mc:Fallback>
+  </mc:AlternateContent>
+</p:sld>
+</file>
+
+<file path=ppt/slides/slide5.xml><?xml version="1.0" encoding="utf-8"?>
+<p:sld xmlns:a="http://schemas.openxmlformats.org/drawingml/2006/main" xmlns:r="http://schemas.openxmlformats.org/officeDocument/2006/relationships" xmlns:p="http://schemas.openxmlformats.org/presentationml/2006/main">
+  <p:cSld>
+    <p:spTree>
+      <p:nvGrpSpPr>
+        <p:cNvPr id="1" name=""/>
+        <p:cNvGrpSpPr/>
+        <p:nvPr/>
+      </p:nvGrpSpPr>
+      <p:grpSpPr>
+        <a:xfrm>
+          <a:off x="0" y="0"/>
+          <a:ext cx="0" cy="0"/>
+          <a:chOff x="0" y="0"/>
+          <a:chExt cx="0" cy="0"/>
+        </a:xfrm>
+      </p:grpSpPr>
+      <p:sp>
+        <p:nvSpPr>
+          <p:cNvPr id="3" name="TextBox 2">
+            <a:extLst>
+              <a:ext uri="{FF2B5EF4-FFF2-40B4-BE49-F238E27FC236}">
+                <a16:creationId xmlns:a16="http://schemas.microsoft.com/office/drawing/2014/main" id="{86EE00B9-A570-C4E8-2E30-AA07281C3451}"/>
+              </a:ext>
+            </a:extLst>
+          </p:cNvPr>
+          <p:cNvSpPr txBox="1"/>
+          <p:nvPr/>
+        </p:nvSpPr>
+        <p:spPr>
+          <a:xfrm>
+            <a:off x="302003" y="249974"/>
+            <a:ext cx="4077206" cy="523220"/>
+          </a:xfrm>
+          <a:prstGeom prst="rect">
+            <a:avLst/>
+          </a:prstGeom>
+          <a:noFill/>
+        </p:spPr>
+        <p:txBody>
+          <a:bodyPr wrap="none" rtlCol="0">
+            <a:spAutoFit/>
+          </a:bodyPr>
+          <a:lstStyle/>
+          <a:p>
+            <a:r>
+              <a:rPr lang="ru-RU" sz="2800" dirty="0">
+                <a:solidFill>
+                  <a:schemeClr val="bg1"/>
+                </a:solidFill>
+              </a:rPr>
+              <a:t>Функционал приложения</a:t>
+            </a:r>
+          </a:p>
+        </p:txBody>
+      </p:sp>
+      <p:sp>
+        <p:nvSpPr>
+          <p:cNvPr id="4" name="TextBox 3">
+            <a:extLst>
+              <a:ext uri="{FF2B5EF4-FFF2-40B4-BE49-F238E27FC236}">
+                <a16:creationId xmlns:a16="http://schemas.microsoft.com/office/drawing/2014/main" id="{669E491D-49DC-8A60-0359-00D5001C95F5}"/>
+              </a:ext>
+            </a:extLst>
+          </p:cNvPr>
+          <p:cNvSpPr txBox="1"/>
+          <p:nvPr/>
+        </p:nvSpPr>
+        <p:spPr>
+          <a:xfrm>
+            <a:off x="302003" y="793279"/>
+            <a:ext cx="11608643" cy="830997"/>
+          </a:xfrm>
+          <a:prstGeom prst="rect">
+            <a:avLst/>
+          </a:prstGeom>
+          <a:noFill/>
+        </p:spPr>
+        <p:txBody>
+          <a:bodyPr wrap="square" rtlCol="0">
+            <a:spAutoFit/>
+          </a:bodyPr>
+          <a:lstStyle/>
+          <a:p>
+            <a:r>
+              <a:rPr lang="ru-RU" sz="2400" dirty="0">
+                <a:solidFill>
+                  <a:schemeClr val="bg1"/>
+                </a:solidFill>
+              </a:rPr>
+              <a:t>Выбор активностей. Здесь можно выбрать места, где вы хотите побывать по разделам – магазины, достопримечательности,  развлечения и рестораны</a:t>
+            </a:r>
+            <a:endParaRPr lang="ru-RU" sz="2400" dirty="0"/>
+          </a:p>
+        </p:txBody>
+      </p:sp>
+      <p:pic>
+        <p:nvPicPr>
+          <p:cNvPr id="7" name="Рисунок 6">
+            <a:extLst>
+              <a:ext uri="{FF2B5EF4-FFF2-40B4-BE49-F238E27FC236}">
+                <a16:creationId xmlns:a16="http://schemas.microsoft.com/office/drawing/2014/main" id="{8ADFD55A-67BE-7D5E-1A53-41CD6A714E9B}"/>
+              </a:ext>
+            </a:extLst>
+          </p:cNvPr>
+          <p:cNvPicPr>
+            <a:picLocks noChangeAspect="1"/>
+          </p:cNvPicPr>
+          <p:nvPr/>
+        </p:nvPicPr>
+        <p:blipFill>
+          <a:blip r:embed="rId2">
+            <a:extLst>
+              <a:ext uri="{28A0092B-C50C-407E-A947-70E740481C1C}">
+                <a14:useLocalDpi xmlns:a14="http://schemas.microsoft.com/office/drawing/2010/main" val="0"/>
+              </a:ext>
+            </a:extLst>
+          </a:blip>
+          <a:stretch>
+            <a:fillRect/>
+          </a:stretch>
+        </p:blipFill>
+        <p:spPr>
+          <a:xfrm>
+            <a:off x="385991" y="1839279"/>
+            <a:ext cx="2682419" cy="4768744"/>
+          </a:xfrm>
+          <a:prstGeom prst="rect">
+            <a:avLst/>
+          </a:prstGeom>
+        </p:spPr>
+      </p:pic>
+      <p:pic>
+        <p:nvPicPr>
+          <p:cNvPr id="9" name="Рисунок 8">
+            <a:extLst>
+              <a:ext uri="{FF2B5EF4-FFF2-40B4-BE49-F238E27FC236}">
+                <a16:creationId xmlns:a16="http://schemas.microsoft.com/office/drawing/2014/main" id="{7189A745-4522-5F2D-9AA2-44937AC36669}"/>
+              </a:ext>
+            </a:extLst>
+          </p:cNvPr>
+          <p:cNvPicPr>
+            <a:picLocks noChangeAspect="1"/>
+          </p:cNvPicPr>
+          <p:nvPr/>
+        </p:nvPicPr>
+        <p:blipFill>
+          <a:blip r:embed="rId3">
+            <a:extLst>
+              <a:ext uri="{28A0092B-C50C-407E-A947-70E740481C1C}">
+                <a14:useLocalDpi xmlns:a14="http://schemas.microsoft.com/office/drawing/2010/main" val="0"/>
+              </a:ext>
+            </a:extLst>
+          </a:blip>
+          <a:stretch>
+            <a:fillRect/>
+          </a:stretch>
+        </p:blipFill>
+        <p:spPr>
+          <a:xfrm>
+            <a:off x="3240950" y="1839279"/>
+            <a:ext cx="2682419" cy="4768744"/>
+          </a:xfrm>
+          <a:prstGeom prst="rect">
+            <a:avLst/>
+          </a:prstGeom>
+        </p:spPr>
+      </p:pic>
+      <p:pic>
+        <p:nvPicPr>
+          <p:cNvPr id="5" name="Рисунок 4">
+            <a:extLst>
+              <a:ext uri="{FF2B5EF4-FFF2-40B4-BE49-F238E27FC236}">
+                <a16:creationId xmlns:a16="http://schemas.microsoft.com/office/drawing/2014/main" id="{5AB4B737-30C3-5332-77C7-A5CE3EE1E145}"/>
+              </a:ext>
+            </a:extLst>
+          </p:cNvPr>
+          <p:cNvPicPr>
+            <a:picLocks noChangeAspect="1"/>
+          </p:cNvPicPr>
+          <p:nvPr/>
+        </p:nvPicPr>
+        <p:blipFill>
+          <a:blip r:embed="rId4">
+            <a:extLst>
+              <a:ext uri="{28A0092B-C50C-407E-A947-70E740481C1C}">
+                <a14:useLocalDpi xmlns:a14="http://schemas.microsoft.com/office/drawing/2010/main" val="0"/>
+              </a:ext>
+            </a:extLst>
+          </a:blip>
+          <a:stretch>
+            <a:fillRect/>
+          </a:stretch>
+        </p:blipFill>
+        <p:spPr>
+          <a:xfrm>
+            <a:off x="6192519" y="1839279"/>
+            <a:ext cx="2682419" cy="4768744"/>
+          </a:xfrm>
+          <a:prstGeom prst="rect">
+            <a:avLst/>
+          </a:prstGeom>
+        </p:spPr>
+      </p:pic>
+      <p:pic>
+        <p:nvPicPr>
+          <p:cNvPr id="6" name="Рисунок 5">
+            <a:extLst>
+              <a:ext uri="{FF2B5EF4-FFF2-40B4-BE49-F238E27FC236}">
+                <a16:creationId xmlns:a16="http://schemas.microsoft.com/office/drawing/2014/main" id="{500085BE-2BE9-C8F0-00C8-10FD90215162}"/>
+              </a:ext>
+            </a:extLst>
+          </p:cNvPr>
+          <p:cNvPicPr>
+            <a:picLocks noChangeAspect="1"/>
+          </p:cNvPicPr>
+          <p:nvPr/>
+        </p:nvPicPr>
+        <p:blipFill>
+          <a:blip r:embed="rId5">
+            <a:extLst>
+              <a:ext uri="{28A0092B-C50C-407E-A947-70E740481C1C}">
+                <a14:useLocalDpi xmlns:a14="http://schemas.microsoft.com/office/drawing/2010/main" val="0"/>
+              </a:ext>
+            </a:extLst>
+          </a:blip>
+          <a:stretch>
+            <a:fillRect/>
+          </a:stretch>
+        </p:blipFill>
+        <p:spPr>
+          <a:xfrm>
+            <a:off x="9144089" y="1839279"/>
+            <a:ext cx="2682419" cy="4768747"/>
+          </a:xfrm>
+          <a:prstGeom prst="rect">
+            <a:avLst/>
+          </a:prstGeom>
+        </p:spPr>
+      </p:pic>
+    </p:spTree>
+    <p:extLst>
+      <p:ext uri="{BB962C8B-B14F-4D97-AF65-F5344CB8AC3E}">
+        <p14:creationId xmlns:p14="http://schemas.microsoft.com/office/powerpoint/2010/main" val="2547634922"/>
+      </p:ext>
+    </p:extLst>
+  </p:cSld>
+  <p:clrMapOvr>
+    <a:masterClrMapping/>
+  </p:clrMapOvr>
+  <mc:AlternateContent xmlns:mc="http://schemas.openxmlformats.org/markup-compatibility/2006" xmlns:p159="http://schemas.microsoft.com/office/powerpoint/2015/09/main">
+    <mc:Choice Requires="p159">
+      <p:transition xmlns:p14="http://schemas.microsoft.com/office/powerpoint/2010/main" spd="slow" p14:dur="2000">
+        <p159:morph option="byObject"/>
+      </p:transition>
+    </mc:Choice>
+    <mc:Fallback xmlns="">
+      <p:transition spd="slow">
+        <p:fade/>
+      </p:transition>
+    </mc:Fallback>
+  </mc:AlternateContent>
+</p:sld>
+</file>
+
+<file path=ppt/slides/slide6.xml><?xml version="1.0" encoding="utf-8"?>
+<p:sld xmlns:a="http://schemas.openxmlformats.org/drawingml/2006/main" xmlns:r="http://schemas.openxmlformats.org/officeDocument/2006/relationships" xmlns:p="http://schemas.openxmlformats.org/presentationml/2006/main">
+  <p:cSld>
+    <p:spTree>
+      <p:nvGrpSpPr>
+        <p:cNvPr id="1" name=""/>
+        <p:cNvGrpSpPr/>
+        <p:nvPr/>
+      </p:nvGrpSpPr>
+      <p:grpSpPr>
+        <a:xfrm>
+          <a:off x="0" y="0"/>
+          <a:ext cx="0" cy="0"/>
+          <a:chOff x="0" y="0"/>
+          <a:chExt cx="0" cy="0"/>
+        </a:xfrm>
+      </p:grpSpPr>
+      <p:sp>
+        <p:nvSpPr>
+          <p:cNvPr id="3" name="TextBox 2">
+            <a:extLst>
+              <a:ext uri="{FF2B5EF4-FFF2-40B4-BE49-F238E27FC236}">
+                <a16:creationId xmlns:a16="http://schemas.microsoft.com/office/drawing/2014/main" id="{86EE00B9-A570-C4E8-2E30-AA07281C3451}"/>
+              </a:ext>
+            </a:extLst>
+          </p:cNvPr>
+          <p:cNvSpPr txBox="1"/>
+          <p:nvPr/>
+        </p:nvSpPr>
+        <p:spPr>
+          <a:xfrm>
+            <a:off x="302003" y="249974"/>
+            <a:ext cx="4077206" cy="523220"/>
+          </a:xfrm>
+          <a:prstGeom prst="rect">
+            <a:avLst/>
+          </a:prstGeom>
+          <a:noFill/>
+        </p:spPr>
+        <p:txBody>
+          <a:bodyPr wrap="none" rtlCol="0">
+            <a:spAutoFit/>
+          </a:bodyPr>
+          <a:lstStyle/>
+          <a:p>
+            <a:r>
+              <a:rPr lang="ru-RU" sz="2800" dirty="0">
+                <a:solidFill>
+                  <a:schemeClr val="bg1"/>
+                </a:solidFill>
+              </a:rPr>
+              <a:t>Функционал приложения</a:t>
+            </a:r>
+          </a:p>
+        </p:txBody>
+      </p:sp>
+      <p:sp>
+        <p:nvSpPr>
+          <p:cNvPr id="4" name="TextBox 3">
+            <a:extLst>
+              <a:ext uri="{FF2B5EF4-FFF2-40B4-BE49-F238E27FC236}">
+                <a16:creationId xmlns:a16="http://schemas.microsoft.com/office/drawing/2014/main" id="{669E491D-49DC-8A60-0359-00D5001C95F5}"/>
+              </a:ext>
+            </a:extLst>
+          </p:cNvPr>
+          <p:cNvSpPr txBox="1"/>
+          <p:nvPr/>
+        </p:nvSpPr>
+        <p:spPr>
+          <a:xfrm>
+            <a:off x="302003" y="793279"/>
+            <a:ext cx="10071475" cy="553998"/>
+          </a:xfrm>
+          <a:prstGeom prst="rect">
+            <a:avLst/>
+          </a:prstGeom>
+          <a:noFill/>
+        </p:spPr>
+        <p:txBody>
+          <a:bodyPr wrap="none" rtlCol="0">
+            <a:spAutoFit/>
+          </a:bodyPr>
+          <a:lstStyle/>
+          <a:p>
+            <a:r>
+              <a:rPr lang="ru-RU" sz="3000" dirty="0">
+                <a:solidFill>
+                  <a:schemeClr val="bg1"/>
+                </a:solidFill>
+              </a:rPr>
+              <a:t>Просмотр и редактирование поездки, добавление расходов</a:t>
+            </a:r>
+            <a:endParaRPr lang="ru-RU" sz="3000" dirty="0"/>
+          </a:p>
+        </p:txBody>
+      </p:sp>
+      <p:pic>
+        <p:nvPicPr>
+          <p:cNvPr id="11" name="Рисунок 10">
+            <a:extLst>
+              <a:ext uri="{FF2B5EF4-FFF2-40B4-BE49-F238E27FC236}">
+                <a16:creationId xmlns:a16="http://schemas.microsoft.com/office/drawing/2014/main" id="{1BF7E53D-86C0-D650-A2DC-6563053ACAC7}"/>
+              </a:ext>
+            </a:extLst>
+          </p:cNvPr>
+          <p:cNvPicPr>
+            <a:picLocks noChangeAspect="1"/>
+          </p:cNvPicPr>
+          <p:nvPr/>
+        </p:nvPicPr>
+        <p:blipFill>
+          <a:blip r:embed="rId2">
+            <a:extLst>
+              <a:ext uri="{28A0092B-C50C-407E-A947-70E740481C1C}">
+                <a14:useLocalDpi xmlns:a14="http://schemas.microsoft.com/office/drawing/2010/main" val="0"/>
+              </a:ext>
+            </a:extLst>
+          </a:blip>
+          <a:stretch>
+            <a:fillRect/>
+          </a:stretch>
+        </p:blipFill>
+        <p:spPr>
+          <a:xfrm>
+            <a:off x="7792029" y="1676398"/>
+            <a:ext cx="2703196" cy="4805682"/>
+          </a:xfrm>
+          <a:prstGeom prst="rect">
+            <a:avLst/>
+          </a:prstGeom>
+        </p:spPr>
+      </p:pic>
+      <p:pic>
+        <p:nvPicPr>
+          <p:cNvPr id="13" name="Рисунок 12">
+            <a:extLst>
+              <a:ext uri="{FF2B5EF4-FFF2-40B4-BE49-F238E27FC236}">
+                <a16:creationId xmlns:a16="http://schemas.microsoft.com/office/drawing/2014/main" id="{40D058F1-D51C-276C-9093-414A3102B2A6}"/>
+              </a:ext>
+            </a:extLst>
+          </p:cNvPr>
+          <p:cNvPicPr>
+            <a:picLocks noChangeAspect="1"/>
+          </p:cNvPicPr>
+          <p:nvPr/>
+        </p:nvPicPr>
+        <p:blipFill>
+          <a:blip r:embed="rId3">
+            <a:extLst>
+              <a:ext uri="{28A0092B-C50C-407E-A947-70E740481C1C}">
+                <a14:useLocalDpi xmlns:a14="http://schemas.microsoft.com/office/drawing/2010/main" val="0"/>
+              </a:ext>
+            </a:extLst>
+          </a:blip>
+          <a:stretch>
+            <a:fillRect/>
+          </a:stretch>
+        </p:blipFill>
+        <p:spPr>
+          <a:xfrm>
+            <a:off x="1696775" y="1676396"/>
+            <a:ext cx="2703195" cy="4805680"/>
+          </a:xfrm>
+          <a:prstGeom prst="rect">
+            <a:avLst/>
+          </a:prstGeom>
+        </p:spPr>
+      </p:pic>
+      <p:pic>
+        <p:nvPicPr>
+          <p:cNvPr id="6" name="Рисунок 5">
+            <a:extLst>
+              <a:ext uri="{FF2B5EF4-FFF2-40B4-BE49-F238E27FC236}">
+                <a16:creationId xmlns:a16="http://schemas.microsoft.com/office/drawing/2014/main" id="{8133BCA9-00F9-018D-8ABC-6DDB032DCFAB}"/>
+              </a:ext>
+            </a:extLst>
+          </p:cNvPr>
+          <p:cNvPicPr>
+            <a:picLocks noChangeAspect="1"/>
+          </p:cNvPicPr>
+          <p:nvPr/>
+        </p:nvPicPr>
+        <p:blipFill>
+          <a:blip r:embed="rId4">
+            <a:extLst>
+              <a:ext uri="{28A0092B-C50C-407E-A947-70E740481C1C}">
+                <a14:useLocalDpi xmlns:a14="http://schemas.microsoft.com/office/drawing/2010/main" val="0"/>
+              </a:ext>
+            </a:extLst>
+          </a:blip>
+          <a:stretch>
+            <a:fillRect/>
+          </a:stretch>
+        </p:blipFill>
+        <p:spPr>
+          <a:xfrm>
+            <a:off x="4744402" y="1676396"/>
+            <a:ext cx="2703195" cy="4805682"/>
+          </a:xfrm>
+          <a:prstGeom prst="rect">
+            <a:avLst/>
+          </a:prstGeom>
+        </p:spPr>
+      </p:pic>
+    </p:spTree>
+    <p:extLst>
+      <p:ext uri="{BB962C8B-B14F-4D97-AF65-F5344CB8AC3E}">
+        <p14:creationId xmlns:p14="http://schemas.microsoft.com/office/powerpoint/2010/main" val="943992096"/>
+      </p:ext>
+    </p:extLst>
+  </p:cSld>
+  <p:clrMapOvr>
+    <a:masterClrMapping/>
+  </p:clrMapOvr>
+  <mc:AlternateContent xmlns:mc="http://schemas.openxmlformats.org/markup-compatibility/2006" xmlns:p159="http://schemas.microsoft.com/office/powerpoint/2015/09/main">
+    <mc:Choice Requires="p159">
+      <p:transition xmlns:p14="http://schemas.microsoft.com/office/powerpoint/2010/main" spd="slow" p14:dur="2000">
+        <p159:morph option="byObject"/>
+      </p:transition>
+    </mc:Choice>
+    <mc:Fallback xmlns="">
+      <p:transition spd="slow">
+        <p:fade/>
+      </p:transition>
+    </mc:Fallback>
+  </mc:AlternateContent>
+</p:sld>
+</file>
+
+<file path=ppt/slides/slide7.xml><?xml version="1.0" encoding="utf-8"?>
+<p:sld xmlns:a="http://schemas.openxmlformats.org/drawingml/2006/main" xmlns:r="http://schemas.openxmlformats.org/officeDocument/2006/relationships" xmlns:p="http://schemas.openxmlformats.org/presentationml/2006/main">
+  <p:cSld>
+    <p:spTree>
+      <p:nvGrpSpPr>
+        <p:cNvPr id="1" name="">
+          <a:extLst>
+            <a:ext uri="{FF2B5EF4-FFF2-40B4-BE49-F238E27FC236}">
+              <a16:creationId xmlns:a16="http://schemas.microsoft.com/office/drawing/2014/main" id="{8FAFEED3-5430-37FA-CE9D-EF706A914EF2}"/>
+            </a:ext>
+          </a:extLst>
+        </p:cNvPr>
+        <p:cNvGrpSpPr/>
+        <p:nvPr/>
+      </p:nvGrpSpPr>
+      <p:grpSpPr>
+        <a:xfrm>
+          <a:off x="0" y="0"/>
+          <a:ext cx="0" cy="0"/>
+          <a:chOff x="0" y="0"/>
+          <a:chExt cx="0" cy="0"/>
+        </a:xfrm>
+      </p:grpSpPr>
+      <p:sp>
+        <p:nvSpPr>
+          <p:cNvPr id="3" name="TextBox 2">
+            <a:extLst>
+              <a:ext uri="{FF2B5EF4-FFF2-40B4-BE49-F238E27FC236}">
+                <a16:creationId xmlns:a16="http://schemas.microsoft.com/office/drawing/2014/main" id="{A9CBC6A1-BE80-9914-7FCF-D21D5214CAA2}"/>
+              </a:ext>
+            </a:extLst>
+          </p:cNvPr>
+          <p:cNvSpPr txBox="1"/>
+          <p:nvPr/>
+        </p:nvSpPr>
+        <p:spPr>
+          <a:xfrm>
+            <a:off x="302003" y="249974"/>
+            <a:ext cx="4077206" cy="523220"/>
+          </a:xfrm>
+          <a:prstGeom prst="rect">
+            <a:avLst/>
+          </a:prstGeom>
+          <a:noFill/>
+        </p:spPr>
+        <p:txBody>
+          <a:bodyPr wrap="none" rtlCol="0">
+            <a:spAutoFit/>
+          </a:bodyPr>
+          <a:lstStyle/>
+          <a:p>
+            <a:r>
+              <a:rPr lang="ru-RU" sz="2800" dirty="0">
+                <a:solidFill>
+                  <a:schemeClr val="bg1"/>
+                </a:solidFill>
+              </a:rPr>
+              <a:t>Функционал приложения</a:t>
+            </a:r>
+          </a:p>
+        </p:txBody>
+      </p:sp>
+      <p:sp>
+        <p:nvSpPr>
+          <p:cNvPr id="4" name="TextBox 3">
+            <a:extLst>
+              <a:ext uri="{FF2B5EF4-FFF2-40B4-BE49-F238E27FC236}">
+                <a16:creationId xmlns:a16="http://schemas.microsoft.com/office/drawing/2014/main" id="{AA030442-760E-85DD-BBAE-7163DB247780}"/>
+              </a:ext>
+            </a:extLst>
+          </p:cNvPr>
+          <p:cNvSpPr txBox="1"/>
+          <p:nvPr/>
+        </p:nvSpPr>
+        <p:spPr>
+          <a:xfrm>
+            <a:off x="302003" y="793279"/>
+            <a:ext cx="2965427" cy="553998"/>
+          </a:xfrm>
+          <a:prstGeom prst="rect">
+            <a:avLst/>
+          </a:prstGeom>
+          <a:noFill/>
+        </p:spPr>
+        <p:txBody>
+          <a:bodyPr wrap="none" rtlCol="0">
+            <a:spAutoFit/>
+          </a:bodyPr>
+          <a:lstStyle/>
+          <a:p>
+            <a:r>
+              <a:rPr lang="ru-RU" sz="3000" dirty="0">
+                <a:solidFill>
+                  <a:schemeClr val="bg1"/>
+                </a:solidFill>
+              </a:rPr>
+              <a:t>Система отзывов</a:t>
+            </a:r>
+            <a:endParaRPr lang="ru-RU" sz="3000" dirty="0"/>
+          </a:p>
+        </p:txBody>
+      </p:sp>
+      <p:pic>
+        <p:nvPicPr>
+          <p:cNvPr id="5" name="Рисунок 4">
+            <a:extLst>
+              <a:ext uri="{FF2B5EF4-FFF2-40B4-BE49-F238E27FC236}">
+                <a16:creationId xmlns:a16="http://schemas.microsoft.com/office/drawing/2014/main" id="{B75BB113-DE83-BC13-31C9-A8E56616212B}"/>
+              </a:ext>
+            </a:extLst>
+          </p:cNvPr>
+          <p:cNvPicPr>
+            <a:picLocks noChangeAspect="1"/>
+          </p:cNvPicPr>
+          <p:nvPr/>
+        </p:nvPicPr>
+        <p:blipFill>
+          <a:blip r:embed="rId2">
+            <a:extLst>
+              <a:ext uri="{28A0092B-C50C-407E-A947-70E740481C1C}">
+                <a14:useLocalDpi xmlns:a14="http://schemas.microsoft.com/office/drawing/2010/main" val="0"/>
+              </a:ext>
+            </a:extLst>
+          </a:blip>
+          <a:stretch>
+            <a:fillRect/>
+          </a:stretch>
+        </p:blipFill>
+        <p:spPr>
+          <a:xfrm>
+            <a:off x="3700096" y="1604517"/>
+            <a:ext cx="2395904" cy="4791807"/>
+          </a:xfrm>
+          <a:prstGeom prst="rect">
+            <a:avLst/>
+          </a:prstGeom>
+        </p:spPr>
+      </p:pic>
+      <p:pic>
+        <p:nvPicPr>
+          <p:cNvPr id="8" name="Рисунок 7">
+            <a:extLst>
+              <a:ext uri="{FF2B5EF4-FFF2-40B4-BE49-F238E27FC236}">
+                <a16:creationId xmlns:a16="http://schemas.microsoft.com/office/drawing/2014/main" id="{EC612795-7B09-FF7C-389F-05A74C059CF9}"/>
+              </a:ext>
+            </a:extLst>
+          </p:cNvPr>
+          <p:cNvPicPr>
+            <a:picLocks noChangeAspect="1"/>
+          </p:cNvPicPr>
+          <p:nvPr/>
+        </p:nvPicPr>
+        <p:blipFill>
+          <a:blip r:embed="rId3">
+            <a:extLst>
+              <a:ext uri="{28A0092B-C50C-407E-A947-70E740481C1C}">
+                <a14:useLocalDpi xmlns:a14="http://schemas.microsoft.com/office/drawing/2010/main" val="0"/>
+              </a:ext>
+            </a:extLst>
+          </a:blip>
+          <a:stretch>
+            <a:fillRect/>
+          </a:stretch>
+        </p:blipFill>
+        <p:spPr>
+          <a:xfrm>
+            <a:off x="6245469" y="1604517"/>
+            <a:ext cx="2395904" cy="4791807"/>
+          </a:xfrm>
+          <a:prstGeom prst="rect">
+            <a:avLst/>
+          </a:prstGeom>
+        </p:spPr>
+      </p:pic>
+    </p:spTree>
+    <p:extLst>
+      <p:ext uri="{BB962C8B-B14F-4D97-AF65-F5344CB8AC3E}">
+        <p14:creationId xmlns:p14="http://schemas.microsoft.com/office/powerpoint/2010/main" val="156103669"/>
+      </p:ext>
+    </p:extLst>
+  </p:cSld>
+  <p:clrMapOvr>
+    <a:masterClrMapping/>
+  </p:clrMapOvr>
+  <mc:AlternateContent xmlns:mc="http://schemas.openxmlformats.org/markup-compatibility/2006">
+    <mc:Choice xmlns:p159="http://schemas.microsoft.com/office/powerpoint/2015/09/main" Requires="p159">
+      <p:transition xmlns:p14="http://schemas.microsoft.com/office/powerpoint/2010/main" spd="slow" p14:dur="2000">
+        <p159:morph option="byObject"/>
+      </p:transition>
+    </mc:Choice>
+    <mc:Fallback>
+      <p:transition spd="slow">
+        <p:fade/>
+      </p:transition>
+    </mc:Fallback>
+  </mc:AlternateContent>
+</p:sld>
+</file>
+
+<file path=ppt/slides/slide8.xml><?xml version="1.0" encoding="utf-8"?>
+<p:sld xmlns:a="http://schemas.openxmlformats.org/drawingml/2006/main" xmlns:r="http://schemas.openxmlformats.org/officeDocument/2006/relationships" xmlns:p="http://schemas.openxmlformats.org/presentationml/2006/main">
+  <p:cSld>
+    <p:spTree>
+      <p:nvGrpSpPr>
+        <p:cNvPr id="1" name=""/>
+        <p:cNvGrpSpPr/>
+        <p:nvPr/>
+      </p:nvGrpSpPr>
+      <p:grpSpPr>
+        <a:xfrm>
+          <a:off x="0" y="0"/>
+          <a:ext cx="0" cy="0"/>
+          <a:chOff x="0" y="0"/>
+          <a:chExt cx="0" cy="0"/>
+        </a:xfrm>
+      </p:grpSpPr>
+      <p:sp>
+        <p:nvSpPr>
+          <p:cNvPr id="3" name="TextBox 2">
+            <a:extLst>
+              <a:ext uri="{FF2B5EF4-FFF2-40B4-BE49-F238E27FC236}">
+                <a16:creationId xmlns:a16="http://schemas.microsoft.com/office/drawing/2014/main" id="{86EE00B9-A570-C4E8-2E30-AA07281C3451}"/>
+              </a:ext>
+            </a:extLst>
+          </p:cNvPr>
+          <p:cNvSpPr txBox="1"/>
+          <p:nvPr/>
+        </p:nvSpPr>
+        <p:spPr>
+          <a:xfrm>
+            <a:off x="302003" y="249974"/>
+            <a:ext cx="6275179" cy="707886"/>
+          </a:xfrm>
+          <a:prstGeom prst="rect">
+            <a:avLst/>
+          </a:prstGeom>
+          <a:noFill/>
+        </p:spPr>
+        <p:txBody>
+          <a:bodyPr wrap="none" rtlCol="0">
+            <a:spAutoFit/>
+          </a:bodyPr>
+          <a:lstStyle/>
+          <a:p>
+            <a:r>
+              <a:rPr lang="ru-RU" sz="4000" dirty="0">
+                <a:solidFill>
+                  <a:schemeClr val="bg1"/>
+                </a:solidFill>
+              </a:rPr>
+              <a:t>Преимущества приложения</a:t>
+            </a:r>
+          </a:p>
+        </p:txBody>
+      </p:sp>
+      <p:sp>
+        <p:nvSpPr>
+          <p:cNvPr id="4" name="TextBox 3">
+            <a:extLst>
+              <a:ext uri="{FF2B5EF4-FFF2-40B4-BE49-F238E27FC236}">
+                <a16:creationId xmlns:a16="http://schemas.microsoft.com/office/drawing/2014/main" id="{DC833D4F-B9FD-FEDD-CBF5-4B2A6B210AE4}"/>
+              </a:ext>
+            </a:extLst>
+          </p:cNvPr>
+          <p:cNvSpPr txBox="1"/>
+          <p:nvPr/>
+        </p:nvSpPr>
+        <p:spPr>
+          <a:xfrm>
+            <a:off x="738232" y="1400962"/>
+            <a:ext cx="7383175" cy="1785104"/>
+          </a:xfrm>
+          <a:prstGeom prst="rect">
+            <a:avLst/>
+          </a:prstGeom>
+          <a:noFill/>
+        </p:spPr>
+        <p:txBody>
+          <a:bodyPr wrap="none" rtlCol="0">
+            <a:spAutoFit/>
+          </a:bodyPr>
+          <a:lstStyle/>
+          <a:p>
+            <a:pPr marL="342900" indent="-342900">
+              <a:buAutoNum type="arabicPeriod"/>
+            </a:pPr>
+            <a:r>
+              <a:rPr lang="ru-RU" sz="2200" dirty="0">
+                <a:solidFill>
+                  <a:schemeClr val="bg1"/>
+                </a:solidFill>
+              </a:rPr>
+              <a:t>Простой и интуитивно понятный дизайн.</a:t>
+            </a:r>
+            <a:endParaRPr lang="en-US" sz="2200" dirty="0">
+              <a:solidFill>
+                <a:schemeClr val="bg1"/>
+              </a:solidFill>
+            </a:endParaRPr>
+          </a:p>
+          <a:p>
+            <a:pPr marL="342900" indent="-342900">
+              <a:buAutoNum type="arabicPeriod"/>
+            </a:pPr>
+            <a:r>
+              <a:rPr lang="ru-RU" sz="2200" dirty="0">
+                <a:solidFill>
+                  <a:schemeClr val="bg1"/>
+                </a:solidFill>
+              </a:rPr>
+              <a:t>Быстрое планирование поездки.</a:t>
+            </a:r>
+            <a:endParaRPr lang="en-US" sz="2200" dirty="0">
+              <a:solidFill>
+                <a:schemeClr val="bg1"/>
+              </a:solidFill>
+            </a:endParaRPr>
+          </a:p>
+          <a:p>
+            <a:pPr marL="342900" indent="-342900">
+              <a:buAutoNum type="arabicPeriod"/>
+            </a:pPr>
+            <a:r>
+              <a:rPr lang="ru-RU" sz="2200" dirty="0">
+                <a:solidFill>
+                  <a:schemeClr val="bg1"/>
+                </a:solidFill>
+              </a:rPr>
+              <a:t>Удобный поиск нужных достопримечательностей и мест.</a:t>
+            </a:r>
+            <a:endParaRPr lang="en-US" sz="2200" dirty="0">
+              <a:solidFill>
+                <a:schemeClr val="bg1"/>
+              </a:solidFill>
+            </a:endParaRPr>
+          </a:p>
+          <a:p>
+            <a:pPr marL="342900" indent="-342900">
+              <a:buAutoNum type="arabicPeriod"/>
+            </a:pPr>
+            <a:r>
+              <a:rPr lang="ru-RU" sz="2200" dirty="0">
+                <a:solidFill>
+                  <a:schemeClr val="bg1"/>
+                </a:solidFill>
+              </a:rPr>
+              <a:t>Отзывы реальных людей о местах.</a:t>
+            </a:r>
+            <a:endParaRPr lang="en-US" sz="2200" dirty="0">
+              <a:solidFill>
+                <a:schemeClr val="bg1"/>
+              </a:solidFill>
+            </a:endParaRPr>
+          </a:p>
+          <a:p>
+            <a:pPr marL="342900" indent="-342900">
+              <a:buAutoNum type="arabicPeriod"/>
+            </a:pPr>
+            <a:r>
+              <a:rPr lang="ru-RU" sz="2200" dirty="0">
+                <a:solidFill>
+                  <a:schemeClr val="bg1"/>
+                </a:solidFill>
+              </a:rPr>
+              <a:t>Удобные напоминания в один клик.</a:t>
+            </a:r>
+          </a:p>
+        </p:txBody>
+      </p:sp>
       <p:grpSp>
         <p:nvGrpSpPr>
-          <p:cNvPr id="25" name="Группа 24">
-            <a:extLst>
-              <a:ext uri="{FF2B5EF4-FFF2-40B4-BE49-F238E27FC236}">
-                <a16:creationId xmlns:a16="http://schemas.microsoft.com/office/drawing/2014/main" id="{0E71DB48-39AF-C40B-AF2B-EE1C71608C91}"/>
+          <p:cNvPr id="16" name="Группа 15">
+            <a:extLst>
+              <a:ext uri="{FF2B5EF4-FFF2-40B4-BE49-F238E27FC236}">
+                <a16:creationId xmlns:a16="http://schemas.microsoft.com/office/drawing/2014/main" id="{98C049F7-D631-6FBB-3F58-AE1E9C6199C0}"/>
               </a:ext>
             </a:extLst>
           </p:cNvPr>
@@ -11061,233 +7960,18 @@
         </p:nvGrpSpPr>
         <p:grpSpPr>
           <a:xfrm>
-            <a:off x="1497625" y="7441257"/>
-            <a:ext cx="9234850" cy="2974581"/>
-            <a:chOff x="1478575" y="3174057"/>
-            <a:chExt cx="9234850" cy="2974581"/>
-          </a:xfrm>
-          <a:effectLst>
-            <a:outerShdw blurRad="368300" dist="215900" dir="5400000" sx="104000" sy="104000" algn="t" rotWithShape="0">
-              <a:prstClr val="black">
-                <a:alpha val="40000"/>
-              </a:prstClr>
-            </a:outerShdw>
-          </a:effectLst>
-          <a:scene3d>
-            <a:camera prst="orthographicFront">
-              <a:rot lat="21598856" lon="1134" rev="21573848"/>
-            </a:camera>
-            <a:lightRig rig="threePt" dir="t"/>
-          </a:scene3d>
+            <a:off x="4873800" y="3771006"/>
+            <a:ext cx="2444400" cy="2444400"/>
+            <a:chOff x="4452954" y="3321934"/>
+            <a:chExt cx="3286092" cy="3286092"/>
+          </a:xfrm>
         </p:grpSpPr>
         <p:sp>
           <p:nvSpPr>
-            <p:cNvPr id="26" name="Прямоугольник 25">
+            <p:cNvPr id="6" name="Прямоугольник: скругленные углы 5">
               <a:extLst>
                 <a:ext uri="{FF2B5EF4-FFF2-40B4-BE49-F238E27FC236}">
-                  <a16:creationId xmlns:a16="http://schemas.microsoft.com/office/drawing/2014/main" id="{9E1F6160-7792-1705-53AD-82DE9A65DD57}"/>
-                </a:ext>
-              </a:extLst>
-            </p:cNvPr>
-            <p:cNvSpPr/>
-            <p:nvPr/>
-          </p:nvSpPr>
-          <p:spPr>
-            <a:xfrm>
-              <a:off x="1478575" y="3194142"/>
-              <a:ext cx="9234850" cy="2951890"/>
-            </a:xfrm>
-            <a:prstGeom prst="rect">
-              <a:avLst/>
-            </a:prstGeom>
-            <a:solidFill>
-              <a:schemeClr val="tx2">
-                <a:lumMod val="75000"/>
-              </a:schemeClr>
-            </a:solidFill>
-            <a:ln>
-              <a:noFill/>
-            </a:ln>
-            <a:effectLst>
-              <a:outerShdw blurRad="50800" dist="38100" dir="5400000" algn="t" rotWithShape="0">
-                <a:prstClr val="black">
-                  <a:alpha val="40000"/>
-                </a:prstClr>
-              </a:outerShdw>
-            </a:effectLst>
-            <a:sp3d>
-              <a:bevelT w="165100" prst="coolSlant"/>
-            </a:sp3d>
-          </p:spPr>
-          <p:style>
-            <a:lnRef idx="2">
-              <a:schemeClr val="accent1">
-                <a:shade val="15000"/>
-              </a:schemeClr>
-            </a:lnRef>
-            <a:fillRef idx="1">
-              <a:schemeClr val="accent1"/>
-            </a:fillRef>
-            <a:effectRef idx="0">
-              <a:schemeClr val="accent1"/>
-            </a:effectRef>
-            <a:fontRef idx="minor">
-              <a:schemeClr val="lt1"/>
-            </a:fontRef>
-          </p:style>
-          <p:txBody>
-            <a:bodyPr rtlCol="0" anchor="ctr"/>
-            <a:lstStyle/>
-            <a:p>
-              <a:pPr algn="ctr"/>
-              <a:endParaRPr lang="ru-RU" dirty="0"/>
-            </a:p>
-          </p:txBody>
-        </p:sp>
-        <p:pic>
-          <p:nvPicPr>
-            <p:cNvPr id="27" name="Рисунок 26">
-              <a:extLst>
-                <a:ext uri="{FF2B5EF4-FFF2-40B4-BE49-F238E27FC236}">
-                  <a16:creationId xmlns:a16="http://schemas.microsoft.com/office/drawing/2014/main" id="{8CA455D2-0CDA-4C23-34A4-703049C6399A}"/>
-                </a:ext>
-              </a:extLst>
-            </p:cNvPr>
-            <p:cNvPicPr>
-              <a:picLocks noChangeAspect="1"/>
-            </p:cNvPicPr>
-            <p:nvPr/>
-          </p:nvPicPr>
-          <p:blipFill>
-            <a:blip r:embed="rId5">
-              <a:lum bright="70000" contrast="-70000"/>
-            </a:blip>
-            <a:stretch>
-              <a:fillRect/>
-            </a:stretch>
-          </p:blipFill>
-          <p:spPr>
-            <a:xfrm>
-              <a:off x="1478575" y="3174057"/>
-              <a:ext cx="2974581" cy="2974581"/>
-            </a:xfrm>
-            <a:prstGeom prst="rect">
-              <a:avLst/>
-            </a:prstGeom>
-            <a:effectLst>
-              <a:outerShdw blurRad="114300" dist="127000" sx="103000" sy="103000" algn="l" rotWithShape="0">
-                <a:prstClr val="black">
-                  <a:alpha val="28000"/>
-                </a:prstClr>
-              </a:outerShdw>
-            </a:effectLst>
-          </p:spPr>
-        </p:pic>
-        <p:pic>
-          <p:nvPicPr>
-            <p:cNvPr id="28" name="Рисунок 27">
-              <a:extLst>
-                <a:ext uri="{FF2B5EF4-FFF2-40B4-BE49-F238E27FC236}">
-                  <a16:creationId xmlns:a16="http://schemas.microsoft.com/office/drawing/2014/main" id="{B80C8718-C4B7-0362-EE68-A9E8F231ABCC}"/>
-                </a:ext>
-              </a:extLst>
-            </p:cNvPr>
-            <p:cNvPicPr>
-              <a:picLocks noChangeAspect="1"/>
-            </p:cNvPicPr>
-            <p:nvPr/>
-          </p:nvPicPr>
-          <p:blipFill>
-            <a:blip r:embed="rId6">
-              <a:lum bright="70000" contrast="-70000"/>
-            </a:blip>
-            <a:stretch>
-              <a:fillRect/>
-            </a:stretch>
-          </p:blipFill>
-          <p:spPr>
-            <a:xfrm>
-              <a:off x="4850633" y="3400590"/>
-              <a:ext cx="2450706" cy="2450706"/>
-            </a:xfrm>
-            <a:prstGeom prst="rect">
-              <a:avLst/>
-            </a:prstGeom>
-            <a:effectLst>
-              <a:outerShdw blurRad="114300" dist="127000" sx="103000" sy="103000" algn="l" rotWithShape="0">
-                <a:prstClr val="black">
-                  <a:alpha val="28000"/>
-                </a:prstClr>
-              </a:outerShdw>
-            </a:effectLst>
-          </p:spPr>
-        </p:pic>
-        <p:pic>
-          <p:nvPicPr>
-            <p:cNvPr id="29" name="Рисунок 28">
-              <a:extLst>
-                <a:ext uri="{FF2B5EF4-FFF2-40B4-BE49-F238E27FC236}">
-                  <a16:creationId xmlns:a16="http://schemas.microsoft.com/office/drawing/2014/main" id="{DAD039B8-311F-1722-799A-888021AF8874}"/>
-                </a:ext>
-              </a:extLst>
-            </p:cNvPr>
-            <p:cNvPicPr>
-              <a:picLocks noChangeAspect="1"/>
-            </p:cNvPicPr>
-            <p:nvPr/>
-          </p:nvPicPr>
-          <p:blipFill>
-            <a:blip r:embed="rId7">
-              <a:lum bright="70000" contrast="-70000"/>
-            </a:blip>
-            <a:stretch>
-              <a:fillRect/>
-            </a:stretch>
-          </p:blipFill>
-          <p:spPr>
-            <a:xfrm>
-              <a:off x="8165484" y="3599355"/>
-              <a:ext cx="2123984" cy="2123985"/>
-            </a:xfrm>
-            <a:prstGeom prst="rect">
-              <a:avLst/>
-            </a:prstGeom>
-            <a:effectLst>
-              <a:outerShdw blurRad="114300" dist="127000" sx="103000" sy="103000" algn="l" rotWithShape="0">
-                <a:prstClr val="black">
-                  <a:alpha val="28000"/>
-                </a:prstClr>
-              </a:outerShdw>
-            </a:effectLst>
-          </p:spPr>
-        </p:pic>
-      </p:grpSp>
-      <p:grpSp>
-        <p:nvGrpSpPr>
-          <p:cNvPr id="30" name="Группа 29">
-            <a:extLst>
-              <a:ext uri="{FF2B5EF4-FFF2-40B4-BE49-F238E27FC236}">
-                <a16:creationId xmlns:a16="http://schemas.microsoft.com/office/drawing/2014/main" id="{1F21F487-3063-6262-2C8A-068462308CD8}"/>
-              </a:ext>
-            </a:extLst>
-          </p:cNvPr>
-          <p:cNvGrpSpPr/>
-          <p:nvPr/>
-        </p:nvGrpSpPr>
-        <p:grpSpPr>
-          <a:xfrm>
-            <a:off x="4451990" y="-3969975"/>
-            <a:ext cx="3286092" cy="3286092"/>
-            <a:chOff x="4452954" y="3321934"/>
-            <a:chExt cx="3286092" cy="3286092"/>
-          </a:xfrm>
-        </p:grpSpPr>
-        <p:sp>
-          <p:nvSpPr>
-            <p:cNvPr id="31" name="Прямоугольник: скругленные углы 30">
-              <a:extLst>
-                <a:ext uri="{FF2B5EF4-FFF2-40B4-BE49-F238E27FC236}">
-                  <a16:creationId xmlns:a16="http://schemas.microsoft.com/office/drawing/2014/main" id="{C9F5E6B3-947E-DD1D-8579-4AFE4BF95B52}"/>
+                  <a16:creationId xmlns:a16="http://schemas.microsoft.com/office/drawing/2014/main" id="{9FBBF34A-24AA-6A7D-A010-E488A68D5A91}"/>
                 </a:ext>
               </a:extLst>
             </p:cNvPr>
@@ -11356,10 +8040,10 @@
         </p:sp>
         <p:pic>
           <p:nvPicPr>
-            <p:cNvPr id="32" name="Рисунок 31">
+            <p:cNvPr id="5" name="Рисунок 4">
               <a:extLst>
                 <a:ext uri="{FF2B5EF4-FFF2-40B4-BE49-F238E27FC236}">
-                  <a16:creationId xmlns:a16="http://schemas.microsoft.com/office/drawing/2014/main" id="{05F4B2C2-154B-6ECE-165D-2B2598AADF42}"/>
+                  <a16:creationId xmlns:a16="http://schemas.microsoft.com/office/drawing/2014/main" id="{A6068622-3079-93BF-89C1-546C7A948538}"/>
                 </a:ext>
               </a:extLst>
             </p:cNvPr>
@@ -11369,7 +8053,7 @@
             <p:nvPr/>
           </p:nvPicPr>
           <p:blipFill>
-            <a:blip r:embed="rId8">
+            <a:blip r:embed="rId2">
               <a:lum bright="70000" contrast="-70000"/>
             </a:blip>
             <a:stretch>
@@ -11390,813 +8074,7 @@
     </p:spTree>
     <p:extLst>
       <p:ext uri="{BB962C8B-B14F-4D97-AF65-F5344CB8AC3E}">
-        <p14:creationId xmlns:p14="http://schemas.microsoft.com/office/powerpoint/2010/main" val="3478773163"/>
-      </p:ext>
-    </p:extLst>
-  </p:cSld>
-  <p:clrMapOvr>
-    <a:masterClrMapping/>
-  </p:clrMapOvr>
-  <mc:AlternateContent xmlns:mc="http://schemas.openxmlformats.org/markup-compatibility/2006" xmlns:p159="http://schemas.microsoft.com/office/powerpoint/2015/09/main">
-    <mc:Choice Requires="p159">
-      <p:transition xmlns:p14="http://schemas.microsoft.com/office/powerpoint/2010/main" spd="slow" p14:dur="2000">
-        <p159:morph option="byObject"/>
-      </p:transition>
-    </mc:Choice>
-    <mc:Fallback xmlns="">
-      <p:transition spd="slow">
-        <p:fade/>
-      </p:transition>
-    </mc:Fallback>
-  </mc:AlternateContent>
-</p:sld>
-</file>
-
-<file path=ppt/slides/slide7.xml><?xml version="1.0" encoding="utf-8"?>
-<p:sld xmlns:a="http://schemas.openxmlformats.org/drawingml/2006/main" xmlns:r="http://schemas.openxmlformats.org/officeDocument/2006/relationships" xmlns:p="http://schemas.openxmlformats.org/presentationml/2006/main">
-  <p:cSld>
-    <p:spTree>
-      <p:nvGrpSpPr>
-        <p:cNvPr id="1" name=""/>
-        <p:cNvGrpSpPr/>
-        <p:nvPr/>
-      </p:nvGrpSpPr>
-      <p:grpSpPr>
-        <a:xfrm>
-          <a:off x="0" y="0"/>
-          <a:ext cx="0" cy="0"/>
-          <a:chOff x="0" y="0"/>
-          <a:chExt cx="0" cy="0"/>
-        </a:xfrm>
-      </p:grpSpPr>
-      <p:sp>
-        <p:nvSpPr>
-          <p:cNvPr id="3" name="TextBox 2">
-            <a:extLst>
-              <a:ext uri="{FF2B5EF4-FFF2-40B4-BE49-F238E27FC236}">
-                <a16:creationId xmlns:a16="http://schemas.microsoft.com/office/drawing/2014/main" id="{86EE00B9-A570-C4E8-2E30-AA07281C3451}"/>
-              </a:ext>
-            </a:extLst>
-          </p:cNvPr>
-          <p:cNvSpPr txBox="1"/>
-          <p:nvPr/>
-        </p:nvSpPr>
-        <p:spPr>
-          <a:xfrm>
-            <a:off x="302003" y="249974"/>
-            <a:ext cx="6736075" cy="523220"/>
-          </a:xfrm>
-          <a:prstGeom prst="rect">
-            <a:avLst/>
-          </a:prstGeom>
-          <a:noFill/>
-        </p:spPr>
-        <p:txBody>
-          <a:bodyPr wrap="none" rtlCol="0">
-            <a:spAutoFit/>
-          </a:bodyPr>
-          <a:lstStyle/>
-          <a:p>
-            <a:r>
-              <a:rPr lang="ru-RU" sz="2800" dirty="0">
-                <a:solidFill>
-                  <a:schemeClr val="bg1"/>
-                </a:solidFill>
-              </a:rPr>
-              <a:t>Функционал приложения </a:t>
-            </a:r>
-            <a:r>
-              <a:rPr lang="en-US" sz="2800" dirty="0">
-                <a:solidFill>
-                  <a:schemeClr val="bg1"/>
-                </a:solidFill>
-              </a:rPr>
-              <a:t>“Travel Manager”</a:t>
-            </a:r>
-            <a:endParaRPr lang="ru-RU" sz="2800" dirty="0">
-              <a:solidFill>
-                <a:schemeClr val="bg1"/>
-              </a:solidFill>
-            </a:endParaRPr>
-          </a:p>
-        </p:txBody>
-      </p:sp>
-      <p:grpSp>
-        <p:nvGrpSpPr>
-          <p:cNvPr id="25" name="Группа 24">
-            <a:extLst>
-              <a:ext uri="{FF2B5EF4-FFF2-40B4-BE49-F238E27FC236}">
-                <a16:creationId xmlns:a16="http://schemas.microsoft.com/office/drawing/2014/main" id="{0E71DB48-39AF-C40B-AF2B-EE1C71608C91}"/>
-              </a:ext>
-            </a:extLst>
-          </p:cNvPr>
-          <p:cNvGrpSpPr/>
-          <p:nvPr/>
-        </p:nvGrpSpPr>
-        <p:grpSpPr>
-          <a:xfrm>
-            <a:off x="1497625" y="7441257"/>
-            <a:ext cx="9234850" cy="2974581"/>
-            <a:chOff x="1478575" y="3174057"/>
-            <a:chExt cx="9234850" cy="2974581"/>
-          </a:xfrm>
-          <a:effectLst>
-            <a:outerShdw blurRad="368300" dist="215900" dir="5400000" sx="104000" sy="104000" algn="t" rotWithShape="0">
-              <a:prstClr val="black">
-                <a:alpha val="40000"/>
-              </a:prstClr>
-            </a:outerShdw>
-          </a:effectLst>
-          <a:scene3d>
-            <a:camera prst="orthographicFront">
-              <a:rot lat="21598856" lon="1134" rev="21573848"/>
-            </a:camera>
-            <a:lightRig rig="threePt" dir="t"/>
-          </a:scene3d>
-        </p:grpSpPr>
-        <p:sp>
-          <p:nvSpPr>
-            <p:cNvPr id="26" name="Прямоугольник 25">
-              <a:extLst>
-                <a:ext uri="{FF2B5EF4-FFF2-40B4-BE49-F238E27FC236}">
-                  <a16:creationId xmlns:a16="http://schemas.microsoft.com/office/drawing/2014/main" id="{9E1F6160-7792-1705-53AD-82DE9A65DD57}"/>
-                </a:ext>
-              </a:extLst>
-            </p:cNvPr>
-            <p:cNvSpPr/>
-            <p:nvPr/>
-          </p:nvSpPr>
-          <p:spPr>
-            <a:xfrm>
-              <a:off x="1478575" y="3194142"/>
-              <a:ext cx="9234850" cy="2951890"/>
-            </a:xfrm>
-            <a:prstGeom prst="rect">
-              <a:avLst/>
-            </a:prstGeom>
-            <a:solidFill>
-              <a:schemeClr val="tx2">
-                <a:lumMod val="75000"/>
-              </a:schemeClr>
-            </a:solidFill>
-            <a:ln>
-              <a:noFill/>
-            </a:ln>
-            <a:effectLst>
-              <a:outerShdw blurRad="50800" dist="38100" dir="5400000" algn="t" rotWithShape="0">
-                <a:prstClr val="black">
-                  <a:alpha val="40000"/>
-                </a:prstClr>
-              </a:outerShdw>
-            </a:effectLst>
-            <a:sp3d>
-              <a:bevelT w="165100" prst="coolSlant"/>
-            </a:sp3d>
-          </p:spPr>
-          <p:style>
-            <a:lnRef idx="2">
-              <a:schemeClr val="accent1">
-                <a:shade val="15000"/>
-              </a:schemeClr>
-            </a:lnRef>
-            <a:fillRef idx="1">
-              <a:schemeClr val="accent1"/>
-            </a:fillRef>
-            <a:effectRef idx="0">
-              <a:schemeClr val="accent1"/>
-            </a:effectRef>
-            <a:fontRef idx="minor">
-              <a:schemeClr val="lt1"/>
-            </a:fontRef>
-          </p:style>
-          <p:txBody>
-            <a:bodyPr rtlCol="0" anchor="ctr"/>
-            <a:lstStyle/>
-            <a:p>
-              <a:pPr algn="ctr"/>
-              <a:endParaRPr lang="ru-RU" dirty="0"/>
-            </a:p>
-          </p:txBody>
-        </p:sp>
-        <p:pic>
-          <p:nvPicPr>
-            <p:cNvPr id="27" name="Рисунок 26">
-              <a:extLst>
-                <a:ext uri="{FF2B5EF4-FFF2-40B4-BE49-F238E27FC236}">
-                  <a16:creationId xmlns:a16="http://schemas.microsoft.com/office/drawing/2014/main" id="{8CA455D2-0CDA-4C23-34A4-703049C6399A}"/>
-                </a:ext>
-              </a:extLst>
-            </p:cNvPr>
-            <p:cNvPicPr>
-              <a:picLocks noChangeAspect="1"/>
-            </p:cNvPicPr>
-            <p:nvPr/>
-          </p:nvPicPr>
-          <p:blipFill>
-            <a:blip r:embed="rId2">
-              <a:lum bright="70000" contrast="-70000"/>
-            </a:blip>
-            <a:stretch>
-              <a:fillRect/>
-            </a:stretch>
-          </p:blipFill>
-          <p:spPr>
-            <a:xfrm>
-              <a:off x="1478575" y="3174057"/>
-              <a:ext cx="2974581" cy="2974581"/>
-            </a:xfrm>
-            <a:prstGeom prst="rect">
-              <a:avLst/>
-            </a:prstGeom>
-            <a:effectLst>
-              <a:outerShdw blurRad="114300" dist="127000" sx="103000" sy="103000" algn="l" rotWithShape="0">
-                <a:prstClr val="black">
-                  <a:alpha val="28000"/>
-                </a:prstClr>
-              </a:outerShdw>
-            </a:effectLst>
-          </p:spPr>
-        </p:pic>
-        <p:pic>
-          <p:nvPicPr>
-            <p:cNvPr id="28" name="Рисунок 27">
-              <a:extLst>
-                <a:ext uri="{FF2B5EF4-FFF2-40B4-BE49-F238E27FC236}">
-                  <a16:creationId xmlns:a16="http://schemas.microsoft.com/office/drawing/2014/main" id="{B80C8718-C4B7-0362-EE68-A9E8F231ABCC}"/>
-                </a:ext>
-              </a:extLst>
-            </p:cNvPr>
-            <p:cNvPicPr>
-              <a:picLocks noChangeAspect="1"/>
-            </p:cNvPicPr>
-            <p:nvPr/>
-          </p:nvPicPr>
-          <p:blipFill>
-            <a:blip r:embed="rId3">
-              <a:lum bright="70000" contrast="-70000"/>
-            </a:blip>
-            <a:stretch>
-              <a:fillRect/>
-            </a:stretch>
-          </p:blipFill>
-          <p:spPr>
-            <a:xfrm>
-              <a:off x="4850633" y="3400590"/>
-              <a:ext cx="2450706" cy="2450706"/>
-            </a:xfrm>
-            <a:prstGeom prst="rect">
-              <a:avLst/>
-            </a:prstGeom>
-            <a:effectLst>
-              <a:outerShdw blurRad="114300" dist="127000" sx="103000" sy="103000" algn="l" rotWithShape="0">
-                <a:prstClr val="black">
-                  <a:alpha val="28000"/>
-                </a:prstClr>
-              </a:outerShdw>
-            </a:effectLst>
-          </p:spPr>
-        </p:pic>
-        <p:pic>
-          <p:nvPicPr>
-            <p:cNvPr id="29" name="Рисунок 28">
-              <a:extLst>
-                <a:ext uri="{FF2B5EF4-FFF2-40B4-BE49-F238E27FC236}">
-                  <a16:creationId xmlns:a16="http://schemas.microsoft.com/office/drawing/2014/main" id="{DAD039B8-311F-1722-799A-888021AF8874}"/>
-                </a:ext>
-              </a:extLst>
-            </p:cNvPr>
-            <p:cNvPicPr>
-              <a:picLocks noChangeAspect="1"/>
-            </p:cNvPicPr>
-            <p:nvPr/>
-          </p:nvPicPr>
-          <p:blipFill>
-            <a:blip r:embed="rId4">
-              <a:lum bright="70000" contrast="-70000"/>
-            </a:blip>
-            <a:stretch>
-              <a:fillRect/>
-            </a:stretch>
-          </p:blipFill>
-          <p:spPr>
-            <a:xfrm>
-              <a:off x="8165484" y="3599355"/>
-              <a:ext cx="2123984" cy="2123985"/>
-            </a:xfrm>
-            <a:prstGeom prst="rect">
-              <a:avLst/>
-            </a:prstGeom>
-            <a:effectLst>
-              <a:outerShdw blurRad="114300" dist="127000" sx="103000" sy="103000" algn="l" rotWithShape="0">
-                <a:prstClr val="black">
-                  <a:alpha val="28000"/>
-                </a:prstClr>
-              </a:outerShdw>
-            </a:effectLst>
-          </p:spPr>
-        </p:pic>
-      </p:grpSp>
-      <p:grpSp>
-        <p:nvGrpSpPr>
-          <p:cNvPr id="30" name="Группа 29">
-            <a:extLst>
-              <a:ext uri="{FF2B5EF4-FFF2-40B4-BE49-F238E27FC236}">
-                <a16:creationId xmlns:a16="http://schemas.microsoft.com/office/drawing/2014/main" id="{1F21F487-3063-6262-2C8A-068462308CD8}"/>
-              </a:ext>
-            </a:extLst>
-          </p:cNvPr>
-          <p:cNvGrpSpPr/>
-          <p:nvPr/>
-        </p:nvGrpSpPr>
-        <p:grpSpPr>
-          <a:xfrm>
-            <a:off x="4451990" y="-3969975"/>
-            <a:ext cx="3286092" cy="3286092"/>
-            <a:chOff x="4452954" y="3321934"/>
-            <a:chExt cx="3286092" cy="3286092"/>
-          </a:xfrm>
-        </p:grpSpPr>
-        <p:sp>
-          <p:nvSpPr>
-            <p:cNvPr id="31" name="Прямоугольник: скругленные углы 30">
-              <a:extLst>
-                <a:ext uri="{FF2B5EF4-FFF2-40B4-BE49-F238E27FC236}">
-                  <a16:creationId xmlns:a16="http://schemas.microsoft.com/office/drawing/2014/main" id="{C9F5E6B3-947E-DD1D-8579-4AFE4BF95B52}"/>
-                </a:ext>
-              </a:extLst>
-            </p:cNvPr>
-            <p:cNvSpPr/>
-            <p:nvPr/>
-          </p:nvSpPr>
-          <p:spPr>
-            <a:xfrm>
-              <a:off x="4452954" y="3321934"/>
-              <a:ext cx="3286092" cy="3286092"/>
-            </a:xfrm>
-            <a:prstGeom prst="roundRect">
-              <a:avLst/>
-            </a:prstGeom>
-            <a:solidFill>
-              <a:schemeClr val="tx2">
-                <a:lumMod val="75000"/>
-              </a:schemeClr>
-            </a:solidFill>
-            <a:ln>
-              <a:noFill/>
-            </a:ln>
-            <a:effectLst>
-              <a:outerShdw blurRad="190500" dist="228600" dir="2700000" algn="ctr">
-                <a:srgbClr val="000000">
-                  <a:alpha val="30000"/>
-                </a:srgbClr>
-              </a:outerShdw>
-            </a:effectLst>
-            <a:scene3d>
-              <a:camera prst="orthographicFront">
-                <a:rot lat="0" lon="0" rev="0"/>
-              </a:camera>
-              <a:lightRig rig="glow" dir="t">
-                <a:rot lat="0" lon="0" rev="4800000"/>
-              </a:lightRig>
-            </a:scene3d>
-            <a:sp3d prstMaterial="matte">
-              <a:bevelT w="127000" h="63500"/>
-            </a:sp3d>
-          </p:spPr>
-          <p:style>
-            <a:lnRef idx="2">
-              <a:schemeClr val="accent1">
-                <a:shade val="15000"/>
-              </a:schemeClr>
-            </a:lnRef>
-            <a:fillRef idx="1">
-              <a:schemeClr val="accent1"/>
-            </a:fillRef>
-            <a:effectRef idx="0">
-              <a:schemeClr val="accent1"/>
-            </a:effectRef>
-            <a:fontRef idx="minor">
-              <a:schemeClr val="lt1"/>
-            </a:fontRef>
-          </p:style>
-          <p:txBody>
-            <a:bodyPr rtlCol="0" anchor="ctr"/>
-            <a:lstStyle/>
-            <a:p>
-              <a:pPr algn="ctr"/>
-              <a:endParaRPr lang="ru-RU"/>
-            </a:p>
-          </p:txBody>
-        </p:sp>
-        <p:pic>
-          <p:nvPicPr>
-            <p:cNvPr id="32" name="Рисунок 31">
-              <a:extLst>
-                <a:ext uri="{FF2B5EF4-FFF2-40B4-BE49-F238E27FC236}">
-                  <a16:creationId xmlns:a16="http://schemas.microsoft.com/office/drawing/2014/main" id="{05F4B2C2-154B-6ECE-165D-2B2598AADF42}"/>
-                </a:ext>
-              </a:extLst>
-            </p:cNvPr>
-            <p:cNvPicPr>
-              <a:picLocks noChangeAspect="1"/>
-            </p:cNvPicPr>
-            <p:nvPr/>
-          </p:nvPicPr>
-          <p:blipFill>
-            <a:blip r:embed="rId5">
-              <a:lum bright="70000" contrast="-70000"/>
-            </a:blip>
-            <a:stretch>
-              <a:fillRect/>
-            </a:stretch>
-          </p:blipFill>
-          <p:spPr>
-            <a:xfrm>
-              <a:off x="4788061" y="3657041"/>
-              <a:ext cx="2615878" cy="2615878"/>
-            </a:xfrm>
-            <a:prstGeom prst="rect">
-              <a:avLst/>
-            </a:prstGeom>
-          </p:spPr>
-        </p:pic>
-      </p:grpSp>
-      <p:sp>
-        <p:nvSpPr>
-          <p:cNvPr id="4" name="TextBox 3">
-            <a:extLst>
-              <a:ext uri="{FF2B5EF4-FFF2-40B4-BE49-F238E27FC236}">
-                <a16:creationId xmlns:a16="http://schemas.microsoft.com/office/drawing/2014/main" id="{669E491D-49DC-8A60-0359-00D5001C95F5}"/>
-              </a:ext>
-            </a:extLst>
-          </p:cNvPr>
-          <p:cNvSpPr txBox="1"/>
-          <p:nvPr/>
-        </p:nvSpPr>
-        <p:spPr>
-          <a:xfrm>
-            <a:off x="302003" y="793279"/>
-            <a:ext cx="6775445" cy="553998"/>
-          </a:xfrm>
-          <a:prstGeom prst="rect">
-            <a:avLst/>
-          </a:prstGeom>
-          <a:noFill/>
-        </p:spPr>
-        <p:txBody>
-          <a:bodyPr wrap="none" rtlCol="0">
-            <a:spAutoFit/>
-          </a:bodyPr>
-          <a:lstStyle/>
-          <a:p>
-            <a:r>
-              <a:rPr lang="ru-RU" sz="3000" dirty="0">
-                <a:solidFill>
-                  <a:schemeClr val="bg1"/>
-                </a:solidFill>
-              </a:rPr>
-              <a:t>Вход в приложение и создание поездки</a:t>
-            </a:r>
-            <a:endParaRPr lang="ru-RU" sz="3000" dirty="0"/>
-          </a:p>
-        </p:txBody>
-      </p:sp>
-      <p:pic>
-        <p:nvPicPr>
-          <p:cNvPr id="10" name="Рисунок 9">
-            <a:extLst>
-              <a:ext uri="{FF2B5EF4-FFF2-40B4-BE49-F238E27FC236}">
-                <a16:creationId xmlns:a16="http://schemas.microsoft.com/office/drawing/2014/main" id="{2A33601D-EEDB-DD41-F745-843E3F4A254C}"/>
-              </a:ext>
-            </a:extLst>
-          </p:cNvPr>
-          <p:cNvPicPr>
-            <a:picLocks noChangeAspect="1"/>
-          </p:cNvPicPr>
-          <p:nvPr/>
-        </p:nvPicPr>
-        <p:blipFill>
-          <a:blip r:embed="rId6">
-            <a:extLst>
-              <a:ext uri="{28A0092B-C50C-407E-A947-70E740481C1C}">
-                <a14:useLocalDpi xmlns:a14="http://schemas.microsoft.com/office/drawing/2010/main" val="0"/>
-              </a:ext>
-            </a:extLst>
-          </a:blip>
-          <a:stretch>
-            <a:fillRect/>
-          </a:stretch>
-        </p:blipFill>
-        <p:spPr>
-          <a:xfrm>
-            <a:off x="302003" y="2032000"/>
-            <a:ext cx="2500690" cy="4445671"/>
-          </a:xfrm>
-          <a:prstGeom prst="rect">
-            <a:avLst/>
-          </a:prstGeom>
-        </p:spPr>
-      </p:pic>
-      <p:pic>
-        <p:nvPicPr>
-          <p:cNvPr id="19" name="Рисунок 18">
-            <a:extLst>
-              <a:ext uri="{FF2B5EF4-FFF2-40B4-BE49-F238E27FC236}">
-                <a16:creationId xmlns:a16="http://schemas.microsoft.com/office/drawing/2014/main" id="{2D7BD025-5D90-0108-A115-C8D3E72D0D53}"/>
-              </a:ext>
-            </a:extLst>
-          </p:cNvPr>
-          <p:cNvPicPr>
-            <a:picLocks noChangeAspect="1"/>
-          </p:cNvPicPr>
-          <p:nvPr/>
-        </p:nvPicPr>
-        <p:blipFill>
-          <a:blip r:embed="rId7"/>
-          <a:stretch>
-            <a:fillRect/>
-          </a:stretch>
-        </p:blipFill>
-        <p:spPr>
-          <a:xfrm>
-            <a:off x="3375047" y="2032000"/>
-            <a:ext cx="2500690" cy="4445671"/>
-          </a:xfrm>
-          <a:prstGeom prst="rect">
-            <a:avLst/>
-          </a:prstGeom>
-        </p:spPr>
-      </p:pic>
-      <p:pic>
-        <p:nvPicPr>
-          <p:cNvPr id="33" name="Рисунок 32">
-            <a:extLst>
-              <a:ext uri="{FF2B5EF4-FFF2-40B4-BE49-F238E27FC236}">
-                <a16:creationId xmlns:a16="http://schemas.microsoft.com/office/drawing/2014/main" id="{92446543-2EFD-D7FE-2253-45D79EB26958}"/>
-              </a:ext>
-            </a:extLst>
-          </p:cNvPr>
-          <p:cNvPicPr>
-            <a:picLocks noChangeAspect="1"/>
-          </p:cNvPicPr>
-          <p:nvPr/>
-        </p:nvPicPr>
-        <p:blipFill>
-          <a:blip r:embed="rId8"/>
-          <a:stretch>
-            <a:fillRect/>
-          </a:stretch>
-        </p:blipFill>
-        <p:spPr>
-          <a:xfrm>
-            <a:off x="6273213" y="2032000"/>
-            <a:ext cx="2500689" cy="4445671"/>
-          </a:xfrm>
-          <a:prstGeom prst="rect">
-            <a:avLst/>
-          </a:prstGeom>
-        </p:spPr>
-      </p:pic>
-      <p:pic>
-        <p:nvPicPr>
-          <p:cNvPr id="35" name="Рисунок 34">
-            <a:extLst>
-              <a:ext uri="{FF2B5EF4-FFF2-40B4-BE49-F238E27FC236}">
-                <a16:creationId xmlns:a16="http://schemas.microsoft.com/office/drawing/2014/main" id="{55D97EB6-D414-5C41-4AF9-DD4BE081C295}"/>
-              </a:ext>
-            </a:extLst>
-          </p:cNvPr>
-          <p:cNvPicPr>
-            <a:picLocks noChangeAspect="1"/>
-          </p:cNvPicPr>
-          <p:nvPr/>
-        </p:nvPicPr>
-        <p:blipFill>
-          <a:blip r:embed="rId9"/>
-          <a:stretch>
-            <a:fillRect/>
-          </a:stretch>
-        </p:blipFill>
-        <p:spPr>
-          <a:xfrm>
-            <a:off x="9258023" y="2032000"/>
-            <a:ext cx="2500688" cy="4445671"/>
-          </a:xfrm>
-          <a:prstGeom prst="rect">
-            <a:avLst/>
-          </a:prstGeom>
-        </p:spPr>
-      </p:pic>
-    </p:spTree>
-    <p:extLst>
-      <p:ext uri="{BB962C8B-B14F-4D97-AF65-F5344CB8AC3E}">
-        <p14:creationId xmlns:p14="http://schemas.microsoft.com/office/powerpoint/2010/main" val="2904381291"/>
-      </p:ext>
-    </p:extLst>
-  </p:cSld>
-  <p:clrMapOvr>
-    <a:masterClrMapping/>
-  </p:clrMapOvr>
-  <mc:AlternateContent xmlns:mc="http://schemas.openxmlformats.org/markup-compatibility/2006" xmlns:p159="http://schemas.microsoft.com/office/powerpoint/2015/09/main">
-    <mc:Choice Requires="p159">
-      <p:transition xmlns:p14="http://schemas.microsoft.com/office/powerpoint/2010/main" spd="slow" p14:dur="2000">
-        <p159:morph option="byObject"/>
-      </p:transition>
-    </mc:Choice>
-    <mc:Fallback xmlns="">
-      <p:transition spd="slow">
-        <p:fade/>
-      </p:transition>
-    </mc:Fallback>
-  </mc:AlternateContent>
-</p:sld>
-</file>
-
-<file path=ppt/slides/slide8.xml><?xml version="1.0" encoding="utf-8"?>
-<p:sld xmlns:a="http://schemas.openxmlformats.org/drawingml/2006/main" xmlns:r="http://schemas.openxmlformats.org/officeDocument/2006/relationships" xmlns:p="http://schemas.openxmlformats.org/presentationml/2006/main">
-  <p:cSld>
-    <p:spTree>
-      <p:nvGrpSpPr>
-        <p:cNvPr id="1" name=""/>
-        <p:cNvGrpSpPr/>
-        <p:nvPr/>
-      </p:nvGrpSpPr>
-      <p:grpSpPr>
-        <a:xfrm>
-          <a:off x="0" y="0"/>
-          <a:ext cx="0" cy="0"/>
-          <a:chOff x="0" y="0"/>
-          <a:chExt cx="0" cy="0"/>
-        </a:xfrm>
-      </p:grpSpPr>
-      <p:sp>
-        <p:nvSpPr>
-          <p:cNvPr id="3" name="TextBox 2">
-            <a:extLst>
-              <a:ext uri="{FF2B5EF4-FFF2-40B4-BE49-F238E27FC236}">
-                <a16:creationId xmlns:a16="http://schemas.microsoft.com/office/drawing/2014/main" id="{86EE00B9-A570-C4E8-2E30-AA07281C3451}"/>
-              </a:ext>
-            </a:extLst>
-          </p:cNvPr>
-          <p:cNvSpPr txBox="1"/>
-          <p:nvPr/>
-        </p:nvSpPr>
-        <p:spPr>
-          <a:xfrm>
-            <a:off x="302003" y="249974"/>
-            <a:ext cx="6736075" cy="523220"/>
-          </a:xfrm>
-          <a:prstGeom prst="rect">
-            <a:avLst/>
-          </a:prstGeom>
-          <a:noFill/>
-        </p:spPr>
-        <p:txBody>
-          <a:bodyPr wrap="none" rtlCol="0">
-            <a:spAutoFit/>
-          </a:bodyPr>
-          <a:lstStyle/>
-          <a:p>
-            <a:r>
-              <a:rPr lang="ru-RU" sz="2800" dirty="0">
-                <a:solidFill>
-                  <a:schemeClr val="bg1"/>
-                </a:solidFill>
-              </a:rPr>
-              <a:t>Функционал приложения </a:t>
-            </a:r>
-            <a:r>
-              <a:rPr lang="en-US" sz="2800" dirty="0">
-                <a:solidFill>
-                  <a:schemeClr val="bg1"/>
-                </a:solidFill>
-              </a:rPr>
-              <a:t>“Travel Manager”</a:t>
-            </a:r>
-            <a:endParaRPr lang="ru-RU" sz="2800" dirty="0">
-              <a:solidFill>
-                <a:schemeClr val="bg1"/>
-              </a:solidFill>
-            </a:endParaRPr>
-          </a:p>
-        </p:txBody>
-      </p:sp>
-      <p:sp>
-        <p:nvSpPr>
-          <p:cNvPr id="4" name="TextBox 3">
-            <a:extLst>
-              <a:ext uri="{FF2B5EF4-FFF2-40B4-BE49-F238E27FC236}">
-                <a16:creationId xmlns:a16="http://schemas.microsoft.com/office/drawing/2014/main" id="{669E491D-49DC-8A60-0359-00D5001C95F5}"/>
-              </a:ext>
-            </a:extLst>
-          </p:cNvPr>
-          <p:cNvSpPr txBox="1"/>
-          <p:nvPr/>
-        </p:nvSpPr>
-        <p:spPr>
-          <a:xfrm>
-            <a:off x="302003" y="793279"/>
-            <a:ext cx="3368038" cy="553998"/>
-          </a:xfrm>
-          <a:prstGeom prst="rect">
-            <a:avLst/>
-          </a:prstGeom>
-          <a:noFill/>
-        </p:spPr>
-        <p:txBody>
-          <a:bodyPr wrap="none" rtlCol="0">
-            <a:spAutoFit/>
-          </a:bodyPr>
-          <a:lstStyle/>
-          <a:p>
-            <a:r>
-              <a:rPr lang="ru-RU" sz="3000" dirty="0">
-                <a:solidFill>
-                  <a:schemeClr val="bg1"/>
-                </a:solidFill>
-              </a:rPr>
-              <a:t>Выбор активностей</a:t>
-            </a:r>
-            <a:endParaRPr lang="ru-RU" sz="3000" dirty="0"/>
-          </a:p>
-        </p:txBody>
-      </p:sp>
-      <p:pic>
-        <p:nvPicPr>
-          <p:cNvPr id="7" name="Рисунок 6">
-            <a:extLst>
-              <a:ext uri="{FF2B5EF4-FFF2-40B4-BE49-F238E27FC236}">
-                <a16:creationId xmlns:a16="http://schemas.microsoft.com/office/drawing/2014/main" id="{8ADFD55A-67BE-7D5E-1A53-41CD6A714E9B}"/>
-              </a:ext>
-            </a:extLst>
-          </p:cNvPr>
-          <p:cNvPicPr>
-            <a:picLocks noChangeAspect="1"/>
-          </p:cNvPicPr>
-          <p:nvPr/>
-        </p:nvPicPr>
-        <p:blipFill>
-          <a:blip r:embed="rId2">
-            <a:extLst>
-              <a:ext uri="{28A0092B-C50C-407E-A947-70E740481C1C}">
-                <a14:useLocalDpi xmlns:a14="http://schemas.microsoft.com/office/drawing/2010/main" val="0"/>
-              </a:ext>
-            </a:extLst>
-          </a:blip>
-          <a:stretch>
-            <a:fillRect/>
-          </a:stretch>
-        </p:blipFill>
-        <p:spPr>
-          <a:xfrm>
-            <a:off x="3058161" y="1513840"/>
-            <a:ext cx="2714625" cy="4826000"/>
-          </a:xfrm>
-          <a:prstGeom prst="rect">
-            <a:avLst/>
-          </a:prstGeom>
-        </p:spPr>
-      </p:pic>
-      <p:pic>
-        <p:nvPicPr>
-          <p:cNvPr id="9" name="Рисунок 8">
-            <a:extLst>
-              <a:ext uri="{FF2B5EF4-FFF2-40B4-BE49-F238E27FC236}">
-                <a16:creationId xmlns:a16="http://schemas.microsoft.com/office/drawing/2014/main" id="{7189A745-4522-5F2D-9AA2-44937AC36669}"/>
-              </a:ext>
-            </a:extLst>
-          </p:cNvPr>
-          <p:cNvPicPr>
-            <a:picLocks noChangeAspect="1"/>
-          </p:cNvPicPr>
-          <p:nvPr/>
-        </p:nvPicPr>
-        <p:blipFill>
-          <a:blip r:embed="rId3">
-            <a:extLst>
-              <a:ext uri="{28A0092B-C50C-407E-A947-70E740481C1C}">
-                <a14:useLocalDpi xmlns:a14="http://schemas.microsoft.com/office/drawing/2010/main" val="0"/>
-              </a:ext>
-            </a:extLst>
-          </a:blip>
-          <a:stretch>
-            <a:fillRect/>
-          </a:stretch>
-        </p:blipFill>
-        <p:spPr>
-          <a:xfrm>
-            <a:off x="6096000" y="1513840"/>
-            <a:ext cx="2714625" cy="4826000"/>
-          </a:xfrm>
-          <a:prstGeom prst="rect">
-            <a:avLst/>
-          </a:prstGeom>
-        </p:spPr>
-      </p:pic>
-    </p:spTree>
-    <p:extLst>
-      <p:ext uri="{BB962C8B-B14F-4D97-AF65-F5344CB8AC3E}">
-        <p14:creationId xmlns:p14="http://schemas.microsoft.com/office/powerpoint/2010/main" val="2547634922"/>
+        <p14:creationId xmlns:p14="http://schemas.microsoft.com/office/powerpoint/2010/main" val="1850665912"/>
       </p:ext>
     </p:extLst>
   </p:cSld>
@@ -12237,10 +8115,10 @@
       </p:grpSpPr>
       <p:sp>
         <p:nvSpPr>
-          <p:cNvPr id="3" name="TextBox 2">
-            <a:extLst>
-              <a:ext uri="{FF2B5EF4-FFF2-40B4-BE49-F238E27FC236}">
-                <a16:creationId xmlns:a16="http://schemas.microsoft.com/office/drawing/2014/main" id="{86EE00B9-A570-C4E8-2E30-AA07281C3451}"/>
+          <p:cNvPr id="7" name="TextBox 6">
+            <a:extLst>
+              <a:ext uri="{FF2B5EF4-FFF2-40B4-BE49-F238E27FC236}">
+                <a16:creationId xmlns:a16="http://schemas.microsoft.com/office/drawing/2014/main" id="{9D27C50F-E9EC-6B57-43A5-4491AB50AE56}"/>
               </a:ext>
             </a:extLst>
           </p:cNvPr>
@@ -12249,8 +8127,8 @@
         </p:nvSpPr>
         <p:spPr>
           <a:xfrm>
-            <a:off x="302003" y="249974"/>
-            <a:ext cx="6736075" cy="523220"/>
+            <a:off x="302003" y="238399"/>
+            <a:ext cx="1980735" cy="707886"/>
           </a:xfrm>
           <a:prstGeom prst="rect">
             <a:avLst/>
@@ -12264,35 +8142,22 @@
           <a:lstStyle/>
           <a:p>
             <a:r>
-              <a:rPr lang="ru-RU" sz="2800" dirty="0">
+              <a:rPr lang="ru-RU" sz="4000" dirty="0">
                 <a:solidFill>
                   <a:schemeClr val="bg1"/>
                 </a:solidFill>
               </a:rPr>
-              <a:t>Функционал приложения </a:t>
-            </a:r>
-            <a:r>
-              <a:rPr lang="en-US" sz="2800" dirty="0">
-                <a:solidFill>
-                  <a:schemeClr val="bg1"/>
-                </a:solidFill>
-              </a:rPr>
-              <a:t>“Travel Manager”</a:t>
-            </a:r>
-            <a:endParaRPr lang="ru-RU" sz="2800" dirty="0">
-              <a:solidFill>
-                <a:schemeClr val="bg1"/>
-              </a:solidFill>
-            </a:endParaRPr>
-          </a:p>
-        </p:txBody>
-      </p:sp>
-      <p:sp>
-        <p:nvSpPr>
-          <p:cNvPr id="4" name="TextBox 3">
-            <a:extLst>
-              <a:ext uri="{FF2B5EF4-FFF2-40B4-BE49-F238E27FC236}">
-                <a16:creationId xmlns:a16="http://schemas.microsoft.com/office/drawing/2014/main" id="{669E491D-49DC-8A60-0359-00D5001C95F5}"/>
+              <a:t>Продукт</a:t>
+            </a:r>
+          </a:p>
+        </p:txBody>
+      </p:sp>
+      <p:sp>
+        <p:nvSpPr>
+          <p:cNvPr id="9" name="TextBox 8">
+            <a:extLst>
+              <a:ext uri="{FF2B5EF4-FFF2-40B4-BE49-F238E27FC236}">
+                <a16:creationId xmlns:a16="http://schemas.microsoft.com/office/drawing/2014/main" id="{64404A34-3E84-AEB1-6F1B-1353420D25F9}"/>
               </a:ext>
             </a:extLst>
           </p:cNvPr>
@@ -12301,8 +8166,8 @@
         </p:nvSpPr>
         <p:spPr>
           <a:xfrm>
-            <a:off x="302003" y="793279"/>
-            <a:ext cx="10071475" cy="553998"/>
+            <a:off x="3000491" y="1740703"/>
+            <a:ext cx="2430024" cy="369332"/>
           </a:xfrm>
           <a:prstGeom prst="rect">
             <a:avLst/>
@@ -12316,28 +8181,80 @@
           <a:lstStyle/>
           <a:p>
             <a:r>
-              <a:rPr lang="ru-RU" sz="3000" dirty="0">
+              <a:rPr lang="ru-RU" dirty="0">
                 <a:solidFill>
                   <a:schemeClr val="bg1"/>
                 </a:solidFill>
               </a:rPr>
-              <a:t>Просмотр и редактирование поездки, добавление расходов</a:t>
-            </a:r>
-            <a:endParaRPr lang="ru-RU" sz="3000" dirty="0"/>
+              <a:t>Исходный код (</a:t>
+            </a:r>
+            <a:r>
+              <a:rPr lang="en-US" dirty="0">
+                <a:solidFill>
+                  <a:schemeClr val="bg1"/>
+                </a:solidFill>
+              </a:rPr>
+              <a:t>GitHub)</a:t>
+            </a:r>
+            <a:endParaRPr lang="ru-RU" dirty="0">
+              <a:solidFill>
+                <a:schemeClr val="bg1"/>
+              </a:solidFill>
+            </a:endParaRPr>
+          </a:p>
+        </p:txBody>
+      </p:sp>
+      <p:sp>
+        <p:nvSpPr>
+          <p:cNvPr id="10" name="TextBox 9">
+            <a:extLst>
+              <a:ext uri="{FF2B5EF4-FFF2-40B4-BE49-F238E27FC236}">
+                <a16:creationId xmlns:a16="http://schemas.microsoft.com/office/drawing/2014/main" id="{5E1FFED7-E9E8-80F5-FAF3-116F9B1A0257}"/>
+              </a:ext>
+            </a:extLst>
+          </p:cNvPr>
+          <p:cNvSpPr txBox="1"/>
+          <p:nvPr/>
+        </p:nvSpPr>
+        <p:spPr>
+          <a:xfrm>
+            <a:off x="6692927" y="1571864"/>
+            <a:ext cx="2963189" cy="646331"/>
+          </a:xfrm>
+          <a:prstGeom prst="rect">
+            <a:avLst/>
+          </a:prstGeom>
+          <a:noFill/>
+        </p:spPr>
+        <p:txBody>
+          <a:bodyPr wrap="square" rtlCol="0">
+            <a:spAutoFit/>
+          </a:bodyPr>
+          <a:lstStyle/>
+          <a:p>
+            <a:pPr algn="ctr"/>
+            <a:r>
+              <a:rPr lang="ru-RU" dirty="0">
+                <a:solidFill>
+                  <a:schemeClr val="bg1"/>
+                </a:solidFill>
+              </a:rPr>
+              <a:t>Телеграмм-канал с новостями и приложением</a:t>
+            </a:r>
           </a:p>
         </p:txBody>
       </p:sp>
       <p:pic>
         <p:nvPicPr>
-          <p:cNvPr id="8" name="Рисунок 7">
-            <a:extLst>
-              <a:ext uri="{FF2B5EF4-FFF2-40B4-BE49-F238E27FC236}">
-                <a16:creationId xmlns:a16="http://schemas.microsoft.com/office/drawing/2014/main" id="{ACAF5115-4848-5ED7-1997-A3065C0138B4}"/>
+          <p:cNvPr id="1026" name="Picture 2">
+            <a:extLst>
+              <a:ext uri="{FF2B5EF4-FFF2-40B4-BE49-F238E27FC236}">
+                <a16:creationId xmlns:a16="http://schemas.microsoft.com/office/drawing/2014/main" id="{9B0777A3-DE2D-030A-F786-937FC29F2A97}"/>
               </a:ext>
             </a:extLst>
           </p:cNvPr>
           <p:cNvPicPr>
-            <a:picLocks noChangeAspect="1"/>
+            <a:picLocks noChangeAspect="1" noChangeArrowheads="1"/>
           </p:cNvPicPr>
           <p:nvPr/>
         </p:nvPicPr>
@@ -12349,31 +8266,42 @@
               </a:ext>
             </a:extLst>
           </a:blip>
+          <a:srcRect/>
           <a:stretch>
             <a:fillRect/>
           </a:stretch>
         </p:blipFill>
-        <p:spPr>
+        <p:spPr bwMode="auto">
           <a:xfrm>
-            <a:off x="4744402" y="1676400"/>
-            <a:ext cx="2703195" cy="4805680"/>
+            <a:off x="2773743" y="2342184"/>
+            <a:ext cx="2883520" cy="2883520"/>
           </a:xfrm>
           <a:prstGeom prst="rect">
             <a:avLst/>
           </a:prstGeom>
+          <a:noFill/>
+          <a:extLst>
+            <a:ext uri="{909E8E84-426E-40DD-AFC4-6F175D3DCCD1}">
+              <a14:hiddenFill xmlns:a14="http://schemas.microsoft.com/office/drawing/2010/main">
+                <a:solidFill>
+                  <a:srgbClr val="FFFFFF"/>
+                </a:solidFill>
+              </a14:hiddenFill>
+            </a:ext>
+          </a:extLst>
         </p:spPr>
       </p:pic>
       <p:pic>
         <p:nvPicPr>
-          <p:cNvPr id="11" name="Рисунок 10">
-            <a:extLst>
-              <a:ext uri="{FF2B5EF4-FFF2-40B4-BE49-F238E27FC236}">
-                <a16:creationId xmlns:a16="http://schemas.microsoft.com/office/drawing/2014/main" id="{1BF7E53D-86C0-D650-A2DC-6563053ACAC7}"/>
+          <p:cNvPr id="1028" name="Picture 4">
+            <a:extLst>
+              <a:ext uri="{FF2B5EF4-FFF2-40B4-BE49-F238E27FC236}">
+                <a16:creationId xmlns:a16="http://schemas.microsoft.com/office/drawing/2014/main" id="{BC5E469B-EF88-D47E-A296-382817ECA637}"/>
               </a:ext>
             </a:extLst>
           </p:cNvPr>
           <p:cNvPicPr>
-            <a:picLocks noChangeAspect="1"/>
+            <a:picLocks noChangeAspect="1" noChangeArrowheads="1"/>
           </p:cNvPicPr>
           <p:nvPr/>
         </p:nvPicPr>
@@ -12385,60 +8313,160 @@
               </a:ext>
             </a:extLst>
           </a:blip>
+          <a:srcRect/>
           <a:stretch>
             <a:fillRect/>
           </a:stretch>
         </p:blipFill>
-        <p:spPr>
+        <p:spPr bwMode="auto">
           <a:xfrm>
-            <a:off x="7792029" y="1676398"/>
-            <a:ext cx="2703196" cy="4805682"/>
+            <a:off x="6758085" y="2327673"/>
+            <a:ext cx="2898031" cy="2898031"/>
           </a:xfrm>
           <a:prstGeom prst="rect">
             <a:avLst/>
           </a:prstGeom>
+          <a:noFill/>
+          <a:extLst>
+            <a:ext uri="{909E8E84-426E-40DD-AFC4-6F175D3DCCD1}">
+              <a14:hiddenFill xmlns:a14="http://schemas.microsoft.com/office/drawing/2010/main">
+                <a:solidFill>
+                  <a:srgbClr val="FFFFFF"/>
+                </a:solidFill>
+              </a14:hiddenFill>
+            </a:ext>
+          </a:extLst>
         </p:spPr>
       </p:pic>
-      <p:pic>
-        <p:nvPicPr>
-          <p:cNvPr id="13" name="Рисунок 12">
-            <a:extLst>
-              <a:ext uri="{FF2B5EF4-FFF2-40B4-BE49-F238E27FC236}">
-                <a16:creationId xmlns:a16="http://schemas.microsoft.com/office/drawing/2014/main" id="{40D058F1-D51C-276C-9093-414A3102B2A6}"/>
-              </a:ext>
-            </a:extLst>
-          </p:cNvPr>
-          <p:cNvPicPr>
-            <a:picLocks noChangeAspect="1"/>
-          </p:cNvPicPr>
+      <p:grpSp>
+        <p:nvGrpSpPr>
+          <p:cNvPr id="17" name="Группа 16">
+            <a:extLst>
+              <a:ext uri="{FF2B5EF4-FFF2-40B4-BE49-F238E27FC236}">
+                <a16:creationId xmlns:a16="http://schemas.microsoft.com/office/drawing/2014/main" id="{EF114D4B-74A8-DD25-52EC-24E81888C98A}"/>
+              </a:ext>
+            </a:extLst>
+          </p:cNvPr>
+          <p:cNvGrpSpPr/>
           <p:nvPr/>
-        </p:nvPicPr>
-        <p:blipFill>
-          <a:blip r:embed="rId4">
-            <a:extLst>
-              <a:ext uri="{28A0092B-C50C-407E-A947-70E740481C1C}">
-                <a14:useLocalDpi xmlns:a14="http://schemas.microsoft.com/office/drawing/2010/main" val="0"/>
-              </a:ext>
-            </a:extLst>
-          </a:blip>
-          <a:stretch>
-            <a:fillRect/>
-          </a:stretch>
-        </p:blipFill>
-        <p:spPr>
+        </p:nvGrpSpPr>
+        <p:grpSpPr>
           <a:xfrm>
-            <a:off x="1696775" y="1676396"/>
-            <a:ext cx="2703195" cy="4805680"/>
-          </a:xfrm>
-          <a:prstGeom prst="rect">
-            <a:avLst/>
-          </a:prstGeom>
-        </p:spPr>
-      </p:pic>
+            <a:off x="5003973" y="7315200"/>
+            <a:ext cx="2184054" cy="2184054"/>
+            <a:chOff x="4157240" y="2338086"/>
+            <a:chExt cx="3877519" cy="3877519"/>
+          </a:xfrm>
+        </p:grpSpPr>
+        <p:sp>
+          <p:nvSpPr>
+            <p:cNvPr id="18" name="Овал 17">
+              <a:extLst>
+                <a:ext uri="{FF2B5EF4-FFF2-40B4-BE49-F238E27FC236}">
+                  <a16:creationId xmlns:a16="http://schemas.microsoft.com/office/drawing/2014/main" id="{43932507-1413-9C52-9515-47E52C2E25C1}"/>
+                </a:ext>
+              </a:extLst>
+            </p:cNvPr>
+            <p:cNvSpPr/>
+            <p:nvPr/>
+          </p:nvSpPr>
+          <p:spPr>
+            <a:xfrm>
+              <a:off x="4157240" y="2338086"/>
+              <a:ext cx="3877519" cy="3877519"/>
+            </a:xfrm>
+            <a:prstGeom prst="ellipse">
+              <a:avLst/>
+            </a:prstGeom>
+            <a:solidFill>
+              <a:schemeClr val="tx2">
+                <a:lumMod val="75000"/>
+              </a:schemeClr>
+            </a:solidFill>
+            <a:ln>
+              <a:noFill/>
+            </a:ln>
+            <a:effectLst>
+              <a:outerShdw blurRad="149987" dist="250190" dir="8460000" algn="ctr">
+                <a:srgbClr val="000000">
+                  <a:alpha val="28000"/>
+                </a:srgbClr>
+              </a:outerShdw>
+            </a:effectLst>
+            <a:scene3d>
+              <a:camera prst="orthographicFront">
+                <a:rot lat="0" lon="0" rev="0"/>
+              </a:camera>
+              <a:lightRig rig="contrasting" dir="t">
+                <a:rot lat="0" lon="0" rev="1500000"/>
+              </a:lightRig>
+            </a:scene3d>
+            <a:sp3d prstMaterial="metal">
+              <a:bevelT w="88900" h="88900"/>
+            </a:sp3d>
+          </p:spPr>
+          <p:style>
+            <a:lnRef idx="2">
+              <a:schemeClr val="accent1">
+                <a:shade val="15000"/>
+              </a:schemeClr>
+            </a:lnRef>
+            <a:fillRef idx="1">
+              <a:schemeClr val="accent1"/>
+            </a:fillRef>
+            <a:effectRef idx="0">
+              <a:schemeClr val="accent1"/>
+            </a:effectRef>
+            <a:fontRef idx="minor">
+              <a:schemeClr val="lt1"/>
+            </a:fontRef>
+          </p:style>
+          <p:txBody>
+            <a:bodyPr rtlCol="0" anchor="ctr"/>
+            <a:lstStyle/>
+            <a:p>
+              <a:pPr algn="ctr"/>
+              <a:endParaRPr lang="ru-RU"/>
+            </a:p>
+          </p:txBody>
+        </p:sp>
+        <p:pic>
+          <p:nvPicPr>
+            <p:cNvPr id="19" name="Рисунок 18">
+              <a:extLst>
+                <a:ext uri="{FF2B5EF4-FFF2-40B4-BE49-F238E27FC236}">
+                  <a16:creationId xmlns:a16="http://schemas.microsoft.com/office/drawing/2014/main" id="{9F618CE2-36BC-9540-670A-51E554E53DFA}"/>
+                </a:ext>
+              </a:extLst>
+            </p:cNvPr>
+            <p:cNvPicPr>
+              <a:picLocks noChangeAspect="1"/>
+            </p:cNvPicPr>
+            <p:nvPr/>
+          </p:nvPicPr>
+          <p:blipFill>
+            <a:blip r:embed="rId4">
+              <a:lum bright="70000" contrast="-70000"/>
+            </a:blip>
+            <a:stretch>
+              <a:fillRect/>
+            </a:stretch>
+          </p:blipFill>
+          <p:spPr>
+            <a:xfrm>
+              <a:off x="4377368" y="2558214"/>
+              <a:ext cx="3437262" cy="3437262"/>
+            </a:xfrm>
+            <a:prstGeom prst="rect">
+              <a:avLst/>
+            </a:prstGeom>
+          </p:spPr>
+        </p:pic>
+      </p:grpSp>
     </p:spTree>
     <p:extLst>
       <p:ext uri="{BB962C8B-B14F-4D97-AF65-F5344CB8AC3E}">
-        <p14:creationId xmlns:p14="http://schemas.microsoft.com/office/powerpoint/2010/main" val="943992096"/>
+        <p14:creationId xmlns:p14="http://schemas.microsoft.com/office/powerpoint/2010/main" val="3529872326"/>
       </p:ext>
     </p:extLst>
   </p:cSld>
